--- a/presentations/Introduction to Mockito.pptx
+++ b/presentations/Introduction to Mockito.pptx
@@ -7,13 +7,14 @@
   <p:sldIdLst>
     <p:sldId id="256" r:id="rId2"/>
     <p:sldId id="257" r:id="rId3"/>
-    <p:sldId id="258" r:id="rId4"/>
-    <p:sldId id="259" r:id="rId5"/>
-    <p:sldId id="260" r:id="rId6"/>
-    <p:sldId id="261" r:id="rId7"/>
-    <p:sldId id="262" r:id="rId8"/>
-    <p:sldId id="263" r:id="rId9"/>
-    <p:sldId id="264" r:id="rId10"/>
+    <p:sldId id="265" r:id="rId4"/>
+    <p:sldId id="258" r:id="rId5"/>
+    <p:sldId id="259" r:id="rId6"/>
+    <p:sldId id="260" r:id="rId7"/>
+    <p:sldId id="261" r:id="rId8"/>
+    <p:sldId id="262" r:id="rId9"/>
+    <p:sldId id="263" r:id="rId10"/>
+    <p:sldId id="264" r:id="rId11"/>
   </p:sldIdLst>
   <p:sldSz cx="12192000" cy="6858000"/>
   <p:notesSz cx="6858000" cy="9144000"/>
@@ -267,7 +268,7 @@
           <a:p>
             <a:fld id="{B38EF465-D677-F140-82CD-891C0463380E}" type="datetimeFigureOut">
               <a:rPr lang="en-US" smtClean="0"/>
-              <a:t>8/8/21</a:t>
+              <a:t>10/18/21</a:t>
             </a:fld>
             <a:endParaRPr lang="en-US"/>
           </a:p>
@@ -465,7 +466,7 @@
           <a:p>
             <a:fld id="{B38EF465-D677-F140-82CD-891C0463380E}" type="datetimeFigureOut">
               <a:rPr lang="en-US" smtClean="0"/>
-              <a:t>8/8/21</a:t>
+              <a:t>10/18/21</a:t>
             </a:fld>
             <a:endParaRPr lang="en-US"/>
           </a:p>
@@ -673,7 +674,7 @@
           <a:p>
             <a:fld id="{B38EF465-D677-F140-82CD-891C0463380E}" type="datetimeFigureOut">
               <a:rPr lang="en-US" smtClean="0"/>
-              <a:t>8/8/21</a:t>
+              <a:t>10/18/21</a:t>
             </a:fld>
             <a:endParaRPr lang="en-US"/>
           </a:p>
@@ -871,7 +872,7 @@
           <a:p>
             <a:fld id="{B38EF465-D677-F140-82CD-891C0463380E}" type="datetimeFigureOut">
               <a:rPr lang="en-US" smtClean="0"/>
-              <a:t>8/8/21</a:t>
+              <a:t>10/18/21</a:t>
             </a:fld>
             <a:endParaRPr lang="en-US"/>
           </a:p>
@@ -1146,7 +1147,7 @@
           <a:p>
             <a:fld id="{B38EF465-D677-F140-82CD-891C0463380E}" type="datetimeFigureOut">
               <a:rPr lang="en-US" smtClean="0"/>
-              <a:t>8/8/21</a:t>
+              <a:t>10/18/21</a:t>
             </a:fld>
             <a:endParaRPr lang="en-US"/>
           </a:p>
@@ -1411,7 +1412,7 @@
           <a:p>
             <a:fld id="{B38EF465-D677-F140-82CD-891C0463380E}" type="datetimeFigureOut">
               <a:rPr lang="en-US" smtClean="0"/>
-              <a:t>8/8/21</a:t>
+              <a:t>10/18/21</a:t>
             </a:fld>
             <a:endParaRPr lang="en-US"/>
           </a:p>
@@ -1823,7 +1824,7 @@
           <a:p>
             <a:fld id="{B38EF465-D677-F140-82CD-891C0463380E}" type="datetimeFigureOut">
               <a:rPr lang="en-US" smtClean="0"/>
-              <a:t>8/8/21</a:t>
+              <a:t>10/18/21</a:t>
             </a:fld>
             <a:endParaRPr lang="en-US"/>
           </a:p>
@@ -1964,7 +1965,7 @@
           <a:p>
             <a:fld id="{B38EF465-D677-F140-82CD-891C0463380E}" type="datetimeFigureOut">
               <a:rPr lang="en-US" smtClean="0"/>
-              <a:t>8/8/21</a:t>
+              <a:t>10/18/21</a:t>
             </a:fld>
             <a:endParaRPr lang="en-US"/>
           </a:p>
@@ -2077,7 +2078,7 @@
           <a:p>
             <a:fld id="{B38EF465-D677-F140-82CD-891C0463380E}" type="datetimeFigureOut">
               <a:rPr lang="en-US" smtClean="0"/>
-              <a:t>8/8/21</a:t>
+              <a:t>10/18/21</a:t>
             </a:fld>
             <a:endParaRPr lang="en-US"/>
           </a:p>
@@ -2388,7 +2389,7 @@
           <a:p>
             <a:fld id="{B38EF465-D677-F140-82CD-891C0463380E}" type="datetimeFigureOut">
               <a:rPr lang="en-US" smtClean="0"/>
-              <a:t>8/8/21</a:t>
+              <a:t>10/18/21</a:t>
             </a:fld>
             <a:endParaRPr lang="en-US"/>
           </a:p>
@@ -2676,7 +2677,7 @@
           <a:p>
             <a:fld id="{B38EF465-D677-F140-82CD-891C0463380E}" type="datetimeFigureOut">
               <a:rPr lang="en-US" smtClean="0"/>
-              <a:t>8/8/21</a:t>
+              <a:t>10/18/21</a:t>
             </a:fld>
             <a:endParaRPr lang="en-US"/>
           </a:p>
@@ -2917,7 +2918,7 @@
           <a:p>
             <a:fld id="{B38EF465-D677-F140-82CD-891C0463380E}" type="datetimeFigureOut">
               <a:rPr lang="en-US" smtClean="0"/>
-              <a:t>8/8/21</a:t>
+              <a:t>10/18/21</a:t>
             </a:fld>
             <a:endParaRPr lang="en-US"/>
           </a:p>
@@ -3356,12 +3357,8 @@
           <a:lstStyle/>
           <a:p>
             <a:r>
-              <a:rPr lang="en-US"/>
-              <a:t>Mockito </a:t>
-            </a:r>
-            <a:r>
               <a:rPr lang="en-US" dirty="0"/>
-              <a:t>Framework</a:t>
+              <a:t>Introduction to Mockito</a:t>
             </a:r>
           </a:p>
         </p:txBody>
@@ -3398,6 +3395,86 @@
     <p:extLst>
       <p:ext uri="{BB962C8B-B14F-4D97-AF65-F5344CB8AC3E}">
         <p14:creationId xmlns:p14="http://schemas.microsoft.com/office/powerpoint/2010/main" val="162060597"/>
+      </p:ext>
+    </p:extLst>
+  </p:cSld>
+  <p:clrMapOvr>
+    <a:masterClrMapping/>
+  </p:clrMapOvr>
+</p:sld>
+</file>
+
+<file path=ppt/slides/slide10.xml><?xml version="1.0" encoding="utf-8"?>
+<p:sld xmlns:a="http://schemas.openxmlformats.org/drawingml/2006/main" xmlns:r="http://schemas.openxmlformats.org/officeDocument/2006/relationships" xmlns:p="http://schemas.openxmlformats.org/presentationml/2006/main">
+  <p:cSld>
+    <p:spTree>
+      <p:nvGrpSpPr>
+        <p:cNvPr id="1" name=""/>
+        <p:cNvGrpSpPr/>
+        <p:nvPr/>
+      </p:nvGrpSpPr>
+      <p:grpSpPr>
+        <a:xfrm>
+          <a:off x="0" y="0"/>
+          <a:ext cx="0" cy="0"/>
+          <a:chOff x="0" y="0"/>
+          <a:chExt cx="0" cy="0"/>
+        </a:xfrm>
+      </p:grpSpPr>
+      <p:sp>
+        <p:nvSpPr>
+          <p:cNvPr id="2" name="Title 1">
+            <a:extLst>
+              <a:ext uri="{FF2B5EF4-FFF2-40B4-BE49-F238E27FC236}">
+                <a16:creationId xmlns:a16="http://schemas.microsoft.com/office/drawing/2014/main" id="{EF948449-51E6-9148-82F6-455F26533FA8}"/>
+              </a:ext>
+            </a:extLst>
+          </p:cNvPr>
+          <p:cNvSpPr>
+            <a:spLocks noGrp="1"/>
+          </p:cNvSpPr>
+          <p:nvPr>
+            <p:ph type="title"/>
+          </p:nvPr>
+        </p:nvSpPr>
+        <p:spPr/>
+        <p:txBody>
+          <a:bodyPr/>
+          <a:lstStyle/>
+          <a:p>
+            <a:endParaRPr lang="en-US"/>
+          </a:p>
+        </p:txBody>
+      </p:sp>
+      <p:sp>
+        <p:nvSpPr>
+          <p:cNvPr id="3" name="Content Placeholder 2">
+            <a:extLst>
+              <a:ext uri="{FF2B5EF4-FFF2-40B4-BE49-F238E27FC236}">
+                <a16:creationId xmlns:a16="http://schemas.microsoft.com/office/drawing/2014/main" id="{813F127E-461D-714F-B0A3-A39A056EAE55}"/>
+              </a:ext>
+            </a:extLst>
+          </p:cNvPr>
+          <p:cNvSpPr>
+            <a:spLocks noGrp="1"/>
+          </p:cNvSpPr>
+          <p:nvPr>
+            <p:ph idx="1"/>
+          </p:nvPr>
+        </p:nvSpPr>
+        <p:spPr/>
+        <p:txBody>
+          <a:bodyPr/>
+          <a:lstStyle/>
+          <a:p>
+            <a:endParaRPr lang="en-US"/>
+          </a:p>
+        </p:txBody>
+      </p:sp>
+    </p:spTree>
+    <p:extLst>
+      <p:ext uri="{BB962C8B-B14F-4D97-AF65-F5344CB8AC3E}">
+        <p14:creationId xmlns:p14="http://schemas.microsoft.com/office/powerpoint/2010/main" val="3225130834"/>
       </p:ext>
     </p:extLst>
   </p:cSld>
@@ -3445,7 +3522,10 @@
           <a:bodyPr/>
           <a:lstStyle/>
           <a:p>
-            <a:endParaRPr lang="en-US"/>
+            <a:r>
+              <a:rPr lang="en-US" dirty="0"/>
+              <a:t>Why do we need Mockito?</a:t>
+            </a:r>
           </a:p>
         </p:txBody>
       </p:sp>
@@ -3470,7 +3550,41 @@
           <a:bodyPr/>
           <a:lstStyle/>
           <a:p>
-            <a:endParaRPr lang="en-US"/>
+            <a:r>
+              <a:rPr lang="en-US" dirty="0"/>
+              <a:t>Unit tests need to be isolated from slow dependencies: web services, databases, message queues, etc.</a:t>
+            </a:r>
+          </a:p>
+          <a:p>
+            <a:r>
+              <a:rPr lang="en-US" dirty="0"/>
+              <a:t>Mockito allows ask questions about interactions after execution of the SUT. </a:t>
+            </a:r>
+          </a:p>
+          <a:p>
+            <a:pPr lvl="1"/>
+            <a:r>
+              <a:rPr lang="en-US" dirty="0"/>
+              <a:t>Verify the interactions that you are interested in and ignore the irrelevant interactions.</a:t>
+            </a:r>
+          </a:p>
+          <a:p>
+            <a:r>
+              <a:rPr lang="en-US" dirty="0"/>
+              <a:t>Mockito mocks are often </a:t>
+            </a:r>
+            <a:r>
+              <a:rPr lang="en-US" i="1" dirty="0"/>
+              <a:t>ready</a:t>
+            </a:r>
+            <a:r>
+              <a:rPr lang="en-US" dirty="0"/>
+              <a:t> without expensive setup upfront.</a:t>
+            </a:r>
+          </a:p>
+          <a:p>
+            <a:pPr lvl="1"/>
+            <a:endParaRPr lang="en-US" dirty="0"/>
           </a:p>
         </p:txBody>
       </p:sp>
@@ -3509,7 +3623,7 @@
           <p:cNvPr id="2" name="Title 1">
             <a:extLst>
               <a:ext uri="{FF2B5EF4-FFF2-40B4-BE49-F238E27FC236}">
-                <a16:creationId xmlns:a16="http://schemas.microsoft.com/office/drawing/2014/main" id="{BDB22E06-8907-5D47-AEE0-EFE4022FF600}"/>
+                <a16:creationId xmlns:a16="http://schemas.microsoft.com/office/drawing/2014/main" id="{03B7E828-A870-554F-9976-8F0C60EF9A9D}"/>
               </a:ext>
             </a:extLst>
           </p:cNvPr>
@@ -3525,7 +3639,10 @@
           <a:bodyPr/>
           <a:lstStyle/>
           <a:p>
-            <a:endParaRPr lang="en-US"/>
+            <a:r>
+              <a:rPr lang="en-US" dirty="0"/>
+              <a:t>Mockito features</a:t>
+            </a:r>
           </a:p>
         </p:txBody>
       </p:sp>
@@ -3534,7 +3651,7 @@
           <p:cNvPr id="3" name="Content Placeholder 2">
             <a:extLst>
               <a:ext uri="{FF2B5EF4-FFF2-40B4-BE49-F238E27FC236}">
-                <a16:creationId xmlns:a16="http://schemas.microsoft.com/office/drawing/2014/main" id="{F51E78BE-4CA6-1A43-834B-CDBC31501506}"/>
+                <a16:creationId xmlns:a16="http://schemas.microsoft.com/office/drawing/2014/main" id="{24A416D8-A271-4E4D-9E69-4D5BBD0A500D}"/>
               </a:ext>
             </a:extLst>
           </p:cNvPr>
@@ -3547,17 +3664,97 @@
         </p:nvSpPr>
         <p:spPr/>
         <p:txBody>
-          <a:bodyPr/>
-          <a:lstStyle/>
-          <a:p>
-            <a:endParaRPr lang="en-US"/>
+          <a:bodyPr>
+            <a:normAutofit lnSpcReduction="10000"/>
+          </a:bodyPr>
+          <a:lstStyle/>
+          <a:p>
+            <a:r>
+              <a:rPr lang="en-US" dirty="0"/>
+              <a:t>Mocks concrete classes and interfaces.</a:t>
+            </a:r>
+          </a:p>
+          <a:p>
+            <a:r>
+              <a:rPr lang="en-US" dirty="0"/>
+              <a:t>Minimal annotation syntax sugar: @Mock.</a:t>
+            </a:r>
+          </a:p>
+          <a:p>
+            <a:r>
+              <a:rPr lang="en-US" dirty="0"/>
+              <a:t>Clean verification errors with stack traces that are hyperlinked to code in IDE. </a:t>
+            </a:r>
+          </a:p>
+          <a:p>
+            <a:r>
+              <a:rPr lang="en-US" dirty="0"/>
+              <a:t>Optional interaction verification and flexible with verification order.</a:t>
+            </a:r>
+          </a:p>
+          <a:p>
+            <a:r>
+              <a:rPr lang="en-US" dirty="0"/>
+              <a:t>Supports exact-number-of-times and at-least-once interaction verification.</a:t>
+            </a:r>
+          </a:p>
+          <a:p>
+            <a:r>
+              <a:rPr lang="en-US" dirty="0"/>
+              <a:t>Flexible argument matchers and custom argument matcher support. </a:t>
+            </a:r>
+          </a:p>
+          <a:p>
+            <a:pPr lvl="1"/>
+            <a:r>
+              <a:rPr lang="en-US" dirty="0" err="1"/>
+              <a:t>anyObject</a:t>
+            </a:r>
+            <a:r>
+              <a:rPr lang="en-US" dirty="0"/>
+              <a:t>(), </a:t>
+            </a:r>
+            <a:r>
+              <a:rPr lang="en-US" dirty="0" err="1"/>
+              <a:t>anyString</a:t>
+            </a:r>
+            <a:r>
+              <a:rPr lang="en-US" dirty="0"/>
+              <a:t>() or </a:t>
+            </a:r>
+            <a:r>
+              <a:rPr lang="en-US" dirty="0" err="1"/>
+              <a:t>refEq</a:t>
+            </a:r>
+            <a:r>
+              <a:rPr lang="en-US" dirty="0"/>
+              <a:t>() for reflection-based equality matching.</a:t>
+            </a:r>
+          </a:p>
+          <a:p>
+            <a:pPr lvl="1"/>
+            <a:r>
+              <a:rPr lang="en-US" dirty="0"/>
+              <a:t>Allows using existing </a:t>
+            </a:r>
+            <a:r>
+              <a:rPr lang="en-US" dirty="0" err="1"/>
+              <a:t>Hamcrest</a:t>
+            </a:r>
+            <a:r>
+              <a:rPr lang="en-US" dirty="0"/>
+              <a:t> matchers.</a:t>
+            </a:r>
+          </a:p>
+          <a:p>
+            <a:endParaRPr lang="en-US" dirty="0"/>
           </a:p>
         </p:txBody>
       </p:sp>
     </p:spTree>
     <p:extLst>
       <p:ext uri="{BB962C8B-B14F-4D97-AF65-F5344CB8AC3E}">
-        <p14:creationId xmlns:p14="http://schemas.microsoft.com/office/powerpoint/2010/main" val="690069578"/>
+        <p14:creationId xmlns:p14="http://schemas.microsoft.com/office/powerpoint/2010/main" val="105786952"/>
       </p:ext>
     </p:extLst>
   </p:cSld>
@@ -3589,7 +3786,7 @@
           <p:cNvPr id="2" name="Title 1">
             <a:extLst>
               <a:ext uri="{FF2B5EF4-FFF2-40B4-BE49-F238E27FC236}">
-                <a16:creationId xmlns:a16="http://schemas.microsoft.com/office/drawing/2014/main" id="{0ACB1337-375E-2245-A7F2-5ADAEF06D81E}"/>
+                <a16:creationId xmlns:a16="http://schemas.microsoft.com/office/drawing/2014/main" id="{BDB22E06-8907-5D47-AEE0-EFE4022FF600}"/>
               </a:ext>
             </a:extLst>
           </p:cNvPr>
@@ -3605,7 +3802,10 @@
           <a:bodyPr/>
           <a:lstStyle/>
           <a:p>
-            <a:endParaRPr lang="en-US"/>
+            <a:r>
+              <a:rPr lang="en-US" dirty="0"/>
+              <a:t>Test doubles supported by Mockito</a:t>
+            </a:r>
           </a:p>
         </p:txBody>
       </p:sp>
@@ -3614,7 +3814,7 @@
           <p:cNvPr id="3" name="Content Placeholder 2">
             <a:extLst>
               <a:ext uri="{FF2B5EF4-FFF2-40B4-BE49-F238E27FC236}">
-                <a16:creationId xmlns:a16="http://schemas.microsoft.com/office/drawing/2014/main" id="{01CB3B59-9643-F348-A490-6422BCB91D84}"/>
+                <a16:creationId xmlns:a16="http://schemas.microsoft.com/office/drawing/2014/main" id="{F51E78BE-4CA6-1A43-834B-CDBC31501506}"/>
               </a:ext>
             </a:extLst>
           </p:cNvPr>
@@ -3630,14 +3830,80 @@
           <a:bodyPr/>
           <a:lstStyle/>
           <a:p>
-            <a:endParaRPr lang="en-US"/>
+            <a:r>
+              <a:rPr lang="en-US" dirty="0"/>
+              <a:t>Stubs</a:t>
+            </a:r>
+          </a:p>
+          <a:p>
+            <a:pPr lvl="1"/>
+            <a:r>
+              <a:rPr lang="en-US" dirty="0"/>
+              <a:t>Stub before SUT execution.</a:t>
+            </a:r>
+          </a:p>
+          <a:p>
+            <a:pPr lvl="1"/>
+            <a:r>
+              <a:rPr lang="en-US" dirty="0"/>
+              <a:t>No interaction verification after SUT execution. </a:t>
+            </a:r>
+          </a:p>
+          <a:p>
+            <a:r>
+              <a:rPr lang="en-US" dirty="0"/>
+              <a:t>Mocks</a:t>
+            </a:r>
+          </a:p>
+          <a:p>
+            <a:pPr lvl="1"/>
+            <a:r>
+              <a:rPr lang="en-US" dirty="0"/>
+              <a:t>Stub before SUT execution. </a:t>
+            </a:r>
+          </a:p>
+          <a:p>
+            <a:pPr lvl="1"/>
+            <a:r>
+              <a:rPr lang="en-US" dirty="0"/>
+              <a:t>Verify the interaction after SUT execution.</a:t>
+            </a:r>
+          </a:p>
+          <a:p>
+            <a:r>
+              <a:rPr lang="en-US" dirty="0"/>
+              <a:t>Spies</a:t>
+            </a:r>
+          </a:p>
+          <a:p>
+            <a:pPr lvl="1"/>
+            <a:r>
+              <a:rPr lang="en-US" dirty="0"/>
+              <a:t>Allows implementing only the methods of interest and leave the rest abstract.</a:t>
+            </a:r>
+          </a:p>
+          <a:p>
+            <a:pPr lvl="1"/>
+            <a:r>
+              <a:rPr lang="en-US" dirty="0">
+                <a:hlinkClick r:id="rId2"/>
+              </a:rPr>
+              <a:t>https://github.com/mockito/mockito/wiki/Using-Spies-%28and-Fakes%29</a:t>
+            </a:r>
+            <a:endParaRPr lang="en-US" dirty="0"/>
+          </a:p>
+          <a:p>
+            <a:pPr marL="457200" lvl="1" indent="0">
+              <a:buNone/>
+            </a:pPr>
+            <a:endParaRPr lang="en-US" dirty="0"/>
           </a:p>
         </p:txBody>
       </p:sp>
     </p:spTree>
     <p:extLst>
       <p:ext uri="{BB962C8B-B14F-4D97-AF65-F5344CB8AC3E}">
-        <p14:creationId xmlns:p14="http://schemas.microsoft.com/office/powerpoint/2010/main" val="3431082857"/>
+        <p14:creationId xmlns:p14="http://schemas.microsoft.com/office/powerpoint/2010/main" val="690069578"/>
       </p:ext>
     </p:extLst>
   </p:cSld>
@@ -3669,7 +3935,7 @@
           <p:cNvPr id="2" name="Title 1">
             <a:extLst>
               <a:ext uri="{FF2B5EF4-FFF2-40B4-BE49-F238E27FC236}">
-                <a16:creationId xmlns:a16="http://schemas.microsoft.com/office/drawing/2014/main" id="{3D8AD980-BEFA-BA45-BA79-2E3EE8AA0ECF}"/>
+                <a16:creationId xmlns:a16="http://schemas.microsoft.com/office/drawing/2014/main" id="{0ACB1337-375E-2245-A7F2-5ADAEF06D81E}"/>
               </a:ext>
             </a:extLst>
           </p:cNvPr>
@@ -3694,7 +3960,7 @@
           <p:cNvPr id="3" name="Content Placeholder 2">
             <a:extLst>
               <a:ext uri="{FF2B5EF4-FFF2-40B4-BE49-F238E27FC236}">
-                <a16:creationId xmlns:a16="http://schemas.microsoft.com/office/drawing/2014/main" id="{EFC440CD-5D93-D246-BC4D-08A4EE439B45}"/>
+                <a16:creationId xmlns:a16="http://schemas.microsoft.com/office/drawing/2014/main" id="{01CB3B59-9643-F348-A490-6422BCB91D84}"/>
               </a:ext>
             </a:extLst>
           </p:cNvPr>
@@ -3717,7 +3983,7 @@
     </p:spTree>
     <p:extLst>
       <p:ext uri="{BB962C8B-B14F-4D97-AF65-F5344CB8AC3E}">
-        <p14:creationId xmlns:p14="http://schemas.microsoft.com/office/powerpoint/2010/main" val="3033223310"/>
+        <p14:creationId xmlns:p14="http://schemas.microsoft.com/office/powerpoint/2010/main" val="3431082857"/>
       </p:ext>
     </p:extLst>
   </p:cSld>
@@ -3749,7 +4015,7 @@
           <p:cNvPr id="2" name="Title 1">
             <a:extLst>
               <a:ext uri="{FF2B5EF4-FFF2-40B4-BE49-F238E27FC236}">
-                <a16:creationId xmlns:a16="http://schemas.microsoft.com/office/drawing/2014/main" id="{86C860B7-32F1-AE46-8944-4BDA7C647312}"/>
+                <a16:creationId xmlns:a16="http://schemas.microsoft.com/office/drawing/2014/main" id="{3D8AD980-BEFA-BA45-BA79-2E3EE8AA0ECF}"/>
               </a:ext>
             </a:extLst>
           </p:cNvPr>
@@ -3774,7 +4040,7 @@
           <p:cNvPr id="3" name="Content Placeholder 2">
             <a:extLst>
               <a:ext uri="{FF2B5EF4-FFF2-40B4-BE49-F238E27FC236}">
-                <a16:creationId xmlns:a16="http://schemas.microsoft.com/office/drawing/2014/main" id="{52E68A71-BC17-5D4F-BC93-8B7E374EBDDC}"/>
+                <a16:creationId xmlns:a16="http://schemas.microsoft.com/office/drawing/2014/main" id="{EFC440CD-5D93-D246-BC4D-08A4EE439B45}"/>
               </a:ext>
             </a:extLst>
           </p:cNvPr>
@@ -3797,7 +4063,7 @@
     </p:spTree>
     <p:extLst>
       <p:ext uri="{BB962C8B-B14F-4D97-AF65-F5344CB8AC3E}">
-        <p14:creationId xmlns:p14="http://schemas.microsoft.com/office/powerpoint/2010/main" val="3096622250"/>
+        <p14:creationId xmlns:p14="http://schemas.microsoft.com/office/powerpoint/2010/main" val="3033223310"/>
       </p:ext>
     </p:extLst>
   </p:cSld>
@@ -3829,7 +4095,7 @@
           <p:cNvPr id="2" name="Title 1">
             <a:extLst>
               <a:ext uri="{FF2B5EF4-FFF2-40B4-BE49-F238E27FC236}">
-                <a16:creationId xmlns:a16="http://schemas.microsoft.com/office/drawing/2014/main" id="{0721C84B-4C4A-C94C-8F18-7F1C16D2A1F4}"/>
+                <a16:creationId xmlns:a16="http://schemas.microsoft.com/office/drawing/2014/main" id="{86C860B7-32F1-AE46-8944-4BDA7C647312}"/>
               </a:ext>
             </a:extLst>
           </p:cNvPr>
@@ -3854,7 +4120,7 @@
           <p:cNvPr id="3" name="Content Placeholder 2">
             <a:extLst>
               <a:ext uri="{FF2B5EF4-FFF2-40B4-BE49-F238E27FC236}">
-                <a16:creationId xmlns:a16="http://schemas.microsoft.com/office/drawing/2014/main" id="{145FAC0A-9F40-C942-9675-DED9A8D58FF7}"/>
+                <a16:creationId xmlns:a16="http://schemas.microsoft.com/office/drawing/2014/main" id="{52E68A71-BC17-5D4F-BC93-8B7E374EBDDC}"/>
               </a:ext>
             </a:extLst>
           </p:cNvPr>
@@ -3877,7 +4143,7 @@
     </p:spTree>
     <p:extLst>
       <p:ext uri="{BB962C8B-B14F-4D97-AF65-F5344CB8AC3E}">
-        <p14:creationId xmlns:p14="http://schemas.microsoft.com/office/powerpoint/2010/main" val="3851587936"/>
+        <p14:creationId xmlns:p14="http://schemas.microsoft.com/office/powerpoint/2010/main" val="3096622250"/>
       </p:ext>
     </p:extLst>
   </p:cSld>
@@ -3909,7 +4175,7 @@
           <p:cNvPr id="2" name="Title 1">
             <a:extLst>
               <a:ext uri="{FF2B5EF4-FFF2-40B4-BE49-F238E27FC236}">
-                <a16:creationId xmlns:a16="http://schemas.microsoft.com/office/drawing/2014/main" id="{0CAD8607-3D0E-F34C-A71C-E1FCD84847DA}"/>
+                <a16:creationId xmlns:a16="http://schemas.microsoft.com/office/drawing/2014/main" id="{0721C84B-4C4A-C94C-8F18-7F1C16D2A1F4}"/>
               </a:ext>
             </a:extLst>
           </p:cNvPr>
@@ -3934,7 +4200,7 @@
           <p:cNvPr id="3" name="Content Placeholder 2">
             <a:extLst>
               <a:ext uri="{FF2B5EF4-FFF2-40B4-BE49-F238E27FC236}">
-                <a16:creationId xmlns:a16="http://schemas.microsoft.com/office/drawing/2014/main" id="{3C783A4D-ADD3-FE47-A802-7E1E33980728}"/>
+                <a16:creationId xmlns:a16="http://schemas.microsoft.com/office/drawing/2014/main" id="{145FAC0A-9F40-C942-9675-DED9A8D58FF7}"/>
               </a:ext>
             </a:extLst>
           </p:cNvPr>
@@ -3957,7 +4223,7 @@
     </p:spTree>
     <p:extLst>
       <p:ext uri="{BB962C8B-B14F-4D97-AF65-F5344CB8AC3E}">
-        <p14:creationId xmlns:p14="http://schemas.microsoft.com/office/powerpoint/2010/main" val="1482911797"/>
+        <p14:creationId xmlns:p14="http://schemas.microsoft.com/office/powerpoint/2010/main" val="3851587936"/>
       </p:ext>
     </p:extLst>
   </p:cSld>
@@ -3989,7 +4255,7 @@
           <p:cNvPr id="2" name="Title 1">
             <a:extLst>
               <a:ext uri="{FF2B5EF4-FFF2-40B4-BE49-F238E27FC236}">
-                <a16:creationId xmlns:a16="http://schemas.microsoft.com/office/drawing/2014/main" id="{EF948449-51E6-9148-82F6-455F26533FA8}"/>
+                <a16:creationId xmlns:a16="http://schemas.microsoft.com/office/drawing/2014/main" id="{0CAD8607-3D0E-F34C-A71C-E1FCD84847DA}"/>
               </a:ext>
             </a:extLst>
           </p:cNvPr>
@@ -4014,7 +4280,7 @@
           <p:cNvPr id="3" name="Content Placeholder 2">
             <a:extLst>
               <a:ext uri="{FF2B5EF4-FFF2-40B4-BE49-F238E27FC236}">
-                <a16:creationId xmlns:a16="http://schemas.microsoft.com/office/drawing/2014/main" id="{813F127E-461D-714F-B0A3-A39A056EAE55}"/>
+                <a16:creationId xmlns:a16="http://schemas.microsoft.com/office/drawing/2014/main" id="{3C783A4D-ADD3-FE47-A802-7E1E33980728}"/>
               </a:ext>
             </a:extLst>
           </p:cNvPr>
@@ -4037,7 +4303,7 @@
     </p:spTree>
     <p:extLst>
       <p:ext uri="{BB962C8B-B14F-4D97-AF65-F5344CB8AC3E}">
-        <p14:creationId xmlns:p14="http://schemas.microsoft.com/office/powerpoint/2010/main" val="3225130834"/>
+        <p14:creationId xmlns:p14="http://schemas.microsoft.com/office/powerpoint/2010/main" val="1482911797"/>
       </p:ext>
     </p:extLst>
   </p:cSld>

--- a/presentations/Introduction to Mockito.pptx
+++ b/presentations/Introduction to Mockito.pptx
@@ -11,10 +11,22 @@
     <p:sldId id="258" r:id="rId5"/>
     <p:sldId id="259" r:id="rId6"/>
     <p:sldId id="260" r:id="rId7"/>
-    <p:sldId id="261" r:id="rId8"/>
-    <p:sldId id="262" r:id="rId9"/>
+    <p:sldId id="262" r:id="rId8"/>
+    <p:sldId id="261" r:id="rId9"/>
     <p:sldId id="263" r:id="rId10"/>
     <p:sldId id="264" r:id="rId11"/>
+    <p:sldId id="266" r:id="rId12"/>
+    <p:sldId id="267" r:id="rId13"/>
+    <p:sldId id="268" r:id="rId14"/>
+    <p:sldId id="269" r:id="rId15"/>
+    <p:sldId id="270" r:id="rId16"/>
+    <p:sldId id="271" r:id="rId17"/>
+    <p:sldId id="272" r:id="rId18"/>
+    <p:sldId id="273" r:id="rId19"/>
+    <p:sldId id="274" r:id="rId20"/>
+    <p:sldId id="275" r:id="rId21"/>
+    <p:sldId id="276" r:id="rId22"/>
+    <p:sldId id="277" r:id="rId23"/>
   </p:sldIdLst>
   <p:sldSz cx="12192000" cy="6858000"/>
   <p:notesSz cx="6858000" cy="9144000"/>
@@ -3484,6 +3496,726 @@
 </p:sld>
 </file>
 
+<file path=ppt/slides/slide11.xml><?xml version="1.0" encoding="utf-8"?>
+<p:sld xmlns:a="http://schemas.openxmlformats.org/drawingml/2006/main" xmlns:r="http://schemas.openxmlformats.org/officeDocument/2006/relationships" xmlns:p="http://schemas.openxmlformats.org/presentationml/2006/main">
+  <p:cSld>
+    <p:spTree>
+      <p:nvGrpSpPr>
+        <p:cNvPr id="1" name=""/>
+        <p:cNvGrpSpPr/>
+        <p:nvPr/>
+      </p:nvGrpSpPr>
+      <p:grpSpPr>
+        <a:xfrm>
+          <a:off x="0" y="0"/>
+          <a:ext cx="0" cy="0"/>
+          <a:chOff x="0" y="0"/>
+          <a:chExt cx="0" cy="0"/>
+        </a:xfrm>
+      </p:grpSpPr>
+      <p:sp>
+        <p:nvSpPr>
+          <p:cNvPr id="2" name="Title 1">
+            <a:extLst>
+              <a:ext uri="{FF2B5EF4-FFF2-40B4-BE49-F238E27FC236}">
+                <a16:creationId xmlns:a16="http://schemas.microsoft.com/office/drawing/2014/main" id="{EF948449-51E6-9148-82F6-455F26533FA8}"/>
+              </a:ext>
+            </a:extLst>
+          </p:cNvPr>
+          <p:cNvSpPr>
+            <a:spLocks noGrp="1"/>
+          </p:cNvSpPr>
+          <p:nvPr>
+            <p:ph type="title"/>
+          </p:nvPr>
+        </p:nvSpPr>
+        <p:spPr/>
+        <p:txBody>
+          <a:bodyPr/>
+          <a:lstStyle/>
+          <a:p>
+            <a:endParaRPr lang="en-US"/>
+          </a:p>
+        </p:txBody>
+      </p:sp>
+      <p:sp>
+        <p:nvSpPr>
+          <p:cNvPr id="3" name="Content Placeholder 2">
+            <a:extLst>
+              <a:ext uri="{FF2B5EF4-FFF2-40B4-BE49-F238E27FC236}">
+                <a16:creationId xmlns:a16="http://schemas.microsoft.com/office/drawing/2014/main" id="{813F127E-461D-714F-B0A3-A39A056EAE55}"/>
+              </a:ext>
+            </a:extLst>
+          </p:cNvPr>
+          <p:cNvSpPr>
+            <a:spLocks noGrp="1"/>
+          </p:cNvSpPr>
+          <p:nvPr>
+            <p:ph idx="1"/>
+          </p:nvPr>
+        </p:nvSpPr>
+        <p:spPr/>
+        <p:txBody>
+          <a:bodyPr/>
+          <a:lstStyle/>
+          <a:p>
+            <a:endParaRPr lang="en-US"/>
+          </a:p>
+        </p:txBody>
+      </p:sp>
+    </p:spTree>
+    <p:extLst>
+      <p:ext uri="{BB962C8B-B14F-4D97-AF65-F5344CB8AC3E}">
+        <p14:creationId xmlns:p14="http://schemas.microsoft.com/office/powerpoint/2010/main" val="2058544174"/>
+      </p:ext>
+    </p:extLst>
+  </p:cSld>
+  <p:clrMapOvr>
+    <a:masterClrMapping/>
+  </p:clrMapOvr>
+</p:sld>
+</file>
+
+<file path=ppt/slides/slide12.xml><?xml version="1.0" encoding="utf-8"?>
+<p:sld xmlns:a="http://schemas.openxmlformats.org/drawingml/2006/main" xmlns:r="http://schemas.openxmlformats.org/officeDocument/2006/relationships" xmlns:p="http://schemas.openxmlformats.org/presentationml/2006/main">
+  <p:cSld>
+    <p:spTree>
+      <p:nvGrpSpPr>
+        <p:cNvPr id="1" name=""/>
+        <p:cNvGrpSpPr/>
+        <p:nvPr/>
+      </p:nvGrpSpPr>
+      <p:grpSpPr>
+        <a:xfrm>
+          <a:off x="0" y="0"/>
+          <a:ext cx="0" cy="0"/>
+          <a:chOff x="0" y="0"/>
+          <a:chExt cx="0" cy="0"/>
+        </a:xfrm>
+      </p:grpSpPr>
+      <p:sp>
+        <p:nvSpPr>
+          <p:cNvPr id="2" name="Title 1">
+            <a:extLst>
+              <a:ext uri="{FF2B5EF4-FFF2-40B4-BE49-F238E27FC236}">
+                <a16:creationId xmlns:a16="http://schemas.microsoft.com/office/drawing/2014/main" id="{EF948449-51E6-9148-82F6-455F26533FA8}"/>
+              </a:ext>
+            </a:extLst>
+          </p:cNvPr>
+          <p:cNvSpPr>
+            <a:spLocks noGrp="1"/>
+          </p:cNvSpPr>
+          <p:nvPr>
+            <p:ph type="title"/>
+          </p:nvPr>
+        </p:nvSpPr>
+        <p:spPr/>
+        <p:txBody>
+          <a:bodyPr/>
+          <a:lstStyle/>
+          <a:p>
+            <a:endParaRPr lang="en-US"/>
+          </a:p>
+        </p:txBody>
+      </p:sp>
+      <p:sp>
+        <p:nvSpPr>
+          <p:cNvPr id="3" name="Content Placeholder 2">
+            <a:extLst>
+              <a:ext uri="{FF2B5EF4-FFF2-40B4-BE49-F238E27FC236}">
+                <a16:creationId xmlns:a16="http://schemas.microsoft.com/office/drawing/2014/main" id="{813F127E-461D-714F-B0A3-A39A056EAE55}"/>
+              </a:ext>
+            </a:extLst>
+          </p:cNvPr>
+          <p:cNvSpPr>
+            <a:spLocks noGrp="1"/>
+          </p:cNvSpPr>
+          <p:nvPr>
+            <p:ph idx="1"/>
+          </p:nvPr>
+        </p:nvSpPr>
+        <p:spPr/>
+        <p:txBody>
+          <a:bodyPr/>
+          <a:lstStyle/>
+          <a:p>
+            <a:endParaRPr lang="en-US"/>
+          </a:p>
+        </p:txBody>
+      </p:sp>
+    </p:spTree>
+    <p:extLst>
+      <p:ext uri="{BB962C8B-B14F-4D97-AF65-F5344CB8AC3E}">
+        <p14:creationId xmlns:p14="http://schemas.microsoft.com/office/powerpoint/2010/main" val="3395650808"/>
+      </p:ext>
+    </p:extLst>
+  </p:cSld>
+  <p:clrMapOvr>
+    <a:masterClrMapping/>
+  </p:clrMapOvr>
+</p:sld>
+</file>
+
+<file path=ppt/slides/slide13.xml><?xml version="1.0" encoding="utf-8"?>
+<p:sld xmlns:a="http://schemas.openxmlformats.org/drawingml/2006/main" xmlns:r="http://schemas.openxmlformats.org/officeDocument/2006/relationships" xmlns:p="http://schemas.openxmlformats.org/presentationml/2006/main">
+  <p:cSld>
+    <p:spTree>
+      <p:nvGrpSpPr>
+        <p:cNvPr id="1" name=""/>
+        <p:cNvGrpSpPr/>
+        <p:nvPr/>
+      </p:nvGrpSpPr>
+      <p:grpSpPr>
+        <a:xfrm>
+          <a:off x="0" y="0"/>
+          <a:ext cx="0" cy="0"/>
+          <a:chOff x="0" y="0"/>
+          <a:chExt cx="0" cy="0"/>
+        </a:xfrm>
+      </p:grpSpPr>
+      <p:sp>
+        <p:nvSpPr>
+          <p:cNvPr id="2" name="Title 1">
+            <a:extLst>
+              <a:ext uri="{FF2B5EF4-FFF2-40B4-BE49-F238E27FC236}">
+                <a16:creationId xmlns:a16="http://schemas.microsoft.com/office/drawing/2014/main" id="{EF948449-51E6-9148-82F6-455F26533FA8}"/>
+              </a:ext>
+            </a:extLst>
+          </p:cNvPr>
+          <p:cNvSpPr>
+            <a:spLocks noGrp="1"/>
+          </p:cNvSpPr>
+          <p:nvPr>
+            <p:ph type="title"/>
+          </p:nvPr>
+        </p:nvSpPr>
+        <p:spPr/>
+        <p:txBody>
+          <a:bodyPr/>
+          <a:lstStyle/>
+          <a:p>
+            <a:endParaRPr lang="en-US"/>
+          </a:p>
+        </p:txBody>
+      </p:sp>
+      <p:sp>
+        <p:nvSpPr>
+          <p:cNvPr id="3" name="Content Placeholder 2">
+            <a:extLst>
+              <a:ext uri="{FF2B5EF4-FFF2-40B4-BE49-F238E27FC236}">
+                <a16:creationId xmlns:a16="http://schemas.microsoft.com/office/drawing/2014/main" id="{813F127E-461D-714F-B0A3-A39A056EAE55}"/>
+              </a:ext>
+            </a:extLst>
+          </p:cNvPr>
+          <p:cNvSpPr>
+            <a:spLocks noGrp="1"/>
+          </p:cNvSpPr>
+          <p:nvPr>
+            <p:ph idx="1"/>
+          </p:nvPr>
+        </p:nvSpPr>
+        <p:spPr/>
+        <p:txBody>
+          <a:bodyPr/>
+          <a:lstStyle/>
+          <a:p>
+            <a:endParaRPr lang="en-US"/>
+          </a:p>
+        </p:txBody>
+      </p:sp>
+    </p:spTree>
+    <p:extLst>
+      <p:ext uri="{BB962C8B-B14F-4D97-AF65-F5344CB8AC3E}">
+        <p14:creationId xmlns:p14="http://schemas.microsoft.com/office/powerpoint/2010/main" val="878151754"/>
+      </p:ext>
+    </p:extLst>
+  </p:cSld>
+  <p:clrMapOvr>
+    <a:masterClrMapping/>
+  </p:clrMapOvr>
+</p:sld>
+</file>
+
+<file path=ppt/slides/slide14.xml><?xml version="1.0" encoding="utf-8"?>
+<p:sld xmlns:a="http://schemas.openxmlformats.org/drawingml/2006/main" xmlns:r="http://schemas.openxmlformats.org/officeDocument/2006/relationships" xmlns:p="http://schemas.openxmlformats.org/presentationml/2006/main">
+  <p:cSld>
+    <p:spTree>
+      <p:nvGrpSpPr>
+        <p:cNvPr id="1" name=""/>
+        <p:cNvGrpSpPr/>
+        <p:nvPr/>
+      </p:nvGrpSpPr>
+      <p:grpSpPr>
+        <a:xfrm>
+          <a:off x="0" y="0"/>
+          <a:ext cx="0" cy="0"/>
+          <a:chOff x="0" y="0"/>
+          <a:chExt cx="0" cy="0"/>
+        </a:xfrm>
+      </p:grpSpPr>
+      <p:sp>
+        <p:nvSpPr>
+          <p:cNvPr id="2" name="Title 1">
+            <a:extLst>
+              <a:ext uri="{FF2B5EF4-FFF2-40B4-BE49-F238E27FC236}">
+                <a16:creationId xmlns:a16="http://schemas.microsoft.com/office/drawing/2014/main" id="{EF948449-51E6-9148-82F6-455F26533FA8}"/>
+              </a:ext>
+            </a:extLst>
+          </p:cNvPr>
+          <p:cNvSpPr>
+            <a:spLocks noGrp="1"/>
+          </p:cNvSpPr>
+          <p:nvPr>
+            <p:ph type="title"/>
+          </p:nvPr>
+        </p:nvSpPr>
+        <p:spPr/>
+        <p:txBody>
+          <a:bodyPr/>
+          <a:lstStyle/>
+          <a:p>
+            <a:endParaRPr lang="en-US"/>
+          </a:p>
+        </p:txBody>
+      </p:sp>
+      <p:sp>
+        <p:nvSpPr>
+          <p:cNvPr id="3" name="Content Placeholder 2">
+            <a:extLst>
+              <a:ext uri="{FF2B5EF4-FFF2-40B4-BE49-F238E27FC236}">
+                <a16:creationId xmlns:a16="http://schemas.microsoft.com/office/drawing/2014/main" id="{813F127E-461D-714F-B0A3-A39A056EAE55}"/>
+              </a:ext>
+            </a:extLst>
+          </p:cNvPr>
+          <p:cNvSpPr>
+            <a:spLocks noGrp="1"/>
+          </p:cNvSpPr>
+          <p:nvPr>
+            <p:ph idx="1"/>
+          </p:nvPr>
+        </p:nvSpPr>
+        <p:spPr/>
+        <p:txBody>
+          <a:bodyPr/>
+          <a:lstStyle/>
+          <a:p>
+            <a:endParaRPr lang="en-US"/>
+          </a:p>
+        </p:txBody>
+      </p:sp>
+    </p:spTree>
+    <p:extLst>
+      <p:ext uri="{BB962C8B-B14F-4D97-AF65-F5344CB8AC3E}">
+        <p14:creationId xmlns:p14="http://schemas.microsoft.com/office/powerpoint/2010/main" val="2266184385"/>
+      </p:ext>
+    </p:extLst>
+  </p:cSld>
+  <p:clrMapOvr>
+    <a:masterClrMapping/>
+  </p:clrMapOvr>
+</p:sld>
+</file>
+
+<file path=ppt/slides/slide15.xml><?xml version="1.0" encoding="utf-8"?>
+<p:sld xmlns:a="http://schemas.openxmlformats.org/drawingml/2006/main" xmlns:r="http://schemas.openxmlformats.org/officeDocument/2006/relationships" xmlns:p="http://schemas.openxmlformats.org/presentationml/2006/main">
+  <p:cSld>
+    <p:spTree>
+      <p:nvGrpSpPr>
+        <p:cNvPr id="1" name=""/>
+        <p:cNvGrpSpPr/>
+        <p:nvPr/>
+      </p:nvGrpSpPr>
+      <p:grpSpPr>
+        <a:xfrm>
+          <a:off x="0" y="0"/>
+          <a:ext cx="0" cy="0"/>
+          <a:chOff x="0" y="0"/>
+          <a:chExt cx="0" cy="0"/>
+        </a:xfrm>
+      </p:grpSpPr>
+      <p:sp>
+        <p:nvSpPr>
+          <p:cNvPr id="2" name="Title 1">
+            <a:extLst>
+              <a:ext uri="{FF2B5EF4-FFF2-40B4-BE49-F238E27FC236}">
+                <a16:creationId xmlns:a16="http://schemas.microsoft.com/office/drawing/2014/main" id="{EF948449-51E6-9148-82F6-455F26533FA8}"/>
+              </a:ext>
+            </a:extLst>
+          </p:cNvPr>
+          <p:cNvSpPr>
+            <a:spLocks noGrp="1"/>
+          </p:cNvSpPr>
+          <p:nvPr>
+            <p:ph type="title"/>
+          </p:nvPr>
+        </p:nvSpPr>
+        <p:spPr/>
+        <p:txBody>
+          <a:bodyPr/>
+          <a:lstStyle/>
+          <a:p>
+            <a:endParaRPr lang="en-US"/>
+          </a:p>
+        </p:txBody>
+      </p:sp>
+      <p:sp>
+        <p:nvSpPr>
+          <p:cNvPr id="3" name="Content Placeholder 2">
+            <a:extLst>
+              <a:ext uri="{FF2B5EF4-FFF2-40B4-BE49-F238E27FC236}">
+                <a16:creationId xmlns:a16="http://schemas.microsoft.com/office/drawing/2014/main" id="{813F127E-461D-714F-B0A3-A39A056EAE55}"/>
+              </a:ext>
+            </a:extLst>
+          </p:cNvPr>
+          <p:cNvSpPr>
+            <a:spLocks noGrp="1"/>
+          </p:cNvSpPr>
+          <p:nvPr>
+            <p:ph idx="1"/>
+          </p:nvPr>
+        </p:nvSpPr>
+        <p:spPr/>
+        <p:txBody>
+          <a:bodyPr/>
+          <a:lstStyle/>
+          <a:p>
+            <a:endParaRPr lang="en-US"/>
+          </a:p>
+        </p:txBody>
+      </p:sp>
+    </p:spTree>
+    <p:extLst>
+      <p:ext uri="{BB962C8B-B14F-4D97-AF65-F5344CB8AC3E}">
+        <p14:creationId xmlns:p14="http://schemas.microsoft.com/office/powerpoint/2010/main" val="661189816"/>
+      </p:ext>
+    </p:extLst>
+  </p:cSld>
+  <p:clrMapOvr>
+    <a:masterClrMapping/>
+  </p:clrMapOvr>
+</p:sld>
+</file>
+
+<file path=ppt/slides/slide16.xml><?xml version="1.0" encoding="utf-8"?>
+<p:sld xmlns:a="http://schemas.openxmlformats.org/drawingml/2006/main" xmlns:r="http://schemas.openxmlformats.org/officeDocument/2006/relationships" xmlns:p="http://schemas.openxmlformats.org/presentationml/2006/main">
+  <p:cSld>
+    <p:spTree>
+      <p:nvGrpSpPr>
+        <p:cNvPr id="1" name=""/>
+        <p:cNvGrpSpPr/>
+        <p:nvPr/>
+      </p:nvGrpSpPr>
+      <p:grpSpPr>
+        <a:xfrm>
+          <a:off x="0" y="0"/>
+          <a:ext cx="0" cy="0"/>
+          <a:chOff x="0" y="0"/>
+          <a:chExt cx="0" cy="0"/>
+        </a:xfrm>
+      </p:grpSpPr>
+      <p:sp>
+        <p:nvSpPr>
+          <p:cNvPr id="2" name="Title 1">
+            <a:extLst>
+              <a:ext uri="{FF2B5EF4-FFF2-40B4-BE49-F238E27FC236}">
+                <a16:creationId xmlns:a16="http://schemas.microsoft.com/office/drawing/2014/main" id="{EF948449-51E6-9148-82F6-455F26533FA8}"/>
+              </a:ext>
+            </a:extLst>
+          </p:cNvPr>
+          <p:cNvSpPr>
+            <a:spLocks noGrp="1"/>
+          </p:cNvSpPr>
+          <p:nvPr>
+            <p:ph type="title"/>
+          </p:nvPr>
+        </p:nvSpPr>
+        <p:spPr/>
+        <p:txBody>
+          <a:bodyPr/>
+          <a:lstStyle/>
+          <a:p>
+            <a:endParaRPr lang="en-US"/>
+          </a:p>
+        </p:txBody>
+      </p:sp>
+      <p:sp>
+        <p:nvSpPr>
+          <p:cNvPr id="3" name="Content Placeholder 2">
+            <a:extLst>
+              <a:ext uri="{FF2B5EF4-FFF2-40B4-BE49-F238E27FC236}">
+                <a16:creationId xmlns:a16="http://schemas.microsoft.com/office/drawing/2014/main" id="{813F127E-461D-714F-B0A3-A39A056EAE55}"/>
+              </a:ext>
+            </a:extLst>
+          </p:cNvPr>
+          <p:cNvSpPr>
+            <a:spLocks noGrp="1"/>
+          </p:cNvSpPr>
+          <p:nvPr>
+            <p:ph idx="1"/>
+          </p:nvPr>
+        </p:nvSpPr>
+        <p:spPr/>
+        <p:txBody>
+          <a:bodyPr/>
+          <a:lstStyle/>
+          <a:p>
+            <a:endParaRPr lang="en-US"/>
+          </a:p>
+        </p:txBody>
+      </p:sp>
+    </p:spTree>
+    <p:extLst>
+      <p:ext uri="{BB962C8B-B14F-4D97-AF65-F5344CB8AC3E}">
+        <p14:creationId xmlns:p14="http://schemas.microsoft.com/office/powerpoint/2010/main" val="794809592"/>
+      </p:ext>
+    </p:extLst>
+  </p:cSld>
+  <p:clrMapOvr>
+    <a:masterClrMapping/>
+  </p:clrMapOvr>
+</p:sld>
+</file>
+
+<file path=ppt/slides/slide17.xml><?xml version="1.0" encoding="utf-8"?>
+<p:sld xmlns:a="http://schemas.openxmlformats.org/drawingml/2006/main" xmlns:r="http://schemas.openxmlformats.org/officeDocument/2006/relationships" xmlns:p="http://schemas.openxmlformats.org/presentationml/2006/main">
+  <p:cSld>
+    <p:spTree>
+      <p:nvGrpSpPr>
+        <p:cNvPr id="1" name=""/>
+        <p:cNvGrpSpPr/>
+        <p:nvPr/>
+      </p:nvGrpSpPr>
+      <p:grpSpPr>
+        <a:xfrm>
+          <a:off x="0" y="0"/>
+          <a:ext cx="0" cy="0"/>
+          <a:chOff x="0" y="0"/>
+          <a:chExt cx="0" cy="0"/>
+        </a:xfrm>
+      </p:grpSpPr>
+      <p:sp>
+        <p:nvSpPr>
+          <p:cNvPr id="2" name="Title 1">
+            <a:extLst>
+              <a:ext uri="{FF2B5EF4-FFF2-40B4-BE49-F238E27FC236}">
+                <a16:creationId xmlns:a16="http://schemas.microsoft.com/office/drawing/2014/main" id="{EF948449-51E6-9148-82F6-455F26533FA8}"/>
+              </a:ext>
+            </a:extLst>
+          </p:cNvPr>
+          <p:cNvSpPr>
+            <a:spLocks noGrp="1"/>
+          </p:cNvSpPr>
+          <p:nvPr>
+            <p:ph type="title"/>
+          </p:nvPr>
+        </p:nvSpPr>
+        <p:spPr/>
+        <p:txBody>
+          <a:bodyPr/>
+          <a:lstStyle/>
+          <a:p>
+            <a:endParaRPr lang="en-US"/>
+          </a:p>
+        </p:txBody>
+      </p:sp>
+      <p:sp>
+        <p:nvSpPr>
+          <p:cNvPr id="3" name="Content Placeholder 2">
+            <a:extLst>
+              <a:ext uri="{FF2B5EF4-FFF2-40B4-BE49-F238E27FC236}">
+                <a16:creationId xmlns:a16="http://schemas.microsoft.com/office/drawing/2014/main" id="{813F127E-461D-714F-B0A3-A39A056EAE55}"/>
+              </a:ext>
+            </a:extLst>
+          </p:cNvPr>
+          <p:cNvSpPr>
+            <a:spLocks noGrp="1"/>
+          </p:cNvSpPr>
+          <p:nvPr>
+            <p:ph idx="1"/>
+          </p:nvPr>
+        </p:nvSpPr>
+        <p:spPr/>
+        <p:txBody>
+          <a:bodyPr/>
+          <a:lstStyle/>
+          <a:p>
+            <a:endParaRPr lang="en-US"/>
+          </a:p>
+        </p:txBody>
+      </p:sp>
+    </p:spTree>
+    <p:extLst>
+      <p:ext uri="{BB962C8B-B14F-4D97-AF65-F5344CB8AC3E}">
+        <p14:creationId xmlns:p14="http://schemas.microsoft.com/office/powerpoint/2010/main" val="208225179"/>
+      </p:ext>
+    </p:extLst>
+  </p:cSld>
+  <p:clrMapOvr>
+    <a:masterClrMapping/>
+  </p:clrMapOvr>
+</p:sld>
+</file>
+
+<file path=ppt/slides/slide18.xml><?xml version="1.0" encoding="utf-8"?>
+<p:sld xmlns:a="http://schemas.openxmlformats.org/drawingml/2006/main" xmlns:r="http://schemas.openxmlformats.org/officeDocument/2006/relationships" xmlns:p="http://schemas.openxmlformats.org/presentationml/2006/main">
+  <p:cSld>
+    <p:spTree>
+      <p:nvGrpSpPr>
+        <p:cNvPr id="1" name=""/>
+        <p:cNvGrpSpPr/>
+        <p:nvPr/>
+      </p:nvGrpSpPr>
+      <p:grpSpPr>
+        <a:xfrm>
+          <a:off x="0" y="0"/>
+          <a:ext cx="0" cy="0"/>
+          <a:chOff x="0" y="0"/>
+          <a:chExt cx="0" cy="0"/>
+        </a:xfrm>
+      </p:grpSpPr>
+      <p:sp>
+        <p:nvSpPr>
+          <p:cNvPr id="2" name="Title 1">
+            <a:extLst>
+              <a:ext uri="{FF2B5EF4-FFF2-40B4-BE49-F238E27FC236}">
+                <a16:creationId xmlns:a16="http://schemas.microsoft.com/office/drawing/2014/main" id="{EF948449-51E6-9148-82F6-455F26533FA8}"/>
+              </a:ext>
+            </a:extLst>
+          </p:cNvPr>
+          <p:cNvSpPr>
+            <a:spLocks noGrp="1"/>
+          </p:cNvSpPr>
+          <p:nvPr>
+            <p:ph type="title"/>
+          </p:nvPr>
+        </p:nvSpPr>
+        <p:spPr/>
+        <p:txBody>
+          <a:bodyPr/>
+          <a:lstStyle/>
+          <a:p>
+            <a:endParaRPr lang="en-US"/>
+          </a:p>
+        </p:txBody>
+      </p:sp>
+      <p:sp>
+        <p:nvSpPr>
+          <p:cNvPr id="3" name="Content Placeholder 2">
+            <a:extLst>
+              <a:ext uri="{FF2B5EF4-FFF2-40B4-BE49-F238E27FC236}">
+                <a16:creationId xmlns:a16="http://schemas.microsoft.com/office/drawing/2014/main" id="{813F127E-461D-714F-B0A3-A39A056EAE55}"/>
+              </a:ext>
+            </a:extLst>
+          </p:cNvPr>
+          <p:cNvSpPr>
+            <a:spLocks noGrp="1"/>
+          </p:cNvSpPr>
+          <p:nvPr>
+            <p:ph idx="1"/>
+          </p:nvPr>
+        </p:nvSpPr>
+        <p:spPr/>
+        <p:txBody>
+          <a:bodyPr/>
+          <a:lstStyle/>
+          <a:p>
+            <a:endParaRPr lang="en-US"/>
+          </a:p>
+        </p:txBody>
+      </p:sp>
+    </p:spTree>
+    <p:extLst>
+      <p:ext uri="{BB962C8B-B14F-4D97-AF65-F5344CB8AC3E}">
+        <p14:creationId xmlns:p14="http://schemas.microsoft.com/office/powerpoint/2010/main" val="2565634564"/>
+      </p:ext>
+    </p:extLst>
+  </p:cSld>
+  <p:clrMapOvr>
+    <a:masterClrMapping/>
+  </p:clrMapOvr>
+</p:sld>
+</file>
+
+<file path=ppt/slides/slide19.xml><?xml version="1.0" encoding="utf-8"?>
+<p:sld xmlns:a="http://schemas.openxmlformats.org/drawingml/2006/main" xmlns:r="http://schemas.openxmlformats.org/officeDocument/2006/relationships" xmlns:p="http://schemas.openxmlformats.org/presentationml/2006/main">
+  <p:cSld>
+    <p:spTree>
+      <p:nvGrpSpPr>
+        <p:cNvPr id="1" name=""/>
+        <p:cNvGrpSpPr/>
+        <p:nvPr/>
+      </p:nvGrpSpPr>
+      <p:grpSpPr>
+        <a:xfrm>
+          <a:off x="0" y="0"/>
+          <a:ext cx="0" cy="0"/>
+          <a:chOff x="0" y="0"/>
+          <a:chExt cx="0" cy="0"/>
+        </a:xfrm>
+      </p:grpSpPr>
+      <p:sp>
+        <p:nvSpPr>
+          <p:cNvPr id="2" name="Title 1">
+            <a:extLst>
+              <a:ext uri="{FF2B5EF4-FFF2-40B4-BE49-F238E27FC236}">
+                <a16:creationId xmlns:a16="http://schemas.microsoft.com/office/drawing/2014/main" id="{EF948449-51E6-9148-82F6-455F26533FA8}"/>
+              </a:ext>
+            </a:extLst>
+          </p:cNvPr>
+          <p:cNvSpPr>
+            <a:spLocks noGrp="1"/>
+          </p:cNvSpPr>
+          <p:nvPr>
+            <p:ph type="title"/>
+          </p:nvPr>
+        </p:nvSpPr>
+        <p:spPr/>
+        <p:txBody>
+          <a:bodyPr/>
+          <a:lstStyle/>
+          <a:p>
+            <a:endParaRPr lang="en-US"/>
+          </a:p>
+        </p:txBody>
+      </p:sp>
+      <p:sp>
+        <p:nvSpPr>
+          <p:cNvPr id="3" name="Content Placeholder 2">
+            <a:extLst>
+              <a:ext uri="{FF2B5EF4-FFF2-40B4-BE49-F238E27FC236}">
+                <a16:creationId xmlns:a16="http://schemas.microsoft.com/office/drawing/2014/main" id="{813F127E-461D-714F-B0A3-A39A056EAE55}"/>
+              </a:ext>
+            </a:extLst>
+          </p:cNvPr>
+          <p:cNvSpPr>
+            <a:spLocks noGrp="1"/>
+          </p:cNvSpPr>
+          <p:nvPr>
+            <p:ph idx="1"/>
+          </p:nvPr>
+        </p:nvSpPr>
+        <p:spPr/>
+        <p:txBody>
+          <a:bodyPr/>
+          <a:lstStyle/>
+          <a:p>
+            <a:endParaRPr lang="en-US"/>
+          </a:p>
+        </p:txBody>
+      </p:sp>
+    </p:spTree>
+    <p:extLst>
+      <p:ext uri="{BB962C8B-B14F-4D97-AF65-F5344CB8AC3E}">
+        <p14:creationId xmlns:p14="http://schemas.microsoft.com/office/powerpoint/2010/main" val="3567679444"/>
+      </p:ext>
+    </p:extLst>
+  </p:cSld>
+  <p:clrMapOvr>
+    <a:masterClrMapping/>
+  </p:clrMapOvr>
+</p:sld>
+</file>
+
 <file path=ppt/slides/slide2.xml><?xml version="1.0" encoding="utf-8"?>
 <p:sld xmlns:a="http://schemas.openxmlformats.org/drawingml/2006/main" xmlns:r="http://schemas.openxmlformats.org/officeDocument/2006/relationships" xmlns:p="http://schemas.openxmlformats.org/presentationml/2006/main">
   <p:cSld>
@@ -3592,6 +4324,319 @@
     <p:extLst>
       <p:ext uri="{BB962C8B-B14F-4D97-AF65-F5344CB8AC3E}">
         <p14:creationId xmlns:p14="http://schemas.microsoft.com/office/powerpoint/2010/main" val="325043793"/>
+      </p:ext>
+    </p:extLst>
+  </p:cSld>
+  <p:clrMapOvr>
+    <a:masterClrMapping/>
+  </p:clrMapOvr>
+</p:sld>
+</file>
+
+<file path=ppt/slides/slide20.xml><?xml version="1.0" encoding="utf-8"?>
+<p:sld xmlns:a="http://schemas.openxmlformats.org/drawingml/2006/main" xmlns:r="http://schemas.openxmlformats.org/officeDocument/2006/relationships" xmlns:p="http://schemas.openxmlformats.org/presentationml/2006/main">
+  <p:cSld>
+    <p:spTree>
+      <p:nvGrpSpPr>
+        <p:cNvPr id="1" name=""/>
+        <p:cNvGrpSpPr/>
+        <p:nvPr/>
+      </p:nvGrpSpPr>
+      <p:grpSpPr>
+        <a:xfrm>
+          <a:off x="0" y="0"/>
+          <a:ext cx="0" cy="0"/>
+          <a:chOff x="0" y="0"/>
+          <a:chExt cx="0" cy="0"/>
+        </a:xfrm>
+      </p:grpSpPr>
+      <p:sp>
+        <p:nvSpPr>
+          <p:cNvPr id="2" name="Title 1">
+            <a:extLst>
+              <a:ext uri="{FF2B5EF4-FFF2-40B4-BE49-F238E27FC236}">
+                <a16:creationId xmlns:a16="http://schemas.microsoft.com/office/drawing/2014/main" id="{EF948449-51E6-9148-82F6-455F26533FA8}"/>
+              </a:ext>
+            </a:extLst>
+          </p:cNvPr>
+          <p:cNvSpPr>
+            <a:spLocks noGrp="1"/>
+          </p:cNvSpPr>
+          <p:nvPr>
+            <p:ph type="title"/>
+          </p:nvPr>
+        </p:nvSpPr>
+        <p:spPr/>
+        <p:txBody>
+          <a:bodyPr/>
+          <a:lstStyle/>
+          <a:p>
+            <a:endParaRPr lang="en-US"/>
+          </a:p>
+        </p:txBody>
+      </p:sp>
+      <p:sp>
+        <p:nvSpPr>
+          <p:cNvPr id="3" name="Content Placeholder 2">
+            <a:extLst>
+              <a:ext uri="{FF2B5EF4-FFF2-40B4-BE49-F238E27FC236}">
+                <a16:creationId xmlns:a16="http://schemas.microsoft.com/office/drawing/2014/main" id="{813F127E-461D-714F-B0A3-A39A056EAE55}"/>
+              </a:ext>
+            </a:extLst>
+          </p:cNvPr>
+          <p:cNvSpPr>
+            <a:spLocks noGrp="1"/>
+          </p:cNvSpPr>
+          <p:nvPr>
+            <p:ph idx="1"/>
+          </p:nvPr>
+        </p:nvSpPr>
+        <p:spPr/>
+        <p:txBody>
+          <a:bodyPr/>
+          <a:lstStyle/>
+          <a:p>
+            <a:endParaRPr lang="en-US"/>
+          </a:p>
+        </p:txBody>
+      </p:sp>
+    </p:spTree>
+    <p:extLst>
+      <p:ext uri="{BB962C8B-B14F-4D97-AF65-F5344CB8AC3E}">
+        <p14:creationId xmlns:p14="http://schemas.microsoft.com/office/powerpoint/2010/main" val="2412694539"/>
+      </p:ext>
+    </p:extLst>
+  </p:cSld>
+  <p:clrMapOvr>
+    <a:masterClrMapping/>
+  </p:clrMapOvr>
+</p:sld>
+</file>
+
+<file path=ppt/slides/slide21.xml><?xml version="1.0" encoding="utf-8"?>
+<p:sld xmlns:a="http://schemas.openxmlformats.org/drawingml/2006/main" xmlns:r="http://schemas.openxmlformats.org/officeDocument/2006/relationships" xmlns:p="http://schemas.openxmlformats.org/presentationml/2006/main">
+  <p:cSld>
+    <p:spTree>
+      <p:nvGrpSpPr>
+        <p:cNvPr id="1" name=""/>
+        <p:cNvGrpSpPr/>
+        <p:nvPr/>
+      </p:nvGrpSpPr>
+      <p:grpSpPr>
+        <a:xfrm>
+          <a:off x="0" y="0"/>
+          <a:ext cx="0" cy="0"/>
+          <a:chOff x="0" y="0"/>
+          <a:chExt cx="0" cy="0"/>
+        </a:xfrm>
+      </p:grpSpPr>
+      <p:sp>
+        <p:nvSpPr>
+          <p:cNvPr id="2" name="Title 1">
+            <a:extLst>
+              <a:ext uri="{FF2B5EF4-FFF2-40B4-BE49-F238E27FC236}">
+                <a16:creationId xmlns:a16="http://schemas.microsoft.com/office/drawing/2014/main" id="{EF948449-51E6-9148-82F6-455F26533FA8}"/>
+              </a:ext>
+            </a:extLst>
+          </p:cNvPr>
+          <p:cNvSpPr>
+            <a:spLocks noGrp="1"/>
+          </p:cNvSpPr>
+          <p:nvPr>
+            <p:ph type="title"/>
+          </p:nvPr>
+        </p:nvSpPr>
+        <p:spPr/>
+        <p:txBody>
+          <a:bodyPr/>
+          <a:lstStyle/>
+          <a:p>
+            <a:r>
+              <a:rPr lang="en-US" dirty="0"/>
+              <a:t>Argument captors</a:t>
+            </a:r>
+          </a:p>
+        </p:txBody>
+      </p:sp>
+      <p:sp>
+        <p:nvSpPr>
+          <p:cNvPr id="3" name="Content Placeholder 2">
+            <a:extLst>
+              <a:ext uri="{FF2B5EF4-FFF2-40B4-BE49-F238E27FC236}">
+                <a16:creationId xmlns:a16="http://schemas.microsoft.com/office/drawing/2014/main" id="{813F127E-461D-714F-B0A3-A39A056EAE55}"/>
+              </a:ext>
+            </a:extLst>
+          </p:cNvPr>
+          <p:cNvSpPr>
+            <a:spLocks noGrp="1"/>
+          </p:cNvSpPr>
+          <p:nvPr>
+            <p:ph idx="1"/>
+          </p:nvPr>
+        </p:nvSpPr>
+        <p:spPr/>
+        <p:txBody>
+          <a:bodyPr/>
+          <a:lstStyle/>
+          <a:p>
+            <a:r>
+              <a:rPr lang="en-US" dirty="0"/>
+              <a:t>Special type of argument matcher that allows capturing indirect outputs to mocks and spies and allowing the test to gain access to the captured indirect outputs.</a:t>
+            </a:r>
+          </a:p>
+          <a:p>
+            <a:r>
+              <a:rPr lang="en-US" dirty="0"/>
+              <a:t>@Captor annotation simplifies creation of </a:t>
+            </a:r>
+            <a:r>
+              <a:rPr lang="en-US" dirty="0" err="1"/>
+              <a:t>ArgumentCaptor</a:t>
+            </a:r>
+            <a:r>
+              <a:rPr lang="en-US" dirty="0"/>
+              <a:t>.</a:t>
+            </a:r>
+          </a:p>
+        </p:txBody>
+      </p:sp>
+    </p:spTree>
+    <p:extLst>
+      <p:ext uri="{BB962C8B-B14F-4D97-AF65-F5344CB8AC3E}">
+        <p14:creationId xmlns:p14="http://schemas.microsoft.com/office/powerpoint/2010/main" val="453254020"/>
+      </p:ext>
+    </p:extLst>
+  </p:cSld>
+  <p:clrMapOvr>
+    <a:masterClrMapping/>
+  </p:clrMapOvr>
+</p:sld>
+</file>
+
+<file path=ppt/slides/slide22.xml><?xml version="1.0" encoding="utf-8"?>
+<p:sld xmlns:a="http://schemas.openxmlformats.org/drawingml/2006/main" xmlns:r="http://schemas.openxmlformats.org/officeDocument/2006/relationships" xmlns:p="http://schemas.openxmlformats.org/presentationml/2006/main">
+  <p:cSld>
+    <p:spTree>
+      <p:nvGrpSpPr>
+        <p:cNvPr id="1" name=""/>
+        <p:cNvGrpSpPr/>
+        <p:nvPr/>
+      </p:nvGrpSpPr>
+      <p:grpSpPr>
+        <a:xfrm>
+          <a:off x="0" y="0"/>
+          <a:ext cx="0" cy="0"/>
+          <a:chOff x="0" y="0"/>
+          <a:chExt cx="0" cy="0"/>
+        </a:xfrm>
+      </p:grpSpPr>
+      <p:sp>
+        <p:nvSpPr>
+          <p:cNvPr id="2" name="Title 1">
+            <a:extLst>
+              <a:ext uri="{FF2B5EF4-FFF2-40B4-BE49-F238E27FC236}">
+                <a16:creationId xmlns:a16="http://schemas.microsoft.com/office/drawing/2014/main" id="{EF948449-51E6-9148-82F6-455F26533FA8}"/>
+              </a:ext>
+            </a:extLst>
+          </p:cNvPr>
+          <p:cNvSpPr>
+            <a:spLocks noGrp="1"/>
+          </p:cNvSpPr>
+          <p:nvPr>
+            <p:ph type="title"/>
+          </p:nvPr>
+        </p:nvSpPr>
+        <p:spPr/>
+        <p:txBody>
+          <a:bodyPr/>
+          <a:lstStyle/>
+          <a:p>
+            <a:r>
+              <a:rPr lang="en-US" dirty="0"/>
+              <a:t>Dependency injection with </a:t>
+            </a:r>
+            <a:r>
+              <a:rPr lang="en-US" dirty="0">
+                <a:latin typeface="Courier" pitchFamily="2" charset="0"/>
+              </a:rPr>
+              <a:t>@</a:t>
+            </a:r>
+            <a:r>
+              <a:rPr lang="en-US" dirty="0" err="1">
+                <a:latin typeface="Courier" pitchFamily="2" charset="0"/>
+              </a:rPr>
+              <a:t>InjectMocks</a:t>
+            </a:r>
+            <a:endParaRPr lang="en-US" dirty="0">
+              <a:latin typeface="Courier" pitchFamily="2" charset="0"/>
+            </a:endParaRPr>
+          </a:p>
+        </p:txBody>
+      </p:sp>
+      <p:sp>
+        <p:nvSpPr>
+          <p:cNvPr id="3" name="Content Placeholder 2">
+            <a:extLst>
+              <a:ext uri="{FF2B5EF4-FFF2-40B4-BE49-F238E27FC236}">
+                <a16:creationId xmlns:a16="http://schemas.microsoft.com/office/drawing/2014/main" id="{813F127E-461D-714F-B0A3-A39A056EAE55}"/>
+              </a:ext>
+            </a:extLst>
+          </p:cNvPr>
+          <p:cNvSpPr>
+            <a:spLocks noGrp="1"/>
+          </p:cNvSpPr>
+          <p:nvPr>
+            <p:ph idx="1"/>
+          </p:nvPr>
+        </p:nvSpPr>
+        <p:spPr/>
+        <p:txBody>
+          <a:bodyPr/>
+          <a:lstStyle/>
+          <a:p>
+            <a:r>
+              <a:rPr lang="en-US" dirty="0">
+                <a:latin typeface="Courier" pitchFamily="2" charset="0"/>
+              </a:rPr>
+              <a:t>@</a:t>
+            </a:r>
+            <a:r>
+              <a:rPr lang="en-US" dirty="0" err="1">
+                <a:latin typeface="Courier" pitchFamily="2" charset="0"/>
+              </a:rPr>
+              <a:t>InjectMocks</a:t>
+            </a:r>
+            <a:r>
+              <a:rPr lang="en-US" dirty="0"/>
+              <a:t> annotation will automatically inject mocks or spies into the SUT.</a:t>
+            </a:r>
+          </a:p>
+          <a:p>
+            <a:pPr lvl="1"/>
+            <a:r>
+              <a:rPr lang="en-US" dirty="0"/>
+              <a:t>Uses constructor or setter dependency injection. </a:t>
+            </a:r>
+          </a:p>
+          <a:p>
+            <a:pPr lvl="1"/>
+            <a:r>
+              <a:rPr lang="en-US" dirty="0"/>
+              <a:t>Favor constructor dependency injection.</a:t>
+            </a:r>
+          </a:p>
+          <a:p>
+            <a:endParaRPr lang="en-US" dirty="0"/>
+          </a:p>
+          <a:p>
+            <a:endParaRPr lang="en-US" dirty="0"/>
+          </a:p>
+        </p:txBody>
+      </p:sp>
+    </p:spTree>
+    <p:extLst>
+      <p:ext uri="{BB962C8B-B14F-4D97-AF65-F5344CB8AC3E}">
+        <p14:creationId xmlns:p14="http://schemas.microsoft.com/office/powerpoint/2010/main" val="728773568"/>
       </p:ext>
     </p:extLst>
   </p:cSld>
@@ -3951,7 +4996,10 @@
           <a:bodyPr/>
           <a:lstStyle/>
           <a:p>
-            <a:endParaRPr lang="en-US"/>
+            <a:r>
+              <a:rPr lang="en-US" dirty="0"/>
+              <a:t>Stubbing</a:t>
+            </a:r>
           </a:p>
         </p:txBody>
       </p:sp>
@@ -3976,7 +5024,99 @@
           <a:bodyPr/>
           <a:lstStyle/>
           <a:p>
-            <a:endParaRPr lang="en-US"/>
+            <a:r>
+              <a:rPr lang="en-US" dirty="0"/>
+              <a:t>Declare how you want a mock act when invoked with </a:t>
+            </a:r>
+            <a:r>
+              <a:rPr lang="en-US" dirty="0">
+                <a:latin typeface="Courier" pitchFamily="2" charset="0"/>
+              </a:rPr>
+              <a:t>when()</a:t>
+            </a:r>
+            <a:r>
+              <a:rPr lang="en-US" dirty="0"/>
+              <a:t>/</a:t>
+            </a:r>
+            <a:r>
+              <a:rPr lang="en-US" dirty="0">
+                <a:latin typeface="Courier" pitchFamily="2" charset="0"/>
+              </a:rPr>
+              <a:t>given()</a:t>
+            </a:r>
+            <a:r>
+              <a:rPr lang="en-US" dirty="0"/>
+              <a:t>.</a:t>
+            </a:r>
+          </a:p>
+          <a:p>
+            <a:pPr lvl="1"/>
+            <a:r>
+              <a:rPr lang="en-US" dirty="0"/>
+              <a:t>Return a particular value (</a:t>
+            </a:r>
+            <a:r>
+              <a:rPr lang="en-US" dirty="0" err="1">
+                <a:latin typeface="Courier" pitchFamily="2" charset="0"/>
+              </a:rPr>
+              <a:t>thenReturn</a:t>
+            </a:r>
+            <a:r>
+              <a:rPr lang="en-US" dirty="0">
+                <a:latin typeface="Courier" pitchFamily="2" charset="0"/>
+              </a:rPr>
+              <a:t>(…)</a:t>
+            </a:r>
+            <a:r>
+              <a:rPr lang="en-US" dirty="0"/>
+              <a:t>).</a:t>
+            </a:r>
+          </a:p>
+          <a:p>
+            <a:pPr lvl="1"/>
+            <a:r>
+              <a:rPr lang="en-US" dirty="0"/>
+              <a:t>Stub a void method (</a:t>
+            </a:r>
+            <a:r>
+              <a:rPr lang="en-US" dirty="0" err="1">
+                <a:latin typeface="Courier" pitchFamily="2" charset="0"/>
+              </a:rPr>
+              <a:t>doNothing</a:t>
+            </a:r>
+            <a:r>
+              <a:rPr lang="en-US" dirty="0">
+                <a:latin typeface="Courier" pitchFamily="2" charset="0"/>
+              </a:rPr>
+              <a:t>(…)</a:t>
+            </a:r>
+            <a:r>
+              <a:rPr lang="en-US" dirty="0"/>
+              <a:t>).</a:t>
+            </a:r>
+          </a:p>
+          <a:p>
+            <a:pPr lvl="1"/>
+            <a:r>
+              <a:rPr lang="en-US" dirty="0"/>
+              <a:t>Throw an exception (</a:t>
+            </a:r>
+            <a:r>
+              <a:rPr lang="en-US" dirty="0" err="1">
+                <a:latin typeface="Courier" pitchFamily="2" charset="0"/>
+              </a:rPr>
+              <a:t>thenThrow</a:t>
+            </a:r>
+            <a:r>
+              <a:rPr lang="en-US" dirty="0">
+                <a:latin typeface="Courier" pitchFamily="2" charset="0"/>
+              </a:rPr>
+              <a:t>(…)</a:t>
+            </a:r>
+            <a:r>
+              <a:rPr lang="en-US" dirty="0"/>
+              <a:t>).</a:t>
+            </a:r>
           </a:p>
         </p:txBody>
       </p:sp>
@@ -4031,7 +5171,10 @@
           <a:bodyPr/>
           <a:lstStyle/>
           <a:p>
-            <a:endParaRPr lang="en-US"/>
+            <a:r>
+              <a:rPr lang="en-US" dirty="0"/>
+              <a:t>Interaction verification</a:t>
+            </a:r>
           </a:p>
         </p:txBody>
       </p:sp>
@@ -4095,7 +5238,7 @@
           <p:cNvPr id="2" name="Title 1">
             <a:extLst>
               <a:ext uri="{FF2B5EF4-FFF2-40B4-BE49-F238E27FC236}">
-                <a16:creationId xmlns:a16="http://schemas.microsoft.com/office/drawing/2014/main" id="{86C860B7-32F1-AE46-8944-4BDA7C647312}"/>
+                <a16:creationId xmlns:a16="http://schemas.microsoft.com/office/drawing/2014/main" id="{0721C84B-4C4A-C94C-8F18-7F1C16D2A1F4}"/>
               </a:ext>
             </a:extLst>
           </p:cNvPr>
@@ -4120,7 +5263,7 @@
           <p:cNvPr id="3" name="Content Placeholder 2">
             <a:extLst>
               <a:ext uri="{FF2B5EF4-FFF2-40B4-BE49-F238E27FC236}">
-                <a16:creationId xmlns:a16="http://schemas.microsoft.com/office/drawing/2014/main" id="{52E68A71-BC17-5D4F-BC93-8B7E374EBDDC}"/>
+                <a16:creationId xmlns:a16="http://schemas.microsoft.com/office/drawing/2014/main" id="{145FAC0A-9F40-C942-9675-DED9A8D58FF7}"/>
               </a:ext>
             </a:extLst>
           </p:cNvPr>
@@ -4143,7 +5286,7 @@
     </p:spTree>
     <p:extLst>
       <p:ext uri="{BB962C8B-B14F-4D97-AF65-F5344CB8AC3E}">
-        <p14:creationId xmlns:p14="http://schemas.microsoft.com/office/powerpoint/2010/main" val="3096622250"/>
+        <p14:creationId xmlns:p14="http://schemas.microsoft.com/office/powerpoint/2010/main" val="3851587936"/>
       </p:ext>
     </p:extLst>
   </p:cSld>
@@ -4175,7 +5318,7 @@
           <p:cNvPr id="2" name="Title 1">
             <a:extLst>
               <a:ext uri="{FF2B5EF4-FFF2-40B4-BE49-F238E27FC236}">
-                <a16:creationId xmlns:a16="http://schemas.microsoft.com/office/drawing/2014/main" id="{0721C84B-4C4A-C94C-8F18-7F1C16D2A1F4}"/>
+                <a16:creationId xmlns:a16="http://schemas.microsoft.com/office/drawing/2014/main" id="{86C860B7-32F1-AE46-8944-4BDA7C647312}"/>
               </a:ext>
             </a:extLst>
           </p:cNvPr>
@@ -4191,7 +5334,10 @@
           <a:bodyPr/>
           <a:lstStyle/>
           <a:p>
-            <a:endParaRPr lang="en-US"/>
+            <a:r>
+              <a:rPr lang="en-US" dirty="0"/>
+              <a:t>Spies</a:t>
+            </a:r>
           </a:p>
         </p:txBody>
       </p:sp>
@@ -4200,7 +5346,7 @@
           <p:cNvPr id="3" name="Content Placeholder 2">
             <a:extLst>
               <a:ext uri="{FF2B5EF4-FFF2-40B4-BE49-F238E27FC236}">
-                <a16:creationId xmlns:a16="http://schemas.microsoft.com/office/drawing/2014/main" id="{145FAC0A-9F40-C942-9675-DED9A8D58FF7}"/>
+                <a16:creationId xmlns:a16="http://schemas.microsoft.com/office/drawing/2014/main" id="{52E68A71-BC17-5D4F-BC93-8B7E374EBDDC}"/>
               </a:ext>
             </a:extLst>
           </p:cNvPr>
@@ -4216,14 +5362,72 @@
           <a:bodyPr/>
           <a:lstStyle/>
           <a:p>
-            <a:endParaRPr lang="en-US"/>
+            <a:r>
+              <a:rPr lang="en-US" dirty="0"/>
+              <a:t>Allows partial mocking</a:t>
+            </a:r>
+          </a:p>
+          <a:p>
+            <a:r>
+              <a:rPr lang="en-US" dirty="0"/>
+              <a:t>Use @Spy or spy() to create a spy</a:t>
+            </a:r>
+          </a:p>
+          <a:p>
+            <a:pPr lvl="1"/>
+            <a:r>
+              <a:rPr lang="en-US" dirty="0"/>
+              <a:t>Use abstract classes or real object instances</a:t>
+            </a:r>
+          </a:p>
+          <a:p>
+            <a:r>
+              <a:rPr lang="en-US" dirty="0"/>
+              <a:t>Use </a:t>
+            </a:r>
+            <a:r>
+              <a:rPr lang="en-US" dirty="0" err="1">
+                <a:latin typeface="Courier" pitchFamily="2" charset="0"/>
+              </a:rPr>
+              <a:t>doReturn</a:t>
+            </a:r>
+            <a:r>
+              <a:rPr lang="en-US" dirty="0" err="1"/>
+              <a:t>|</a:t>
+            </a:r>
+            <a:r>
+              <a:rPr lang="en-US" dirty="0" err="1">
+                <a:latin typeface="Courier" pitchFamily="2" charset="0"/>
+              </a:rPr>
+              <a:t>Answer</a:t>
+            </a:r>
+            <a:r>
+              <a:rPr lang="en-US" dirty="0" err="1"/>
+              <a:t>|</a:t>
+            </a:r>
+            <a:r>
+              <a:rPr lang="en-US" dirty="0" err="1">
+                <a:latin typeface="Courier" pitchFamily="2" charset="0"/>
+              </a:rPr>
+              <a:t>Throw</a:t>
+            </a:r>
+            <a:r>
+              <a:rPr lang="en-US" dirty="0">
+                <a:latin typeface="Courier" pitchFamily="2" charset="0"/>
+              </a:rPr>
+              <a:t>()</a:t>
+            </a:r>
+            <a:r>
+              <a:rPr lang="en-US" dirty="0"/>
+              <a:t> family of stubbing methods</a:t>
+            </a:r>
           </a:p>
         </p:txBody>
       </p:sp>
     </p:spTree>
     <p:extLst>
       <p:ext uri="{BB962C8B-B14F-4D97-AF65-F5344CB8AC3E}">
-        <p14:creationId xmlns:p14="http://schemas.microsoft.com/office/powerpoint/2010/main" val="3851587936"/>
+        <p14:creationId xmlns:p14="http://schemas.microsoft.com/office/powerpoint/2010/main" val="3096622250"/>
       </p:ext>
     </p:extLst>
   </p:cSld>
@@ -4271,7 +5475,10 @@
           <a:bodyPr/>
           <a:lstStyle/>
           <a:p>
-            <a:endParaRPr lang="en-US"/>
+            <a:r>
+              <a:rPr lang="en-US" dirty="0"/>
+              <a:t>Stubbing static methods</a:t>
+            </a:r>
           </a:p>
         </p:txBody>
       </p:sp>

--- a/presentations/Introduction to Mockito.pptx
+++ b/presentations/Introduction to Mockito.pptx
@@ -12,21 +12,23 @@
     <p:sldId id="259" r:id="rId6"/>
     <p:sldId id="260" r:id="rId7"/>
     <p:sldId id="262" r:id="rId8"/>
-    <p:sldId id="261" r:id="rId9"/>
-    <p:sldId id="263" r:id="rId10"/>
-    <p:sldId id="264" r:id="rId11"/>
-    <p:sldId id="266" r:id="rId12"/>
-    <p:sldId id="267" r:id="rId13"/>
-    <p:sldId id="268" r:id="rId14"/>
-    <p:sldId id="269" r:id="rId15"/>
-    <p:sldId id="270" r:id="rId16"/>
-    <p:sldId id="271" r:id="rId17"/>
-    <p:sldId id="272" r:id="rId18"/>
-    <p:sldId id="273" r:id="rId19"/>
-    <p:sldId id="274" r:id="rId20"/>
-    <p:sldId id="275" r:id="rId21"/>
-    <p:sldId id="276" r:id="rId22"/>
-    <p:sldId id="277" r:id="rId23"/>
+    <p:sldId id="278" r:id="rId9"/>
+    <p:sldId id="261" r:id="rId10"/>
+    <p:sldId id="279" r:id="rId11"/>
+    <p:sldId id="263" r:id="rId12"/>
+    <p:sldId id="264" r:id="rId13"/>
+    <p:sldId id="266" r:id="rId14"/>
+    <p:sldId id="267" r:id="rId15"/>
+    <p:sldId id="268" r:id="rId16"/>
+    <p:sldId id="269" r:id="rId17"/>
+    <p:sldId id="270" r:id="rId18"/>
+    <p:sldId id="271" r:id="rId19"/>
+    <p:sldId id="272" r:id="rId20"/>
+    <p:sldId id="273" r:id="rId21"/>
+    <p:sldId id="274" r:id="rId22"/>
+    <p:sldId id="275" r:id="rId23"/>
+    <p:sldId id="276" r:id="rId24"/>
+    <p:sldId id="277" r:id="rId25"/>
   </p:sldIdLst>
   <p:sldSz cx="12192000" cy="6858000"/>
   <p:notesSz cx="6858000" cy="9144000"/>
@@ -3438,7 +3440,7 @@
           <p:cNvPr id="2" name="Title 1">
             <a:extLst>
               <a:ext uri="{FF2B5EF4-FFF2-40B4-BE49-F238E27FC236}">
-                <a16:creationId xmlns:a16="http://schemas.microsoft.com/office/drawing/2014/main" id="{EF948449-51E6-9148-82F6-455F26533FA8}"/>
+                <a16:creationId xmlns:a16="http://schemas.microsoft.com/office/drawing/2014/main" id="{696B5128-F017-FB43-B790-5EE6FA14063F}"/>
               </a:ext>
             </a:extLst>
           </p:cNvPr>
@@ -3454,7 +3456,10 @@
           <a:bodyPr/>
           <a:lstStyle/>
           <a:p>
-            <a:endParaRPr lang="en-US"/>
+            <a:r>
+              <a:rPr lang="en-US" dirty="0"/>
+              <a:t>Spy example</a:t>
+            </a:r>
           </a:p>
         </p:txBody>
       </p:sp>
@@ -3463,7 +3468,7 @@
           <p:cNvPr id="3" name="Content Placeholder 2">
             <a:extLst>
               <a:ext uri="{FF2B5EF4-FFF2-40B4-BE49-F238E27FC236}">
-                <a16:creationId xmlns:a16="http://schemas.microsoft.com/office/drawing/2014/main" id="{813F127E-461D-714F-B0A3-A39A056EAE55}"/>
+                <a16:creationId xmlns:a16="http://schemas.microsoft.com/office/drawing/2014/main" id="{1BAB5C7E-8CD9-1340-9F23-87E048B9069C}"/>
               </a:ext>
             </a:extLst>
           </p:cNvPr>
@@ -3476,17 +3481,228 @@
         </p:nvSpPr>
         <p:spPr/>
         <p:txBody>
-          <a:bodyPr/>
-          <a:lstStyle/>
-          <a:p>
-            <a:endParaRPr lang="en-US"/>
+          <a:bodyPr>
+            <a:normAutofit fontScale="85000" lnSpcReduction="20000"/>
+          </a:bodyPr>
+          <a:lstStyle/>
+          <a:p>
+            <a:pPr marL="0" indent="0">
+              <a:buNone/>
+            </a:pPr>
+            <a:r>
+              <a:rPr lang="en-US" dirty="0"/>
+              <a:t>List list = new LinkedList();   </a:t>
+            </a:r>
+            <a:br>
+              <a:rPr lang="en-US" dirty="0"/>
+            </a:br>
+            <a:r>
+              <a:rPr lang="en-US" dirty="0"/>
+              <a:t>List </a:t>
+            </a:r>
+            <a:r>
+              <a:rPr lang="en-US" dirty="0" err="1"/>
+              <a:t>spiedList</a:t>
+            </a:r>
+            <a:r>
+              <a:rPr lang="en-US" dirty="0"/>
+              <a:t> = spy(list);</a:t>
+            </a:r>
+            <a:br>
+              <a:rPr lang="en-US" dirty="0"/>
+            </a:br>
+            <a:br>
+              <a:rPr lang="en-US" dirty="0"/>
+            </a:br>
+            <a:r>
+              <a:rPr lang="en-US" dirty="0">
+                <a:solidFill>
+                  <a:schemeClr val="bg1">
+                    <a:lumMod val="50000"/>
+                  </a:schemeClr>
+                </a:solidFill>
+              </a:rPr>
+              <a:t>// Optionally stub methods</a:t>
+            </a:r>
+            <a:br>
+              <a:rPr lang="en-US" dirty="0">
+                <a:solidFill>
+                  <a:schemeClr val="bg1">
+                    <a:lumMod val="50000"/>
+                  </a:schemeClr>
+                </a:solidFill>
+              </a:rPr>
+            </a:br>
+            <a:r>
+              <a:rPr lang="en-US" dirty="0"/>
+              <a:t>when(</a:t>
+            </a:r>
+            <a:r>
+              <a:rPr lang="en-US" dirty="0" err="1"/>
+              <a:t>spiedList.size</a:t>
+            </a:r>
+            <a:r>
+              <a:rPr lang="en-US" dirty="0"/>
+              <a:t>()).</a:t>
+            </a:r>
+            <a:r>
+              <a:rPr lang="en-US" dirty="0" err="1"/>
+              <a:t>thenReturn</a:t>
+            </a:r>
+            <a:r>
+              <a:rPr lang="en-US" dirty="0"/>
+              <a:t>(100);</a:t>
+            </a:r>
+            <a:br>
+              <a:rPr lang="en-US" dirty="0"/>
+            </a:br>
+            <a:br>
+              <a:rPr lang="en-US" dirty="0"/>
+            </a:br>
+            <a:r>
+              <a:rPr lang="en-US" dirty="0">
+                <a:solidFill>
+                  <a:schemeClr val="bg1">
+                    <a:lumMod val="50000"/>
+                  </a:schemeClr>
+                </a:solidFill>
+              </a:rPr>
+              <a:t>// Using </a:t>
+            </a:r>
+            <a:r>
+              <a:rPr lang="en-US" dirty="0" err="1">
+                <a:solidFill>
+                  <a:schemeClr val="bg1">
+                    <a:lumMod val="50000"/>
+                  </a:schemeClr>
+                </a:solidFill>
+              </a:rPr>
+              <a:t>spiedList</a:t>
+            </a:r>
+            <a:r>
+              <a:rPr lang="en-US" dirty="0">
+                <a:solidFill>
+                  <a:schemeClr val="bg1">
+                    <a:lumMod val="50000"/>
+                  </a:schemeClr>
+                </a:solidFill>
+              </a:rPr>
+              <a:t> calls *real* methods   </a:t>
+            </a:r>
+            <a:br>
+              <a:rPr lang="en-US" dirty="0">
+                <a:solidFill>
+                  <a:schemeClr val="bg1">
+                    <a:lumMod val="50000"/>
+                  </a:schemeClr>
+                </a:solidFill>
+              </a:rPr>
+            </a:br>
+            <a:r>
+              <a:rPr lang="en-US" dirty="0" err="1"/>
+              <a:t>spiedList.add</a:t>
+            </a:r>
+            <a:r>
+              <a:rPr lang="en-US" dirty="0"/>
+              <a:t>("one");   </a:t>
+            </a:r>
+            <a:br>
+              <a:rPr lang="en-US" dirty="0"/>
+            </a:br>
+            <a:r>
+              <a:rPr lang="en-US" dirty="0" err="1"/>
+              <a:t>spiedList.add</a:t>
+            </a:r>
+            <a:r>
+              <a:rPr lang="en-US" dirty="0"/>
+              <a:t>("two");</a:t>
+            </a:r>
+            <a:br>
+              <a:rPr lang="en-US" dirty="0"/>
+            </a:br>
+            <a:br>
+              <a:rPr lang="en-US" dirty="0"/>
+            </a:br>
+            <a:r>
+              <a:rPr lang="en-US" dirty="0" err="1"/>
+              <a:t>assertEquals</a:t>
+            </a:r>
+            <a:r>
+              <a:rPr lang="en-US" dirty="0"/>
+              <a:t>("one”, </a:t>
+            </a:r>
+            <a:r>
+              <a:rPr lang="en-US" dirty="0" err="1"/>
+              <a:t>spiedList.get</a:t>
+            </a:r>
+            <a:r>
+              <a:rPr lang="en-US" dirty="0"/>
+              <a:t>(0));</a:t>
+            </a:r>
+            <a:br>
+              <a:rPr lang="en-US" dirty="0"/>
+            </a:br>
+            <a:r>
+              <a:rPr lang="en-US" dirty="0" err="1"/>
+              <a:t>assertEquals</a:t>
+            </a:r>
+            <a:r>
+              <a:rPr lang="en-US" dirty="0"/>
+              <a:t>(100, </a:t>
+            </a:r>
+            <a:r>
+              <a:rPr lang="en-US" dirty="0" err="1"/>
+              <a:t>spiedList.size</a:t>
+            </a:r>
+            <a:r>
+              <a:rPr lang="en-US" dirty="0"/>
+              <a:t>());</a:t>
+            </a:r>
+          </a:p>
+          <a:p>
+            <a:pPr marL="0" indent="0">
+              <a:buNone/>
+            </a:pPr>
+            <a:br>
+              <a:rPr lang="en-US" dirty="0"/>
+            </a:br>
+            <a:r>
+              <a:rPr lang="en-US" dirty="0">
+                <a:solidFill>
+                  <a:schemeClr val="bg1">
+                    <a:lumMod val="50000"/>
+                  </a:schemeClr>
+                </a:solidFill>
+              </a:rPr>
+              <a:t>// Optionally verify interactions</a:t>
+            </a:r>
+            <a:br>
+              <a:rPr lang="en-US" dirty="0">
+                <a:solidFill>
+                  <a:schemeClr val="bg1">
+                    <a:lumMod val="50000"/>
+                  </a:schemeClr>
+                </a:solidFill>
+              </a:rPr>
+            </a:br>
+            <a:r>
+              <a:rPr lang="en-US" dirty="0"/>
+              <a:t>verify(spy).add("one");</a:t>
+            </a:r>
+            <a:br>
+              <a:rPr lang="en-US" dirty="0"/>
+            </a:br>
+            <a:r>
+              <a:rPr lang="en-US" dirty="0"/>
+              <a:t>verify(spy).add("two");</a:t>
+            </a:r>
           </a:p>
         </p:txBody>
       </p:sp>
     </p:spTree>
     <p:extLst>
       <p:ext uri="{BB962C8B-B14F-4D97-AF65-F5344CB8AC3E}">
-        <p14:creationId xmlns:p14="http://schemas.microsoft.com/office/powerpoint/2010/main" val="3225130834"/>
+        <p14:creationId xmlns:p14="http://schemas.microsoft.com/office/powerpoint/2010/main" val="1319558964"/>
       </p:ext>
     </p:extLst>
   </p:cSld>
@@ -3518,7 +3734,7 @@
           <p:cNvPr id="2" name="Title 1">
             <a:extLst>
               <a:ext uri="{FF2B5EF4-FFF2-40B4-BE49-F238E27FC236}">
-                <a16:creationId xmlns:a16="http://schemas.microsoft.com/office/drawing/2014/main" id="{EF948449-51E6-9148-82F6-455F26533FA8}"/>
+                <a16:creationId xmlns:a16="http://schemas.microsoft.com/office/drawing/2014/main" id="{0CAD8607-3D0E-F34C-A71C-E1FCD84847DA}"/>
               </a:ext>
             </a:extLst>
           </p:cNvPr>
@@ -3534,7 +3750,10 @@
           <a:bodyPr/>
           <a:lstStyle/>
           <a:p>
-            <a:endParaRPr lang="en-US"/>
+            <a:r>
+              <a:rPr lang="en-US" dirty="0"/>
+              <a:t>Mocking static methods</a:t>
+            </a:r>
           </a:p>
         </p:txBody>
       </p:sp>
@@ -3543,7 +3762,7 @@
           <p:cNvPr id="3" name="Content Placeholder 2">
             <a:extLst>
               <a:ext uri="{FF2B5EF4-FFF2-40B4-BE49-F238E27FC236}">
-                <a16:creationId xmlns:a16="http://schemas.microsoft.com/office/drawing/2014/main" id="{813F127E-461D-714F-B0A3-A39A056EAE55}"/>
+                <a16:creationId xmlns:a16="http://schemas.microsoft.com/office/drawing/2014/main" id="{3C783A4D-ADD3-FE47-A802-7E1E33980728}"/>
               </a:ext>
             </a:extLst>
           </p:cNvPr>
@@ -3556,17 +3775,96 @@
         </p:nvSpPr>
         <p:spPr/>
         <p:txBody>
-          <a:bodyPr/>
-          <a:lstStyle/>
-          <a:p>
-            <a:endParaRPr lang="en-US"/>
+          <a:bodyPr>
+            <a:normAutofit lnSpcReduction="10000"/>
+          </a:bodyPr>
+          <a:lstStyle/>
+          <a:p>
+            <a:r>
+              <a:rPr lang="en-US" dirty="0"/>
+              <a:t>Available since Mockito 3.4.0. </a:t>
+            </a:r>
+          </a:p>
+          <a:p>
+            <a:r>
+              <a:rPr lang="en-US" dirty="0"/>
+              <a:t>Using the </a:t>
+            </a:r>
+            <a:r>
+              <a:rPr lang="en-US" b="1" dirty="0"/>
+              <a:t>inline mock maker</a:t>
+            </a:r>
+            <a:r>
+              <a:rPr lang="en-US" dirty="0"/>
+              <a:t>, it is possible to mock static method invocations within the current thread and a user-defined scope. </a:t>
+            </a:r>
+          </a:p>
+          <a:p>
+            <a:pPr lvl="1"/>
+            <a:r>
+              <a:rPr lang="en-US" dirty="0"/>
+              <a:t>Ensures that concurrently and sequentially running tests do not interfere. </a:t>
+            </a:r>
+          </a:p>
+          <a:p>
+            <a:r>
+              <a:rPr lang="en-US" dirty="0"/>
+              <a:t>Use a </a:t>
+            </a:r>
+            <a:r>
+              <a:rPr lang="en-US" i="1" dirty="0"/>
+              <a:t>try-with-resources</a:t>
+            </a:r>
+            <a:r>
+              <a:rPr lang="en-US" dirty="0"/>
+              <a:t> construct to ensure a static mock remains temporary.</a:t>
+            </a:r>
+          </a:p>
+          <a:p>
+            <a:pPr lvl="1"/>
+            <a:r>
+              <a:rPr lang="en-US" dirty="0"/>
+              <a:t>The original behavior of the static method is restored once the defined scope of the static mock is released. </a:t>
+            </a:r>
+          </a:p>
+          <a:p>
+            <a:r>
+              <a:rPr lang="en-US" dirty="0"/>
+              <a:t>The </a:t>
+            </a:r>
+            <a:r>
+              <a:rPr lang="en-US" dirty="0" err="1">
+                <a:latin typeface="Courier" pitchFamily="2" charset="0"/>
+              </a:rPr>
+              <a:t>mockStatic</a:t>
+            </a:r>
+            <a:r>
+              <a:rPr lang="en-US" dirty="0"/>
+              <a:t> factory method returns a </a:t>
+            </a:r>
+            <a:r>
+              <a:rPr lang="en-US" dirty="0" err="1">
+                <a:latin typeface="Courier" pitchFamily="2" charset="0"/>
+              </a:rPr>
+              <a:t>MockedStatic</a:t>
+            </a:r>
+            <a:r>
+              <a:rPr lang="en-US" dirty="0"/>
+              <a:t> instance, which can be used to define mock behavior and to verify static method invocations. </a:t>
+            </a:r>
+          </a:p>
+          <a:p>
+            <a:endParaRPr lang="en-US" dirty="0"/>
+          </a:p>
+          <a:p>
+            <a:endParaRPr lang="en-US" dirty="0"/>
           </a:p>
         </p:txBody>
       </p:sp>
     </p:spTree>
     <p:extLst>
       <p:ext uri="{BB962C8B-B14F-4D97-AF65-F5344CB8AC3E}">
-        <p14:creationId xmlns:p14="http://schemas.microsoft.com/office/powerpoint/2010/main" val="2058544174"/>
+        <p14:creationId xmlns:p14="http://schemas.microsoft.com/office/powerpoint/2010/main" val="1482911797"/>
       </p:ext>
     </p:extLst>
   </p:cSld>
@@ -3614,7 +3912,10 @@
           <a:bodyPr/>
           <a:lstStyle/>
           <a:p>
-            <a:endParaRPr lang="en-US"/>
+            <a:r>
+              <a:rPr lang="en-US" dirty="0"/>
+              <a:t>Mocking static method example</a:t>
+            </a:r>
           </a:p>
         </p:txBody>
       </p:sp>
@@ -3636,17 +3937,280 @@
         </p:nvSpPr>
         <p:spPr/>
         <p:txBody>
-          <a:bodyPr/>
-          <a:lstStyle/>
-          <a:p>
-            <a:endParaRPr lang="en-US"/>
+          <a:bodyPr>
+            <a:normAutofit/>
+          </a:bodyPr>
+          <a:lstStyle/>
+          <a:p>
+            <a:pPr marL="0" indent="0">
+              <a:buNone/>
+            </a:pPr>
+            <a:r>
+              <a:rPr lang="en-US" sz="2000" dirty="0" err="1">
+                <a:latin typeface="Courier" pitchFamily="2" charset="0"/>
+              </a:rPr>
+              <a:t>assertEquals</a:t>
+            </a:r>
+            <a:r>
+              <a:rPr lang="en-US" sz="2000" dirty="0">
+                <a:latin typeface="Courier" pitchFamily="2" charset="0"/>
+              </a:rPr>
+              <a:t>("foo", </a:t>
+            </a:r>
+            <a:r>
+              <a:rPr lang="en-US" sz="2000" dirty="0" err="1">
+                <a:latin typeface="Courier" pitchFamily="2" charset="0"/>
+              </a:rPr>
+              <a:t>Foo.method</a:t>
+            </a:r>
+            <a:r>
+              <a:rPr lang="en-US" sz="2000" dirty="0">
+                <a:latin typeface="Courier" pitchFamily="2" charset="0"/>
+              </a:rPr>
+              <a:t>());</a:t>
+            </a:r>
+          </a:p>
+          <a:p>
+            <a:pPr marL="0" indent="0">
+              <a:buNone/>
+            </a:pPr>
+            <a:r>
+              <a:rPr lang="en-US" sz="2000" dirty="0">
+                <a:latin typeface="Courier" pitchFamily="2" charset="0"/>
+              </a:rPr>
+              <a:t>// Inline mock maker</a:t>
+            </a:r>
+          </a:p>
+          <a:p>
+            <a:pPr marL="0" indent="0">
+              <a:buNone/>
+            </a:pPr>
+            <a:r>
+              <a:rPr lang="en-US" sz="2000" dirty="0">
+                <a:latin typeface="Courier" pitchFamily="2" charset="0"/>
+              </a:rPr>
+              <a:t>try (</a:t>
+            </a:r>
+            <a:r>
+              <a:rPr lang="en-US" sz="2000" b="1" dirty="0" err="1">
+                <a:latin typeface="Courier" pitchFamily="2" charset="0"/>
+              </a:rPr>
+              <a:t>MockedStatic</a:t>
+            </a:r>
+            <a:r>
+              <a:rPr lang="en-US" sz="2000" dirty="0">
+                <a:latin typeface="Courier" pitchFamily="2" charset="0"/>
+              </a:rPr>
+              <a:t> mocked = </a:t>
+            </a:r>
+            <a:r>
+              <a:rPr lang="en-US" sz="2000" b="1" dirty="0" err="1">
+                <a:latin typeface="Courier" pitchFamily="2" charset="0"/>
+              </a:rPr>
+              <a:t>mockStatic</a:t>
+            </a:r>
+            <a:r>
+              <a:rPr lang="en-US" sz="2000" dirty="0">
+                <a:latin typeface="Courier" pitchFamily="2" charset="0"/>
+              </a:rPr>
+              <a:t>(</a:t>
+            </a:r>
+            <a:r>
+              <a:rPr lang="en-US" sz="2000" dirty="0" err="1">
+                <a:latin typeface="Courier" pitchFamily="2" charset="0"/>
+              </a:rPr>
+              <a:t>Foo.class</a:t>
+            </a:r>
+            <a:r>
+              <a:rPr lang="en-US" sz="2000" dirty="0">
+                <a:latin typeface="Courier" pitchFamily="2" charset="0"/>
+              </a:rPr>
+              <a:t>)) {</a:t>
+            </a:r>
+          </a:p>
+          <a:p>
+            <a:pPr marL="0" indent="0">
+              <a:buNone/>
+            </a:pPr>
+            <a:r>
+              <a:rPr lang="en-US" sz="2000" dirty="0">
+                <a:latin typeface="Courier" pitchFamily="2" charset="0"/>
+              </a:rPr>
+              <a:t>   </a:t>
+            </a:r>
+            <a:r>
+              <a:rPr lang="en-US" sz="2000" dirty="0">
+                <a:solidFill>
+                  <a:schemeClr val="bg1">
+                    <a:lumMod val="50000"/>
+                  </a:schemeClr>
+                </a:solidFill>
+                <a:latin typeface="Courier" pitchFamily="2" charset="0"/>
+              </a:rPr>
+              <a:t>// Use </a:t>
+            </a:r>
+            <a:r>
+              <a:rPr lang="en-US" sz="2000" dirty="0" err="1">
+                <a:solidFill>
+                  <a:schemeClr val="bg1">
+                    <a:lumMod val="50000"/>
+                  </a:schemeClr>
+                </a:solidFill>
+                <a:latin typeface="Courier" pitchFamily="2" charset="0"/>
+              </a:rPr>
+              <a:t>MockedStatic</a:t>
+            </a:r>
+            <a:r>
+              <a:rPr lang="en-US" sz="2000" dirty="0">
+                <a:solidFill>
+                  <a:schemeClr val="bg1">
+                    <a:lumMod val="50000"/>
+                  </a:schemeClr>
+                </a:solidFill>
+                <a:latin typeface="Courier" pitchFamily="2" charset="0"/>
+              </a:rPr>
+              <a:t> instance to stub static method</a:t>
+            </a:r>
+          </a:p>
+          <a:p>
+            <a:pPr marL="0" indent="0">
+              <a:buNone/>
+            </a:pPr>
+            <a:r>
+              <a:rPr lang="en-US" sz="2000" dirty="0">
+                <a:latin typeface="Courier" pitchFamily="2" charset="0"/>
+              </a:rPr>
+              <a:t>   </a:t>
+            </a:r>
+            <a:r>
+              <a:rPr lang="en-US" sz="2000" dirty="0" err="1">
+                <a:latin typeface="Courier" pitchFamily="2" charset="0"/>
+              </a:rPr>
+              <a:t>mocked.when</a:t>
+            </a:r>
+            <a:r>
+              <a:rPr lang="en-US" sz="2000" dirty="0">
+                <a:latin typeface="Courier" pitchFamily="2" charset="0"/>
+              </a:rPr>
+              <a:t>(Foo::method).</a:t>
+            </a:r>
+            <a:r>
+              <a:rPr lang="en-US" sz="2000" dirty="0" err="1">
+                <a:latin typeface="Courier" pitchFamily="2" charset="0"/>
+              </a:rPr>
+              <a:t>thenReturn</a:t>
+            </a:r>
+            <a:r>
+              <a:rPr lang="en-US" sz="2000" dirty="0">
+                <a:latin typeface="Courier" pitchFamily="2" charset="0"/>
+              </a:rPr>
+              <a:t>("bar");</a:t>
+            </a:r>
+          </a:p>
+          <a:p>
+            <a:pPr marL="0" indent="0">
+              <a:buNone/>
+            </a:pPr>
+            <a:r>
+              <a:rPr lang="en-US" sz="2000" dirty="0">
+                <a:latin typeface="Courier" pitchFamily="2" charset="0"/>
+              </a:rPr>
+              <a:t>   </a:t>
+            </a:r>
+            <a:r>
+              <a:rPr lang="en-US" sz="2000" dirty="0" err="1">
+                <a:latin typeface="Courier" pitchFamily="2" charset="0"/>
+              </a:rPr>
+              <a:t>assertEquals</a:t>
+            </a:r>
+            <a:r>
+              <a:rPr lang="en-US" sz="2000" dirty="0">
+                <a:latin typeface="Courier" pitchFamily="2" charset="0"/>
+              </a:rPr>
+              <a:t>("bar", </a:t>
+            </a:r>
+            <a:r>
+              <a:rPr lang="en-US" sz="2000" dirty="0" err="1">
+                <a:latin typeface="Courier" pitchFamily="2" charset="0"/>
+              </a:rPr>
+              <a:t>Foo.method</a:t>
+            </a:r>
+            <a:r>
+              <a:rPr lang="en-US" sz="2000" dirty="0">
+                <a:latin typeface="Courier" pitchFamily="2" charset="0"/>
+              </a:rPr>
+              <a:t>());</a:t>
+            </a:r>
+          </a:p>
+          <a:p>
+            <a:pPr marL="0" indent="0">
+              <a:buNone/>
+            </a:pPr>
+            <a:r>
+              <a:rPr lang="en-US" sz="2000" dirty="0">
+                <a:latin typeface="Courier" pitchFamily="2" charset="0"/>
+              </a:rPr>
+              <a:t>   </a:t>
+            </a:r>
+            <a:r>
+              <a:rPr lang="en-US" sz="2000" dirty="0" err="1">
+                <a:latin typeface="Courier" pitchFamily="2" charset="0"/>
+              </a:rPr>
+              <a:t>mocked.verify</a:t>
+            </a:r>
+            <a:r>
+              <a:rPr lang="en-US" sz="2000" dirty="0">
+                <a:latin typeface="Courier" pitchFamily="2" charset="0"/>
+              </a:rPr>
+              <a:t>(Foo::method);</a:t>
+            </a:r>
+          </a:p>
+          <a:p>
+            <a:pPr marL="0" indent="0">
+              <a:buNone/>
+            </a:pPr>
+            <a:r>
+              <a:rPr lang="en-US" sz="2000" dirty="0">
+                <a:latin typeface="Courier" pitchFamily="2" charset="0"/>
+              </a:rPr>
+              <a:t>}</a:t>
+            </a:r>
+          </a:p>
+          <a:p>
+            <a:pPr marL="0" indent="0">
+              <a:buNone/>
+            </a:pPr>
+            <a:r>
+              <a:rPr lang="en-US" sz="2000" dirty="0" err="1">
+                <a:latin typeface="Courier" pitchFamily="2" charset="0"/>
+              </a:rPr>
+              <a:t>assertEquals</a:t>
+            </a:r>
+            <a:r>
+              <a:rPr lang="en-US" sz="2000" dirty="0">
+                <a:latin typeface="Courier" pitchFamily="2" charset="0"/>
+              </a:rPr>
+              <a:t>("foo", </a:t>
+            </a:r>
+            <a:r>
+              <a:rPr lang="en-US" sz="2000" dirty="0" err="1">
+                <a:latin typeface="Courier" pitchFamily="2" charset="0"/>
+              </a:rPr>
+              <a:t>Foo.method</a:t>
+            </a:r>
+            <a:r>
+              <a:rPr lang="en-US" sz="2000" dirty="0">
+                <a:latin typeface="Courier" pitchFamily="2" charset="0"/>
+              </a:rPr>
+              <a:t>());</a:t>
+            </a:r>
           </a:p>
         </p:txBody>
       </p:sp>
     </p:spTree>
     <p:extLst>
       <p:ext uri="{BB962C8B-B14F-4D97-AF65-F5344CB8AC3E}">
-        <p14:creationId xmlns:p14="http://schemas.microsoft.com/office/powerpoint/2010/main" val="3395650808"/>
+        <p14:creationId xmlns:p14="http://schemas.microsoft.com/office/powerpoint/2010/main" val="3225130834"/>
       </p:ext>
     </p:extLst>
   </p:cSld>
@@ -3694,7 +4258,10 @@
           <a:bodyPr/>
           <a:lstStyle/>
           <a:p>
-            <a:endParaRPr lang="en-US"/>
+            <a:r>
+              <a:rPr lang="en-US" dirty="0"/>
+              <a:t>Mocking object construction</a:t>
+            </a:r>
           </a:p>
         </p:txBody>
       </p:sp>
@@ -3716,17 +4283,93 @@
         </p:nvSpPr>
         <p:spPr/>
         <p:txBody>
-          <a:bodyPr/>
-          <a:lstStyle/>
-          <a:p>
-            <a:endParaRPr lang="en-US"/>
+          <a:bodyPr>
+            <a:normAutofit lnSpcReduction="10000"/>
+          </a:bodyPr>
+          <a:lstStyle/>
+          <a:p>
+            <a:r>
+              <a:rPr lang="en-US" dirty="0"/>
+              <a:t>Available since Mockito 3.5.0.</a:t>
+            </a:r>
+          </a:p>
+          <a:p>
+            <a:r>
+              <a:rPr lang="en-US" dirty="0"/>
+              <a:t>When using the </a:t>
+            </a:r>
+            <a:r>
+              <a:rPr lang="en-US" b="1" dirty="0"/>
+              <a:t>inline mock maker</a:t>
+            </a:r>
+            <a:r>
+              <a:rPr lang="en-US" dirty="0"/>
+              <a:t>, it is possible to mock constructor invocations within the current thread and a user-defined scope. </a:t>
+            </a:r>
+          </a:p>
+          <a:p>
+            <a:pPr lvl="1"/>
+            <a:r>
+              <a:rPr lang="en-US" dirty="0"/>
+              <a:t>Ensures that concurrently and sequentially running tests do not interfere. </a:t>
+            </a:r>
+          </a:p>
+          <a:p>
+            <a:r>
+              <a:rPr lang="en-US" dirty="0"/>
+              <a:t>Use a </a:t>
+            </a:r>
+            <a:r>
+              <a:rPr lang="en-US" i="1" dirty="0"/>
+              <a:t>try-with-resources</a:t>
+            </a:r>
+            <a:r>
+              <a:rPr lang="en-US" dirty="0"/>
+              <a:t> construct to ensure a constructor mock remains temporary.</a:t>
+            </a:r>
+          </a:p>
+          <a:p>
+            <a:pPr lvl="1"/>
+            <a:r>
+              <a:rPr lang="en-US" dirty="0"/>
+              <a:t>The original behavior of the constructor is restored once the defined scope of the constructor mock is released. </a:t>
+            </a:r>
+          </a:p>
+          <a:p>
+            <a:r>
+              <a:rPr lang="en-US" dirty="0"/>
+              <a:t>The </a:t>
+            </a:r>
+            <a:r>
+              <a:rPr lang="en-US" dirty="0" err="1">
+                <a:latin typeface="Courier" pitchFamily="2" charset="0"/>
+              </a:rPr>
+              <a:t>MockedConstruction</a:t>
+            </a:r>
+            <a:r>
+              <a:rPr lang="en-US" dirty="0"/>
+              <a:t> type is returned from </a:t>
+            </a:r>
+            <a:r>
+              <a:rPr lang="en-US" dirty="0" err="1">
+                <a:latin typeface="Courier" pitchFamily="2" charset="0"/>
+              </a:rPr>
+              <a:t>mockConstruction</a:t>
+            </a:r>
+            <a:r>
+              <a:rPr lang="en-US" dirty="0"/>
+              <a:t> factory method can be used to define mock behavior and to verify constructor invocations. </a:t>
+            </a:r>
+          </a:p>
+          <a:p>
+            <a:endParaRPr lang="en-US" dirty="0"/>
           </a:p>
         </p:txBody>
       </p:sp>
     </p:spTree>
     <p:extLst>
       <p:ext uri="{BB962C8B-B14F-4D97-AF65-F5344CB8AC3E}">
-        <p14:creationId xmlns:p14="http://schemas.microsoft.com/office/powerpoint/2010/main" val="878151754"/>
+        <p14:creationId xmlns:p14="http://schemas.microsoft.com/office/powerpoint/2010/main" val="2058544174"/>
       </p:ext>
     </p:extLst>
   </p:cSld>
@@ -3774,7 +4417,10 @@
           <a:bodyPr/>
           <a:lstStyle/>
           <a:p>
-            <a:endParaRPr lang="en-US"/>
+            <a:r>
+              <a:rPr lang="en-US" dirty="0"/>
+              <a:t>Mocking object constructors example</a:t>
+            </a:r>
           </a:p>
         </p:txBody>
       </p:sp>
@@ -3796,17 +4442,222 @@
         </p:nvSpPr>
         <p:spPr/>
         <p:txBody>
-          <a:bodyPr/>
-          <a:lstStyle/>
-          <a:p>
-            <a:endParaRPr lang="en-US"/>
+          <a:bodyPr>
+            <a:normAutofit/>
+          </a:bodyPr>
+          <a:lstStyle/>
+          <a:p>
+            <a:pPr marL="0" indent="0">
+              <a:buNone/>
+            </a:pPr>
+            <a:r>
+              <a:rPr lang="en-US" sz="2000" dirty="0" err="1">
+                <a:latin typeface="Courier" pitchFamily="2" charset="0"/>
+              </a:rPr>
+              <a:t>assertEquals</a:t>
+            </a:r>
+            <a:r>
+              <a:rPr lang="en-US" sz="2000" dirty="0">
+                <a:latin typeface="Courier" pitchFamily="2" charset="0"/>
+              </a:rPr>
+              <a:t>("foo", new Foo().method());</a:t>
+            </a:r>
+          </a:p>
+          <a:p>
+            <a:pPr marL="0" indent="0">
+              <a:buNone/>
+            </a:pPr>
+            <a:r>
+              <a:rPr lang="en-US" sz="2000" dirty="0">
+                <a:latin typeface="Courier" pitchFamily="2" charset="0"/>
+              </a:rPr>
+              <a:t>try (</a:t>
+            </a:r>
+            <a:r>
+              <a:rPr lang="en-US" sz="2000" b="1" dirty="0" err="1">
+                <a:latin typeface="Courier" pitchFamily="2" charset="0"/>
+              </a:rPr>
+              <a:t>MockedConstruction</a:t>
+            </a:r>
+            <a:r>
+              <a:rPr lang="en-US" sz="2000" dirty="0">
+                <a:latin typeface="Courier" pitchFamily="2" charset="0"/>
+              </a:rPr>
+              <a:t> mocked = </a:t>
+            </a:r>
+            <a:r>
+              <a:rPr lang="en-US" sz="2000" b="1" dirty="0" err="1">
+                <a:latin typeface="Courier" pitchFamily="2" charset="0"/>
+              </a:rPr>
+              <a:t>mockConstruction</a:t>
+            </a:r>
+            <a:r>
+              <a:rPr lang="en-US" sz="2000" dirty="0">
+                <a:latin typeface="Courier" pitchFamily="2" charset="0"/>
+              </a:rPr>
+              <a:t>(</a:t>
+            </a:r>
+            <a:r>
+              <a:rPr lang="en-US" sz="2000" dirty="0" err="1">
+                <a:latin typeface="Courier" pitchFamily="2" charset="0"/>
+              </a:rPr>
+              <a:t>Foo.class</a:t>
+            </a:r>
+            <a:r>
+              <a:rPr lang="en-US" sz="2000" dirty="0">
+                <a:latin typeface="Courier" pitchFamily="2" charset="0"/>
+              </a:rPr>
+              <a:t>), </a:t>
+            </a:r>
+          </a:p>
+          <a:p>
+            <a:pPr marL="0" indent="0">
+              <a:buNone/>
+            </a:pPr>
+            <a:r>
+              <a:rPr lang="en-US" sz="2000" dirty="0">
+                <a:latin typeface="Courier" pitchFamily="2" charset="0"/>
+              </a:rPr>
+              <a:t>   (mock, context) -&gt; { when(</a:t>
+            </a:r>
+            <a:r>
+              <a:rPr lang="en-US" sz="2000" dirty="0" err="1">
+                <a:latin typeface="Courier" pitchFamily="2" charset="0"/>
+              </a:rPr>
+              <a:t>mock.method</a:t>
+            </a:r>
+            <a:r>
+              <a:rPr lang="en-US" sz="2000" dirty="0">
+                <a:latin typeface="Courier" pitchFamily="2" charset="0"/>
+              </a:rPr>
+              <a:t>()).</a:t>
+            </a:r>
+            <a:r>
+              <a:rPr lang="en-US" sz="2000" dirty="0" err="1">
+                <a:latin typeface="Courier" pitchFamily="2" charset="0"/>
+              </a:rPr>
+              <a:t>thenReturn</a:t>
+            </a:r>
+            <a:r>
+              <a:rPr lang="en-US" sz="2000" dirty="0">
+                <a:latin typeface="Courier" pitchFamily="2" charset="0"/>
+              </a:rPr>
+              <a:t>("bar"); }) {</a:t>
+            </a:r>
+          </a:p>
+          <a:p>
+            <a:pPr marL="0" indent="0">
+              <a:buNone/>
+            </a:pPr>
+            <a:r>
+              <a:rPr lang="en-US" sz="2000" dirty="0">
+                <a:latin typeface="Courier" pitchFamily="2" charset="0"/>
+              </a:rPr>
+              <a:t>   </a:t>
+            </a:r>
+            <a:r>
+              <a:rPr lang="en-US" sz="2000" dirty="0">
+                <a:solidFill>
+                  <a:schemeClr val="bg1">
+                    <a:lumMod val="50000"/>
+                  </a:schemeClr>
+                </a:solidFill>
+                <a:latin typeface="Courier" pitchFamily="2" charset="0"/>
+              </a:rPr>
+              <a:t>// Calling the constructor now creates a mock!</a:t>
+            </a:r>
+          </a:p>
+          <a:p>
+            <a:pPr marL="0" indent="0">
+              <a:buNone/>
+            </a:pPr>
+            <a:r>
+              <a:rPr lang="en-US" sz="2000" dirty="0">
+                <a:latin typeface="Courier" pitchFamily="2" charset="0"/>
+              </a:rPr>
+              <a:t>   Foo foo = new Foo();</a:t>
+            </a:r>
+          </a:p>
+          <a:p>
+            <a:pPr marL="0" indent="0">
+              <a:buNone/>
+            </a:pPr>
+            <a:r>
+              <a:rPr lang="en-US" sz="2000" dirty="0">
+                <a:latin typeface="Courier" pitchFamily="2" charset="0"/>
+              </a:rPr>
+              <a:t>   </a:t>
+            </a:r>
+            <a:r>
+              <a:rPr lang="en-US" sz="2000" dirty="0" err="1">
+                <a:latin typeface="Courier" pitchFamily="2" charset="0"/>
+              </a:rPr>
+              <a:t>assertEquals</a:t>
+            </a:r>
+            <a:r>
+              <a:rPr lang="en-US" sz="2000" dirty="0">
+                <a:latin typeface="Courier" pitchFamily="2" charset="0"/>
+              </a:rPr>
+              <a:t>("bar", </a:t>
+            </a:r>
+            <a:r>
+              <a:rPr lang="en-US" sz="2000" dirty="0" err="1">
+                <a:latin typeface="Courier" pitchFamily="2" charset="0"/>
+              </a:rPr>
+              <a:t>foo.method</a:t>
+            </a:r>
+            <a:r>
+              <a:rPr lang="en-US" sz="2000" dirty="0">
+                <a:latin typeface="Courier" pitchFamily="2" charset="0"/>
+              </a:rPr>
+              <a:t>());</a:t>
+            </a:r>
+          </a:p>
+          <a:p>
+            <a:pPr marL="0" indent="0">
+              <a:buNone/>
+            </a:pPr>
+            <a:r>
+              <a:rPr lang="en-US" sz="2000" dirty="0">
+                <a:latin typeface="Courier" pitchFamily="2" charset="0"/>
+              </a:rPr>
+              <a:t>   verify(foo).method();</a:t>
+            </a:r>
+          </a:p>
+          <a:p>
+            <a:pPr marL="0" indent="0">
+              <a:buNone/>
+            </a:pPr>
+            <a:r>
+              <a:rPr lang="en-US" sz="2000" dirty="0">
+                <a:latin typeface="Courier" pitchFamily="2" charset="0"/>
+              </a:rPr>
+              <a:t>}</a:t>
+            </a:r>
+          </a:p>
+          <a:p>
+            <a:pPr marL="0" indent="0">
+              <a:buNone/>
+            </a:pPr>
+            <a:r>
+              <a:rPr lang="en-US" sz="2000" dirty="0" err="1">
+                <a:latin typeface="Courier" pitchFamily="2" charset="0"/>
+              </a:rPr>
+              <a:t>assertEquals</a:t>
+            </a:r>
+            <a:r>
+              <a:rPr lang="en-US" sz="2000" dirty="0">
+                <a:latin typeface="Courier" pitchFamily="2" charset="0"/>
+              </a:rPr>
+              <a:t>("foo", new Foo().method());</a:t>
+            </a:r>
           </a:p>
         </p:txBody>
       </p:sp>
     </p:spTree>
     <p:extLst>
       <p:ext uri="{BB962C8B-B14F-4D97-AF65-F5344CB8AC3E}">
-        <p14:creationId xmlns:p14="http://schemas.microsoft.com/office/powerpoint/2010/main" val="2266184385"/>
+        <p14:creationId xmlns:p14="http://schemas.microsoft.com/office/powerpoint/2010/main" val="3395650808"/>
       </p:ext>
     </p:extLst>
   </p:cSld>
@@ -3854,7 +4705,7 @@
           <a:bodyPr/>
           <a:lstStyle/>
           <a:p>
-            <a:endParaRPr lang="en-US"/>
+            <a:endParaRPr lang="en-US" dirty="0"/>
           </a:p>
         </p:txBody>
       </p:sp>
@@ -3886,7 +4737,7 @@
     </p:spTree>
     <p:extLst>
       <p:ext uri="{BB962C8B-B14F-4D97-AF65-F5344CB8AC3E}">
-        <p14:creationId xmlns:p14="http://schemas.microsoft.com/office/powerpoint/2010/main" val="661189816"/>
+        <p14:creationId xmlns:p14="http://schemas.microsoft.com/office/powerpoint/2010/main" val="878151754"/>
       </p:ext>
     </p:extLst>
   </p:cSld>
@@ -3966,7 +4817,7 @@
     </p:spTree>
     <p:extLst>
       <p:ext uri="{BB962C8B-B14F-4D97-AF65-F5344CB8AC3E}">
-        <p14:creationId xmlns:p14="http://schemas.microsoft.com/office/powerpoint/2010/main" val="794809592"/>
+        <p14:creationId xmlns:p14="http://schemas.microsoft.com/office/powerpoint/2010/main" val="2266184385"/>
       </p:ext>
     </p:extLst>
   </p:cSld>
@@ -4046,7 +4897,7 @@
     </p:spTree>
     <p:extLst>
       <p:ext uri="{BB962C8B-B14F-4D97-AF65-F5344CB8AC3E}">
-        <p14:creationId xmlns:p14="http://schemas.microsoft.com/office/powerpoint/2010/main" val="208225179"/>
+        <p14:creationId xmlns:p14="http://schemas.microsoft.com/office/powerpoint/2010/main" val="661189816"/>
       </p:ext>
     </p:extLst>
   </p:cSld>
@@ -4126,7 +4977,7 @@
     </p:spTree>
     <p:extLst>
       <p:ext uri="{BB962C8B-B14F-4D97-AF65-F5344CB8AC3E}">
-        <p14:creationId xmlns:p14="http://schemas.microsoft.com/office/powerpoint/2010/main" val="2565634564"/>
+        <p14:creationId xmlns:p14="http://schemas.microsoft.com/office/powerpoint/2010/main" val="794809592"/>
       </p:ext>
     </p:extLst>
   </p:cSld>
@@ -4206,7 +5057,7 @@
     </p:spTree>
     <p:extLst>
       <p:ext uri="{BB962C8B-B14F-4D97-AF65-F5344CB8AC3E}">
-        <p14:creationId xmlns:p14="http://schemas.microsoft.com/office/powerpoint/2010/main" val="3567679444"/>
+        <p14:creationId xmlns:p14="http://schemas.microsoft.com/office/powerpoint/2010/main" val="208225179"/>
       </p:ext>
     </p:extLst>
   </p:cSld>
@@ -4403,7 +5254,7 @@
     </p:spTree>
     <p:extLst>
       <p:ext uri="{BB962C8B-B14F-4D97-AF65-F5344CB8AC3E}">
-        <p14:creationId xmlns:p14="http://schemas.microsoft.com/office/powerpoint/2010/main" val="2412694539"/>
+        <p14:creationId xmlns:p14="http://schemas.microsoft.com/office/powerpoint/2010/main" val="2565634564"/>
       </p:ext>
     </p:extLst>
   </p:cSld>
@@ -4451,10 +5302,7 @@
           <a:bodyPr/>
           <a:lstStyle/>
           <a:p>
-            <a:r>
-              <a:rPr lang="en-US" dirty="0"/>
-              <a:t>Argument captors</a:t>
-            </a:r>
+            <a:endParaRPr lang="en-US"/>
           </a:p>
         </p:txBody>
       </p:sp>
@@ -4479,31 +5327,14 @@
           <a:bodyPr/>
           <a:lstStyle/>
           <a:p>
-            <a:r>
-              <a:rPr lang="en-US" dirty="0"/>
-              <a:t>Special type of argument matcher that allows capturing indirect outputs to mocks and spies and allowing the test to gain access to the captured indirect outputs.</a:t>
-            </a:r>
-          </a:p>
-          <a:p>
-            <a:r>
-              <a:rPr lang="en-US" dirty="0"/>
-              <a:t>@Captor annotation simplifies creation of </a:t>
-            </a:r>
-            <a:r>
-              <a:rPr lang="en-US" dirty="0" err="1"/>
-              <a:t>ArgumentCaptor</a:t>
-            </a:r>
-            <a:r>
-              <a:rPr lang="en-US" dirty="0"/>
-              <a:t>.</a:t>
-            </a:r>
+            <a:endParaRPr lang="en-US"/>
           </a:p>
         </p:txBody>
       </p:sp>
     </p:spTree>
     <p:extLst>
       <p:ext uri="{BB962C8B-B14F-4D97-AF65-F5344CB8AC3E}">
-        <p14:creationId xmlns:p14="http://schemas.microsoft.com/office/powerpoint/2010/main" val="453254020"/>
+        <p14:creationId xmlns:p14="http://schemas.microsoft.com/office/powerpoint/2010/main" val="3567679444"/>
       </p:ext>
     </p:extLst>
   </p:cSld>
@@ -4551,6 +5382,186 @@
           <a:bodyPr/>
           <a:lstStyle/>
           <a:p>
+            <a:endParaRPr lang="en-US"/>
+          </a:p>
+        </p:txBody>
+      </p:sp>
+      <p:sp>
+        <p:nvSpPr>
+          <p:cNvPr id="3" name="Content Placeholder 2">
+            <a:extLst>
+              <a:ext uri="{FF2B5EF4-FFF2-40B4-BE49-F238E27FC236}">
+                <a16:creationId xmlns:a16="http://schemas.microsoft.com/office/drawing/2014/main" id="{813F127E-461D-714F-B0A3-A39A056EAE55}"/>
+              </a:ext>
+            </a:extLst>
+          </p:cNvPr>
+          <p:cNvSpPr>
+            <a:spLocks noGrp="1"/>
+          </p:cNvSpPr>
+          <p:nvPr>
+            <p:ph idx="1"/>
+          </p:nvPr>
+        </p:nvSpPr>
+        <p:spPr/>
+        <p:txBody>
+          <a:bodyPr/>
+          <a:lstStyle/>
+          <a:p>
+            <a:endParaRPr lang="en-US"/>
+          </a:p>
+        </p:txBody>
+      </p:sp>
+    </p:spTree>
+    <p:extLst>
+      <p:ext uri="{BB962C8B-B14F-4D97-AF65-F5344CB8AC3E}">
+        <p14:creationId xmlns:p14="http://schemas.microsoft.com/office/powerpoint/2010/main" val="2412694539"/>
+      </p:ext>
+    </p:extLst>
+  </p:cSld>
+  <p:clrMapOvr>
+    <a:masterClrMapping/>
+  </p:clrMapOvr>
+</p:sld>
+</file>
+
+<file path=ppt/slides/slide23.xml><?xml version="1.0" encoding="utf-8"?>
+<p:sld xmlns:a="http://schemas.openxmlformats.org/drawingml/2006/main" xmlns:r="http://schemas.openxmlformats.org/officeDocument/2006/relationships" xmlns:p="http://schemas.openxmlformats.org/presentationml/2006/main">
+  <p:cSld>
+    <p:spTree>
+      <p:nvGrpSpPr>
+        <p:cNvPr id="1" name=""/>
+        <p:cNvGrpSpPr/>
+        <p:nvPr/>
+      </p:nvGrpSpPr>
+      <p:grpSpPr>
+        <a:xfrm>
+          <a:off x="0" y="0"/>
+          <a:ext cx="0" cy="0"/>
+          <a:chOff x="0" y="0"/>
+          <a:chExt cx="0" cy="0"/>
+        </a:xfrm>
+      </p:grpSpPr>
+      <p:sp>
+        <p:nvSpPr>
+          <p:cNvPr id="2" name="Title 1">
+            <a:extLst>
+              <a:ext uri="{FF2B5EF4-FFF2-40B4-BE49-F238E27FC236}">
+                <a16:creationId xmlns:a16="http://schemas.microsoft.com/office/drawing/2014/main" id="{EF948449-51E6-9148-82F6-455F26533FA8}"/>
+              </a:ext>
+            </a:extLst>
+          </p:cNvPr>
+          <p:cNvSpPr>
+            <a:spLocks noGrp="1"/>
+          </p:cNvSpPr>
+          <p:nvPr>
+            <p:ph type="title"/>
+          </p:nvPr>
+        </p:nvSpPr>
+        <p:spPr/>
+        <p:txBody>
+          <a:bodyPr/>
+          <a:lstStyle/>
+          <a:p>
+            <a:r>
+              <a:rPr lang="en-US" dirty="0"/>
+              <a:t>Argument captors</a:t>
+            </a:r>
+          </a:p>
+        </p:txBody>
+      </p:sp>
+      <p:sp>
+        <p:nvSpPr>
+          <p:cNvPr id="3" name="Content Placeholder 2">
+            <a:extLst>
+              <a:ext uri="{FF2B5EF4-FFF2-40B4-BE49-F238E27FC236}">
+                <a16:creationId xmlns:a16="http://schemas.microsoft.com/office/drawing/2014/main" id="{813F127E-461D-714F-B0A3-A39A056EAE55}"/>
+              </a:ext>
+            </a:extLst>
+          </p:cNvPr>
+          <p:cNvSpPr>
+            <a:spLocks noGrp="1"/>
+          </p:cNvSpPr>
+          <p:nvPr>
+            <p:ph idx="1"/>
+          </p:nvPr>
+        </p:nvSpPr>
+        <p:spPr/>
+        <p:txBody>
+          <a:bodyPr/>
+          <a:lstStyle/>
+          <a:p>
+            <a:r>
+              <a:rPr lang="en-US" dirty="0"/>
+              <a:t>Special type of argument matcher that allows capturing indirect outputs to mocks and spies and allowing the test to gain access to the captured indirect outputs.</a:t>
+            </a:r>
+          </a:p>
+          <a:p>
+            <a:r>
+              <a:rPr lang="en-US" dirty="0"/>
+              <a:t>@Captor annotation simplifies creation of </a:t>
+            </a:r>
+            <a:r>
+              <a:rPr lang="en-US" dirty="0" err="1"/>
+              <a:t>ArgumentCaptor</a:t>
+            </a:r>
+            <a:r>
+              <a:rPr lang="en-US" dirty="0"/>
+              <a:t>.</a:t>
+            </a:r>
+          </a:p>
+        </p:txBody>
+      </p:sp>
+    </p:spTree>
+    <p:extLst>
+      <p:ext uri="{BB962C8B-B14F-4D97-AF65-F5344CB8AC3E}">
+        <p14:creationId xmlns:p14="http://schemas.microsoft.com/office/powerpoint/2010/main" val="453254020"/>
+      </p:ext>
+    </p:extLst>
+  </p:cSld>
+  <p:clrMapOvr>
+    <a:masterClrMapping/>
+  </p:clrMapOvr>
+</p:sld>
+</file>
+
+<file path=ppt/slides/slide24.xml><?xml version="1.0" encoding="utf-8"?>
+<p:sld xmlns:a="http://schemas.openxmlformats.org/drawingml/2006/main" xmlns:r="http://schemas.openxmlformats.org/officeDocument/2006/relationships" xmlns:p="http://schemas.openxmlformats.org/presentationml/2006/main">
+  <p:cSld>
+    <p:spTree>
+      <p:nvGrpSpPr>
+        <p:cNvPr id="1" name=""/>
+        <p:cNvGrpSpPr/>
+        <p:nvPr/>
+      </p:nvGrpSpPr>
+      <p:grpSpPr>
+        <a:xfrm>
+          <a:off x="0" y="0"/>
+          <a:ext cx="0" cy="0"/>
+          <a:chOff x="0" y="0"/>
+          <a:chExt cx="0" cy="0"/>
+        </a:xfrm>
+      </p:grpSpPr>
+      <p:sp>
+        <p:nvSpPr>
+          <p:cNvPr id="2" name="Title 1">
+            <a:extLst>
+              <a:ext uri="{FF2B5EF4-FFF2-40B4-BE49-F238E27FC236}">
+                <a16:creationId xmlns:a16="http://schemas.microsoft.com/office/drawing/2014/main" id="{EF948449-51E6-9148-82F6-455F26533FA8}"/>
+              </a:ext>
+            </a:extLst>
+          </p:cNvPr>
+          <p:cNvSpPr>
+            <a:spLocks noGrp="1"/>
+          </p:cNvSpPr>
+          <p:nvPr>
+            <p:ph type="title"/>
+          </p:nvPr>
+        </p:nvSpPr>
+        <p:spPr/>
+        <p:txBody>
+          <a:bodyPr/>
+          <a:lstStyle/>
+          <a:p>
             <a:r>
               <a:rPr lang="en-US" dirty="0"/>
               <a:t>Dependency injection with </a:t>
@@ -4615,14 +5626,14 @@
             <a:pPr lvl="1"/>
             <a:r>
               <a:rPr lang="en-US" dirty="0"/>
-              <a:t>Uses constructor or setter dependency injection. </a:t>
+              <a:t>Use this annotation on the SUT.</a:t>
             </a:r>
           </a:p>
           <a:p>
             <a:pPr lvl="1"/>
             <a:r>
               <a:rPr lang="en-US" dirty="0"/>
-              <a:t>Favor constructor dependency injection.</a:t>
+              <a:t>Uses constructor or setter dependency injection. Favor constructor dependency injection.</a:t>
             </a:r>
           </a:p>
           <a:p>
@@ -5254,7 +6265,10 @@
           <a:bodyPr/>
           <a:lstStyle/>
           <a:p>
-            <a:endParaRPr lang="en-US"/>
+            <a:r>
+              <a:rPr lang="en-US" dirty="0"/>
+              <a:t>Basic stubbing with when/given</a:t>
+            </a:r>
           </a:p>
         </p:txBody>
       </p:sp>
@@ -5279,7 +6293,16 @@
           <a:bodyPr/>
           <a:lstStyle/>
           <a:p>
-            <a:endParaRPr lang="en-US"/>
+            <a:r>
+              <a:rPr lang="en-US" dirty="0"/>
+              <a:t>Stubs a mocked method to answer appropriately.</a:t>
+            </a:r>
+          </a:p>
+          <a:p>
+            <a:r>
+              <a:rPr lang="en-US" dirty="0"/>
+              <a:t>Optional if you want to verify the interaction with the mocked method after executing the SUT.</a:t>
+            </a:r>
           </a:p>
         </p:txBody>
       </p:sp>
@@ -5318,7 +6341,7 @@
           <p:cNvPr id="2" name="Title 1">
             <a:extLst>
               <a:ext uri="{FF2B5EF4-FFF2-40B4-BE49-F238E27FC236}">
-                <a16:creationId xmlns:a16="http://schemas.microsoft.com/office/drawing/2014/main" id="{86C860B7-32F1-AE46-8944-4BDA7C647312}"/>
+                <a16:creationId xmlns:a16="http://schemas.microsoft.com/office/drawing/2014/main" id="{6688E45D-F628-8645-A697-A5AB3C49D43E}"/>
               </a:ext>
             </a:extLst>
           </p:cNvPr>
@@ -5336,8 +6359,13 @@
           <a:p>
             <a:r>
               <a:rPr lang="en-US" dirty="0"/>
-              <a:t>Spies</a:t>
-            </a:r>
+              <a:t>Stubbing void methods with </a:t>
+            </a:r>
+            <a:r>
+              <a:rPr lang="en-US" dirty="0" err="1"/>
+              <a:t>doNothing</a:t>
+            </a:r>
+            <a:endParaRPr lang="en-US" dirty="0"/>
           </a:p>
         </p:txBody>
       </p:sp>
@@ -5346,7 +6374,7 @@
           <p:cNvPr id="3" name="Content Placeholder 2">
             <a:extLst>
               <a:ext uri="{FF2B5EF4-FFF2-40B4-BE49-F238E27FC236}">
-                <a16:creationId xmlns:a16="http://schemas.microsoft.com/office/drawing/2014/main" id="{52E68A71-BC17-5D4F-BC93-8B7E374EBDDC}"/>
+                <a16:creationId xmlns:a16="http://schemas.microsoft.com/office/drawing/2014/main" id="{1D69E12E-1526-4E4E-BEED-451B24A2F5D3}"/>
               </a:ext>
             </a:extLst>
           </p:cNvPr>
@@ -5362,72 +6390,14 @@
           <a:bodyPr/>
           <a:lstStyle/>
           <a:p>
-            <a:r>
-              <a:rPr lang="en-US" dirty="0"/>
-              <a:t>Allows partial mocking</a:t>
-            </a:r>
-          </a:p>
-          <a:p>
-            <a:r>
-              <a:rPr lang="en-US" dirty="0"/>
-              <a:t>Use @Spy or spy() to create a spy</a:t>
-            </a:r>
-          </a:p>
-          <a:p>
-            <a:pPr lvl="1"/>
-            <a:r>
-              <a:rPr lang="en-US" dirty="0"/>
-              <a:t>Use abstract classes or real object instances</a:t>
-            </a:r>
-          </a:p>
-          <a:p>
-            <a:r>
-              <a:rPr lang="en-US" dirty="0"/>
-              <a:t>Use </a:t>
-            </a:r>
-            <a:r>
-              <a:rPr lang="en-US" dirty="0" err="1">
-                <a:latin typeface="Courier" pitchFamily="2" charset="0"/>
-              </a:rPr>
-              <a:t>doReturn</a:t>
-            </a:r>
-            <a:r>
-              <a:rPr lang="en-US" dirty="0" err="1"/>
-              <a:t>|</a:t>
-            </a:r>
-            <a:r>
-              <a:rPr lang="en-US" dirty="0" err="1">
-                <a:latin typeface="Courier" pitchFamily="2" charset="0"/>
-              </a:rPr>
-              <a:t>Answer</a:t>
-            </a:r>
-            <a:r>
-              <a:rPr lang="en-US" dirty="0" err="1"/>
-              <a:t>|</a:t>
-            </a:r>
-            <a:r>
-              <a:rPr lang="en-US" dirty="0" err="1">
-                <a:latin typeface="Courier" pitchFamily="2" charset="0"/>
-              </a:rPr>
-              <a:t>Throw</a:t>
-            </a:r>
-            <a:r>
-              <a:rPr lang="en-US" dirty="0">
-                <a:latin typeface="Courier" pitchFamily="2" charset="0"/>
-              </a:rPr>
-              <a:t>()</a:t>
-            </a:r>
-            <a:r>
-              <a:rPr lang="en-US" dirty="0"/>
-              <a:t> family of stubbing methods</a:t>
-            </a:r>
+            <a:endParaRPr lang="en-US"/>
           </a:p>
         </p:txBody>
       </p:sp>
     </p:spTree>
     <p:extLst>
       <p:ext uri="{BB962C8B-B14F-4D97-AF65-F5344CB8AC3E}">
-        <p14:creationId xmlns:p14="http://schemas.microsoft.com/office/powerpoint/2010/main" val="3096622250"/>
+        <p14:creationId xmlns:p14="http://schemas.microsoft.com/office/powerpoint/2010/main" val="1080240343"/>
       </p:ext>
     </p:extLst>
   </p:cSld>
@@ -5459,7 +6429,7 @@
           <p:cNvPr id="2" name="Title 1">
             <a:extLst>
               <a:ext uri="{FF2B5EF4-FFF2-40B4-BE49-F238E27FC236}">
-                <a16:creationId xmlns:a16="http://schemas.microsoft.com/office/drawing/2014/main" id="{0CAD8607-3D0E-F34C-A71C-E1FCD84847DA}"/>
+                <a16:creationId xmlns:a16="http://schemas.microsoft.com/office/drawing/2014/main" id="{86C860B7-32F1-AE46-8944-4BDA7C647312}"/>
               </a:ext>
             </a:extLst>
           </p:cNvPr>
@@ -5477,7 +6447,7 @@
           <a:p>
             <a:r>
               <a:rPr lang="en-US" dirty="0"/>
-              <a:t>Stubbing static methods</a:t>
+              <a:t>Spies</a:t>
             </a:r>
           </a:p>
         </p:txBody>
@@ -5487,7 +6457,7 @@
           <p:cNvPr id="3" name="Content Placeholder 2">
             <a:extLst>
               <a:ext uri="{FF2B5EF4-FFF2-40B4-BE49-F238E27FC236}">
-                <a16:creationId xmlns:a16="http://schemas.microsoft.com/office/drawing/2014/main" id="{3C783A4D-ADD3-FE47-A802-7E1E33980728}"/>
+                <a16:creationId xmlns:a16="http://schemas.microsoft.com/office/drawing/2014/main" id="{52E68A71-BC17-5D4F-BC93-8B7E374EBDDC}"/>
               </a:ext>
             </a:extLst>
           </p:cNvPr>
@@ -5503,14 +6473,69 @@
           <a:bodyPr/>
           <a:lstStyle/>
           <a:p>
-            <a:endParaRPr lang="en-US"/>
+            <a:r>
+              <a:rPr lang="en-US" dirty="0"/>
+              <a:t>Allows partial mocking.</a:t>
+            </a:r>
+          </a:p>
+          <a:p>
+            <a:r>
+              <a:rPr lang="en-US" dirty="0"/>
+              <a:t>Use </a:t>
+            </a:r>
+            <a:r>
+              <a:rPr lang="en-US" dirty="0">
+                <a:latin typeface="Courier" pitchFamily="2" charset="0"/>
+              </a:rPr>
+              <a:t>@Spy</a:t>
+            </a:r>
+            <a:r>
+              <a:rPr lang="en-US" dirty="0"/>
+              <a:t> or </a:t>
+            </a:r>
+            <a:r>
+              <a:rPr lang="en-US" dirty="0">
+                <a:latin typeface="Courier" pitchFamily="2" charset="0"/>
+              </a:rPr>
+              <a:t>spy()</a:t>
+            </a:r>
+            <a:r>
+              <a:rPr lang="en-US" dirty="0"/>
+              <a:t> to create a spy.</a:t>
+            </a:r>
+          </a:p>
+          <a:p>
+            <a:pPr lvl="1"/>
+            <a:r>
+              <a:rPr lang="en-US" dirty="0"/>
+              <a:t>Use abstract classes or real object instances.</a:t>
+            </a:r>
+          </a:p>
+          <a:p>
+            <a:r>
+              <a:rPr lang="en-US" dirty="0"/>
+              <a:t>Real methods are called when using spies.</a:t>
+            </a:r>
+          </a:p>
+          <a:p>
+            <a:pPr lvl="1"/>
+            <a:r>
+              <a:rPr lang="en-US" dirty="0"/>
+              <a:t>Unless method was previously stubbed.</a:t>
+            </a:r>
+          </a:p>
+          <a:p>
+            <a:r>
+              <a:rPr lang="en-US" dirty="0"/>
+              <a:t>Spied methods can have interactions on them verified.</a:t>
+            </a:r>
           </a:p>
         </p:txBody>
       </p:sp>
     </p:spTree>
     <p:extLst>
       <p:ext uri="{BB962C8B-B14F-4D97-AF65-F5344CB8AC3E}">
-        <p14:creationId xmlns:p14="http://schemas.microsoft.com/office/powerpoint/2010/main" val="1482911797"/>
+        <p14:creationId xmlns:p14="http://schemas.microsoft.com/office/powerpoint/2010/main" val="3096622250"/>
       </p:ext>
     </p:extLst>
   </p:cSld>

--- a/presentations/Introduction to Mockito.pptx
+++ b/presentations/Introduction to Mockito.pptx
@@ -3482,7 +3482,7 @@
         <p:spPr/>
         <p:txBody>
           <a:bodyPr>
-            <a:normAutofit fontScale="85000" lnSpcReduction="20000"/>
+            <a:noAutofit/>
           </a:bodyPr>
           <a:lstStyle/>
           <a:p>
@@ -3490,210 +3490,308 @@
               <a:buNone/>
             </a:pPr>
             <a:r>
-              <a:rPr lang="en-US" dirty="0"/>
-              <a:t>List list = new LinkedList();   </a:t>
+              <a:rPr lang="en-US" sz="1800" dirty="0">
+                <a:latin typeface="Courier" pitchFamily="2" charset="0"/>
+              </a:rPr>
+              <a:t>List&lt;String&gt; list = new LinkedList();   </a:t>
             </a:r>
             <a:br>
-              <a:rPr lang="en-US" dirty="0"/>
+              <a:rPr lang="en-US" sz="1800" dirty="0">
+                <a:latin typeface="Courier" pitchFamily="2" charset="0"/>
+              </a:rPr>
             </a:br>
             <a:r>
-              <a:rPr lang="en-US" dirty="0"/>
-              <a:t>List </a:t>
-            </a:r>
-            <a:r>
-              <a:rPr lang="en-US" dirty="0" err="1"/>
+              <a:rPr lang="en-US" sz="1800" dirty="0">
+                <a:latin typeface="Courier" pitchFamily="2" charset="0"/>
+              </a:rPr>
+              <a:t>List&lt;String&gt; </a:t>
+            </a:r>
+            <a:r>
+              <a:rPr lang="en-US" sz="1800" dirty="0" err="1">
+                <a:latin typeface="Courier" pitchFamily="2" charset="0"/>
+              </a:rPr>
               <a:t>spiedList</a:t>
             </a:r>
             <a:r>
-              <a:rPr lang="en-US" dirty="0"/>
+              <a:rPr lang="en-US" sz="1800" dirty="0">
+                <a:latin typeface="Courier" pitchFamily="2" charset="0"/>
+              </a:rPr>
               <a:t> = spy(list);</a:t>
             </a:r>
             <a:br>
-              <a:rPr lang="en-US" dirty="0"/>
+              <a:rPr lang="en-US" sz="1800" dirty="0">
+                <a:latin typeface="Courier" pitchFamily="2" charset="0"/>
+              </a:rPr>
             </a:br>
             <a:br>
-              <a:rPr lang="en-US" dirty="0"/>
+              <a:rPr lang="en-US" sz="1800" dirty="0">
+                <a:latin typeface="Courier" pitchFamily="2" charset="0"/>
+              </a:rPr>
             </a:br>
             <a:r>
-              <a:rPr lang="en-US" dirty="0">
+              <a:rPr lang="en-US" sz="1800" dirty="0">
                 <a:solidFill>
                   <a:schemeClr val="bg1">
                     <a:lumMod val="50000"/>
                   </a:schemeClr>
                 </a:solidFill>
+                <a:latin typeface="Courier" pitchFamily="2" charset="0"/>
               </a:rPr>
               <a:t>// Optionally stub methods</a:t>
             </a:r>
             <a:br>
-              <a:rPr lang="en-US" dirty="0">
+              <a:rPr lang="en-US" sz="1800" dirty="0">
                 <a:solidFill>
                   <a:schemeClr val="bg1">
                     <a:lumMod val="50000"/>
                   </a:schemeClr>
                 </a:solidFill>
+                <a:latin typeface="Courier" pitchFamily="2" charset="0"/>
               </a:rPr>
             </a:br>
             <a:r>
-              <a:rPr lang="en-US" dirty="0"/>
+              <a:rPr lang="en-US" sz="1800" dirty="0">
+                <a:latin typeface="Courier" pitchFamily="2" charset="0"/>
+              </a:rPr>
               <a:t>when(</a:t>
             </a:r>
             <a:r>
-              <a:rPr lang="en-US" dirty="0" err="1"/>
+              <a:rPr lang="en-US" sz="1800" dirty="0" err="1">
+                <a:latin typeface="Courier" pitchFamily="2" charset="0"/>
+              </a:rPr>
               <a:t>spiedList.size</a:t>
             </a:r>
             <a:r>
-              <a:rPr lang="en-US" dirty="0"/>
+              <a:rPr lang="en-US" sz="1800" dirty="0">
+                <a:latin typeface="Courier" pitchFamily="2" charset="0"/>
+              </a:rPr>
               <a:t>()).</a:t>
             </a:r>
             <a:r>
-              <a:rPr lang="en-US" dirty="0" err="1"/>
+              <a:rPr lang="en-US" sz="1800" dirty="0" err="1">
+                <a:latin typeface="Courier" pitchFamily="2" charset="0"/>
+              </a:rPr>
               <a:t>thenReturn</a:t>
             </a:r>
             <a:r>
-              <a:rPr lang="en-US" dirty="0"/>
+              <a:rPr lang="en-US" sz="1800" dirty="0">
+                <a:latin typeface="Courier" pitchFamily="2" charset="0"/>
+              </a:rPr>
               <a:t>(100);</a:t>
             </a:r>
             <a:br>
-              <a:rPr lang="en-US" dirty="0"/>
+              <a:rPr lang="en-US" sz="1800" dirty="0">
+                <a:latin typeface="Courier" pitchFamily="2" charset="0"/>
+              </a:rPr>
             </a:br>
             <a:br>
-              <a:rPr lang="en-US" dirty="0"/>
+              <a:rPr lang="en-US" sz="1800" dirty="0">
+                <a:latin typeface="Courier" pitchFamily="2" charset="0"/>
+              </a:rPr>
             </a:br>
             <a:r>
-              <a:rPr lang="en-US" dirty="0">
+              <a:rPr lang="en-US" sz="1800" dirty="0">
                 <a:solidFill>
                   <a:schemeClr val="bg1">
                     <a:lumMod val="50000"/>
                   </a:schemeClr>
                 </a:solidFill>
+                <a:latin typeface="Courier" pitchFamily="2" charset="0"/>
               </a:rPr>
               <a:t>// Using </a:t>
             </a:r>
             <a:r>
-              <a:rPr lang="en-US" dirty="0" err="1">
+              <a:rPr lang="en-US" sz="1800" dirty="0" err="1">
                 <a:solidFill>
                   <a:schemeClr val="bg1">
                     <a:lumMod val="50000"/>
                   </a:schemeClr>
                 </a:solidFill>
+                <a:latin typeface="Courier" pitchFamily="2" charset="0"/>
               </a:rPr>
               <a:t>spiedList</a:t>
             </a:r>
             <a:r>
-              <a:rPr lang="en-US" dirty="0">
+              <a:rPr lang="en-US" sz="1800" dirty="0">
                 <a:solidFill>
                   <a:schemeClr val="bg1">
                     <a:lumMod val="50000"/>
                   </a:schemeClr>
                 </a:solidFill>
+                <a:latin typeface="Courier" pitchFamily="2" charset="0"/>
               </a:rPr>
               <a:t> calls *real* methods   </a:t>
             </a:r>
             <a:br>
-              <a:rPr lang="en-US" dirty="0">
+              <a:rPr lang="en-US" sz="1800" dirty="0">
                 <a:solidFill>
                   <a:schemeClr val="bg1">
                     <a:lumMod val="50000"/>
                   </a:schemeClr>
                 </a:solidFill>
+                <a:latin typeface="Courier" pitchFamily="2" charset="0"/>
               </a:rPr>
             </a:br>
             <a:r>
-              <a:rPr lang="en-US" dirty="0" err="1"/>
+              <a:rPr lang="en-US" sz="1800" dirty="0" err="1">
+                <a:latin typeface="Courier" pitchFamily="2" charset="0"/>
+              </a:rPr>
               <a:t>spiedList.add</a:t>
             </a:r>
             <a:r>
-              <a:rPr lang="en-US" dirty="0"/>
+              <a:rPr lang="en-US" sz="1800" dirty="0">
+                <a:latin typeface="Courier" pitchFamily="2" charset="0"/>
+              </a:rPr>
               <a:t>("one");   </a:t>
             </a:r>
             <a:br>
-              <a:rPr lang="en-US" dirty="0"/>
+              <a:rPr lang="en-US" sz="1800" dirty="0">
+                <a:latin typeface="Courier" pitchFamily="2" charset="0"/>
+              </a:rPr>
             </a:br>
             <a:r>
-              <a:rPr lang="en-US" dirty="0" err="1"/>
+              <a:rPr lang="en-US" sz="1800" dirty="0" err="1">
+                <a:latin typeface="Courier" pitchFamily="2" charset="0"/>
+              </a:rPr>
               <a:t>spiedList.add</a:t>
             </a:r>
             <a:r>
-              <a:rPr lang="en-US" dirty="0"/>
+              <a:rPr lang="en-US" sz="1800" dirty="0">
+                <a:latin typeface="Courier" pitchFamily="2" charset="0"/>
+              </a:rPr>
               <a:t>("two");</a:t>
             </a:r>
             <a:br>
-              <a:rPr lang="en-US" dirty="0"/>
+              <a:rPr lang="en-US" sz="1800" dirty="0">
+                <a:latin typeface="Courier" pitchFamily="2" charset="0"/>
+              </a:rPr>
             </a:br>
             <a:br>
-              <a:rPr lang="en-US" dirty="0"/>
+              <a:rPr lang="en-US" sz="1800" dirty="0">
+                <a:latin typeface="Courier" pitchFamily="2" charset="0"/>
+              </a:rPr>
             </a:br>
             <a:r>
-              <a:rPr lang="en-US" dirty="0" err="1"/>
+              <a:rPr lang="en-US" sz="1800" dirty="0" err="1">
+                <a:latin typeface="Courier" pitchFamily="2" charset="0"/>
+              </a:rPr>
               <a:t>assertEquals</a:t>
             </a:r>
             <a:r>
-              <a:rPr lang="en-US" dirty="0"/>
+              <a:rPr lang="en-US" sz="1800" dirty="0">
+                <a:latin typeface="Courier" pitchFamily="2" charset="0"/>
+              </a:rPr>
               <a:t>("one”, </a:t>
             </a:r>
             <a:r>
-              <a:rPr lang="en-US" dirty="0" err="1"/>
+              <a:rPr lang="en-US" sz="1800" dirty="0" err="1">
+                <a:latin typeface="Courier" pitchFamily="2" charset="0"/>
+              </a:rPr>
               <a:t>spiedList.get</a:t>
             </a:r>
             <a:r>
-              <a:rPr lang="en-US" dirty="0"/>
-              <a:t>(0));</a:t>
-            </a:r>
-            <a:br>
-              <a:rPr lang="en-US" dirty="0"/>
-            </a:br>
-            <a:r>
-              <a:rPr lang="en-US" dirty="0" err="1"/>
-              <a:t>assertEquals</a:t>
-            </a:r>
-            <a:r>
-              <a:rPr lang="en-US" dirty="0"/>
-              <a:t>(100, </a:t>
-            </a:r>
-            <a:r>
-              <a:rPr lang="en-US" dirty="0" err="1"/>
-              <a:t>spiedList.size</a:t>
-            </a:r>
-            <a:r>
-              <a:rPr lang="en-US" dirty="0"/>
-              <a:t>());</a:t>
-            </a:r>
-          </a:p>
-          <a:p>
-            <a:pPr marL="0" indent="0">
-              <a:buNone/>
-            </a:pPr>
-            <a:br>
-              <a:rPr lang="en-US" dirty="0"/>
-            </a:br>
-            <a:r>
-              <a:rPr lang="en-US" dirty="0">
+              <a:rPr lang="en-US" sz="1800" dirty="0">
+                <a:latin typeface="Courier" pitchFamily="2" charset="0"/>
+              </a:rPr>
+              <a:t>(0)); </a:t>
+            </a:r>
+            <a:r>
+              <a:rPr lang="en-US" sz="1800" dirty="0">
                 <a:solidFill>
                   <a:schemeClr val="bg1">
                     <a:lumMod val="50000"/>
                   </a:schemeClr>
                 </a:solidFill>
-              </a:rPr>
-              <a:t>// Optionally verify interactions</a:t>
+                <a:latin typeface="Courier" pitchFamily="2" charset="0"/>
+              </a:rPr>
+              <a:t>// Assert real method interaction</a:t>
             </a:r>
             <a:br>
-              <a:rPr lang="en-US" dirty="0">
+              <a:rPr lang="en-US" sz="1800" dirty="0">
+                <a:latin typeface="Courier" pitchFamily="2" charset="0"/>
+              </a:rPr>
+            </a:br>
+            <a:r>
+              <a:rPr lang="en-US" sz="1800" dirty="0" err="1">
+                <a:latin typeface="Courier" pitchFamily="2" charset="0"/>
+              </a:rPr>
+              <a:t>assertEquals</a:t>
+            </a:r>
+            <a:r>
+              <a:rPr lang="en-US" sz="1800" dirty="0">
+                <a:latin typeface="Courier" pitchFamily="2" charset="0"/>
+              </a:rPr>
+              <a:t>(100, </a:t>
+            </a:r>
+            <a:r>
+              <a:rPr lang="en-US" sz="1800" dirty="0" err="1">
+                <a:latin typeface="Courier" pitchFamily="2" charset="0"/>
+              </a:rPr>
+              <a:t>spiedList.size</a:t>
+            </a:r>
+            <a:r>
+              <a:rPr lang="en-US" sz="1800" dirty="0">
+                <a:latin typeface="Courier" pitchFamily="2" charset="0"/>
+              </a:rPr>
+              <a:t>());   </a:t>
+            </a:r>
+            <a:r>
+              <a:rPr lang="en-US" sz="1800" dirty="0">
                 <a:solidFill>
                   <a:schemeClr val="bg1">
                     <a:lumMod val="50000"/>
                   </a:schemeClr>
                 </a:solidFill>
+                <a:latin typeface="Courier" pitchFamily="2" charset="0"/>
+              </a:rPr>
+              <a:t>// Assert stubbed method interaction</a:t>
+            </a:r>
+          </a:p>
+          <a:p>
+            <a:pPr marL="0" indent="0">
+              <a:buNone/>
+            </a:pPr>
+            <a:br>
+              <a:rPr lang="en-US" sz="1800" dirty="0">
+                <a:latin typeface="Courier" pitchFamily="2" charset="0"/>
               </a:rPr>
             </a:br>
             <a:r>
-              <a:rPr lang="en-US" dirty="0"/>
+              <a:rPr lang="en-US" sz="1800" dirty="0">
+                <a:solidFill>
+                  <a:schemeClr val="bg1">
+                    <a:lumMod val="50000"/>
+                  </a:schemeClr>
+                </a:solidFill>
+                <a:latin typeface="Courier" pitchFamily="2" charset="0"/>
+              </a:rPr>
+              <a:t>// Optionally verify interactions</a:t>
+            </a:r>
+            <a:br>
+              <a:rPr lang="en-US" sz="1800" dirty="0">
+                <a:solidFill>
+                  <a:schemeClr val="bg1">
+                    <a:lumMod val="50000"/>
+                  </a:schemeClr>
+                </a:solidFill>
+                <a:latin typeface="Courier" pitchFamily="2" charset="0"/>
+              </a:rPr>
+            </a:br>
+            <a:r>
+              <a:rPr lang="en-US" sz="1800" dirty="0">
+                <a:latin typeface="Courier" pitchFamily="2" charset="0"/>
+              </a:rPr>
               <a:t>verify(spy).add("one");</a:t>
             </a:r>
             <a:br>
-              <a:rPr lang="en-US" dirty="0"/>
+              <a:rPr lang="en-US" sz="1800" dirty="0">
+                <a:latin typeface="Courier" pitchFamily="2" charset="0"/>
+              </a:rPr>
             </a:br>
             <a:r>
-              <a:rPr lang="en-US" dirty="0"/>
+              <a:rPr lang="en-US" sz="1800" dirty="0">
+                <a:latin typeface="Courier" pitchFamily="2" charset="0"/>
+              </a:rPr>
               <a:t>verify(spy).add("two");</a:t>
             </a:r>
           </a:p>

--- a/presentations/Introduction to Mockito.pptx
+++ b/presentations/Introduction to Mockito.pptx
@@ -4803,7 +4803,19 @@
           <a:bodyPr/>
           <a:lstStyle/>
           <a:p>
-            <a:endParaRPr lang="en-US" dirty="0"/>
+            <a:r>
+              <a:rPr lang="en-US" dirty="0"/>
+              <a:t>Using the </a:t>
+            </a:r>
+            <a:r>
+              <a:rPr lang="en-US" dirty="0" err="1">
+                <a:latin typeface="Courier" pitchFamily="2" charset="0"/>
+              </a:rPr>
+              <a:t>InlineMockMaker</a:t>
+            </a:r>
+            <a:endParaRPr lang="en-US" dirty="0">
+              <a:latin typeface="Courier" pitchFamily="2" charset="0"/>
+            </a:endParaRPr>
           </a:p>
         </p:txBody>
       </p:sp>
@@ -4828,7 +4840,92 @@
           <a:bodyPr/>
           <a:lstStyle/>
           <a:p>
-            <a:endParaRPr lang="en-US"/>
+            <a:r>
+              <a:rPr lang="en-US" dirty="0"/>
+              <a:t>The </a:t>
+            </a:r>
+            <a:r>
+              <a:rPr lang="en-US" dirty="0" err="1">
+                <a:latin typeface="Courier" pitchFamily="2" charset="0"/>
+              </a:rPr>
+              <a:t>InlineMockMaker</a:t>
+            </a:r>
+            <a:r>
+              <a:rPr lang="en-US" dirty="0"/>
+              <a:t> is the </a:t>
+            </a:r>
+            <a:r>
+              <a:rPr lang="en-US" dirty="0" err="1"/>
+              <a:t>MockMaker</a:t>
+            </a:r>
+            <a:r>
+              <a:rPr lang="en-US" dirty="0"/>
+              <a:t> API implementation that provides static method and constructor mocking.</a:t>
+            </a:r>
+          </a:p>
+          <a:p>
+            <a:r>
+              <a:rPr lang="en-US" dirty="0" err="1"/>
+              <a:t>MockMaker</a:t>
+            </a:r>
+            <a:r>
+              <a:rPr lang="en-US" dirty="0"/>
+              <a:t> is experimental.</a:t>
+            </a:r>
+          </a:p>
+          <a:p>
+            <a:pPr lvl="1"/>
+            <a:r>
+              <a:rPr lang="en-US" dirty="0"/>
+              <a:t>Functionality is in the </a:t>
+            </a:r>
+            <a:r>
+              <a:rPr lang="en-US" b="1" dirty="0" err="1"/>
+              <a:t>mockito</a:t>
+            </a:r>
+            <a:r>
+              <a:rPr lang="en-US" b="1" dirty="0"/>
+              <a:t>-core</a:t>
+            </a:r>
+            <a:r>
+              <a:rPr lang="en-US" dirty="0"/>
+              <a:t> dependency artifact, but is turned off by default. Requires configuring the </a:t>
+            </a:r>
+            <a:r>
+              <a:rPr lang="en-US" dirty="0" err="1"/>
+              <a:t>MockMaker</a:t>
+            </a:r>
+            <a:r>
+              <a:rPr lang="en-US" dirty="0"/>
+              <a:t> extension file.</a:t>
+            </a:r>
+          </a:p>
+          <a:p>
+            <a:pPr lvl="1"/>
+            <a:r>
+              <a:rPr lang="en-US" dirty="0"/>
+              <a:t>The </a:t>
+            </a:r>
+            <a:r>
+              <a:rPr lang="en-US" b="1" dirty="0" err="1"/>
+              <a:t>mockito</a:t>
+            </a:r>
+            <a:r>
+              <a:rPr lang="en-US" b="1" dirty="0"/>
+              <a:t>-inline</a:t>
+            </a:r>
+            <a:r>
+              <a:rPr lang="en-US" dirty="0"/>
+              <a:t> dependency artifact preconfigures mock maker for inline mock making. Thus no need for the </a:t>
+            </a:r>
+            <a:r>
+              <a:rPr lang="en-US" dirty="0" err="1"/>
+              <a:t>MockMaker</a:t>
+            </a:r>
+            <a:r>
+              <a:rPr lang="en-US"/>
+              <a:t> extension file.</a:t>
+            </a:r>
           </a:p>
         </p:txBody>
       </p:sp>

--- a/presentations/Introduction to Mockito.pptx
+++ b/presentations/Introduction to Mockito.pptx
@@ -10,25 +10,26 @@
     <p:sldId id="265" r:id="rId4"/>
     <p:sldId id="258" r:id="rId5"/>
     <p:sldId id="259" r:id="rId6"/>
-    <p:sldId id="260" r:id="rId7"/>
-    <p:sldId id="262" r:id="rId8"/>
-    <p:sldId id="278" r:id="rId9"/>
-    <p:sldId id="261" r:id="rId10"/>
-    <p:sldId id="279" r:id="rId11"/>
-    <p:sldId id="263" r:id="rId12"/>
-    <p:sldId id="264" r:id="rId13"/>
-    <p:sldId id="266" r:id="rId14"/>
-    <p:sldId id="267" r:id="rId15"/>
-    <p:sldId id="268" r:id="rId16"/>
-    <p:sldId id="269" r:id="rId17"/>
-    <p:sldId id="270" r:id="rId18"/>
-    <p:sldId id="271" r:id="rId19"/>
-    <p:sldId id="272" r:id="rId20"/>
-    <p:sldId id="273" r:id="rId21"/>
-    <p:sldId id="274" r:id="rId22"/>
-    <p:sldId id="275" r:id="rId23"/>
-    <p:sldId id="276" r:id="rId24"/>
-    <p:sldId id="277" r:id="rId25"/>
+    <p:sldId id="280" r:id="rId7"/>
+    <p:sldId id="260" r:id="rId8"/>
+    <p:sldId id="281" r:id="rId9"/>
+    <p:sldId id="282" r:id="rId10"/>
+    <p:sldId id="261" r:id="rId11"/>
+    <p:sldId id="279" r:id="rId12"/>
+    <p:sldId id="263" r:id="rId13"/>
+    <p:sldId id="264" r:id="rId14"/>
+    <p:sldId id="266" r:id="rId15"/>
+    <p:sldId id="267" r:id="rId16"/>
+    <p:sldId id="268" r:id="rId17"/>
+    <p:sldId id="269" r:id="rId18"/>
+    <p:sldId id="270" r:id="rId19"/>
+    <p:sldId id="271" r:id="rId20"/>
+    <p:sldId id="272" r:id="rId21"/>
+    <p:sldId id="273" r:id="rId22"/>
+    <p:sldId id="274" r:id="rId23"/>
+    <p:sldId id="275" r:id="rId24"/>
+    <p:sldId id="276" r:id="rId25"/>
+    <p:sldId id="277" r:id="rId26"/>
   </p:sldIdLst>
   <p:sldSz cx="12192000" cy="6858000"/>
   <p:notesSz cx="6858000" cy="9144000"/>
@@ -3440,7 +3441,7 @@
           <p:cNvPr id="2" name="Title 1">
             <a:extLst>
               <a:ext uri="{FF2B5EF4-FFF2-40B4-BE49-F238E27FC236}">
-                <a16:creationId xmlns:a16="http://schemas.microsoft.com/office/drawing/2014/main" id="{696B5128-F017-FB43-B790-5EE6FA14063F}"/>
+                <a16:creationId xmlns:a16="http://schemas.microsoft.com/office/drawing/2014/main" id="{86C860B7-32F1-AE46-8944-4BDA7C647312}"/>
               </a:ext>
             </a:extLst>
           </p:cNvPr>
@@ -3458,7 +3459,7 @@
           <a:p>
             <a:r>
               <a:rPr lang="en-US" dirty="0"/>
-              <a:t>Spy example</a:t>
+              <a:t>Spies</a:t>
             </a:r>
           </a:p>
         </p:txBody>
@@ -3468,7 +3469,7 @@
           <p:cNvPr id="3" name="Content Placeholder 2">
             <a:extLst>
               <a:ext uri="{FF2B5EF4-FFF2-40B4-BE49-F238E27FC236}">
-                <a16:creationId xmlns:a16="http://schemas.microsoft.com/office/drawing/2014/main" id="{1BAB5C7E-8CD9-1340-9F23-87E048B9069C}"/>
+                <a16:creationId xmlns:a16="http://schemas.microsoft.com/office/drawing/2014/main" id="{52E68A71-BC17-5D4F-BC93-8B7E374EBDDC}"/>
               </a:ext>
             </a:extLst>
           </p:cNvPr>
@@ -3481,318 +3482,64 @@
         </p:nvSpPr>
         <p:spPr/>
         <p:txBody>
-          <a:bodyPr>
-            <a:noAutofit/>
-          </a:bodyPr>
-          <a:lstStyle/>
-          <a:p>
-            <a:pPr marL="0" indent="0">
-              <a:buNone/>
-            </a:pPr>
-            <a:r>
-              <a:rPr lang="en-US" sz="1800" dirty="0">
-                <a:latin typeface="Courier" pitchFamily="2" charset="0"/>
-              </a:rPr>
-              <a:t>List&lt;String&gt; list = new LinkedList();   </a:t>
-            </a:r>
-            <a:br>
-              <a:rPr lang="en-US" sz="1800" dirty="0">
-                <a:latin typeface="Courier" pitchFamily="2" charset="0"/>
-              </a:rPr>
-            </a:br>
-            <a:r>
-              <a:rPr lang="en-US" sz="1800" dirty="0">
-                <a:latin typeface="Courier" pitchFamily="2" charset="0"/>
-              </a:rPr>
-              <a:t>List&lt;String&gt; </a:t>
-            </a:r>
-            <a:r>
-              <a:rPr lang="en-US" sz="1800" dirty="0" err="1">
-                <a:latin typeface="Courier" pitchFamily="2" charset="0"/>
-              </a:rPr>
-              <a:t>spiedList</a:t>
-            </a:r>
-            <a:r>
-              <a:rPr lang="en-US" sz="1800" dirty="0">
-                <a:latin typeface="Courier" pitchFamily="2" charset="0"/>
-              </a:rPr>
-              <a:t> = spy(list);</a:t>
-            </a:r>
-            <a:br>
-              <a:rPr lang="en-US" sz="1800" dirty="0">
-                <a:latin typeface="Courier" pitchFamily="2" charset="0"/>
-              </a:rPr>
-            </a:br>
-            <a:br>
-              <a:rPr lang="en-US" sz="1800" dirty="0">
-                <a:latin typeface="Courier" pitchFamily="2" charset="0"/>
-              </a:rPr>
-            </a:br>
-            <a:r>
-              <a:rPr lang="en-US" sz="1800" dirty="0">
-                <a:solidFill>
-                  <a:schemeClr val="bg1">
-                    <a:lumMod val="50000"/>
-                  </a:schemeClr>
-                </a:solidFill>
-                <a:latin typeface="Courier" pitchFamily="2" charset="0"/>
-              </a:rPr>
-              <a:t>// Optionally stub methods</a:t>
-            </a:r>
-            <a:br>
-              <a:rPr lang="en-US" sz="1800" dirty="0">
-                <a:solidFill>
-                  <a:schemeClr val="bg1">
-                    <a:lumMod val="50000"/>
-                  </a:schemeClr>
-                </a:solidFill>
-                <a:latin typeface="Courier" pitchFamily="2" charset="0"/>
-              </a:rPr>
-            </a:br>
-            <a:r>
-              <a:rPr lang="en-US" sz="1800" dirty="0">
-                <a:latin typeface="Courier" pitchFamily="2" charset="0"/>
-              </a:rPr>
-              <a:t>when(</a:t>
-            </a:r>
-            <a:r>
-              <a:rPr lang="en-US" sz="1800" dirty="0" err="1">
-                <a:latin typeface="Courier" pitchFamily="2" charset="0"/>
-              </a:rPr>
-              <a:t>spiedList.size</a:t>
-            </a:r>
-            <a:r>
-              <a:rPr lang="en-US" sz="1800" dirty="0">
-                <a:latin typeface="Courier" pitchFamily="2" charset="0"/>
-              </a:rPr>
-              <a:t>()).</a:t>
-            </a:r>
-            <a:r>
-              <a:rPr lang="en-US" sz="1800" dirty="0" err="1">
-                <a:latin typeface="Courier" pitchFamily="2" charset="0"/>
-              </a:rPr>
-              <a:t>thenReturn</a:t>
-            </a:r>
-            <a:r>
-              <a:rPr lang="en-US" sz="1800" dirty="0">
-                <a:latin typeface="Courier" pitchFamily="2" charset="0"/>
-              </a:rPr>
-              <a:t>(100);</a:t>
-            </a:r>
-            <a:br>
-              <a:rPr lang="en-US" sz="1800" dirty="0">
-                <a:latin typeface="Courier" pitchFamily="2" charset="0"/>
-              </a:rPr>
-            </a:br>
-            <a:br>
-              <a:rPr lang="en-US" sz="1800" dirty="0">
-                <a:latin typeface="Courier" pitchFamily="2" charset="0"/>
-              </a:rPr>
-            </a:br>
-            <a:r>
-              <a:rPr lang="en-US" sz="1800" dirty="0">
-                <a:solidFill>
-                  <a:schemeClr val="bg1">
-                    <a:lumMod val="50000"/>
-                  </a:schemeClr>
-                </a:solidFill>
-                <a:latin typeface="Courier" pitchFamily="2" charset="0"/>
-              </a:rPr>
-              <a:t>// Using </a:t>
-            </a:r>
-            <a:r>
-              <a:rPr lang="en-US" sz="1800" dirty="0" err="1">
-                <a:solidFill>
-                  <a:schemeClr val="bg1">
-                    <a:lumMod val="50000"/>
-                  </a:schemeClr>
-                </a:solidFill>
-                <a:latin typeface="Courier" pitchFamily="2" charset="0"/>
-              </a:rPr>
-              <a:t>spiedList</a:t>
-            </a:r>
-            <a:r>
-              <a:rPr lang="en-US" sz="1800" dirty="0">
-                <a:solidFill>
-                  <a:schemeClr val="bg1">
-                    <a:lumMod val="50000"/>
-                  </a:schemeClr>
-                </a:solidFill>
-                <a:latin typeface="Courier" pitchFamily="2" charset="0"/>
-              </a:rPr>
-              <a:t> calls *real* methods   </a:t>
-            </a:r>
-            <a:br>
-              <a:rPr lang="en-US" sz="1800" dirty="0">
-                <a:solidFill>
-                  <a:schemeClr val="bg1">
-                    <a:lumMod val="50000"/>
-                  </a:schemeClr>
-                </a:solidFill>
-                <a:latin typeface="Courier" pitchFamily="2" charset="0"/>
-              </a:rPr>
-            </a:br>
-            <a:r>
-              <a:rPr lang="en-US" sz="1800" dirty="0" err="1">
-                <a:latin typeface="Courier" pitchFamily="2" charset="0"/>
-              </a:rPr>
-              <a:t>spiedList.add</a:t>
-            </a:r>
-            <a:r>
-              <a:rPr lang="en-US" sz="1800" dirty="0">
-                <a:latin typeface="Courier" pitchFamily="2" charset="0"/>
-              </a:rPr>
-              <a:t>("one");   </a:t>
-            </a:r>
-            <a:br>
-              <a:rPr lang="en-US" sz="1800" dirty="0">
-                <a:latin typeface="Courier" pitchFamily="2" charset="0"/>
-              </a:rPr>
-            </a:br>
-            <a:r>
-              <a:rPr lang="en-US" sz="1800" dirty="0" err="1">
-                <a:latin typeface="Courier" pitchFamily="2" charset="0"/>
-              </a:rPr>
-              <a:t>spiedList.add</a:t>
-            </a:r>
-            <a:r>
-              <a:rPr lang="en-US" sz="1800" dirty="0">
-                <a:latin typeface="Courier" pitchFamily="2" charset="0"/>
-              </a:rPr>
-              <a:t>("two");</a:t>
-            </a:r>
-            <a:br>
-              <a:rPr lang="en-US" sz="1800" dirty="0">
-                <a:latin typeface="Courier" pitchFamily="2" charset="0"/>
-              </a:rPr>
-            </a:br>
-            <a:br>
-              <a:rPr lang="en-US" sz="1800" dirty="0">
-                <a:latin typeface="Courier" pitchFamily="2" charset="0"/>
-              </a:rPr>
-            </a:br>
-            <a:r>
-              <a:rPr lang="en-US" sz="1800" dirty="0" err="1">
-                <a:latin typeface="Courier" pitchFamily="2" charset="0"/>
-              </a:rPr>
-              <a:t>assertEquals</a:t>
-            </a:r>
-            <a:r>
-              <a:rPr lang="en-US" sz="1800" dirty="0">
-                <a:latin typeface="Courier" pitchFamily="2" charset="0"/>
-              </a:rPr>
-              <a:t>("one”, </a:t>
-            </a:r>
-            <a:r>
-              <a:rPr lang="en-US" sz="1800" dirty="0" err="1">
-                <a:latin typeface="Courier" pitchFamily="2" charset="0"/>
-              </a:rPr>
-              <a:t>spiedList.get</a:t>
-            </a:r>
-            <a:r>
-              <a:rPr lang="en-US" sz="1800" dirty="0">
-                <a:latin typeface="Courier" pitchFamily="2" charset="0"/>
-              </a:rPr>
-              <a:t>(0)); </a:t>
-            </a:r>
-            <a:r>
-              <a:rPr lang="en-US" sz="1800" dirty="0">
-                <a:solidFill>
-                  <a:schemeClr val="bg1">
-                    <a:lumMod val="50000"/>
-                  </a:schemeClr>
-                </a:solidFill>
-                <a:latin typeface="Courier" pitchFamily="2" charset="0"/>
-              </a:rPr>
-              <a:t>// Assert real method interaction</a:t>
-            </a:r>
-            <a:br>
-              <a:rPr lang="en-US" sz="1800" dirty="0">
-                <a:latin typeface="Courier" pitchFamily="2" charset="0"/>
-              </a:rPr>
-            </a:br>
-            <a:r>
-              <a:rPr lang="en-US" sz="1800" dirty="0" err="1">
-                <a:latin typeface="Courier" pitchFamily="2" charset="0"/>
-              </a:rPr>
-              <a:t>assertEquals</a:t>
-            </a:r>
-            <a:r>
-              <a:rPr lang="en-US" sz="1800" dirty="0">
-                <a:latin typeface="Courier" pitchFamily="2" charset="0"/>
-              </a:rPr>
-              <a:t>(100, </a:t>
-            </a:r>
-            <a:r>
-              <a:rPr lang="en-US" sz="1800" dirty="0" err="1">
-                <a:latin typeface="Courier" pitchFamily="2" charset="0"/>
-              </a:rPr>
-              <a:t>spiedList.size</a:t>
-            </a:r>
-            <a:r>
-              <a:rPr lang="en-US" sz="1800" dirty="0">
-                <a:latin typeface="Courier" pitchFamily="2" charset="0"/>
-              </a:rPr>
-              <a:t>());   </a:t>
-            </a:r>
-            <a:r>
-              <a:rPr lang="en-US" sz="1800" dirty="0">
-                <a:solidFill>
-                  <a:schemeClr val="bg1">
-                    <a:lumMod val="50000"/>
-                  </a:schemeClr>
-                </a:solidFill>
-                <a:latin typeface="Courier" pitchFamily="2" charset="0"/>
-              </a:rPr>
-              <a:t>// Assert stubbed method interaction</a:t>
-            </a:r>
-          </a:p>
-          <a:p>
-            <a:pPr marL="0" indent="0">
-              <a:buNone/>
-            </a:pPr>
-            <a:br>
-              <a:rPr lang="en-US" sz="1800" dirty="0">
-                <a:latin typeface="Courier" pitchFamily="2" charset="0"/>
-              </a:rPr>
-            </a:br>
-            <a:r>
-              <a:rPr lang="en-US" sz="1800" dirty="0">
-                <a:solidFill>
-                  <a:schemeClr val="bg1">
-                    <a:lumMod val="50000"/>
-                  </a:schemeClr>
-                </a:solidFill>
-                <a:latin typeface="Courier" pitchFamily="2" charset="0"/>
-              </a:rPr>
-              <a:t>// Optionally verify interactions</a:t>
-            </a:r>
-            <a:br>
-              <a:rPr lang="en-US" sz="1800" dirty="0">
-                <a:solidFill>
-                  <a:schemeClr val="bg1">
-                    <a:lumMod val="50000"/>
-                  </a:schemeClr>
-                </a:solidFill>
-                <a:latin typeface="Courier" pitchFamily="2" charset="0"/>
-              </a:rPr>
-            </a:br>
-            <a:r>
-              <a:rPr lang="en-US" sz="1800" dirty="0">
-                <a:latin typeface="Courier" pitchFamily="2" charset="0"/>
-              </a:rPr>
-              <a:t>verify(spy).add("one");</a:t>
-            </a:r>
-            <a:br>
-              <a:rPr lang="en-US" sz="1800" dirty="0">
-                <a:latin typeface="Courier" pitchFamily="2" charset="0"/>
-              </a:rPr>
-            </a:br>
-            <a:r>
-              <a:rPr lang="en-US" sz="1800" dirty="0">
-                <a:latin typeface="Courier" pitchFamily="2" charset="0"/>
-              </a:rPr>
-              <a:t>verify(spy).add("two");</a:t>
+          <a:bodyPr/>
+          <a:lstStyle/>
+          <a:p>
+            <a:r>
+              <a:rPr lang="en-US" dirty="0"/>
+              <a:t>Allows partial mocking.</a:t>
+            </a:r>
+          </a:p>
+          <a:p>
+            <a:r>
+              <a:rPr lang="en-US" dirty="0"/>
+              <a:t>Use </a:t>
+            </a:r>
+            <a:r>
+              <a:rPr lang="en-US" dirty="0">
+                <a:latin typeface="Courier" pitchFamily="2" charset="0"/>
+              </a:rPr>
+              <a:t>@Spy</a:t>
+            </a:r>
+            <a:r>
+              <a:rPr lang="en-US" dirty="0"/>
+              <a:t> or </a:t>
+            </a:r>
+            <a:r>
+              <a:rPr lang="en-US" dirty="0">
+                <a:latin typeface="Courier" pitchFamily="2" charset="0"/>
+              </a:rPr>
+              <a:t>spy()</a:t>
+            </a:r>
+            <a:r>
+              <a:rPr lang="en-US" dirty="0"/>
+              <a:t> to create a spy.</a:t>
+            </a:r>
+          </a:p>
+          <a:p>
+            <a:pPr lvl="1"/>
+            <a:r>
+              <a:rPr lang="en-US" dirty="0"/>
+              <a:t>Use abstract classes or real object instances.</a:t>
+            </a:r>
+          </a:p>
+          <a:p>
+            <a:r>
+              <a:rPr lang="en-US" dirty="0"/>
+              <a:t>Real methods are called when using spies.</a:t>
+            </a:r>
+          </a:p>
+          <a:p>
+            <a:pPr lvl="1"/>
+            <a:r>
+              <a:rPr lang="en-US" dirty="0"/>
+              <a:t>Unless method was previously stubbed.</a:t>
+            </a:r>
+          </a:p>
+          <a:p>
+            <a:r>
+              <a:rPr lang="en-US" dirty="0"/>
+              <a:t>Spied methods can have interactions on them verified.</a:t>
             </a:r>
           </a:p>
         </p:txBody>
@@ -3800,7 +3547,7 @@
     </p:spTree>
     <p:extLst>
       <p:ext uri="{BB962C8B-B14F-4D97-AF65-F5344CB8AC3E}">
-        <p14:creationId xmlns:p14="http://schemas.microsoft.com/office/powerpoint/2010/main" val="1319558964"/>
+        <p14:creationId xmlns:p14="http://schemas.microsoft.com/office/powerpoint/2010/main" val="3096622250"/>
       </p:ext>
     </p:extLst>
   </p:cSld>
@@ -3832,7 +3579,7 @@
           <p:cNvPr id="2" name="Title 1">
             <a:extLst>
               <a:ext uri="{FF2B5EF4-FFF2-40B4-BE49-F238E27FC236}">
-                <a16:creationId xmlns:a16="http://schemas.microsoft.com/office/drawing/2014/main" id="{0CAD8607-3D0E-F34C-A71C-E1FCD84847DA}"/>
+                <a16:creationId xmlns:a16="http://schemas.microsoft.com/office/drawing/2014/main" id="{696B5128-F017-FB43-B790-5EE6FA14063F}"/>
               </a:ext>
             </a:extLst>
           </p:cNvPr>
@@ -3850,7 +3597,7 @@
           <a:p>
             <a:r>
               <a:rPr lang="en-US" dirty="0"/>
-              <a:t>Mocking static methods</a:t>
+              <a:t>Spy example</a:t>
             </a:r>
           </a:p>
         </p:txBody>
@@ -3860,7 +3607,7 @@
           <p:cNvPr id="3" name="Content Placeholder 2">
             <a:extLst>
               <a:ext uri="{FF2B5EF4-FFF2-40B4-BE49-F238E27FC236}">
-                <a16:creationId xmlns:a16="http://schemas.microsoft.com/office/drawing/2014/main" id="{3C783A4D-ADD3-FE47-A802-7E1E33980728}"/>
+                <a16:creationId xmlns:a16="http://schemas.microsoft.com/office/drawing/2014/main" id="{1BAB5C7E-8CD9-1340-9F23-87E048B9069C}"/>
               </a:ext>
             </a:extLst>
           </p:cNvPr>
@@ -3874,95 +3621,325 @@
         <p:spPr/>
         <p:txBody>
           <a:bodyPr>
-            <a:normAutofit lnSpcReduction="10000"/>
+            <a:noAutofit/>
           </a:bodyPr>
           <a:lstStyle/>
           <a:p>
-            <a:r>
-              <a:rPr lang="en-US" dirty="0"/>
-              <a:t>Available since Mockito 3.4.0. </a:t>
-            </a:r>
-          </a:p>
-          <a:p>
-            <a:r>
-              <a:rPr lang="en-US" dirty="0"/>
-              <a:t>Using the </a:t>
-            </a:r>
-            <a:r>
-              <a:rPr lang="en-US" b="1" dirty="0"/>
-              <a:t>inline mock maker</a:t>
-            </a:r>
-            <a:r>
-              <a:rPr lang="en-US" dirty="0"/>
-              <a:t>, it is possible to mock static method invocations within the current thread and a user-defined scope. </a:t>
-            </a:r>
-          </a:p>
-          <a:p>
-            <a:pPr lvl="1"/>
-            <a:r>
-              <a:rPr lang="en-US" dirty="0"/>
-              <a:t>Ensures that concurrently and sequentially running tests do not interfere. </a:t>
-            </a:r>
-          </a:p>
-          <a:p>
-            <a:r>
-              <a:rPr lang="en-US" dirty="0"/>
-              <a:t>Use a </a:t>
-            </a:r>
-            <a:r>
-              <a:rPr lang="en-US" i="1" dirty="0"/>
-              <a:t>try-with-resources</a:t>
-            </a:r>
-            <a:r>
-              <a:rPr lang="en-US" dirty="0"/>
-              <a:t> construct to ensure a static mock remains temporary.</a:t>
-            </a:r>
-          </a:p>
-          <a:p>
-            <a:pPr lvl="1"/>
-            <a:r>
-              <a:rPr lang="en-US" dirty="0"/>
-              <a:t>The original behavior of the static method is restored once the defined scope of the static mock is released. </a:t>
-            </a:r>
-          </a:p>
-          <a:p>
-            <a:r>
-              <a:rPr lang="en-US" dirty="0"/>
-              <a:t>The </a:t>
-            </a:r>
-            <a:r>
-              <a:rPr lang="en-US" dirty="0" err="1">
-                <a:latin typeface="Courier" pitchFamily="2" charset="0"/>
-              </a:rPr>
-              <a:t>mockStatic</a:t>
-            </a:r>
-            <a:r>
-              <a:rPr lang="en-US" dirty="0"/>
-              <a:t> factory method returns a </a:t>
-            </a:r>
-            <a:r>
-              <a:rPr lang="en-US" dirty="0" err="1">
-                <a:latin typeface="Courier" pitchFamily="2" charset="0"/>
-              </a:rPr>
-              <a:t>MockedStatic</a:t>
-            </a:r>
-            <a:r>
-              <a:rPr lang="en-US" dirty="0"/>
-              <a:t> instance, which can be used to define mock behavior and to verify static method invocations. </a:t>
-            </a:r>
-          </a:p>
-          <a:p>
-            <a:endParaRPr lang="en-US" dirty="0"/>
-          </a:p>
-          <a:p>
-            <a:endParaRPr lang="en-US" dirty="0"/>
+            <a:pPr marL="0" indent="0">
+              <a:buNone/>
+            </a:pPr>
+            <a:r>
+              <a:rPr lang="en-US" sz="1800" dirty="0">
+                <a:latin typeface="Courier" pitchFamily="2" charset="0"/>
+              </a:rPr>
+              <a:t>List&lt;String&gt; list = new LinkedList();   </a:t>
+            </a:r>
+            <a:br>
+              <a:rPr lang="en-US" sz="1800" dirty="0">
+                <a:latin typeface="Courier" pitchFamily="2" charset="0"/>
+              </a:rPr>
+            </a:br>
+            <a:r>
+              <a:rPr lang="en-US" sz="1800" dirty="0">
+                <a:latin typeface="Courier" pitchFamily="2" charset="0"/>
+              </a:rPr>
+              <a:t>List&lt;String&gt; </a:t>
+            </a:r>
+            <a:r>
+              <a:rPr lang="en-US" sz="1800" dirty="0" err="1">
+                <a:latin typeface="Courier" pitchFamily="2" charset="0"/>
+              </a:rPr>
+              <a:t>spiedList</a:t>
+            </a:r>
+            <a:r>
+              <a:rPr lang="en-US" sz="1800" dirty="0">
+                <a:latin typeface="Courier" pitchFamily="2" charset="0"/>
+              </a:rPr>
+              <a:t> = spy(list);</a:t>
+            </a:r>
+            <a:br>
+              <a:rPr lang="en-US" sz="1800" dirty="0">
+                <a:latin typeface="Courier" pitchFamily="2" charset="0"/>
+              </a:rPr>
+            </a:br>
+            <a:br>
+              <a:rPr lang="en-US" sz="1800" dirty="0">
+                <a:latin typeface="Courier" pitchFamily="2" charset="0"/>
+              </a:rPr>
+            </a:br>
+            <a:r>
+              <a:rPr lang="en-US" sz="1800" dirty="0">
+                <a:solidFill>
+                  <a:schemeClr val="bg1">
+                    <a:lumMod val="50000"/>
+                  </a:schemeClr>
+                </a:solidFill>
+                <a:latin typeface="Courier" pitchFamily="2" charset="0"/>
+              </a:rPr>
+              <a:t>// Optionally stub methods</a:t>
+            </a:r>
+            <a:br>
+              <a:rPr lang="en-US" sz="1800" dirty="0">
+                <a:solidFill>
+                  <a:schemeClr val="bg1">
+                    <a:lumMod val="50000"/>
+                  </a:schemeClr>
+                </a:solidFill>
+                <a:latin typeface="Courier" pitchFamily="2" charset="0"/>
+              </a:rPr>
+            </a:br>
+            <a:r>
+              <a:rPr lang="en-US" sz="1800" dirty="0">
+                <a:latin typeface="Courier" pitchFamily="2" charset="0"/>
+              </a:rPr>
+              <a:t>when(</a:t>
+            </a:r>
+            <a:r>
+              <a:rPr lang="en-US" sz="1800" dirty="0" err="1">
+                <a:latin typeface="Courier" pitchFamily="2" charset="0"/>
+              </a:rPr>
+              <a:t>spiedList.size</a:t>
+            </a:r>
+            <a:r>
+              <a:rPr lang="en-US" sz="1800" dirty="0">
+                <a:latin typeface="Courier" pitchFamily="2" charset="0"/>
+              </a:rPr>
+              <a:t>()).</a:t>
+            </a:r>
+            <a:r>
+              <a:rPr lang="en-US" sz="1800" dirty="0" err="1">
+                <a:latin typeface="Courier" pitchFamily="2" charset="0"/>
+              </a:rPr>
+              <a:t>thenReturn</a:t>
+            </a:r>
+            <a:r>
+              <a:rPr lang="en-US" sz="1800" dirty="0">
+                <a:latin typeface="Courier" pitchFamily="2" charset="0"/>
+              </a:rPr>
+              <a:t>(100);</a:t>
+            </a:r>
+            <a:br>
+              <a:rPr lang="en-US" sz="1800" dirty="0">
+                <a:latin typeface="Courier" pitchFamily="2" charset="0"/>
+              </a:rPr>
+            </a:br>
+            <a:br>
+              <a:rPr lang="en-US" sz="1800" dirty="0">
+                <a:latin typeface="Courier" pitchFamily="2" charset="0"/>
+              </a:rPr>
+            </a:br>
+            <a:r>
+              <a:rPr lang="en-US" sz="1800" dirty="0">
+                <a:solidFill>
+                  <a:schemeClr val="bg1">
+                    <a:lumMod val="50000"/>
+                  </a:schemeClr>
+                </a:solidFill>
+                <a:latin typeface="Courier" pitchFamily="2" charset="0"/>
+              </a:rPr>
+              <a:t>// Using </a:t>
+            </a:r>
+            <a:r>
+              <a:rPr lang="en-US" sz="1800" dirty="0" err="1">
+                <a:solidFill>
+                  <a:schemeClr val="bg1">
+                    <a:lumMod val="50000"/>
+                  </a:schemeClr>
+                </a:solidFill>
+                <a:latin typeface="Courier" pitchFamily="2" charset="0"/>
+              </a:rPr>
+              <a:t>spiedList</a:t>
+            </a:r>
+            <a:r>
+              <a:rPr lang="en-US" sz="1800" dirty="0">
+                <a:solidFill>
+                  <a:schemeClr val="bg1">
+                    <a:lumMod val="50000"/>
+                  </a:schemeClr>
+                </a:solidFill>
+                <a:latin typeface="Courier" pitchFamily="2" charset="0"/>
+              </a:rPr>
+              <a:t> calls *real* methods   </a:t>
+            </a:r>
+            <a:br>
+              <a:rPr lang="en-US" sz="1800" dirty="0">
+                <a:solidFill>
+                  <a:schemeClr val="bg1">
+                    <a:lumMod val="50000"/>
+                  </a:schemeClr>
+                </a:solidFill>
+                <a:latin typeface="Courier" pitchFamily="2" charset="0"/>
+              </a:rPr>
+            </a:br>
+            <a:r>
+              <a:rPr lang="en-US" sz="1800" dirty="0" err="1">
+                <a:latin typeface="Courier" pitchFamily="2" charset="0"/>
+              </a:rPr>
+              <a:t>spiedList.add</a:t>
+            </a:r>
+            <a:r>
+              <a:rPr lang="en-US" sz="1800" dirty="0">
+                <a:latin typeface="Courier" pitchFamily="2" charset="0"/>
+              </a:rPr>
+              <a:t>("one");   </a:t>
+            </a:r>
+            <a:br>
+              <a:rPr lang="en-US" sz="1800" dirty="0">
+                <a:latin typeface="Courier" pitchFamily="2" charset="0"/>
+              </a:rPr>
+            </a:br>
+            <a:r>
+              <a:rPr lang="en-US" sz="1800" dirty="0" err="1">
+                <a:latin typeface="Courier" pitchFamily="2" charset="0"/>
+              </a:rPr>
+              <a:t>spiedList.add</a:t>
+            </a:r>
+            <a:r>
+              <a:rPr lang="en-US" sz="1800" dirty="0">
+                <a:latin typeface="Courier" pitchFamily="2" charset="0"/>
+              </a:rPr>
+              <a:t>("two");</a:t>
+            </a:r>
+            <a:br>
+              <a:rPr lang="en-US" sz="1800" dirty="0">
+                <a:latin typeface="Courier" pitchFamily="2" charset="0"/>
+              </a:rPr>
+            </a:br>
+            <a:br>
+              <a:rPr lang="en-US" sz="1800" dirty="0">
+                <a:latin typeface="Courier" pitchFamily="2" charset="0"/>
+              </a:rPr>
+            </a:br>
+            <a:r>
+              <a:rPr lang="en-US" sz="1800" dirty="0" err="1">
+                <a:latin typeface="Courier" pitchFamily="2" charset="0"/>
+              </a:rPr>
+              <a:t>assertEquals</a:t>
+            </a:r>
+            <a:r>
+              <a:rPr lang="en-US" sz="1800" dirty="0">
+                <a:latin typeface="Courier" pitchFamily="2" charset="0"/>
+              </a:rPr>
+              <a:t>("one”, </a:t>
+            </a:r>
+            <a:r>
+              <a:rPr lang="en-US" sz="1800" dirty="0" err="1">
+                <a:latin typeface="Courier" pitchFamily="2" charset="0"/>
+              </a:rPr>
+              <a:t>spiedList.get</a:t>
+            </a:r>
+            <a:r>
+              <a:rPr lang="en-US" sz="1800" dirty="0">
+                <a:latin typeface="Courier" pitchFamily="2" charset="0"/>
+              </a:rPr>
+              <a:t>(0)); </a:t>
+            </a:r>
+            <a:r>
+              <a:rPr lang="en-US" sz="1800" dirty="0">
+                <a:solidFill>
+                  <a:schemeClr val="bg1">
+                    <a:lumMod val="50000"/>
+                  </a:schemeClr>
+                </a:solidFill>
+                <a:latin typeface="Courier" pitchFamily="2" charset="0"/>
+              </a:rPr>
+              <a:t>// Assert real method interaction</a:t>
+            </a:r>
+            <a:br>
+              <a:rPr lang="en-US" sz="1800" dirty="0">
+                <a:latin typeface="Courier" pitchFamily="2" charset="0"/>
+              </a:rPr>
+            </a:br>
+            <a:r>
+              <a:rPr lang="en-US" sz="1800" dirty="0" err="1">
+                <a:latin typeface="Courier" pitchFamily="2" charset="0"/>
+              </a:rPr>
+              <a:t>assertEquals</a:t>
+            </a:r>
+            <a:r>
+              <a:rPr lang="en-US" sz="1800" dirty="0">
+                <a:latin typeface="Courier" pitchFamily="2" charset="0"/>
+              </a:rPr>
+              <a:t>(100, </a:t>
+            </a:r>
+            <a:r>
+              <a:rPr lang="en-US" sz="1800" dirty="0" err="1">
+                <a:latin typeface="Courier" pitchFamily="2" charset="0"/>
+              </a:rPr>
+              <a:t>spiedList.size</a:t>
+            </a:r>
+            <a:r>
+              <a:rPr lang="en-US" sz="1800" dirty="0">
+                <a:latin typeface="Courier" pitchFamily="2" charset="0"/>
+              </a:rPr>
+              <a:t>());   </a:t>
+            </a:r>
+            <a:r>
+              <a:rPr lang="en-US" sz="1800" dirty="0">
+                <a:solidFill>
+                  <a:schemeClr val="bg1">
+                    <a:lumMod val="50000"/>
+                  </a:schemeClr>
+                </a:solidFill>
+                <a:latin typeface="Courier" pitchFamily="2" charset="0"/>
+              </a:rPr>
+              <a:t>// Assert stubbed method interaction</a:t>
+            </a:r>
+          </a:p>
+          <a:p>
+            <a:pPr marL="0" indent="0">
+              <a:buNone/>
+            </a:pPr>
+            <a:br>
+              <a:rPr lang="en-US" sz="1800" dirty="0">
+                <a:latin typeface="Courier" pitchFamily="2" charset="0"/>
+              </a:rPr>
+            </a:br>
+            <a:r>
+              <a:rPr lang="en-US" sz="1800" dirty="0">
+                <a:solidFill>
+                  <a:schemeClr val="bg1">
+                    <a:lumMod val="50000"/>
+                  </a:schemeClr>
+                </a:solidFill>
+                <a:latin typeface="Courier" pitchFamily="2" charset="0"/>
+              </a:rPr>
+              <a:t>// Optionally verify interactions</a:t>
+            </a:r>
+            <a:br>
+              <a:rPr lang="en-US" sz="1800" dirty="0">
+                <a:solidFill>
+                  <a:schemeClr val="bg1">
+                    <a:lumMod val="50000"/>
+                  </a:schemeClr>
+                </a:solidFill>
+                <a:latin typeface="Courier" pitchFamily="2" charset="0"/>
+              </a:rPr>
+            </a:br>
+            <a:r>
+              <a:rPr lang="en-US" sz="1800" dirty="0">
+                <a:latin typeface="Courier" pitchFamily="2" charset="0"/>
+              </a:rPr>
+              <a:t>verify(spy).add("one");</a:t>
+            </a:r>
+            <a:br>
+              <a:rPr lang="en-US" sz="1800" dirty="0">
+                <a:latin typeface="Courier" pitchFamily="2" charset="0"/>
+              </a:rPr>
+            </a:br>
+            <a:r>
+              <a:rPr lang="en-US" sz="1800" dirty="0">
+                <a:latin typeface="Courier" pitchFamily="2" charset="0"/>
+              </a:rPr>
+              <a:t>verify(spy).add("two");</a:t>
+            </a:r>
           </a:p>
         </p:txBody>
       </p:sp>
     </p:spTree>
     <p:extLst>
       <p:ext uri="{BB962C8B-B14F-4D97-AF65-F5344CB8AC3E}">
-        <p14:creationId xmlns:p14="http://schemas.microsoft.com/office/powerpoint/2010/main" val="1482911797"/>
+        <p14:creationId xmlns:p14="http://schemas.microsoft.com/office/powerpoint/2010/main" val="1319558964"/>
       </p:ext>
     </p:extLst>
   </p:cSld>
@@ -3994,7 +3971,7 @@
           <p:cNvPr id="2" name="Title 1">
             <a:extLst>
               <a:ext uri="{FF2B5EF4-FFF2-40B4-BE49-F238E27FC236}">
-                <a16:creationId xmlns:a16="http://schemas.microsoft.com/office/drawing/2014/main" id="{EF948449-51E6-9148-82F6-455F26533FA8}"/>
+                <a16:creationId xmlns:a16="http://schemas.microsoft.com/office/drawing/2014/main" id="{0CAD8607-3D0E-F34C-A71C-E1FCD84847DA}"/>
               </a:ext>
             </a:extLst>
           </p:cNvPr>
@@ -4012,7 +3989,7 @@
           <a:p>
             <a:r>
               <a:rPr lang="en-US" dirty="0"/>
-              <a:t>Mocking static method example</a:t>
+              <a:t>Mocking static methods</a:t>
             </a:r>
           </a:p>
         </p:txBody>
@@ -4022,7 +3999,7 @@
           <p:cNvPr id="3" name="Content Placeholder 2">
             <a:extLst>
               <a:ext uri="{FF2B5EF4-FFF2-40B4-BE49-F238E27FC236}">
-                <a16:creationId xmlns:a16="http://schemas.microsoft.com/office/drawing/2014/main" id="{813F127E-461D-714F-B0A3-A39A056EAE55}"/>
+                <a16:creationId xmlns:a16="http://schemas.microsoft.com/office/drawing/2014/main" id="{3C783A4D-ADD3-FE47-A802-7E1E33980728}"/>
               </a:ext>
             </a:extLst>
           </p:cNvPr>
@@ -4036,279 +4013,95 @@
         <p:spPr/>
         <p:txBody>
           <a:bodyPr>
-            <a:normAutofit/>
+            <a:normAutofit lnSpcReduction="10000"/>
           </a:bodyPr>
           <a:lstStyle/>
           <a:p>
-            <a:pPr marL="0" indent="0">
-              <a:buNone/>
-            </a:pPr>
-            <a:r>
-              <a:rPr lang="en-US" sz="2000" dirty="0" err="1">
-                <a:latin typeface="Courier" pitchFamily="2" charset="0"/>
-              </a:rPr>
-              <a:t>assertEquals</a:t>
-            </a:r>
-            <a:r>
-              <a:rPr lang="en-US" sz="2000" dirty="0">
-                <a:latin typeface="Courier" pitchFamily="2" charset="0"/>
-              </a:rPr>
-              <a:t>("foo", </a:t>
-            </a:r>
-            <a:r>
-              <a:rPr lang="en-US" sz="2000" dirty="0" err="1">
-                <a:latin typeface="Courier" pitchFamily="2" charset="0"/>
-              </a:rPr>
-              <a:t>Foo.method</a:t>
-            </a:r>
-            <a:r>
-              <a:rPr lang="en-US" sz="2000" dirty="0">
-                <a:latin typeface="Courier" pitchFamily="2" charset="0"/>
-              </a:rPr>
-              <a:t>());</a:t>
-            </a:r>
-          </a:p>
-          <a:p>
-            <a:pPr marL="0" indent="0">
-              <a:buNone/>
-            </a:pPr>
-            <a:r>
-              <a:rPr lang="en-US" sz="2000" dirty="0">
-                <a:latin typeface="Courier" pitchFamily="2" charset="0"/>
-              </a:rPr>
-              <a:t>// Inline mock maker</a:t>
-            </a:r>
-          </a:p>
-          <a:p>
-            <a:pPr marL="0" indent="0">
-              <a:buNone/>
-            </a:pPr>
-            <a:r>
-              <a:rPr lang="en-US" sz="2000" dirty="0">
-                <a:latin typeface="Courier" pitchFamily="2" charset="0"/>
-              </a:rPr>
-              <a:t>try (</a:t>
-            </a:r>
-            <a:r>
-              <a:rPr lang="en-US" sz="2000" b="1" dirty="0" err="1">
+            <a:r>
+              <a:rPr lang="en-US" dirty="0"/>
+              <a:t>Available since Mockito 3.4.0. </a:t>
+            </a:r>
+          </a:p>
+          <a:p>
+            <a:r>
+              <a:rPr lang="en-US" dirty="0"/>
+              <a:t>Using the </a:t>
+            </a:r>
+            <a:r>
+              <a:rPr lang="en-US" b="1" dirty="0"/>
+              <a:t>inline mock maker</a:t>
+            </a:r>
+            <a:r>
+              <a:rPr lang="en-US" dirty="0"/>
+              <a:t>, it is possible to mock static method invocations within the current thread and a user-defined scope. </a:t>
+            </a:r>
+          </a:p>
+          <a:p>
+            <a:pPr lvl="1"/>
+            <a:r>
+              <a:rPr lang="en-US" dirty="0"/>
+              <a:t>Ensures that concurrently and sequentially running tests do not interfere. </a:t>
+            </a:r>
+          </a:p>
+          <a:p>
+            <a:r>
+              <a:rPr lang="en-US" dirty="0"/>
+              <a:t>Use a </a:t>
+            </a:r>
+            <a:r>
+              <a:rPr lang="en-US" i="1" dirty="0"/>
+              <a:t>try-with-resources</a:t>
+            </a:r>
+            <a:r>
+              <a:rPr lang="en-US" dirty="0"/>
+              <a:t> construct to ensure a static mock remains temporary.</a:t>
+            </a:r>
+          </a:p>
+          <a:p>
+            <a:pPr lvl="1"/>
+            <a:r>
+              <a:rPr lang="en-US" dirty="0"/>
+              <a:t>The original behavior of the static method is restored once the defined scope of the static mock is released. </a:t>
+            </a:r>
+          </a:p>
+          <a:p>
+            <a:r>
+              <a:rPr lang="en-US" dirty="0"/>
+              <a:t>The </a:t>
+            </a:r>
+            <a:r>
+              <a:rPr lang="en-US" dirty="0" err="1">
+                <a:latin typeface="Courier" pitchFamily="2" charset="0"/>
+              </a:rPr>
+              <a:t>mockStatic</a:t>
+            </a:r>
+            <a:r>
+              <a:rPr lang="en-US" dirty="0"/>
+              <a:t> factory method returns a </a:t>
+            </a:r>
+            <a:r>
+              <a:rPr lang="en-US" dirty="0" err="1">
                 <a:latin typeface="Courier" pitchFamily="2" charset="0"/>
               </a:rPr>
               <a:t>MockedStatic</a:t>
             </a:r>
             <a:r>
-              <a:rPr lang="en-US" sz="2000" dirty="0">
-                <a:latin typeface="Courier" pitchFamily="2" charset="0"/>
-              </a:rPr>
-              <a:t> mocked = </a:t>
-            </a:r>
-            <a:r>
-              <a:rPr lang="en-US" sz="2000" b="1" dirty="0" err="1">
-                <a:latin typeface="Courier" pitchFamily="2" charset="0"/>
-              </a:rPr>
-              <a:t>mockStatic</a:t>
-            </a:r>
-            <a:r>
-              <a:rPr lang="en-US" sz="2000" dirty="0">
-                <a:latin typeface="Courier" pitchFamily="2" charset="0"/>
-              </a:rPr>
-              <a:t>(</a:t>
-            </a:r>
-            <a:r>
-              <a:rPr lang="en-US" sz="2000" dirty="0" err="1">
-                <a:latin typeface="Courier" pitchFamily="2" charset="0"/>
-              </a:rPr>
-              <a:t>Foo.class</a:t>
-            </a:r>
-            <a:r>
-              <a:rPr lang="en-US" sz="2000" dirty="0">
-                <a:latin typeface="Courier" pitchFamily="2" charset="0"/>
-              </a:rPr>
-              <a:t>)) {</a:t>
-            </a:r>
-          </a:p>
-          <a:p>
-            <a:pPr marL="0" indent="0">
-              <a:buNone/>
-            </a:pPr>
-            <a:r>
-              <a:rPr lang="en-US" sz="2000" dirty="0">
-                <a:latin typeface="Courier" pitchFamily="2" charset="0"/>
-              </a:rPr>
-              <a:t>   </a:t>
-            </a:r>
-            <a:r>
-              <a:rPr lang="en-US" sz="2000" dirty="0">
-                <a:solidFill>
-                  <a:schemeClr val="bg1">
-                    <a:lumMod val="50000"/>
-                  </a:schemeClr>
-                </a:solidFill>
-                <a:latin typeface="Courier" pitchFamily="2" charset="0"/>
-              </a:rPr>
-              <a:t>// Use </a:t>
-            </a:r>
-            <a:r>
-              <a:rPr lang="en-US" sz="2000" dirty="0" err="1">
-                <a:solidFill>
-                  <a:schemeClr val="bg1">
-                    <a:lumMod val="50000"/>
-                  </a:schemeClr>
-                </a:solidFill>
-                <a:latin typeface="Courier" pitchFamily="2" charset="0"/>
-              </a:rPr>
-              <a:t>MockedStatic</a:t>
-            </a:r>
-            <a:r>
-              <a:rPr lang="en-US" sz="2000" dirty="0">
-                <a:solidFill>
-                  <a:schemeClr val="bg1">
-                    <a:lumMod val="50000"/>
-                  </a:schemeClr>
-                </a:solidFill>
-                <a:latin typeface="Courier" pitchFamily="2" charset="0"/>
-              </a:rPr>
-              <a:t> instance to stub static method</a:t>
-            </a:r>
-          </a:p>
-          <a:p>
-            <a:pPr marL="0" indent="0">
-              <a:buNone/>
-            </a:pPr>
-            <a:r>
-              <a:rPr lang="en-US" sz="2000" dirty="0">
-                <a:latin typeface="Courier" pitchFamily="2" charset="0"/>
-              </a:rPr>
-              <a:t>   </a:t>
-            </a:r>
-            <a:r>
-              <a:rPr lang="en-US" sz="2000" dirty="0" err="1">
-                <a:latin typeface="Courier" pitchFamily="2" charset="0"/>
-              </a:rPr>
-              <a:t>mocked.when</a:t>
-            </a:r>
-            <a:r>
-              <a:rPr lang="en-US" sz="2000" dirty="0">
-                <a:latin typeface="Courier" pitchFamily="2" charset="0"/>
-              </a:rPr>
-              <a:t>(Foo::method).</a:t>
-            </a:r>
-            <a:r>
-              <a:rPr lang="en-US" sz="2000" dirty="0" err="1">
-                <a:latin typeface="Courier" pitchFamily="2" charset="0"/>
-              </a:rPr>
-              <a:t>thenReturn</a:t>
-            </a:r>
-            <a:r>
-              <a:rPr lang="en-US" sz="2000" dirty="0">
-                <a:latin typeface="Courier" pitchFamily="2" charset="0"/>
-              </a:rPr>
-              <a:t>("bar");</a:t>
-            </a:r>
-          </a:p>
-          <a:p>
-            <a:pPr marL="0" indent="0">
-              <a:buNone/>
-            </a:pPr>
-            <a:r>
-              <a:rPr lang="en-US" sz="2000" dirty="0">
-                <a:latin typeface="Courier" pitchFamily="2" charset="0"/>
-              </a:rPr>
-              <a:t>   </a:t>
-            </a:r>
-            <a:r>
-              <a:rPr lang="en-US" sz="2000" dirty="0" err="1">
-                <a:latin typeface="Courier" pitchFamily="2" charset="0"/>
-              </a:rPr>
-              <a:t>assertEquals</a:t>
-            </a:r>
-            <a:r>
-              <a:rPr lang="en-US" sz="2000" dirty="0">
-                <a:latin typeface="Courier" pitchFamily="2" charset="0"/>
-              </a:rPr>
-              <a:t>("bar", </a:t>
-            </a:r>
-            <a:r>
-              <a:rPr lang="en-US" sz="2000" dirty="0" err="1">
-                <a:latin typeface="Courier" pitchFamily="2" charset="0"/>
-              </a:rPr>
-              <a:t>Foo.method</a:t>
-            </a:r>
-            <a:r>
-              <a:rPr lang="en-US" sz="2000" dirty="0">
-                <a:latin typeface="Courier" pitchFamily="2" charset="0"/>
-              </a:rPr>
-              <a:t>());</a:t>
-            </a:r>
-          </a:p>
-          <a:p>
-            <a:pPr marL="0" indent="0">
-              <a:buNone/>
-            </a:pPr>
-            <a:r>
-              <a:rPr lang="en-US" sz="2000" dirty="0">
-                <a:latin typeface="Courier" pitchFamily="2" charset="0"/>
-              </a:rPr>
-              <a:t>   </a:t>
-            </a:r>
-            <a:r>
-              <a:rPr lang="en-US" sz="2000" dirty="0" err="1">
-                <a:latin typeface="Courier" pitchFamily="2" charset="0"/>
-              </a:rPr>
-              <a:t>mocked.verify</a:t>
-            </a:r>
-            <a:r>
-              <a:rPr lang="en-US" sz="2000" dirty="0">
-                <a:latin typeface="Courier" pitchFamily="2" charset="0"/>
-              </a:rPr>
-              <a:t>(Foo::method);</a:t>
-            </a:r>
-          </a:p>
-          <a:p>
-            <a:pPr marL="0" indent="0">
-              <a:buNone/>
-            </a:pPr>
-            <a:r>
-              <a:rPr lang="en-US" sz="2000" dirty="0">
-                <a:latin typeface="Courier" pitchFamily="2" charset="0"/>
-              </a:rPr>
-              <a:t>}</a:t>
-            </a:r>
-          </a:p>
-          <a:p>
-            <a:pPr marL="0" indent="0">
-              <a:buNone/>
-            </a:pPr>
-            <a:r>
-              <a:rPr lang="en-US" sz="2000" dirty="0" err="1">
-                <a:latin typeface="Courier" pitchFamily="2" charset="0"/>
-              </a:rPr>
-              <a:t>assertEquals</a:t>
-            </a:r>
-            <a:r>
-              <a:rPr lang="en-US" sz="2000" dirty="0">
-                <a:latin typeface="Courier" pitchFamily="2" charset="0"/>
-              </a:rPr>
-              <a:t>("foo", </a:t>
-            </a:r>
-            <a:r>
-              <a:rPr lang="en-US" sz="2000" dirty="0" err="1">
-                <a:latin typeface="Courier" pitchFamily="2" charset="0"/>
-              </a:rPr>
-              <a:t>Foo.method</a:t>
-            </a:r>
-            <a:r>
-              <a:rPr lang="en-US" sz="2000" dirty="0">
-                <a:latin typeface="Courier" pitchFamily="2" charset="0"/>
-              </a:rPr>
-              <a:t>());</a:t>
-            </a:r>
+              <a:rPr lang="en-US" dirty="0"/>
+              <a:t> instance, which can be used to define mock behavior and to verify static method invocations. </a:t>
+            </a:r>
+          </a:p>
+          <a:p>
+            <a:endParaRPr lang="en-US" dirty="0"/>
+          </a:p>
+          <a:p>
+            <a:endParaRPr lang="en-US" dirty="0"/>
           </a:p>
         </p:txBody>
       </p:sp>
     </p:spTree>
     <p:extLst>
       <p:ext uri="{BB962C8B-B14F-4D97-AF65-F5344CB8AC3E}">
-        <p14:creationId xmlns:p14="http://schemas.microsoft.com/office/powerpoint/2010/main" val="3225130834"/>
+        <p14:creationId xmlns:p14="http://schemas.microsoft.com/office/powerpoint/2010/main" val="1482911797"/>
       </p:ext>
     </p:extLst>
   </p:cSld>
@@ -4358,7 +4151,7 @@
           <a:p>
             <a:r>
               <a:rPr lang="en-US" dirty="0"/>
-              <a:t>Mocking object construction</a:t>
+              <a:t>Mocking static method example</a:t>
             </a:r>
           </a:p>
         </p:txBody>
@@ -4382,92 +4175,279 @@
         <p:spPr/>
         <p:txBody>
           <a:bodyPr>
-            <a:normAutofit lnSpcReduction="10000"/>
+            <a:normAutofit/>
           </a:bodyPr>
           <a:lstStyle/>
           <a:p>
-            <a:r>
-              <a:rPr lang="en-US" dirty="0"/>
-              <a:t>Available since Mockito 3.5.0.</a:t>
-            </a:r>
-          </a:p>
-          <a:p>
-            <a:r>
-              <a:rPr lang="en-US" dirty="0"/>
-              <a:t>When using the </a:t>
-            </a:r>
-            <a:r>
-              <a:rPr lang="en-US" b="1" dirty="0"/>
-              <a:t>inline mock maker</a:t>
-            </a:r>
-            <a:r>
-              <a:rPr lang="en-US" dirty="0"/>
-              <a:t>, it is possible to mock constructor invocations within the current thread and a user-defined scope. </a:t>
-            </a:r>
-          </a:p>
-          <a:p>
-            <a:pPr lvl="1"/>
-            <a:r>
-              <a:rPr lang="en-US" dirty="0"/>
-              <a:t>Ensures that concurrently and sequentially running tests do not interfere. </a:t>
-            </a:r>
-          </a:p>
-          <a:p>
-            <a:r>
-              <a:rPr lang="en-US" dirty="0"/>
-              <a:t>Use a </a:t>
-            </a:r>
-            <a:r>
-              <a:rPr lang="en-US" i="1" dirty="0"/>
-              <a:t>try-with-resources</a:t>
-            </a:r>
-            <a:r>
-              <a:rPr lang="en-US" dirty="0"/>
-              <a:t> construct to ensure a constructor mock remains temporary.</a:t>
-            </a:r>
-          </a:p>
-          <a:p>
-            <a:pPr lvl="1"/>
-            <a:r>
-              <a:rPr lang="en-US" dirty="0"/>
-              <a:t>The original behavior of the constructor is restored once the defined scope of the constructor mock is released. </a:t>
-            </a:r>
-          </a:p>
-          <a:p>
-            <a:r>
-              <a:rPr lang="en-US" dirty="0"/>
-              <a:t>The </a:t>
-            </a:r>
-            <a:r>
-              <a:rPr lang="en-US" dirty="0" err="1">
-                <a:latin typeface="Courier" pitchFamily="2" charset="0"/>
-              </a:rPr>
-              <a:t>MockedConstruction</a:t>
-            </a:r>
-            <a:r>
-              <a:rPr lang="en-US" dirty="0"/>
-              <a:t> type is returned from </a:t>
-            </a:r>
-            <a:r>
-              <a:rPr lang="en-US" dirty="0" err="1">
-                <a:latin typeface="Courier" pitchFamily="2" charset="0"/>
-              </a:rPr>
-              <a:t>mockConstruction</a:t>
-            </a:r>
-            <a:r>
-              <a:rPr lang="en-US" dirty="0"/>
-              <a:t> factory method can be used to define mock behavior and to verify constructor invocations. </a:t>
-            </a:r>
-          </a:p>
-          <a:p>
-            <a:endParaRPr lang="en-US" dirty="0"/>
+            <a:pPr marL="0" indent="0">
+              <a:buNone/>
+            </a:pPr>
+            <a:r>
+              <a:rPr lang="en-US" sz="2000" dirty="0" err="1">
+                <a:latin typeface="Courier" pitchFamily="2" charset="0"/>
+              </a:rPr>
+              <a:t>assertEquals</a:t>
+            </a:r>
+            <a:r>
+              <a:rPr lang="en-US" sz="2000" dirty="0">
+                <a:latin typeface="Courier" pitchFamily="2" charset="0"/>
+              </a:rPr>
+              <a:t>("foo", </a:t>
+            </a:r>
+            <a:r>
+              <a:rPr lang="en-US" sz="2000" dirty="0" err="1">
+                <a:latin typeface="Courier" pitchFamily="2" charset="0"/>
+              </a:rPr>
+              <a:t>Foo.method</a:t>
+            </a:r>
+            <a:r>
+              <a:rPr lang="en-US" sz="2000" dirty="0">
+                <a:latin typeface="Courier" pitchFamily="2" charset="0"/>
+              </a:rPr>
+              <a:t>());</a:t>
+            </a:r>
+          </a:p>
+          <a:p>
+            <a:pPr marL="0" indent="0">
+              <a:buNone/>
+            </a:pPr>
+            <a:r>
+              <a:rPr lang="en-US" sz="2000" dirty="0">
+                <a:latin typeface="Courier" pitchFamily="2" charset="0"/>
+              </a:rPr>
+              <a:t>// Inline mock maker</a:t>
+            </a:r>
+          </a:p>
+          <a:p>
+            <a:pPr marL="0" indent="0">
+              <a:buNone/>
+            </a:pPr>
+            <a:r>
+              <a:rPr lang="en-US" sz="2000" dirty="0">
+                <a:latin typeface="Courier" pitchFamily="2" charset="0"/>
+              </a:rPr>
+              <a:t>try (</a:t>
+            </a:r>
+            <a:r>
+              <a:rPr lang="en-US" sz="2000" b="1" dirty="0" err="1">
+                <a:latin typeface="Courier" pitchFamily="2" charset="0"/>
+              </a:rPr>
+              <a:t>MockedStatic</a:t>
+            </a:r>
+            <a:r>
+              <a:rPr lang="en-US" sz="2000" dirty="0">
+                <a:latin typeface="Courier" pitchFamily="2" charset="0"/>
+              </a:rPr>
+              <a:t> mocked = </a:t>
+            </a:r>
+            <a:r>
+              <a:rPr lang="en-US" sz="2000" b="1" dirty="0" err="1">
+                <a:latin typeface="Courier" pitchFamily="2" charset="0"/>
+              </a:rPr>
+              <a:t>mockStatic</a:t>
+            </a:r>
+            <a:r>
+              <a:rPr lang="en-US" sz="2000" dirty="0">
+                <a:latin typeface="Courier" pitchFamily="2" charset="0"/>
+              </a:rPr>
+              <a:t>(</a:t>
+            </a:r>
+            <a:r>
+              <a:rPr lang="en-US" sz="2000" dirty="0" err="1">
+                <a:latin typeface="Courier" pitchFamily="2" charset="0"/>
+              </a:rPr>
+              <a:t>Foo.class</a:t>
+            </a:r>
+            <a:r>
+              <a:rPr lang="en-US" sz="2000" dirty="0">
+                <a:latin typeface="Courier" pitchFamily="2" charset="0"/>
+              </a:rPr>
+              <a:t>)) {</a:t>
+            </a:r>
+          </a:p>
+          <a:p>
+            <a:pPr marL="0" indent="0">
+              <a:buNone/>
+            </a:pPr>
+            <a:r>
+              <a:rPr lang="en-US" sz="2000" dirty="0">
+                <a:latin typeface="Courier" pitchFamily="2" charset="0"/>
+              </a:rPr>
+              <a:t>   </a:t>
+            </a:r>
+            <a:r>
+              <a:rPr lang="en-US" sz="2000" dirty="0">
+                <a:solidFill>
+                  <a:schemeClr val="bg1">
+                    <a:lumMod val="50000"/>
+                  </a:schemeClr>
+                </a:solidFill>
+                <a:latin typeface="Courier" pitchFamily="2" charset="0"/>
+              </a:rPr>
+              <a:t>// Use </a:t>
+            </a:r>
+            <a:r>
+              <a:rPr lang="en-US" sz="2000" dirty="0" err="1">
+                <a:solidFill>
+                  <a:schemeClr val="bg1">
+                    <a:lumMod val="50000"/>
+                  </a:schemeClr>
+                </a:solidFill>
+                <a:latin typeface="Courier" pitchFamily="2" charset="0"/>
+              </a:rPr>
+              <a:t>MockedStatic</a:t>
+            </a:r>
+            <a:r>
+              <a:rPr lang="en-US" sz="2000" dirty="0">
+                <a:solidFill>
+                  <a:schemeClr val="bg1">
+                    <a:lumMod val="50000"/>
+                  </a:schemeClr>
+                </a:solidFill>
+                <a:latin typeface="Courier" pitchFamily="2" charset="0"/>
+              </a:rPr>
+              <a:t> instance to stub static method</a:t>
+            </a:r>
+          </a:p>
+          <a:p>
+            <a:pPr marL="0" indent="0">
+              <a:buNone/>
+            </a:pPr>
+            <a:r>
+              <a:rPr lang="en-US" sz="2000" dirty="0">
+                <a:latin typeface="Courier" pitchFamily="2" charset="0"/>
+              </a:rPr>
+              <a:t>   </a:t>
+            </a:r>
+            <a:r>
+              <a:rPr lang="en-US" sz="2000" dirty="0" err="1">
+                <a:latin typeface="Courier" pitchFamily="2" charset="0"/>
+              </a:rPr>
+              <a:t>mocked.when</a:t>
+            </a:r>
+            <a:r>
+              <a:rPr lang="en-US" sz="2000" dirty="0">
+                <a:latin typeface="Courier" pitchFamily="2" charset="0"/>
+              </a:rPr>
+              <a:t>(Foo::method).</a:t>
+            </a:r>
+            <a:r>
+              <a:rPr lang="en-US" sz="2000" dirty="0" err="1">
+                <a:latin typeface="Courier" pitchFamily="2" charset="0"/>
+              </a:rPr>
+              <a:t>thenReturn</a:t>
+            </a:r>
+            <a:r>
+              <a:rPr lang="en-US" sz="2000" dirty="0">
+                <a:latin typeface="Courier" pitchFamily="2" charset="0"/>
+              </a:rPr>
+              <a:t>("bar");</a:t>
+            </a:r>
+          </a:p>
+          <a:p>
+            <a:pPr marL="0" indent="0">
+              <a:buNone/>
+            </a:pPr>
+            <a:r>
+              <a:rPr lang="en-US" sz="2000" dirty="0">
+                <a:latin typeface="Courier" pitchFamily="2" charset="0"/>
+              </a:rPr>
+              <a:t>   </a:t>
+            </a:r>
+            <a:r>
+              <a:rPr lang="en-US" sz="2000" dirty="0" err="1">
+                <a:latin typeface="Courier" pitchFamily="2" charset="0"/>
+              </a:rPr>
+              <a:t>assertEquals</a:t>
+            </a:r>
+            <a:r>
+              <a:rPr lang="en-US" sz="2000" dirty="0">
+                <a:latin typeface="Courier" pitchFamily="2" charset="0"/>
+              </a:rPr>
+              <a:t>("bar", </a:t>
+            </a:r>
+            <a:r>
+              <a:rPr lang="en-US" sz="2000" dirty="0" err="1">
+                <a:latin typeface="Courier" pitchFamily="2" charset="0"/>
+              </a:rPr>
+              <a:t>Foo.method</a:t>
+            </a:r>
+            <a:r>
+              <a:rPr lang="en-US" sz="2000" dirty="0">
+                <a:latin typeface="Courier" pitchFamily="2" charset="0"/>
+              </a:rPr>
+              <a:t>());</a:t>
+            </a:r>
+          </a:p>
+          <a:p>
+            <a:pPr marL="0" indent="0">
+              <a:buNone/>
+            </a:pPr>
+            <a:r>
+              <a:rPr lang="en-US" sz="2000" dirty="0">
+                <a:latin typeface="Courier" pitchFamily="2" charset="0"/>
+              </a:rPr>
+              <a:t>   </a:t>
+            </a:r>
+            <a:r>
+              <a:rPr lang="en-US" sz="2000" dirty="0" err="1">
+                <a:latin typeface="Courier" pitchFamily="2" charset="0"/>
+              </a:rPr>
+              <a:t>mocked.verify</a:t>
+            </a:r>
+            <a:r>
+              <a:rPr lang="en-US" sz="2000" dirty="0">
+                <a:latin typeface="Courier" pitchFamily="2" charset="0"/>
+              </a:rPr>
+              <a:t>(Foo::method);</a:t>
+            </a:r>
+          </a:p>
+          <a:p>
+            <a:pPr marL="0" indent="0">
+              <a:buNone/>
+            </a:pPr>
+            <a:r>
+              <a:rPr lang="en-US" sz="2000" dirty="0">
+                <a:latin typeface="Courier" pitchFamily="2" charset="0"/>
+              </a:rPr>
+              <a:t>}</a:t>
+            </a:r>
+          </a:p>
+          <a:p>
+            <a:pPr marL="0" indent="0">
+              <a:buNone/>
+            </a:pPr>
+            <a:r>
+              <a:rPr lang="en-US" sz="2000" dirty="0" err="1">
+                <a:latin typeface="Courier" pitchFamily="2" charset="0"/>
+              </a:rPr>
+              <a:t>assertEquals</a:t>
+            </a:r>
+            <a:r>
+              <a:rPr lang="en-US" sz="2000" dirty="0">
+                <a:latin typeface="Courier" pitchFamily="2" charset="0"/>
+              </a:rPr>
+              <a:t>("foo", </a:t>
+            </a:r>
+            <a:r>
+              <a:rPr lang="en-US" sz="2000" dirty="0" err="1">
+                <a:latin typeface="Courier" pitchFamily="2" charset="0"/>
+              </a:rPr>
+              <a:t>Foo.method</a:t>
+            </a:r>
+            <a:r>
+              <a:rPr lang="en-US" sz="2000" dirty="0">
+                <a:latin typeface="Courier" pitchFamily="2" charset="0"/>
+              </a:rPr>
+              <a:t>());</a:t>
+            </a:r>
           </a:p>
         </p:txBody>
       </p:sp>
     </p:spTree>
     <p:extLst>
       <p:ext uri="{BB962C8B-B14F-4D97-AF65-F5344CB8AC3E}">
-        <p14:creationId xmlns:p14="http://schemas.microsoft.com/office/powerpoint/2010/main" val="2058544174"/>
+        <p14:creationId xmlns:p14="http://schemas.microsoft.com/office/powerpoint/2010/main" val="3225130834"/>
       </p:ext>
     </p:extLst>
   </p:cSld>
@@ -4517,7 +4497,7 @@
           <a:p>
             <a:r>
               <a:rPr lang="en-US" dirty="0"/>
-              <a:t>Mocking object constructors example</a:t>
+              <a:t>Mocking object construction</a:t>
             </a:r>
           </a:p>
         </p:txBody>
@@ -4541,221 +4521,92 @@
         <p:spPr/>
         <p:txBody>
           <a:bodyPr>
-            <a:normAutofit/>
+            <a:normAutofit lnSpcReduction="10000"/>
           </a:bodyPr>
           <a:lstStyle/>
           <a:p>
-            <a:pPr marL="0" indent="0">
-              <a:buNone/>
-            </a:pPr>
-            <a:r>
-              <a:rPr lang="en-US" sz="2000" dirty="0" err="1">
-                <a:latin typeface="Courier" pitchFamily="2" charset="0"/>
-              </a:rPr>
-              <a:t>assertEquals</a:t>
-            </a:r>
-            <a:r>
-              <a:rPr lang="en-US" sz="2000" dirty="0">
-                <a:latin typeface="Courier" pitchFamily="2" charset="0"/>
-              </a:rPr>
-              <a:t>("foo", new Foo().method());</a:t>
-            </a:r>
-          </a:p>
-          <a:p>
-            <a:pPr marL="0" indent="0">
-              <a:buNone/>
-            </a:pPr>
-            <a:r>
-              <a:rPr lang="en-US" sz="2000" dirty="0">
-                <a:latin typeface="Courier" pitchFamily="2" charset="0"/>
-              </a:rPr>
-              <a:t>try (</a:t>
-            </a:r>
-            <a:r>
-              <a:rPr lang="en-US" sz="2000" b="1" dirty="0" err="1">
+            <a:r>
+              <a:rPr lang="en-US" dirty="0"/>
+              <a:t>Available since Mockito 3.5.0.</a:t>
+            </a:r>
+          </a:p>
+          <a:p>
+            <a:r>
+              <a:rPr lang="en-US" dirty="0"/>
+              <a:t>When using the </a:t>
+            </a:r>
+            <a:r>
+              <a:rPr lang="en-US" b="1" dirty="0"/>
+              <a:t>inline mock maker</a:t>
+            </a:r>
+            <a:r>
+              <a:rPr lang="en-US" dirty="0"/>
+              <a:t>, it is possible to mock constructor invocations within the current thread and a user-defined scope. </a:t>
+            </a:r>
+          </a:p>
+          <a:p>
+            <a:pPr lvl="1"/>
+            <a:r>
+              <a:rPr lang="en-US" dirty="0"/>
+              <a:t>Ensures that concurrently and sequentially running tests do not interfere. </a:t>
+            </a:r>
+          </a:p>
+          <a:p>
+            <a:r>
+              <a:rPr lang="en-US" dirty="0"/>
+              <a:t>Use a </a:t>
+            </a:r>
+            <a:r>
+              <a:rPr lang="en-US" i="1" dirty="0"/>
+              <a:t>try-with-resources</a:t>
+            </a:r>
+            <a:r>
+              <a:rPr lang="en-US" dirty="0"/>
+              <a:t> construct to ensure a constructor mock remains temporary.</a:t>
+            </a:r>
+          </a:p>
+          <a:p>
+            <a:pPr lvl="1"/>
+            <a:r>
+              <a:rPr lang="en-US" dirty="0"/>
+              <a:t>The original behavior of the constructor is restored once the defined scope of the constructor mock is released. </a:t>
+            </a:r>
+          </a:p>
+          <a:p>
+            <a:r>
+              <a:rPr lang="en-US" dirty="0"/>
+              <a:t>The </a:t>
+            </a:r>
+            <a:r>
+              <a:rPr lang="en-US" dirty="0" err="1">
                 <a:latin typeface="Courier" pitchFamily="2" charset="0"/>
               </a:rPr>
               <a:t>MockedConstruction</a:t>
             </a:r>
             <a:r>
-              <a:rPr lang="en-US" sz="2000" dirty="0">
-                <a:latin typeface="Courier" pitchFamily="2" charset="0"/>
-              </a:rPr>
-              <a:t> mocked = </a:t>
-            </a:r>
-            <a:r>
-              <a:rPr lang="en-US" sz="2000" b="1" dirty="0" err="1">
+              <a:rPr lang="en-US" dirty="0"/>
+              <a:t> type is returned from </a:t>
+            </a:r>
+            <a:r>
+              <a:rPr lang="en-US" dirty="0" err="1">
                 <a:latin typeface="Courier" pitchFamily="2" charset="0"/>
               </a:rPr>
               <a:t>mockConstruction</a:t>
             </a:r>
             <a:r>
-              <a:rPr lang="en-US" sz="2000" dirty="0">
-                <a:latin typeface="Courier" pitchFamily="2" charset="0"/>
-              </a:rPr>
-              <a:t>(</a:t>
-            </a:r>
-            <a:r>
-              <a:rPr lang="en-US" sz="2000" dirty="0" err="1">
-                <a:latin typeface="Courier" pitchFamily="2" charset="0"/>
-              </a:rPr>
-              <a:t>Foo.class</a:t>
-            </a:r>
-            <a:r>
-              <a:rPr lang="en-US" sz="2000" dirty="0">
-                <a:latin typeface="Courier" pitchFamily="2" charset="0"/>
-              </a:rPr>
-              <a:t>), </a:t>
-            </a:r>
-          </a:p>
-          <a:p>
-            <a:pPr marL="0" indent="0">
-              <a:buNone/>
-            </a:pPr>
-            <a:r>
-              <a:rPr lang="en-US" sz="2000" dirty="0">
-                <a:latin typeface="Courier" pitchFamily="2" charset="0"/>
-              </a:rPr>
-              <a:t>   (mock, context) -&gt; { when(</a:t>
-            </a:r>
-            <a:r>
-              <a:rPr lang="en-US" sz="2000" dirty="0" err="1">
-                <a:latin typeface="Courier" pitchFamily="2" charset="0"/>
-              </a:rPr>
-              <a:t>mock.method</a:t>
-            </a:r>
-            <a:r>
-              <a:rPr lang="en-US" sz="2000" dirty="0">
-                <a:latin typeface="Courier" pitchFamily="2" charset="0"/>
-              </a:rPr>
-              <a:t>()).</a:t>
-            </a:r>
-            <a:r>
-              <a:rPr lang="en-US" sz="2000" dirty="0" err="1">
-                <a:latin typeface="Courier" pitchFamily="2" charset="0"/>
-              </a:rPr>
-              <a:t>thenReturn</a:t>
-            </a:r>
-            <a:r>
-              <a:rPr lang="en-US" sz="2000" dirty="0">
-                <a:latin typeface="Courier" pitchFamily="2" charset="0"/>
-              </a:rPr>
-              <a:t>("bar"); }) {</a:t>
-            </a:r>
-          </a:p>
-          <a:p>
-            <a:pPr marL="0" indent="0">
-              <a:buNone/>
-            </a:pPr>
-            <a:r>
-              <a:rPr lang="en-US" sz="2000" dirty="0">
-                <a:latin typeface="Courier" pitchFamily="2" charset="0"/>
-              </a:rPr>
-              <a:t>   </a:t>
-            </a:r>
-            <a:r>
-              <a:rPr lang="en-US" sz="2000" dirty="0">
-                <a:solidFill>
-                  <a:schemeClr val="bg1">
-                    <a:lumMod val="50000"/>
-                  </a:schemeClr>
-                </a:solidFill>
-                <a:latin typeface="Courier" pitchFamily="2" charset="0"/>
-              </a:rPr>
-              <a:t>// Calling the constructor now creates a mock!</a:t>
-            </a:r>
-          </a:p>
-          <a:p>
-            <a:pPr marL="0" indent="0">
-              <a:buNone/>
-            </a:pPr>
-            <a:r>
-              <a:rPr lang="en-US" sz="2000" dirty="0">
-                <a:latin typeface="Courier" pitchFamily="2" charset="0"/>
-              </a:rPr>
-              <a:t>   Foo foo = new Foo();</a:t>
-            </a:r>
-          </a:p>
-          <a:p>
-            <a:pPr marL="0" indent="0">
-              <a:buNone/>
-            </a:pPr>
-            <a:r>
-              <a:rPr lang="en-US" sz="2000" dirty="0">
-                <a:latin typeface="Courier" pitchFamily="2" charset="0"/>
-              </a:rPr>
-              <a:t>   </a:t>
-            </a:r>
-            <a:r>
-              <a:rPr lang="en-US" sz="2000" dirty="0" err="1">
-                <a:latin typeface="Courier" pitchFamily="2" charset="0"/>
-              </a:rPr>
-              <a:t>assertEquals</a:t>
-            </a:r>
-            <a:r>
-              <a:rPr lang="en-US" sz="2000" dirty="0">
-                <a:latin typeface="Courier" pitchFamily="2" charset="0"/>
-              </a:rPr>
-              <a:t>("bar", </a:t>
-            </a:r>
-            <a:r>
-              <a:rPr lang="en-US" sz="2000" dirty="0" err="1">
-                <a:latin typeface="Courier" pitchFamily="2" charset="0"/>
-              </a:rPr>
-              <a:t>foo.method</a:t>
-            </a:r>
-            <a:r>
-              <a:rPr lang="en-US" sz="2000" dirty="0">
-                <a:latin typeface="Courier" pitchFamily="2" charset="0"/>
-              </a:rPr>
-              <a:t>());</a:t>
-            </a:r>
-          </a:p>
-          <a:p>
-            <a:pPr marL="0" indent="0">
-              <a:buNone/>
-            </a:pPr>
-            <a:r>
-              <a:rPr lang="en-US" sz="2000" dirty="0">
-                <a:latin typeface="Courier" pitchFamily="2" charset="0"/>
-              </a:rPr>
-              <a:t>   verify(foo).method();</a:t>
-            </a:r>
-          </a:p>
-          <a:p>
-            <a:pPr marL="0" indent="0">
-              <a:buNone/>
-            </a:pPr>
-            <a:r>
-              <a:rPr lang="en-US" sz="2000" dirty="0">
-                <a:latin typeface="Courier" pitchFamily="2" charset="0"/>
-              </a:rPr>
-              <a:t>}</a:t>
-            </a:r>
-          </a:p>
-          <a:p>
-            <a:pPr marL="0" indent="0">
-              <a:buNone/>
-            </a:pPr>
-            <a:r>
-              <a:rPr lang="en-US" sz="2000" dirty="0" err="1">
-                <a:latin typeface="Courier" pitchFamily="2" charset="0"/>
-              </a:rPr>
-              <a:t>assertEquals</a:t>
-            </a:r>
-            <a:r>
-              <a:rPr lang="en-US" sz="2000" dirty="0">
-                <a:latin typeface="Courier" pitchFamily="2" charset="0"/>
-              </a:rPr>
-              <a:t>("foo", new Foo().method());</a:t>
-            </a:r>
+              <a:rPr lang="en-US" dirty="0"/>
+              <a:t> factory method can be used to define mock behavior and to verify constructor invocations. </a:t>
+            </a:r>
+          </a:p>
+          <a:p>
+            <a:endParaRPr lang="en-US" dirty="0"/>
           </a:p>
         </p:txBody>
       </p:sp>
     </p:spTree>
     <p:extLst>
       <p:ext uri="{BB962C8B-B14F-4D97-AF65-F5344CB8AC3E}">
-        <p14:creationId xmlns:p14="http://schemas.microsoft.com/office/powerpoint/2010/main" val="3395650808"/>
+        <p14:creationId xmlns:p14="http://schemas.microsoft.com/office/powerpoint/2010/main" val="2058544174"/>
       </p:ext>
     </p:extLst>
   </p:cSld>
@@ -4805,17 +4656,8 @@
           <a:p>
             <a:r>
               <a:rPr lang="en-US" dirty="0"/>
-              <a:t>Using the </a:t>
-            </a:r>
-            <a:r>
-              <a:rPr lang="en-US" dirty="0" err="1">
-                <a:latin typeface="Courier" pitchFamily="2" charset="0"/>
-              </a:rPr>
-              <a:t>InlineMockMaker</a:t>
-            </a:r>
-            <a:endParaRPr lang="en-US" dirty="0">
-              <a:latin typeface="Courier" pitchFamily="2" charset="0"/>
-            </a:endParaRPr>
+              <a:t>Mocking object constructors example</a:t>
+            </a:r>
           </a:p>
         </p:txBody>
       </p:sp>
@@ -4837,94 +4679,214 @@
         </p:nvSpPr>
         <p:spPr/>
         <p:txBody>
-          <a:bodyPr/>
-          <a:lstStyle/>
-          <a:p>
-            <a:r>
-              <a:rPr lang="en-US" dirty="0"/>
-              <a:t>The </a:t>
-            </a:r>
-            <a:r>
-              <a:rPr lang="en-US" dirty="0" err="1">
-                <a:latin typeface="Courier" pitchFamily="2" charset="0"/>
-              </a:rPr>
-              <a:t>InlineMockMaker</a:t>
-            </a:r>
-            <a:r>
-              <a:rPr lang="en-US" dirty="0"/>
-              <a:t> is the </a:t>
-            </a:r>
-            <a:r>
-              <a:rPr lang="en-US" dirty="0" err="1"/>
-              <a:t>MockMaker</a:t>
-            </a:r>
-            <a:r>
-              <a:rPr lang="en-US" dirty="0"/>
-              <a:t> API implementation that provides static method and constructor mocking.</a:t>
-            </a:r>
-          </a:p>
-          <a:p>
-            <a:r>
-              <a:rPr lang="en-US" dirty="0" err="1"/>
-              <a:t>MockMaker</a:t>
-            </a:r>
-            <a:r>
-              <a:rPr lang="en-US" dirty="0"/>
-              <a:t> is experimental.</a:t>
-            </a:r>
-          </a:p>
-          <a:p>
-            <a:pPr lvl="1"/>
-            <a:r>
-              <a:rPr lang="en-US" dirty="0"/>
-              <a:t>Functionality is in the </a:t>
-            </a:r>
-            <a:r>
-              <a:rPr lang="en-US" b="1" dirty="0" err="1"/>
-              <a:t>mockito</a:t>
-            </a:r>
-            <a:r>
-              <a:rPr lang="en-US" b="1" dirty="0"/>
-              <a:t>-core</a:t>
-            </a:r>
-            <a:r>
-              <a:rPr lang="en-US" dirty="0"/>
-              <a:t> dependency artifact, but is turned off by default. Requires configuring the </a:t>
-            </a:r>
-            <a:r>
-              <a:rPr lang="en-US" dirty="0" err="1"/>
-              <a:t>MockMaker</a:t>
-            </a:r>
-            <a:r>
-              <a:rPr lang="en-US" dirty="0"/>
-              <a:t> extension file.</a:t>
-            </a:r>
-          </a:p>
-          <a:p>
-            <a:pPr lvl="1"/>
-            <a:r>
-              <a:rPr lang="en-US" dirty="0"/>
-              <a:t>The </a:t>
-            </a:r>
-            <a:r>
-              <a:rPr lang="en-US" b="1" dirty="0" err="1"/>
-              <a:t>mockito</a:t>
-            </a:r>
-            <a:r>
-              <a:rPr lang="en-US" b="1" dirty="0"/>
-              <a:t>-inline</a:t>
-            </a:r>
-            <a:r>
-              <a:rPr lang="en-US" dirty="0"/>
-              <a:t> dependency artifact preconfigures mock maker for inline mock making. Thus no need for the </a:t>
-            </a:r>
-            <a:r>
-              <a:rPr lang="en-US" dirty="0" err="1"/>
-              <a:t>MockMaker</a:t>
-            </a:r>
-            <a:r>
-              <a:rPr lang="en-US"/>
-              <a:t> extension file.</a:t>
+          <a:bodyPr>
+            <a:normAutofit/>
+          </a:bodyPr>
+          <a:lstStyle/>
+          <a:p>
+            <a:pPr marL="0" indent="0">
+              <a:buNone/>
+            </a:pPr>
+            <a:r>
+              <a:rPr lang="en-US" sz="2000" dirty="0" err="1">
+                <a:latin typeface="Courier" pitchFamily="2" charset="0"/>
+              </a:rPr>
+              <a:t>assertEquals</a:t>
+            </a:r>
+            <a:r>
+              <a:rPr lang="en-US" sz="2000" dirty="0">
+                <a:latin typeface="Courier" pitchFamily="2" charset="0"/>
+              </a:rPr>
+              <a:t>("foo", new Foo().method());</a:t>
+            </a:r>
+          </a:p>
+          <a:p>
+            <a:pPr marL="0" indent="0">
+              <a:buNone/>
+            </a:pPr>
+            <a:r>
+              <a:rPr lang="en-US" sz="2000" dirty="0">
+                <a:latin typeface="Courier" pitchFamily="2" charset="0"/>
+              </a:rPr>
+              <a:t>try (</a:t>
+            </a:r>
+            <a:r>
+              <a:rPr lang="en-US" sz="2000" b="1" dirty="0" err="1">
+                <a:latin typeface="Courier" pitchFamily="2" charset="0"/>
+              </a:rPr>
+              <a:t>MockedConstruction</a:t>
+            </a:r>
+            <a:r>
+              <a:rPr lang="en-US" sz="2000" dirty="0">
+                <a:latin typeface="Courier" pitchFamily="2" charset="0"/>
+              </a:rPr>
+              <a:t> mocked = </a:t>
+            </a:r>
+            <a:r>
+              <a:rPr lang="en-US" sz="2000" b="1" dirty="0" err="1">
+                <a:latin typeface="Courier" pitchFamily="2" charset="0"/>
+              </a:rPr>
+              <a:t>mockConstruction</a:t>
+            </a:r>
+            <a:r>
+              <a:rPr lang="en-US" sz="2000" dirty="0">
+                <a:latin typeface="Courier" pitchFamily="2" charset="0"/>
+              </a:rPr>
+              <a:t>(</a:t>
+            </a:r>
+            <a:r>
+              <a:rPr lang="en-US" sz="2000" dirty="0" err="1">
+                <a:latin typeface="Courier" pitchFamily="2" charset="0"/>
+              </a:rPr>
+              <a:t>Foo.class</a:t>
+            </a:r>
+            <a:r>
+              <a:rPr lang="en-US" sz="2000" dirty="0">
+                <a:latin typeface="Courier" pitchFamily="2" charset="0"/>
+              </a:rPr>
+              <a:t>), </a:t>
+            </a:r>
+          </a:p>
+          <a:p>
+            <a:pPr marL="0" indent="0">
+              <a:buNone/>
+            </a:pPr>
+            <a:r>
+              <a:rPr lang="en-US" sz="2000" dirty="0">
+                <a:latin typeface="Courier" pitchFamily="2" charset="0"/>
+              </a:rPr>
+              <a:t>   (mock, context) -&gt; { when(</a:t>
+            </a:r>
+            <a:r>
+              <a:rPr lang="en-US" sz="2000" dirty="0" err="1">
+                <a:latin typeface="Courier" pitchFamily="2" charset="0"/>
+              </a:rPr>
+              <a:t>mock.method</a:t>
+            </a:r>
+            <a:r>
+              <a:rPr lang="en-US" sz="2000" dirty="0">
+                <a:latin typeface="Courier" pitchFamily="2" charset="0"/>
+              </a:rPr>
+              <a:t>()).</a:t>
+            </a:r>
+            <a:r>
+              <a:rPr lang="en-US" sz="2000" dirty="0" err="1">
+                <a:latin typeface="Courier" pitchFamily="2" charset="0"/>
+              </a:rPr>
+              <a:t>thenReturn</a:t>
+            </a:r>
+            <a:r>
+              <a:rPr lang="en-US" sz="2000" dirty="0">
+                <a:latin typeface="Courier" pitchFamily="2" charset="0"/>
+              </a:rPr>
+              <a:t>("bar"); }) {</a:t>
+            </a:r>
+          </a:p>
+          <a:p>
+            <a:pPr marL="0" indent="0">
+              <a:buNone/>
+            </a:pPr>
+            <a:r>
+              <a:rPr lang="en-US" sz="2000" dirty="0">
+                <a:latin typeface="Courier" pitchFamily="2" charset="0"/>
+              </a:rPr>
+              <a:t>   </a:t>
+            </a:r>
+            <a:r>
+              <a:rPr lang="en-US" sz="2000" dirty="0">
+                <a:solidFill>
+                  <a:schemeClr val="bg1">
+                    <a:lumMod val="50000"/>
+                  </a:schemeClr>
+                </a:solidFill>
+                <a:latin typeface="Courier" pitchFamily="2" charset="0"/>
+              </a:rPr>
+              <a:t>// Calling the constructor now creates a mock!</a:t>
+            </a:r>
+          </a:p>
+          <a:p>
+            <a:pPr marL="0" indent="0">
+              <a:buNone/>
+            </a:pPr>
+            <a:r>
+              <a:rPr lang="en-US" sz="2000" dirty="0">
+                <a:latin typeface="Courier" pitchFamily="2" charset="0"/>
+              </a:rPr>
+              <a:t>   Foo foo = new Foo();</a:t>
+            </a:r>
+          </a:p>
+          <a:p>
+            <a:pPr marL="0" indent="0">
+              <a:buNone/>
+            </a:pPr>
+            <a:r>
+              <a:rPr lang="en-US" sz="2000" dirty="0">
+                <a:latin typeface="Courier" pitchFamily="2" charset="0"/>
+              </a:rPr>
+              <a:t>   </a:t>
+            </a:r>
+            <a:r>
+              <a:rPr lang="en-US" sz="2000" dirty="0" err="1">
+                <a:latin typeface="Courier" pitchFamily="2" charset="0"/>
+              </a:rPr>
+              <a:t>assertEquals</a:t>
+            </a:r>
+            <a:r>
+              <a:rPr lang="en-US" sz="2000" dirty="0">
+                <a:latin typeface="Courier" pitchFamily="2" charset="0"/>
+              </a:rPr>
+              <a:t>("bar", </a:t>
+            </a:r>
+            <a:r>
+              <a:rPr lang="en-US" sz="2000" dirty="0" err="1">
+                <a:latin typeface="Courier" pitchFamily="2" charset="0"/>
+              </a:rPr>
+              <a:t>foo.method</a:t>
+            </a:r>
+            <a:r>
+              <a:rPr lang="en-US" sz="2000" dirty="0">
+                <a:latin typeface="Courier" pitchFamily="2" charset="0"/>
+              </a:rPr>
+              <a:t>());</a:t>
+            </a:r>
+          </a:p>
+          <a:p>
+            <a:pPr marL="0" indent="0">
+              <a:buNone/>
+            </a:pPr>
+            <a:r>
+              <a:rPr lang="en-US" sz="2000" dirty="0">
+                <a:latin typeface="Courier" pitchFamily="2" charset="0"/>
+              </a:rPr>
+              <a:t>   verify(foo).method();</a:t>
+            </a:r>
+          </a:p>
+          <a:p>
+            <a:pPr marL="0" indent="0">
+              <a:buNone/>
+            </a:pPr>
+            <a:r>
+              <a:rPr lang="en-US" sz="2000" dirty="0">
+                <a:latin typeface="Courier" pitchFamily="2" charset="0"/>
+              </a:rPr>
+              <a:t>}</a:t>
+            </a:r>
+          </a:p>
+          <a:p>
+            <a:pPr marL="0" indent="0">
+              <a:buNone/>
+            </a:pPr>
+            <a:r>
+              <a:rPr lang="en-US" sz="2000" dirty="0" err="1">
+                <a:latin typeface="Courier" pitchFamily="2" charset="0"/>
+              </a:rPr>
+              <a:t>assertEquals</a:t>
+            </a:r>
+            <a:r>
+              <a:rPr lang="en-US" sz="2000" dirty="0">
+                <a:latin typeface="Courier" pitchFamily="2" charset="0"/>
+              </a:rPr>
+              <a:t>("foo", new Foo().method());</a:t>
             </a:r>
           </a:p>
         </p:txBody>
@@ -4932,7 +4894,7 @@
     </p:spTree>
     <p:extLst>
       <p:ext uri="{BB962C8B-B14F-4D97-AF65-F5344CB8AC3E}">
-        <p14:creationId xmlns:p14="http://schemas.microsoft.com/office/powerpoint/2010/main" val="878151754"/>
+        <p14:creationId xmlns:p14="http://schemas.microsoft.com/office/powerpoint/2010/main" val="3395650808"/>
       </p:ext>
     </p:extLst>
   </p:cSld>
@@ -4980,7 +4942,19 @@
           <a:bodyPr/>
           <a:lstStyle/>
           <a:p>
-            <a:endParaRPr lang="en-US"/>
+            <a:r>
+              <a:rPr lang="en-US" dirty="0"/>
+              <a:t>Using the </a:t>
+            </a:r>
+            <a:r>
+              <a:rPr lang="en-US" dirty="0" err="1">
+                <a:latin typeface="Courier" pitchFamily="2" charset="0"/>
+              </a:rPr>
+              <a:t>InlineMockMaker</a:t>
+            </a:r>
+            <a:endParaRPr lang="en-US" dirty="0">
+              <a:latin typeface="Courier" pitchFamily="2" charset="0"/>
+            </a:endParaRPr>
           </a:p>
         </p:txBody>
       </p:sp>
@@ -5005,14 +4979,120 @@
           <a:bodyPr/>
           <a:lstStyle/>
           <a:p>
-            <a:endParaRPr lang="en-US"/>
+            <a:r>
+              <a:rPr lang="en-US" dirty="0"/>
+              <a:t>The </a:t>
+            </a:r>
+            <a:r>
+              <a:rPr lang="en-US" dirty="0" err="1">
+                <a:latin typeface="Courier" pitchFamily="2" charset="0"/>
+              </a:rPr>
+              <a:t>InlineMockMaker</a:t>
+            </a:r>
+            <a:r>
+              <a:rPr lang="en-US" dirty="0"/>
+              <a:t> is the </a:t>
+            </a:r>
+            <a:r>
+              <a:rPr lang="en-US" dirty="0" err="1"/>
+              <a:t>MockMaker</a:t>
+            </a:r>
+            <a:r>
+              <a:rPr lang="en-US" dirty="0"/>
+              <a:t> API implementation that provides static method and constructor mocking.</a:t>
+            </a:r>
+          </a:p>
+          <a:p>
+            <a:r>
+              <a:rPr lang="en-US" dirty="0"/>
+              <a:t>Some parts of the </a:t>
+            </a:r>
+            <a:r>
+              <a:rPr lang="en-US" dirty="0" err="1"/>
+              <a:t>MockMaker</a:t>
+            </a:r>
+            <a:r>
+              <a:rPr lang="en-US" dirty="0"/>
+              <a:t> API are experimental.</a:t>
+            </a:r>
+          </a:p>
+          <a:p>
+            <a:pPr lvl="1"/>
+            <a:r>
+              <a:rPr lang="en-US" dirty="0"/>
+              <a:t>Functionality is in the </a:t>
+            </a:r>
+            <a:r>
+              <a:rPr lang="en-US" b="1" dirty="0" err="1"/>
+              <a:t>mockito</a:t>
+            </a:r>
+            <a:r>
+              <a:rPr lang="en-US" b="1" dirty="0"/>
+              <a:t>-core</a:t>
+            </a:r>
+            <a:r>
+              <a:rPr lang="en-US" dirty="0"/>
+              <a:t> dependency artifact, but is turned off by default. Requires configuring the </a:t>
+            </a:r>
+            <a:r>
+              <a:rPr lang="en-US" dirty="0" err="1"/>
+              <a:t>MockMaker</a:t>
+            </a:r>
+            <a:r>
+              <a:rPr lang="en-US" dirty="0"/>
+              <a:t> extension file.</a:t>
+            </a:r>
+          </a:p>
+          <a:p>
+            <a:pPr lvl="1"/>
+            <a:r>
+              <a:rPr lang="en-US" dirty="0"/>
+              <a:t>The </a:t>
+            </a:r>
+            <a:r>
+              <a:rPr lang="en-US" b="1" dirty="0" err="1"/>
+              <a:t>mockito</a:t>
+            </a:r>
+            <a:r>
+              <a:rPr lang="en-US" b="1" dirty="0"/>
+              <a:t>-inline</a:t>
+            </a:r>
+            <a:r>
+              <a:rPr lang="en-US" dirty="0"/>
+              <a:t> dependency artifact preconfigures mock maker for inline mock making. Thus no need for the </a:t>
+            </a:r>
+            <a:r>
+              <a:rPr lang="en-US" dirty="0" err="1"/>
+              <a:t>MockMaker</a:t>
+            </a:r>
+            <a:r>
+              <a:rPr lang="en-US" dirty="0"/>
+              <a:t> extension file.</a:t>
+            </a:r>
+          </a:p>
+          <a:p>
+            <a:pPr lvl="1"/>
+            <a:r>
+              <a:rPr lang="en-US" dirty="0"/>
+              <a:t>See </a:t>
+            </a:r>
+            <a:r>
+              <a:rPr lang="en-US" dirty="0">
+                <a:hlinkClick r:id="rId2"/>
+              </a:rPr>
+              <a:t>https://javadoc.io/doc/org.mockito/mockito-core/latest/org/mockito/Mockito.html#39</a:t>
+            </a:r>
+            <a:r>
+              <a:rPr lang="en-US" dirty="0"/>
+              <a:t> for more information on incubating features.</a:t>
+            </a:r>
           </a:p>
         </p:txBody>
       </p:sp>
     </p:spTree>
     <p:extLst>
       <p:ext uri="{BB962C8B-B14F-4D97-AF65-F5344CB8AC3E}">
-        <p14:creationId xmlns:p14="http://schemas.microsoft.com/office/powerpoint/2010/main" val="2266184385"/>
+        <p14:creationId xmlns:p14="http://schemas.microsoft.com/office/powerpoint/2010/main" val="878151754"/>
       </p:ext>
     </p:extLst>
   </p:cSld>
@@ -5092,7 +5172,7 @@
     </p:spTree>
     <p:extLst>
       <p:ext uri="{BB962C8B-B14F-4D97-AF65-F5344CB8AC3E}">
-        <p14:creationId xmlns:p14="http://schemas.microsoft.com/office/powerpoint/2010/main" val="661189816"/>
+        <p14:creationId xmlns:p14="http://schemas.microsoft.com/office/powerpoint/2010/main" val="2266184385"/>
       </p:ext>
     </p:extLst>
   </p:cSld>
@@ -5172,7 +5252,7 @@
     </p:spTree>
     <p:extLst>
       <p:ext uri="{BB962C8B-B14F-4D97-AF65-F5344CB8AC3E}">
-        <p14:creationId xmlns:p14="http://schemas.microsoft.com/office/powerpoint/2010/main" val="794809592"/>
+        <p14:creationId xmlns:p14="http://schemas.microsoft.com/office/powerpoint/2010/main" val="661189816"/>
       </p:ext>
     </p:extLst>
   </p:cSld>
@@ -5252,7 +5332,7 @@
     </p:spTree>
     <p:extLst>
       <p:ext uri="{BB962C8B-B14F-4D97-AF65-F5344CB8AC3E}">
-        <p14:creationId xmlns:p14="http://schemas.microsoft.com/office/powerpoint/2010/main" val="208225179"/>
+        <p14:creationId xmlns:p14="http://schemas.microsoft.com/office/powerpoint/2010/main" val="794809592"/>
       </p:ext>
     </p:extLst>
   </p:cSld>
@@ -5449,7 +5529,7 @@
     </p:spTree>
     <p:extLst>
       <p:ext uri="{BB962C8B-B14F-4D97-AF65-F5344CB8AC3E}">
-        <p14:creationId xmlns:p14="http://schemas.microsoft.com/office/powerpoint/2010/main" val="2565634564"/>
+        <p14:creationId xmlns:p14="http://schemas.microsoft.com/office/powerpoint/2010/main" val="208225179"/>
       </p:ext>
     </p:extLst>
   </p:cSld>
@@ -5529,7 +5609,7 @@
     </p:spTree>
     <p:extLst>
       <p:ext uri="{BB962C8B-B14F-4D97-AF65-F5344CB8AC3E}">
-        <p14:creationId xmlns:p14="http://schemas.microsoft.com/office/powerpoint/2010/main" val="3567679444"/>
+        <p14:creationId xmlns:p14="http://schemas.microsoft.com/office/powerpoint/2010/main" val="2565634564"/>
       </p:ext>
     </p:extLst>
   </p:cSld>
@@ -5609,7 +5689,7 @@
     </p:spTree>
     <p:extLst>
       <p:ext uri="{BB962C8B-B14F-4D97-AF65-F5344CB8AC3E}">
-        <p14:creationId xmlns:p14="http://schemas.microsoft.com/office/powerpoint/2010/main" val="2412694539"/>
+        <p14:creationId xmlns:p14="http://schemas.microsoft.com/office/powerpoint/2010/main" val="3567679444"/>
       </p:ext>
     </p:extLst>
   </p:cSld>
@@ -5657,6 +5737,86 @@
           <a:bodyPr/>
           <a:lstStyle/>
           <a:p>
+            <a:endParaRPr lang="en-US"/>
+          </a:p>
+        </p:txBody>
+      </p:sp>
+      <p:sp>
+        <p:nvSpPr>
+          <p:cNvPr id="3" name="Content Placeholder 2">
+            <a:extLst>
+              <a:ext uri="{FF2B5EF4-FFF2-40B4-BE49-F238E27FC236}">
+                <a16:creationId xmlns:a16="http://schemas.microsoft.com/office/drawing/2014/main" id="{813F127E-461D-714F-B0A3-A39A056EAE55}"/>
+              </a:ext>
+            </a:extLst>
+          </p:cNvPr>
+          <p:cNvSpPr>
+            <a:spLocks noGrp="1"/>
+          </p:cNvSpPr>
+          <p:nvPr>
+            <p:ph idx="1"/>
+          </p:nvPr>
+        </p:nvSpPr>
+        <p:spPr/>
+        <p:txBody>
+          <a:bodyPr/>
+          <a:lstStyle/>
+          <a:p>
+            <a:endParaRPr lang="en-US"/>
+          </a:p>
+        </p:txBody>
+      </p:sp>
+    </p:spTree>
+    <p:extLst>
+      <p:ext uri="{BB962C8B-B14F-4D97-AF65-F5344CB8AC3E}">
+        <p14:creationId xmlns:p14="http://schemas.microsoft.com/office/powerpoint/2010/main" val="2412694539"/>
+      </p:ext>
+    </p:extLst>
+  </p:cSld>
+  <p:clrMapOvr>
+    <a:masterClrMapping/>
+  </p:clrMapOvr>
+</p:sld>
+</file>
+
+<file path=ppt/slides/slide24.xml><?xml version="1.0" encoding="utf-8"?>
+<p:sld xmlns:a="http://schemas.openxmlformats.org/drawingml/2006/main" xmlns:r="http://schemas.openxmlformats.org/officeDocument/2006/relationships" xmlns:p="http://schemas.openxmlformats.org/presentationml/2006/main">
+  <p:cSld>
+    <p:spTree>
+      <p:nvGrpSpPr>
+        <p:cNvPr id="1" name=""/>
+        <p:cNvGrpSpPr/>
+        <p:nvPr/>
+      </p:nvGrpSpPr>
+      <p:grpSpPr>
+        <a:xfrm>
+          <a:off x="0" y="0"/>
+          <a:ext cx="0" cy="0"/>
+          <a:chOff x="0" y="0"/>
+          <a:chExt cx="0" cy="0"/>
+        </a:xfrm>
+      </p:grpSpPr>
+      <p:sp>
+        <p:nvSpPr>
+          <p:cNvPr id="2" name="Title 1">
+            <a:extLst>
+              <a:ext uri="{FF2B5EF4-FFF2-40B4-BE49-F238E27FC236}">
+                <a16:creationId xmlns:a16="http://schemas.microsoft.com/office/drawing/2014/main" id="{EF948449-51E6-9148-82F6-455F26533FA8}"/>
+              </a:ext>
+            </a:extLst>
+          </p:cNvPr>
+          <p:cNvSpPr>
+            <a:spLocks noGrp="1"/>
+          </p:cNvSpPr>
+          <p:nvPr>
+            <p:ph type="title"/>
+          </p:nvPr>
+        </p:nvSpPr>
+        <p:spPr/>
+        <p:txBody>
+          <a:bodyPr/>
+          <a:lstStyle/>
+          <a:p>
             <a:r>
               <a:rPr lang="en-US" dirty="0"/>
               <a:t>Argument captors</a:t>
@@ -5719,7 +5879,7 @@
 </p:sld>
 </file>
 
-<file path=ppt/slides/slide24.xml><?xml version="1.0" encoding="utf-8"?>
+<file path=ppt/slides/slide25.xml><?xml version="1.0" encoding="utf-8"?>
 <p:sld xmlns:a="http://schemas.openxmlformats.org/drawingml/2006/main" xmlns:r="http://schemas.openxmlformats.org/officeDocument/2006/relationships" xmlns:p="http://schemas.openxmlformats.org/presentationml/2006/main">
   <p:cSld>
     <p:spTree>
@@ -6227,7 +6387,9 @@
         </p:nvSpPr>
         <p:spPr/>
         <p:txBody>
-          <a:bodyPr/>
+          <a:bodyPr>
+            <a:normAutofit lnSpcReduction="10000"/>
+          </a:bodyPr>
           <a:lstStyle/>
           <a:p>
             <a:r>
@@ -6242,13 +6404,88 @@
             </a:r>
             <a:r>
               <a:rPr lang="en-US" dirty="0"/>
-              <a:t>/</a:t>
+              <a:t>.</a:t>
+            </a:r>
+          </a:p>
+          <a:p>
+            <a:pPr lvl="1"/>
+            <a:r>
+              <a:rPr lang="en-US" dirty="0"/>
+              <a:t>Return a particular value (</a:t>
+            </a:r>
+            <a:r>
+              <a:rPr lang="en-US" dirty="0" err="1">
+                <a:latin typeface="Courier" pitchFamily="2" charset="0"/>
+              </a:rPr>
+              <a:t>thenReturn</a:t>
             </a:r>
             <a:r>
               <a:rPr lang="en-US" dirty="0">
                 <a:latin typeface="Courier" pitchFamily="2" charset="0"/>
               </a:rPr>
-              <a:t>given()</a:t>
+              <a:t>(…)</a:t>
+            </a:r>
+            <a:r>
+              <a:rPr lang="en-US" dirty="0"/>
+              <a:t>).</a:t>
+            </a:r>
+          </a:p>
+          <a:p>
+            <a:pPr lvl="1"/>
+            <a:r>
+              <a:rPr lang="en-US" dirty="0"/>
+              <a:t>Stub a void method (</a:t>
+            </a:r>
+            <a:r>
+              <a:rPr lang="en-US" dirty="0" err="1">
+                <a:latin typeface="Courier" pitchFamily="2" charset="0"/>
+              </a:rPr>
+              <a:t>doNothing</a:t>
+            </a:r>
+            <a:r>
+              <a:rPr lang="en-US" dirty="0">
+                <a:latin typeface="Courier" pitchFamily="2" charset="0"/>
+              </a:rPr>
+              <a:t>(…)</a:t>
+            </a:r>
+            <a:r>
+              <a:rPr lang="en-US" dirty="0"/>
+              <a:t>).</a:t>
+            </a:r>
+          </a:p>
+          <a:p>
+            <a:pPr lvl="1"/>
+            <a:r>
+              <a:rPr lang="en-US" dirty="0"/>
+              <a:t>Throw an exception (</a:t>
+            </a:r>
+            <a:r>
+              <a:rPr lang="en-US" dirty="0" err="1">
+                <a:latin typeface="Courier" pitchFamily="2" charset="0"/>
+              </a:rPr>
+              <a:t>thenThrow</a:t>
+            </a:r>
+            <a:r>
+              <a:rPr lang="en-US" dirty="0">
+                <a:latin typeface="Courier" pitchFamily="2" charset="0"/>
+              </a:rPr>
+              <a:t>(…)</a:t>
+            </a:r>
+            <a:r>
+              <a:rPr lang="en-US" dirty="0"/>
+              <a:t>).</a:t>
+            </a:r>
+          </a:p>
+          <a:p>
+            <a:r>
+              <a:rPr lang="en-US" dirty="0"/>
+              <a:t>Static import methods from </a:t>
+            </a:r>
+            <a:r>
+              <a:rPr lang="en-US" dirty="0" err="1">
+                <a:latin typeface="Courier" pitchFamily="2" charset="0"/>
+              </a:rPr>
+              <a:t>org.mockito.Mockito</a:t>
             </a:r>
             <a:r>
               <a:rPr lang="en-US" dirty="0"/>
@@ -6256,72 +6493,37 @@
             </a:r>
           </a:p>
           <a:p>
+            <a:r>
+              <a:rPr lang="en-US" dirty="0"/>
+              <a:t>Use argument matchers and captors to specify and optionally capture arguments to your mocked methods. </a:t>
+            </a:r>
+          </a:p>
+          <a:p>
             <a:pPr lvl="1"/>
             <a:r>
               <a:rPr lang="en-US" dirty="0"/>
-              <a:t>Return a particular value (</a:t>
-            </a:r>
-            <a:r>
-              <a:rPr lang="en-US" dirty="0" err="1">
-                <a:latin typeface="Courier" pitchFamily="2" charset="0"/>
-              </a:rPr>
-              <a:t>thenReturn</a:t>
-            </a:r>
-            <a:r>
-              <a:rPr lang="en-US" dirty="0">
-                <a:latin typeface="Courier" pitchFamily="2" charset="0"/>
-              </a:rPr>
-              <a:t>(…)</a:t>
-            </a:r>
-            <a:r>
-              <a:rPr lang="en-US" dirty="0"/>
-              <a:t>).</a:t>
+              <a:t>Known as </a:t>
+            </a:r>
+            <a:r>
+              <a:rPr lang="en-US" i="1" dirty="0"/>
+              <a:t>indirect outputs</a:t>
+            </a:r>
+            <a:r>
+              <a:rPr lang="en-US" dirty="0"/>
+              <a:t>. </a:t>
+            </a:r>
+          </a:p>
+          <a:p>
+            <a:r>
+              <a:rPr lang="en-US" dirty="0"/>
+              <a:t>Watch your parentheses when stubbing!</a:t>
             </a:r>
           </a:p>
           <a:p>
             <a:pPr lvl="1"/>
             <a:r>
               <a:rPr lang="en-US" dirty="0"/>
-              <a:t>Stub a void method (</a:t>
-            </a:r>
-            <a:r>
-              <a:rPr lang="en-US" dirty="0" err="1">
-                <a:latin typeface="Courier" pitchFamily="2" charset="0"/>
-              </a:rPr>
-              <a:t>doNothing</a:t>
-            </a:r>
-            <a:r>
-              <a:rPr lang="en-US" dirty="0">
-                <a:latin typeface="Courier" pitchFamily="2" charset="0"/>
-              </a:rPr>
-              <a:t>(…)</a:t>
-            </a:r>
-            <a:r>
-              <a:rPr lang="en-US" dirty="0"/>
-              <a:t>).</a:t>
-            </a:r>
-          </a:p>
-          <a:p>
-            <a:pPr lvl="1"/>
-            <a:r>
-              <a:rPr lang="en-US" dirty="0"/>
-              <a:t>Throw an exception (</a:t>
-            </a:r>
-            <a:r>
-              <a:rPr lang="en-US" dirty="0" err="1">
-                <a:latin typeface="Courier" pitchFamily="2" charset="0"/>
-              </a:rPr>
-              <a:t>thenThrow</a:t>
-            </a:r>
-            <a:r>
-              <a:rPr lang="en-US" dirty="0">
-                <a:latin typeface="Courier" pitchFamily="2" charset="0"/>
-              </a:rPr>
-              <a:t>(…)</a:t>
-            </a:r>
-            <a:r>
-              <a:rPr lang="en-US" dirty="0"/>
-              <a:t>).</a:t>
+              <a:t>Next slide will illuminate this.</a:t>
             </a:r>
           </a:p>
         </p:txBody>
@@ -6361,7 +6563,7 @@
           <p:cNvPr id="2" name="Title 1">
             <a:extLst>
               <a:ext uri="{FF2B5EF4-FFF2-40B4-BE49-F238E27FC236}">
-                <a16:creationId xmlns:a16="http://schemas.microsoft.com/office/drawing/2014/main" id="{3D8AD980-BEFA-BA45-BA79-2E3EE8AA0ECF}"/>
+                <a16:creationId xmlns:a16="http://schemas.microsoft.com/office/drawing/2014/main" id="{C0E24BC9-38CF-1B49-848E-7BDA29DDD09B}"/>
               </a:ext>
             </a:extLst>
           </p:cNvPr>
@@ -6379,7 +6581,7 @@
           <a:p>
             <a:r>
               <a:rPr lang="en-US" dirty="0"/>
-              <a:t>Interaction verification</a:t>
+              <a:t>Stubbing examples</a:t>
             </a:r>
           </a:p>
         </p:txBody>
@@ -6389,7 +6591,7 @@
           <p:cNvPr id="3" name="Content Placeholder 2">
             <a:extLst>
               <a:ext uri="{FF2B5EF4-FFF2-40B4-BE49-F238E27FC236}">
-                <a16:creationId xmlns:a16="http://schemas.microsoft.com/office/drawing/2014/main" id="{EFC440CD-5D93-D246-BC4D-08A4EE439B45}"/>
+                <a16:creationId xmlns:a16="http://schemas.microsoft.com/office/drawing/2014/main" id="{53C494FB-8491-714E-8542-A65028DB2AB2}"/>
               </a:ext>
             </a:extLst>
           </p:cNvPr>
@@ -6402,17 +6604,307 @@
         </p:nvSpPr>
         <p:spPr/>
         <p:txBody>
-          <a:bodyPr/>
-          <a:lstStyle/>
-          <a:p>
-            <a:endParaRPr lang="en-US"/>
+          <a:bodyPr>
+            <a:normAutofit/>
+          </a:bodyPr>
+          <a:lstStyle/>
+          <a:p>
+            <a:pPr marL="0" indent="0">
+              <a:buNone/>
+            </a:pPr>
+            <a:r>
+              <a:rPr lang="en-US" sz="2000" dirty="0">
+                <a:solidFill>
+                  <a:schemeClr val="bg1">
+                    <a:lumMod val="50000"/>
+                  </a:schemeClr>
+                </a:solidFill>
+                <a:latin typeface="Courier" pitchFamily="2" charset="0"/>
+              </a:rPr>
+              <a:t>// Return a value from a mocked method</a:t>
+            </a:r>
+            <a:br>
+              <a:rPr lang="en-US" sz="2000" dirty="0">
+                <a:latin typeface="Courier" pitchFamily="2" charset="0"/>
+              </a:rPr>
+            </a:br>
+            <a:r>
+              <a:rPr lang="en-US" sz="2000" dirty="0">
+                <a:latin typeface="Courier" pitchFamily="2" charset="0"/>
+              </a:rPr>
+              <a:t>when(</a:t>
+            </a:r>
+            <a:r>
+              <a:rPr lang="en-US" sz="2000" dirty="0" err="1">
+                <a:latin typeface="Courier" pitchFamily="2" charset="0"/>
+              </a:rPr>
+              <a:t>mock.getDescription</a:t>
+            </a:r>
+            <a:r>
+              <a:rPr lang="en-US" sz="2000" dirty="0">
+                <a:latin typeface="Courier" pitchFamily="2" charset="0"/>
+              </a:rPr>
+              <a:t>()).</a:t>
+            </a:r>
+            <a:r>
+              <a:rPr lang="en-US" sz="2000" dirty="0" err="1">
+                <a:latin typeface="Courier" pitchFamily="2" charset="0"/>
+              </a:rPr>
+              <a:t>thenReturn</a:t>
+            </a:r>
+            <a:r>
+              <a:rPr lang="en-US" sz="2000" dirty="0">
+                <a:latin typeface="Courier" pitchFamily="2" charset="0"/>
+              </a:rPr>
+              <a:t>("</a:t>
+            </a:r>
+            <a:r>
+              <a:rPr lang="en-US" sz="2000" dirty="0" err="1">
+                <a:latin typeface="Courier" pitchFamily="2" charset="0"/>
+              </a:rPr>
+              <a:t>foobar</a:t>
+            </a:r>
+            <a:r>
+              <a:rPr lang="en-US" sz="2000" dirty="0">
+                <a:latin typeface="Courier" pitchFamily="2" charset="0"/>
+              </a:rPr>
+              <a:t> description");</a:t>
+            </a:r>
+            <a:br>
+              <a:rPr lang="en-US" sz="2000" dirty="0">
+                <a:latin typeface="Courier" pitchFamily="2" charset="0"/>
+              </a:rPr>
+            </a:br>
+            <a:br>
+              <a:rPr lang="en-US" sz="2000" dirty="0">
+                <a:latin typeface="Courier" pitchFamily="2" charset="0"/>
+              </a:rPr>
+            </a:br>
+            <a:r>
+              <a:rPr lang="en-US" sz="2000" dirty="0">
+                <a:solidFill>
+                  <a:schemeClr val="bg1">
+                    <a:lumMod val="50000"/>
+                  </a:schemeClr>
+                </a:solidFill>
+                <a:latin typeface="Courier" pitchFamily="2" charset="0"/>
+              </a:rPr>
+              <a:t>// Throw an exception from a mocked method</a:t>
+            </a:r>
+            <a:br>
+              <a:rPr lang="en-US" sz="2000" dirty="0">
+                <a:latin typeface="Courier" pitchFamily="2" charset="0"/>
+              </a:rPr>
+            </a:br>
+            <a:r>
+              <a:rPr lang="en-US" sz="2000" dirty="0">
+                <a:latin typeface="Courier" pitchFamily="2" charset="0"/>
+              </a:rPr>
+              <a:t>when(</a:t>
+            </a:r>
+            <a:r>
+              <a:rPr lang="en-US" sz="2000" dirty="0" err="1">
+                <a:latin typeface="Courier" pitchFamily="2" charset="0"/>
+              </a:rPr>
+              <a:t>mock.doAction</a:t>
+            </a:r>
+            <a:r>
+              <a:rPr lang="en-US" sz="2000" dirty="0">
+                <a:latin typeface="Courier" pitchFamily="2" charset="0"/>
+              </a:rPr>
+              <a:t>()).</a:t>
+            </a:r>
+            <a:r>
+              <a:rPr lang="en-US" sz="2000" dirty="0" err="1">
+                <a:latin typeface="Courier" pitchFamily="2" charset="0"/>
+              </a:rPr>
+              <a:t>thenThrow</a:t>
+            </a:r>
+            <a:r>
+              <a:rPr lang="en-US" sz="2000" dirty="0">
+                <a:latin typeface="Courier" pitchFamily="2" charset="0"/>
+              </a:rPr>
+              <a:t>(new </a:t>
+            </a:r>
+            <a:r>
+              <a:rPr lang="en-US" sz="2000" dirty="0" err="1">
+                <a:latin typeface="Courier" pitchFamily="2" charset="0"/>
+              </a:rPr>
+              <a:t>ServiceException</a:t>
+            </a:r>
+            <a:r>
+              <a:rPr lang="en-US" sz="2000" dirty="0">
+                <a:latin typeface="Courier" pitchFamily="2" charset="0"/>
+              </a:rPr>
+              <a:t>("test"));</a:t>
+            </a:r>
+            <a:br>
+              <a:rPr lang="en-US" sz="2000" dirty="0">
+                <a:latin typeface="Courier" pitchFamily="2" charset="0"/>
+              </a:rPr>
+            </a:br>
+            <a:endParaRPr lang="en-US" sz="2000" dirty="0">
+              <a:latin typeface="Courier" pitchFamily="2" charset="0"/>
+            </a:endParaRPr>
+          </a:p>
+          <a:p>
+            <a:pPr marL="0" indent="0">
+              <a:buNone/>
+            </a:pPr>
+            <a:r>
+              <a:rPr lang="en-US" sz="2000" dirty="0">
+                <a:solidFill>
+                  <a:schemeClr val="bg1">
+                    <a:lumMod val="50000"/>
+                  </a:schemeClr>
+                </a:solidFill>
+                <a:latin typeface="Courier" pitchFamily="2" charset="0"/>
+              </a:rPr>
+              <a:t>// Stub a void mocked method</a:t>
+            </a:r>
+            <a:br>
+              <a:rPr lang="en-US" sz="2000" dirty="0">
+                <a:latin typeface="Courier" pitchFamily="2" charset="0"/>
+              </a:rPr>
+            </a:br>
+            <a:r>
+              <a:rPr lang="en-US" sz="2000" dirty="0" err="1">
+                <a:latin typeface="Courier" pitchFamily="2" charset="0"/>
+              </a:rPr>
+              <a:t>doNothing</a:t>
+            </a:r>
+            <a:r>
+              <a:rPr lang="en-US" sz="2000" dirty="0">
+                <a:latin typeface="Courier" pitchFamily="2" charset="0"/>
+              </a:rPr>
+              <a:t>().when(mock).</a:t>
+            </a:r>
+            <a:r>
+              <a:rPr lang="en-US" sz="2000" dirty="0" err="1">
+                <a:latin typeface="Courier" pitchFamily="2" charset="0"/>
+              </a:rPr>
+              <a:t>doVoidAction</a:t>
+            </a:r>
+            <a:r>
+              <a:rPr lang="en-US" sz="2000" dirty="0">
+                <a:latin typeface="Courier" pitchFamily="2" charset="0"/>
+              </a:rPr>
+              <a:t>();</a:t>
+            </a:r>
+            <a:br>
+              <a:rPr lang="en-US" sz="2000" dirty="0">
+                <a:latin typeface="Courier" pitchFamily="2" charset="0"/>
+              </a:rPr>
+            </a:br>
+            <a:endParaRPr lang="en-US" sz="2000" dirty="0">
+              <a:latin typeface="Courier" pitchFamily="2" charset="0"/>
+            </a:endParaRPr>
+          </a:p>
+          <a:p>
+            <a:pPr marL="0" indent="0">
+              <a:buNone/>
+            </a:pPr>
+            <a:r>
+              <a:rPr lang="en-US" sz="2000" dirty="0">
+                <a:solidFill>
+                  <a:schemeClr val="bg1">
+                    <a:lumMod val="50000"/>
+                  </a:schemeClr>
+                </a:solidFill>
+                <a:latin typeface="Courier" pitchFamily="2" charset="0"/>
+              </a:rPr>
+              <a:t>// Throw an exception from a void mocked method</a:t>
+            </a:r>
+            <a:br>
+              <a:rPr lang="en-US" sz="2000" dirty="0">
+                <a:latin typeface="Courier" pitchFamily="2" charset="0"/>
+              </a:rPr>
+            </a:br>
+            <a:r>
+              <a:rPr lang="en-US" sz="2000" dirty="0" err="1">
+                <a:latin typeface="Courier" pitchFamily="2" charset="0"/>
+              </a:rPr>
+              <a:t>doNothing</a:t>
+            </a:r>
+            <a:r>
+              <a:rPr lang="en-US" sz="2000" dirty="0">
+                <a:latin typeface="Courier" pitchFamily="2" charset="0"/>
+              </a:rPr>
+              <a:t>()</a:t>
+            </a:r>
+            <a:br>
+              <a:rPr lang="en-US" sz="2000" dirty="0">
+                <a:latin typeface="Courier" pitchFamily="2" charset="0"/>
+              </a:rPr>
+            </a:br>
+            <a:r>
+              <a:rPr lang="en-US" sz="2000" dirty="0">
+                <a:latin typeface="Courier" pitchFamily="2" charset="0"/>
+              </a:rPr>
+              <a:t>   .</a:t>
+            </a:r>
+            <a:r>
+              <a:rPr lang="en-US" sz="2000" dirty="0" err="1">
+                <a:latin typeface="Courier" pitchFamily="2" charset="0"/>
+              </a:rPr>
+              <a:t>doThrow</a:t>
+            </a:r>
+            <a:r>
+              <a:rPr lang="en-US" sz="2000" dirty="0">
+                <a:latin typeface="Courier" pitchFamily="2" charset="0"/>
+              </a:rPr>
+              <a:t>(new </a:t>
+            </a:r>
+            <a:r>
+              <a:rPr lang="en-US" sz="2000" dirty="0" err="1">
+                <a:latin typeface="Courier" pitchFamily="2" charset="0"/>
+              </a:rPr>
+              <a:t>RuntimeException</a:t>
+            </a:r>
+            <a:r>
+              <a:rPr lang="en-US" sz="2000" dirty="0">
+                <a:latin typeface="Courier" pitchFamily="2" charset="0"/>
+              </a:rPr>
+              <a:t>())</a:t>
+            </a:r>
+            <a:br>
+              <a:rPr lang="en-US" sz="2000" dirty="0">
+                <a:latin typeface="Courier" pitchFamily="2" charset="0"/>
+              </a:rPr>
+            </a:br>
+            <a:r>
+              <a:rPr lang="en-US" sz="2000" dirty="0">
+                <a:latin typeface="Courier" pitchFamily="2" charset="0"/>
+              </a:rPr>
+              <a:t>   .when(mock).</a:t>
+            </a:r>
+            <a:r>
+              <a:rPr lang="en-US" sz="2000" dirty="0" err="1">
+                <a:latin typeface="Courier" pitchFamily="2" charset="0"/>
+              </a:rPr>
+              <a:t>doVoidAction</a:t>
+            </a:r>
+            <a:r>
+              <a:rPr lang="en-US" sz="2000" dirty="0">
+                <a:latin typeface="Courier" pitchFamily="2" charset="0"/>
+              </a:rPr>
+              <a:t>();</a:t>
+            </a:r>
+            <a:br>
+              <a:rPr lang="en-US" sz="2000" dirty="0">
+                <a:latin typeface="Courier" pitchFamily="2" charset="0"/>
+              </a:rPr>
+            </a:br>
+            <a:endParaRPr lang="en-US" sz="2000" dirty="0">
+              <a:latin typeface="Courier" pitchFamily="2" charset="0"/>
+            </a:endParaRPr>
           </a:p>
         </p:txBody>
       </p:sp>
     </p:spTree>
     <p:extLst>
       <p:ext uri="{BB962C8B-B14F-4D97-AF65-F5344CB8AC3E}">
-        <p14:creationId xmlns:p14="http://schemas.microsoft.com/office/powerpoint/2010/main" val="3033223310"/>
+        <p14:creationId xmlns:p14="http://schemas.microsoft.com/office/powerpoint/2010/main" val="3998447972"/>
       </p:ext>
     </p:extLst>
   </p:cSld>
@@ -6444,7 +6936,7 @@
           <p:cNvPr id="2" name="Title 1">
             <a:extLst>
               <a:ext uri="{FF2B5EF4-FFF2-40B4-BE49-F238E27FC236}">
-                <a16:creationId xmlns:a16="http://schemas.microsoft.com/office/drawing/2014/main" id="{0721C84B-4C4A-C94C-8F18-7F1C16D2A1F4}"/>
+                <a16:creationId xmlns:a16="http://schemas.microsoft.com/office/drawing/2014/main" id="{3D8AD980-BEFA-BA45-BA79-2E3EE8AA0ECF}"/>
               </a:ext>
             </a:extLst>
           </p:cNvPr>
@@ -6462,7 +6954,7 @@
           <a:p>
             <a:r>
               <a:rPr lang="en-US" dirty="0"/>
-              <a:t>Basic stubbing with when/given</a:t>
+              <a:t>Interaction verification</a:t>
             </a:r>
           </a:p>
         </p:txBody>
@@ -6472,7 +6964,7 @@
           <p:cNvPr id="3" name="Content Placeholder 2">
             <a:extLst>
               <a:ext uri="{FF2B5EF4-FFF2-40B4-BE49-F238E27FC236}">
-                <a16:creationId xmlns:a16="http://schemas.microsoft.com/office/drawing/2014/main" id="{145FAC0A-9F40-C942-9675-DED9A8D58FF7}"/>
+                <a16:creationId xmlns:a16="http://schemas.microsoft.com/office/drawing/2014/main" id="{EFC440CD-5D93-D246-BC4D-08A4EE439B45}"/>
               </a:ext>
             </a:extLst>
           </p:cNvPr>
@@ -6490,13 +6982,46 @@
           <a:p>
             <a:r>
               <a:rPr lang="en-US" dirty="0"/>
-              <a:t>Stubs a mocked method to answer appropriately.</a:t>
-            </a:r>
-          </a:p>
-          <a:p>
-            <a:r>
-              <a:rPr lang="en-US" dirty="0"/>
-              <a:t>Optional if you want to verify the interaction with the mocked method after executing the SUT.</a:t>
+              <a:t>Verify that an invocation interaction occurred on your mock when the SUT was invoked.</a:t>
+            </a:r>
+          </a:p>
+          <a:p>
+            <a:r>
+              <a:rPr lang="en-US" dirty="0"/>
+              <a:t>Uses the </a:t>
+            </a:r>
+            <a:r>
+              <a:rPr lang="en-US" dirty="0">
+                <a:latin typeface="Courier" pitchFamily="2" charset="0"/>
+              </a:rPr>
+              <a:t>verify()</a:t>
+            </a:r>
+            <a:r>
+              <a:rPr lang="en-US" dirty="0"/>
+              <a:t> method.</a:t>
+            </a:r>
+          </a:p>
+          <a:p>
+            <a:pPr lvl="1"/>
+            <a:r>
+              <a:rPr lang="en-US" dirty="0"/>
+              <a:t>Static import this method from </a:t>
+            </a:r>
+            <a:r>
+              <a:rPr lang="en-US" dirty="0" err="1">
+                <a:latin typeface="Courier" pitchFamily="2" charset="0"/>
+              </a:rPr>
+              <a:t>org.mockito.Mockito</a:t>
+            </a:r>
+            <a:r>
+              <a:rPr lang="en-US" dirty="0"/>
+              <a:t>.</a:t>
+            </a:r>
+          </a:p>
+          <a:p>
+            <a:r>
+              <a:rPr lang="en-US" dirty="0"/>
+              <a:t>Use argument matchers and captors to specify and optionally capture arguments to your mocked methods.</a:t>
             </a:r>
           </a:p>
         </p:txBody>
@@ -6504,7 +7029,7 @@
     </p:spTree>
     <p:extLst>
       <p:ext uri="{BB962C8B-B14F-4D97-AF65-F5344CB8AC3E}">
-        <p14:creationId xmlns:p14="http://schemas.microsoft.com/office/powerpoint/2010/main" val="3851587936"/>
+        <p14:creationId xmlns:p14="http://schemas.microsoft.com/office/powerpoint/2010/main" val="3033223310"/>
       </p:ext>
     </p:extLst>
   </p:cSld>
@@ -6536,7 +7061,7 @@
           <p:cNvPr id="2" name="Title 1">
             <a:extLst>
               <a:ext uri="{FF2B5EF4-FFF2-40B4-BE49-F238E27FC236}">
-                <a16:creationId xmlns:a16="http://schemas.microsoft.com/office/drawing/2014/main" id="{6688E45D-F628-8645-A697-A5AB3C49D43E}"/>
+                <a16:creationId xmlns:a16="http://schemas.microsoft.com/office/drawing/2014/main" id="{C0E24BC9-38CF-1B49-848E-7BDA29DDD09B}"/>
               </a:ext>
             </a:extLst>
           </p:cNvPr>
@@ -6554,13 +7079,8 @@
           <a:p>
             <a:r>
               <a:rPr lang="en-US" dirty="0"/>
-              <a:t>Stubbing void methods with </a:t>
-            </a:r>
-            <a:r>
-              <a:rPr lang="en-US" dirty="0" err="1"/>
-              <a:t>doNothing</a:t>
-            </a:r>
-            <a:endParaRPr lang="en-US" dirty="0"/>
+              <a:t>Interaction verification examples</a:t>
+            </a:r>
           </a:p>
         </p:txBody>
       </p:sp>
@@ -6569,7 +7089,7 @@
           <p:cNvPr id="3" name="Content Placeholder 2">
             <a:extLst>
               <a:ext uri="{FF2B5EF4-FFF2-40B4-BE49-F238E27FC236}">
-                <a16:creationId xmlns:a16="http://schemas.microsoft.com/office/drawing/2014/main" id="{1D69E12E-1526-4E4E-BEED-451B24A2F5D3}"/>
+                <a16:creationId xmlns:a16="http://schemas.microsoft.com/office/drawing/2014/main" id="{53C494FB-8491-714E-8542-A65028DB2AB2}"/>
               </a:ext>
             </a:extLst>
           </p:cNvPr>
@@ -6582,17 +7102,161 @@
         </p:nvSpPr>
         <p:spPr/>
         <p:txBody>
-          <a:bodyPr/>
-          <a:lstStyle/>
-          <a:p>
-            <a:endParaRPr lang="en-US"/>
+          <a:bodyPr>
+            <a:normAutofit/>
+          </a:bodyPr>
+          <a:lstStyle/>
+          <a:p>
+            <a:pPr marL="0" indent="0">
+              <a:buNone/>
+            </a:pPr>
+            <a:r>
+              <a:rPr lang="en-US" sz="2000" dirty="0">
+                <a:solidFill>
+                  <a:schemeClr val="bg1">
+                    <a:lumMod val="50000"/>
+                  </a:schemeClr>
+                </a:solidFill>
+                <a:latin typeface="Courier" pitchFamily="2" charset="0"/>
+              </a:rPr>
+              <a:t>// Verify a no-</a:t>
+            </a:r>
+            <a:r>
+              <a:rPr lang="en-US" sz="2000" dirty="0" err="1">
+                <a:solidFill>
+                  <a:schemeClr val="bg1">
+                    <a:lumMod val="50000"/>
+                  </a:schemeClr>
+                </a:solidFill>
+                <a:latin typeface="Courier" pitchFamily="2" charset="0"/>
+              </a:rPr>
+              <a:t>arg</a:t>
+            </a:r>
+            <a:r>
+              <a:rPr lang="en-US" sz="2000" dirty="0">
+                <a:solidFill>
+                  <a:schemeClr val="bg1">
+                    <a:lumMod val="50000"/>
+                  </a:schemeClr>
+                </a:solidFill>
+                <a:latin typeface="Courier" pitchFamily="2" charset="0"/>
+              </a:rPr>
+              <a:t> mocked method was invoked</a:t>
+            </a:r>
+            <a:br>
+              <a:rPr lang="en-US" sz="2000" dirty="0">
+                <a:latin typeface="Courier" pitchFamily="2" charset="0"/>
+              </a:rPr>
+            </a:br>
+            <a:r>
+              <a:rPr lang="en-US" sz="2000" dirty="0">
+                <a:latin typeface="Courier" pitchFamily="2" charset="0"/>
+              </a:rPr>
+              <a:t>verify(mock).</a:t>
+            </a:r>
+            <a:r>
+              <a:rPr lang="en-US" sz="2000" dirty="0" err="1">
+                <a:latin typeface="Courier" pitchFamily="2" charset="0"/>
+              </a:rPr>
+              <a:t>getDescription</a:t>
+            </a:r>
+            <a:r>
+              <a:rPr lang="en-US" sz="2000" dirty="0">
+                <a:latin typeface="Courier" pitchFamily="2" charset="0"/>
+              </a:rPr>
+              <a:t>();</a:t>
+            </a:r>
+            <a:br>
+              <a:rPr lang="en-US" sz="2000" dirty="0">
+                <a:latin typeface="Courier" pitchFamily="2" charset="0"/>
+              </a:rPr>
+            </a:br>
+            <a:br>
+              <a:rPr lang="en-US" sz="2000" dirty="0">
+                <a:latin typeface="Courier" pitchFamily="2" charset="0"/>
+              </a:rPr>
+            </a:br>
+            <a:r>
+              <a:rPr lang="en-US" sz="2000" dirty="0">
+                <a:solidFill>
+                  <a:schemeClr val="bg1">
+                    <a:lumMod val="50000"/>
+                  </a:schemeClr>
+                </a:solidFill>
+                <a:latin typeface="Courier" pitchFamily="2" charset="0"/>
+              </a:rPr>
+              <a:t>// Verify a mocked method with arguments was invoked</a:t>
+            </a:r>
+            <a:br>
+              <a:rPr lang="en-US" sz="2000" dirty="0">
+                <a:latin typeface="Courier" pitchFamily="2" charset="0"/>
+              </a:rPr>
+            </a:br>
+            <a:r>
+              <a:rPr lang="en-US" sz="2000" dirty="0">
+                <a:latin typeface="Courier" pitchFamily="2" charset="0"/>
+              </a:rPr>
+              <a:t>verify(mock).</a:t>
+            </a:r>
+            <a:r>
+              <a:rPr lang="en-US" sz="2000" dirty="0" err="1">
+                <a:latin typeface="Courier" pitchFamily="2" charset="0"/>
+              </a:rPr>
+              <a:t>doAction</a:t>
+            </a:r>
+            <a:r>
+              <a:rPr lang="en-US" sz="2000" dirty="0">
+                <a:latin typeface="Courier" pitchFamily="2" charset="0"/>
+              </a:rPr>
+              <a:t>(eq(</a:t>
+            </a:r>
+            <a:r>
+              <a:rPr lang="en-US" sz="2000" dirty="0" err="1">
+                <a:latin typeface="Courier" pitchFamily="2" charset="0"/>
+              </a:rPr>
+              <a:t>expectedId</a:t>
+            </a:r>
+            <a:r>
+              <a:rPr lang="en-US" sz="2000" dirty="0">
+                <a:latin typeface="Courier" pitchFamily="2" charset="0"/>
+              </a:rPr>
+              <a:t>), </a:t>
+            </a:r>
+            <a:r>
+              <a:rPr lang="en-US" sz="2000" dirty="0" err="1">
+                <a:latin typeface="Courier" pitchFamily="2" charset="0"/>
+              </a:rPr>
+              <a:t>anyString</a:t>
+            </a:r>
+            <a:r>
+              <a:rPr lang="en-US" sz="2000" dirty="0">
+                <a:latin typeface="Courier" pitchFamily="2" charset="0"/>
+              </a:rPr>
+              <a:t>());</a:t>
+            </a:r>
+            <a:br>
+              <a:rPr lang="en-US" sz="2000" dirty="0">
+                <a:latin typeface="Courier" pitchFamily="2" charset="0"/>
+              </a:rPr>
+            </a:br>
+            <a:endParaRPr lang="en-US" sz="2000" dirty="0">
+              <a:latin typeface="Courier" pitchFamily="2" charset="0"/>
+            </a:endParaRPr>
+          </a:p>
+          <a:p>
+            <a:pPr marL="0" indent="0">
+              <a:buNone/>
+            </a:pPr>
+            <a:endParaRPr lang="en-US" sz="2000" dirty="0">
+              <a:latin typeface="Courier" pitchFamily="2" charset="0"/>
+            </a:endParaRPr>
           </a:p>
         </p:txBody>
       </p:sp>
     </p:spTree>
     <p:extLst>
       <p:ext uri="{BB962C8B-B14F-4D97-AF65-F5344CB8AC3E}">
-        <p14:creationId xmlns:p14="http://schemas.microsoft.com/office/powerpoint/2010/main" val="1080240343"/>
+        <p14:creationId xmlns:p14="http://schemas.microsoft.com/office/powerpoint/2010/main" val="79877603"/>
       </p:ext>
     </p:extLst>
   </p:cSld>
@@ -6624,7 +7288,7 @@
           <p:cNvPr id="2" name="Title 1">
             <a:extLst>
               <a:ext uri="{FF2B5EF4-FFF2-40B4-BE49-F238E27FC236}">
-                <a16:creationId xmlns:a16="http://schemas.microsoft.com/office/drawing/2014/main" id="{86C860B7-32F1-AE46-8944-4BDA7C647312}"/>
+                <a16:creationId xmlns:a16="http://schemas.microsoft.com/office/drawing/2014/main" id="{74B85E77-AF39-2144-A35E-B526D343AAED}"/>
               </a:ext>
             </a:extLst>
           </p:cNvPr>
@@ -6642,7 +7306,7 @@
           <a:p>
             <a:r>
               <a:rPr lang="en-US" dirty="0"/>
-              <a:t>Spies</a:t>
+              <a:t>Argument matchers</a:t>
             </a:r>
           </a:p>
         </p:txBody>
@@ -6652,7 +7316,7 @@
           <p:cNvPr id="3" name="Content Placeholder 2">
             <a:extLst>
               <a:ext uri="{FF2B5EF4-FFF2-40B4-BE49-F238E27FC236}">
-                <a16:creationId xmlns:a16="http://schemas.microsoft.com/office/drawing/2014/main" id="{52E68A71-BC17-5D4F-BC93-8B7E374EBDDC}"/>
+                <a16:creationId xmlns:a16="http://schemas.microsoft.com/office/drawing/2014/main" id="{83A11ECB-9E8F-3B4E-8A18-FDA955235DC2}"/>
               </a:ext>
             </a:extLst>
           </p:cNvPr>
@@ -6665,64 +7329,156 @@
         </p:nvSpPr>
         <p:spPr/>
         <p:txBody>
-          <a:bodyPr/>
-          <a:lstStyle/>
-          <a:p>
-            <a:r>
-              <a:rPr lang="en-US" dirty="0"/>
-              <a:t>Allows partial mocking.</a:t>
-            </a:r>
-          </a:p>
-          <a:p>
-            <a:r>
-              <a:rPr lang="en-US" dirty="0"/>
-              <a:t>Use </a:t>
+          <a:bodyPr>
+            <a:normAutofit/>
+          </a:bodyPr>
+          <a:lstStyle/>
+          <a:p>
+            <a:r>
+              <a:rPr lang="en-US" dirty="0"/>
+              <a:t>Method arguments are specified when stubbing and verifying interactions.</a:t>
+            </a:r>
+          </a:p>
+          <a:p>
+            <a:r>
+              <a:rPr lang="en-US" dirty="0"/>
+              <a:t>Mockito provides a set of argument matchers for verifying argument values.</a:t>
+            </a:r>
+          </a:p>
+          <a:p>
+            <a:r>
+              <a:rPr lang="en-US" dirty="0"/>
+              <a:t>Short-hand equal matcher just specifies the value to verify with.</a:t>
+            </a:r>
+          </a:p>
+          <a:p>
+            <a:pPr lvl="1"/>
+            <a:r>
+              <a:rPr lang="en-US" dirty="0"/>
+              <a:t>If using argument matchers, </a:t>
+            </a:r>
+            <a:r>
+              <a:rPr lang="en-US" b="1" dirty="0"/>
+              <a:t>all arguments</a:t>
+            </a:r>
+            <a:r>
+              <a:rPr lang="en-US" dirty="0"/>
+              <a:t> must be provided by argument matchers, including </a:t>
             </a:r>
             <a:r>
               <a:rPr lang="en-US" dirty="0">
                 <a:latin typeface="Courier" pitchFamily="2" charset="0"/>
               </a:rPr>
-              <a:t>@Spy</a:t>
-            </a:r>
-            <a:r>
-              <a:rPr lang="en-US" dirty="0"/>
-              <a:t> or </a:t>
+              <a:t>eq()</a:t>
+            </a:r>
+            <a:r>
+              <a:rPr lang="en-US" dirty="0"/>
+              <a:t>. </a:t>
+            </a:r>
+          </a:p>
+          <a:p>
+            <a:r>
+              <a:rPr lang="en-US" dirty="0"/>
+              <a:t>Loose vs. strict argument matching</a:t>
+            </a:r>
+          </a:p>
+          <a:p>
+            <a:pPr lvl="1"/>
+            <a:r>
+              <a:rPr lang="en-US" dirty="0" err="1">
+                <a:latin typeface="Courier" pitchFamily="2" charset="0"/>
+              </a:rPr>
+              <a:t>anyString</a:t>
             </a:r>
             <a:r>
               <a:rPr lang="en-US" dirty="0">
                 <a:latin typeface="Courier" pitchFamily="2" charset="0"/>
               </a:rPr>
-              <a:t>spy()</a:t>
-            </a:r>
-            <a:r>
-              <a:rPr lang="en-US" dirty="0"/>
-              <a:t> to create a spy.</a:t>
-            </a:r>
+              <a:t>()</a:t>
+            </a:r>
+            <a:r>
+              <a:rPr lang="en-US" dirty="0"/>
+              <a:t>, </a:t>
+            </a:r>
+            <a:r>
+              <a:rPr lang="en-US" dirty="0" err="1">
+                <a:latin typeface="Courier" pitchFamily="2" charset="0"/>
+              </a:rPr>
+              <a:t>anyObject</a:t>
+            </a:r>
+            <a:r>
+              <a:rPr lang="en-US" dirty="0">
+                <a:latin typeface="Courier" pitchFamily="2" charset="0"/>
+              </a:rPr>
+              <a:t>()</a:t>
+            </a:r>
+            <a:r>
+              <a:rPr lang="en-US" dirty="0"/>
+              <a:t>, </a:t>
+            </a:r>
+            <a:r>
+              <a:rPr lang="en-US" dirty="0" err="1">
+                <a:latin typeface="Courier" pitchFamily="2" charset="0"/>
+              </a:rPr>
+              <a:t>anyInt</a:t>
+            </a:r>
+            <a:r>
+              <a:rPr lang="en-US" dirty="0">
+                <a:latin typeface="Courier" pitchFamily="2" charset="0"/>
+              </a:rPr>
+              <a:t>()</a:t>
+            </a:r>
+            <a:r>
+              <a:rPr lang="en-US" dirty="0"/>
+              <a:t>, </a:t>
+            </a:r>
+            <a:r>
+              <a:rPr lang="en-US" dirty="0">
+                <a:latin typeface="Courier" pitchFamily="2" charset="0"/>
+              </a:rPr>
+              <a:t>any(</a:t>
+            </a:r>
+            <a:r>
+              <a:rPr lang="en-US">
+                <a:latin typeface="Courier" pitchFamily="2" charset="0"/>
+              </a:rPr>
+              <a:t>Class)</a:t>
+            </a:r>
+            <a:r>
+              <a:rPr lang="en-US"/>
+              <a:t>, others</a:t>
+            </a:r>
+            <a:endParaRPr lang="en-US" dirty="0">
+              <a:latin typeface="Courier" pitchFamily="2" charset="0"/>
+            </a:endParaRPr>
           </a:p>
           <a:p>
             <a:pPr lvl="1"/>
             <a:r>
-              <a:rPr lang="en-US" dirty="0"/>
-              <a:t>Use abstract classes or real object instances.</a:t>
-            </a:r>
-          </a:p>
-          <a:p>
-            <a:r>
-              <a:rPr lang="en-US" dirty="0"/>
-              <a:t>Real methods are called when using spies.</a:t>
-            </a:r>
-          </a:p>
-          <a:p>
-            <a:pPr lvl="1"/>
-            <a:r>
-              <a:rPr lang="en-US" dirty="0"/>
-              <a:t>Unless method was previously stubbed.</a:t>
-            </a:r>
-          </a:p>
-          <a:p>
-            <a:r>
-              <a:rPr lang="en-US" dirty="0"/>
-              <a:t>Spied methods can have interactions on them verified.</a:t>
+              <a:rPr lang="en-US" dirty="0">
+                <a:latin typeface="Courier" pitchFamily="2" charset="0"/>
+              </a:rPr>
+              <a:t>eq()</a:t>
+            </a:r>
+            <a:r>
+              <a:rPr lang="en-US" dirty="0"/>
+              <a:t>, </a:t>
+            </a:r>
+            <a:r>
+              <a:rPr lang="en-US" dirty="0" err="1">
+                <a:latin typeface="Courier" pitchFamily="2" charset="0"/>
+              </a:rPr>
+              <a:t>isNull</a:t>
+            </a:r>
+            <a:r>
+              <a:rPr lang="en-US" dirty="0">
+                <a:latin typeface="Courier" pitchFamily="2" charset="0"/>
+              </a:rPr>
+              <a:t>()</a:t>
+            </a:r>
+            <a:r>
+              <a:rPr lang="en-US" dirty="0"/>
+              <a:t>, others</a:t>
             </a:r>
           </a:p>
         </p:txBody>
@@ -6730,7 +7486,7 @@
     </p:spTree>
     <p:extLst>
       <p:ext uri="{BB962C8B-B14F-4D97-AF65-F5344CB8AC3E}">
-        <p14:creationId xmlns:p14="http://schemas.microsoft.com/office/powerpoint/2010/main" val="3096622250"/>
+        <p14:creationId xmlns:p14="http://schemas.microsoft.com/office/powerpoint/2010/main" val="3526314180"/>
       </p:ext>
     </p:extLst>
   </p:cSld>

--- a/presentations/Introduction to Mockito.pptx
+++ b/presentations/Introduction to Mockito.pptx
@@ -16,20 +16,20 @@
     <p:sldId id="282" r:id="rId10"/>
     <p:sldId id="261" r:id="rId11"/>
     <p:sldId id="279" r:id="rId12"/>
-    <p:sldId id="263" r:id="rId13"/>
-    <p:sldId id="264" r:id="rId14"/>
-    <p:sldId id="266" r:id="rId15"/>
-    <p:sldId id="267" r:id="rId16"/>
-    <p:sldId id="268" r:id="rId17"/>
-    <p:sldId id="269" r:id="rId18"/>
-    <p:sldId id="270" r:id="rId19"/>
-    <p:sldId id="271" r:id="rId20"/>
-    <p:sldId id="272" r:id="rId21"/>
-    <p:sldId id="273" r:id="rId22"/>
-    <p:sldId id="274" r:id="rId23"/>
-    <p:sldId id="275" r:id="rId24"/>
-    <p:sldId id="276" r:id="rId25"/>
-    <p:sldId id="277" r:id="rId26"/>
+    <p:sldId id="268" r:id="rId13"/>
+    <p:sldId id="263" r:id="rId14"/>
+    <p:sldId id="264" r:id="rId15"/>
+    <p:sldId id="266" r:id="rId16"/>
+    <p:sldId id="267" r:id="rId17"/>
+    <p:sldId id="276" r:id="rId18"/>
+    <p:sldId id="277" r:id="rId19"/>
+    <p:sldId id="269" r:id="rId20"/>
+    <p:sldId id="270" r:id="rId21"/>
+    <p:sldId id="271" r:id="rId22"/>
+    <p:sldId id="272" r:id="rId23"/>
+    <p:sldId id="273" r:id="rId24"/>
+    <p:sldId id="274" r:id="rId25"/>
+    <p:sldId id="275" r:id="rId26"/>
   </p:sldIdLst>
   <p:sldSz cx="12192000" cy="6858000"/>
   <p:notesSz cx="6858000" cy="9144000"/>
@@ -3971,7 +3971,7 @@
           <p:cNvPr id="2" name="Title 1">
             <a:extLst>
               <a:ext uri="{FF2B5EF4-FFF2-40B4-BE49-F238E27FC236}">
-                <a16:creationId xmlns:a16="http://schemas.microsoft.com/office/drawing/2014/main" id="{0CAD8607-3D0E-F34C-A71C-E1FCD84847DA}"/>
+                <a16:creationId xmlns:a16="http://schemas.microsoft.com/office/drawing/2014/main" id="{EF948449-51E6-9148-82F6-455F26533FA8}"/>
               </a:ext>
             </a:extLst>
           </p:cNvPr>
@@ -3989,8 +3989,17 @@
           <a:p>
             <a:r>
               <a:rPr lang="en-US" dirty="0"/>
-              <a:t>Mocking static methods</a:t>
-            </a:r>
+              <a:t>Using the </a:t>
+            </a:r>
+            <a:r>
+              <a:rPr lang="en-US" dirty="0" err="1">
+                <a:latin typeface="Courier" pitchFamily="2" charset="0"/>
+              </a:rPr>
+              <a:t>InlineMockMaker</a:t>
+            </a:r>
+            <a:endParaRPr lang="en-US" dirty="0">
+              <a:latin typeface="Courier" pitchFamily="2" charset="0"/>
+            </a:endParaRPr>
           </a:p>
         </p:txBody>
       </p:sp>
@@ -3999,7 +4008,7 @@
           <p:cNvPr id="3" name="Content Placeholder 2">
             <a:extLst>
               <a:ext uri="{FF2B5EF4-FFF2-40B4-BE49-F238E27FC236}">
-                <a16:creationId xmlns:a16="http://schemas.microsoft.com/office/drawing/2014/main" id="{3C783A4D-ADD3-FE47-A802-7E1E33980728}"/>
+                <a16:creationId xmlns:a16="http://schemas.microsoft.com/office/drawing/2014/main" id="{813F127E-461D-714F-B0A3-A39A056EAE55}"/>
               </a:ext>
             </a:extLst>
           </p:cNvPr>
@@ -4012,96 +4021,123 @@
         </p:nvSpPr>
         <p:spPr/>
         <p:txBody>
-          <a:bodyPr>
-            <a:normAutofit lnSpcReduction="10000"/>
-          </a:bodyPr>
-          <a:lstStyle/>
-          <a:p>
-            <a:r>
-              <a:rPr lang="en-US" dirty="0"/>
-              <a:t>Available since Mockito 3.4.0. </a:t>
-            </a:r>
-          </a:p>
-          <a:p>
-            <a:r>
-              <a:rPr lang="en-US" dirty="0"/>
-              <a:t>Using the </a:t>
+          <a:bodyPr/>
+          <a:lstStyle/>
+          <a:p>
+            <a:r>
+              <a:rPr lang="en-US" dirty="0"/>
+              <a:t>The </a:t>
+            </a:r>
+            <a:r>
+              <a:rPr lang="en-US" dirty="0" err="1">
+                <a:latin typeface="Courier" pitchFamily="2" charset="0"/>
+              </a:rPr>
+              <a:t>InlineMockMaker</a:t>
+            </a:r>
+            <a:r>
+              <a:rPr lang="en-US" dirty="0"/>
+              <a:t> is the </a:t>
+            </a:r>
+            <a:r>
+              <a:rPr lang="en-US" dirty="0" err="1"/>
+              <a:t>MockMaker</a:t>
+            </a:r>
+            <a:r>
+              <a:rPr lang="en-US" dirty="0"/>
+              <a:t> API implementation that provides static method, constructor and other advanced mocking.</a:t>
+            </a:r>
+          </a:p>
+          <a:p>
+            <a:r>
+              <a:rPr lang="en-US" dirty="0"/>
+              <a:t>Some parts of the </a:t>
+            </a:r>
+            <a:r>
+              <a:rPr lang="en-US" dirty="0" err="1"/>
+              <a:t>MockMaker</a:t>
+            </a:r>
+            <a:r>
+              <a:rPr lang="en-US" dirty="0"/>
+              <a:t> API are experimental.</a:t>
+            </a:r>
+          </a:p>
+          <a:p>
+            <a:pPr lvl="1"/>
+            <a:r>
+              <a:rPr lang="en-US" dirty="0"/>
+              <a:t>Functionality is in the </a:t>
+            </a:r>
+            <a:r>
+              <a:rPr lang="en-US" b="1" dirty="0" err="1"/>
+              <a:t>mockito</a:t>
             </a:r>
             <a:r>
               <a:rPr lang="en-US" b="1" dirty="0"/>
-              <a:t>inline mock maker</a:t>
-            </a:r>
-            <a:r>
-              <a:rPr lang="en-US" dirty="0"/>
-              <a:t>, it is possible to mock static method invocations within the current thread and a user-defined scope. </a:t>
+              <a:t>-core</a:t>
+            </a:r>
+            <a:r>
+              <a:rPr lang="en-US" dirty="0"/>
+              <a:t> dependency artifact, but is turned off by default. Requires configuring the </a:t>
+            </a:r>
+            <a:r>
+              <a:rPr lang="en-US" dirty="0" err="1"/>
+              <a:t>MockMaker</a:t>
+            </a:r>
+            <a:r>
+              <a:rPr lang="en-US" dirty="0"/>
+              <a:t> extension file.</a:t>
             </a:r>
           </a:p>
           <a:p>
             <a:pPr lvl="1"/>
             <a:r>
               <a:rPr lang="en-US" dirty="0"/>
-              <a:t>Ensures that concurrently and sequentially running tests do not interfere. </a:t>
-            </a:r>
-          </a:p>
-          <a:p>
-            <a:r>
-              <a:rPr lang="en-US" dirty="0"/>
-              <a:t>Use a </a:t>
-            </a:r>
-            <a:r>
-              <a:rPr lang="en-US" i="1" dirty="0"/>
-              <a:t>try-with-resources</a:t>
-            </a:r>
-            <a:r>
-              <a:rPr lang="en-US" dirty="0"/>
-              <a:t> construct to ensure a static mock remains temporary.</a:t>
+              <a:t>The </a:t>
+            </a:r>
+            <a:r>
+              <a:rPr lang="en-US" b="1" dirty="0" err="1"/>
+              <a:t>mockito</a:t>
+            </a:r>
+            <a:r>
+              <a:rPr lang="en-US" b="1" dirty="0"/>
+              <a:t>-inline</a:t>
+            </a:r>
+            <a:r>
+              <a:rPr lang="en-US" dirty="0"/>
+              <a:t> dependency artifact preconfigures mock maker for inline mock making. No need for the </a:t>
+            </a:r>
+            <a:r>
+              <a:rPr lang="en-US" dirty="0" err="1"/>
+              <a:t>MockMaker</a:t>
+            </a:r>
+            <a:r>
+              <a:rPr lang="en-US" dirty="0"/>
+              <a:t> extension file.</a:t>
             </a:r>
           </a:p>
           <a:p>
             <a:pPr lvl="1"/>
             <a:r>
               <a:rPr lang="en-US" dirty="0"/>
-              <a:t>The original behavior of the static method is restored once the defined scope of the static mock is released. </a:t>
-            </a:r>
-          </a:p>
-          <a:p>
-            <a:r>
-              <a:rPr lang="en-US" dirty="0"/>
-              <a:t>The </a:t>
-            </a:r>
-            <a:r>
-              <a:rPr lang="en-US" dirty="0" err="1">
-                <a:latin typeface="Courier" pitchFamily="2" charset="0"/>
-              </a:rPr>
-              <a:t>mockStatic</a:t>
-            </a:r>
-            <a:r>
-              <a:rPr lang="en-US" dirty="0"/>
-              <a:t> factory method returns a </a:t>
-            </a:r>
-            <a:r>
-              <a:rPr lang="en-US" dirty="0" err="1">
-                <a:latin typeface="Courier" pitchFamily="2" charset="0"/>
-              </a:rPr>
-              <a:t>MockedStatic</a:t>
-            </a:r>
-            <a:r>
-              <a:rPr lang="en-US" dirty="0"/>
-              <a:t> instance, which can be used to define mock behavior and to verify static method invocations. </a:t>
-            </a:r>
-          </a:p>
-          <a:p>
-            <a:endParaRPr lang="en-US" dirty="0"/>
-          </a:p>
-          <a:p>
-            <a:endParaRPr lang="en-US" dirty="0"/>
+              <a:t>See </a:t>
+            </a:r>
+            <a:r>
+              <a:rPr lang="en-US" dirty="0">
+                <a:hlinkClick r:id="rId2"/>
+              </a:rPr>
+              <a:t>https://javadoc.io/doc/org.mockito/mockito-core/latest/org/mockito/Mockito.html#39</a:t>
+            </a:r>
+            <a:r>
+              <a:rPr lang="en-US" dirty="0"/>
+              <a:t> for more information on incubating features.</a:t>
+            </a:r>
           </a:p>
         </p:txBody>
       </p:sp>
     </p:spTree>
     <p:extLst>
       <p:ext uri="{BB962C8B-B14F-4D97-AF65-F5344CB8AC3E}">
-        <p14:creationId xmlns:p14="http://schemas.microsoft.com/office/powerpoint/2010/main" val="1482911797"/>
+        <p14:creationId xmlns:p14="http://schemas.microsoft.com/office/powerpoint/2010/main" val="878151754"/>
       </p:ext>
     </p:extLst>
   </p:cSld>
@@ -4133,7 +4169,7 @@
           <p:cNvPr id="2" name="Title 1">
             <a:extLst>
               <a:ext uri="{FF2B5EF4-FFF2-40B4-BE49-F238E27FC236}">
-                <a16:creationId xmlns:a16="http://schemas.microsoft.com/office/drawing/2014/main" id="{EF948449-51E6-9148-82F6-455F26533FA8}"/>
+                <a16:creationId xmlns:a16="http://schemas.microsoft.com/office/drawing/2014/main" id="{0CAD8607-3D0E-F34C-A71C-E1FCD84847DA}"/>
               </a:ext>
             </a:extLst>
           </p:cNvPr>
@@ -4151,7 +4187,7 @@
           <a:p>
             <a:r>
               <a:rPr lang="en-US" dirty="0"/>
-              <a:t>Mocking static method example</a:t>
+              <a:t>Mocking static methods</a:t>
             </a:r>
           </a:p>
         </p:txBody>
@@ -4161,7 +4197,7 @@
           <p:cNvPr id="3" name="Content Placeholder 2">
             <a:extLst>
               <a:ext uri="{FF2B5EF4-FFF2-40B4-BE49-F238E27FC236}">
-                <a16:creationId xmlns:a16="http://schemas.microsoft.com/office/drawing/2014/main" id="{813F127E-461D-714F-B0A3-A39A056EAE55}"/>
+                <a16:creationId xmlns:a16="http://schemas.microsoft.com/office/drawing/2014/main" id="{3C783A4D-ADD3-FE47-A802-7E1E33980728}"/>
               </a:ext>
             </a:extLst>
           </p:cNvPr>
@@ -4175,279 +4211,95 @@
         <p:spPr/>
         <p:txBody>
           <a:bodyPr>
-            <a:normAutofit/>
+            <a:normAutofit lnSpcReduction="10000"/>
           </a:bodyPr>
           <a:lstStyle/>
           <a:p>
-            <a:pPr marL="0" indent="0">
-              <a:buNone/>
-            </a:pPr>
-            <a:r>
-              <a:rPr lang="en-US" sz="2000" dirty="0" err="1">
-                <a:latin typeface="Courier" pitchFamily="2" charset="0"/>
-              </a:rPr>
-              <a:t>assertEquals</a:t>
-            </a:r>
-            <a:r>
-              <a:rPr lang="en-US" sz="2000" dirty="0">
-                <a:latin typeface="Courier" pitchFamily="2" charset="0"/>
-              </a:rPr>
-              <a:t>("foo", </a:t>
-            </a:r>
-            <a:r>
-              <a:rPr lang="en-US" sz="2000" dirty="0" err="1">
-                <a:latin typeface="Courier" pitchFamily="2" charset="0"/>
-              </a:rPr>
-              <a:t>Foo.method</a:t>
-            </a:r>
-            <a:r>
-              <a:rPr lang="en-US" sz="2000" dirty="0">
-                <a:latin typeface="Courier" pitchFamily="2" charset="0"/>
-              </a:rPr>
-              <a:t>());</a:t>
-            </a:r>
-          </a:p>
-          <a:p>
-            <a:pPr marL="0" indent="0">
-              <a:buNone/>
-            </a:pPr>
-            <a:r>
-              <a:rPr lang="en-US" sz="2000" dirty="0">
-                <a:latin typeface="Courier" pitchFamily="2" charset="0"/>
-              </a:rPr>
-              <a:t>// Inline mock maker</a:t>
-            </a:r>
-          </a:p>
-          <a:p>
-            <a:pPr marL="0" indent="0">
-              <a:buNone/>
-            </a:pPr>
-            <a:r>
-              <a:rPr lang="en-US" sz="2000" dirty="0">
-                <a:latin typeface="Courier" pitchFamily="2" charset="0"/>
-              </a:rPr>
-              <a:t>try (</a:t>
-            </a:r>
-            <a:r>
-              <a:rPr lang="en-US" sz="2000" b="1" dirty="0" err="1">
+            <a:r>
+              <a:rPr lang="en-US" dirty="0"/>
+              <a:t>Available since Mockito 3.4.0. </a:t>
+            </a:r>
+          </a:p>
+          <a:p>
+            <a:r>
+              <a:rPr lang="en-US" dirty="0"/>
+              <a:t>Using the </a:t>
+            </a:r>
+            <a:r>
+              <a:rPr lang="en-US" b="1" dirty="0"/>
+              <a:t>inline mock maker</a:t>
+            </a:r>
+            <a:r>
+              <a:rPr lang="en-US" dirty="0"/>
+              <a:t>, it is possible to mock static method invocations within the current thread and a user-defined scope. </a:t>
+            </a:r>
+          </a:p>
+          <a:p>
+            <a:pPr lvl="1"/>
+            <a:r>
+              <a:rPr lang="en-US" dirty="0"/>
+              <a:t>Ensures that concurrently and sequentially running tests do not interfere. </a:t>
+            </a:r>
+          </a:p>
+          <a:p>
+            <a:r>
+              <a:rPr lang="en-US" dirty="0"/>
+              <a:t>Use a </a:t>
+            </a:r>
+            <a:r>
+              <a:rPr lang="en-US" i="1" dirty="0"/>
+              <a:t>try-with-resources</a:t>
+            </a:r>
+            <a:r>
+              <a:rPr lang="en-US" dirty="0"/>
+              <a:t> construct to ensure a static mock remains temporary.</a:t>
+            </a:r>
+          </a:p>
+          <a:p>
+            <a:pPr lvl="1"/>
+            <a:r>
+              <a:rPr lang="en-US" dirty="0"/>
+              <a:t>The original behavior of the static method is restored once the defined scope of the static mock is released. </a:t>
+            </a:r>
+          </a:p>
+          <a:p>
+            <a:r>
+              <a:rPr lang="en-US" dirty="0"/>
+              <a:t>The </a:t>
+            </a:r>
+            <a:r>
+              <a:rPr lang="en-US" dirty="0" err="1">
+                <a:latin typeface="Courier" pitchFamily="2" charset="0"/>
+              </a:rPr>
+              <a:t>mockStatic</a:t>
+            </a:r>
+            <a:r>
+              <a:rPr lang="en-US" dirty="0"/>
+              <a:t> factory method returns a </a:t>
+            </a:r>
+            <a:r>
+              <a:rPr lang="en-US" dirty="0" err="1">
                 <a:latin typeface="Courier" pitchFamily="2" charset="0"/>
               </a:rPr>
               <a:t>MockedStatic</a:t>
             </a:r>
             <a:r>
-              <a:rPr lang="en-US" sz="2000" dirty="0">
-                <a:latin typeface="Courier" pitchFamily="2" charset="0"/>
-              </a:rPr>
-              <a:t> mocked = </a:t>
-            </a:r>
-            <a:r>
-              <a:rPr lang="en-US" sz="2000" b="1" dirty="0" err="1">
-                <a:latin typeface="Courier" pitchFamily="2" charset="0"/>
-              </a:rPr>
-              <a:t>mockStatic</a:t>
-            </a:r>
-            <a:r>
-              <a:rPr lang="en-US" sz="2000" dirty="0">
-                <a:latin typeface="Courier" pitchFamily="2" charset="0"/>
-              </a:rPr>
-              <a:t>(</a:t>
-            </a:r>
-            <a:r>
-              <a:rPr lang="en-US" sz="2000" dirty="0" err="1">
-                <a:latin typeface="Courier" pitchFamily="2" charset="0"/>
-              </a:rPr>
-              <a:t>Foo.class</a:t>
-            </a:r>
-            <a:r>
-              <a:rPr lang="en-US" sz="2000" dirty="0">
-                <a:latin typeface="Courier" pitchFamily="2" charset="0"/>
-              </a:rPr>
-              <a:t>)) {</a:t>
-            </a:r>
-          </a:p>
-          <a:p>
-            <a:pPr marL="0" indent="0">
-              <a:buNone/>
-            </a:pPr>
-            <a:r>
-              <a:rPr lang="en-US" sz="2000" dirty="0">
-                <a:latin typeface="Courier" pitchFamily="2" charset="0"/>
-              </a:rPr>
-              <a:t>   </a:t>
-            </a:r>
-            <a:r>
-              <a:rPr lang="en-US" sz="2000" dirty="0">
-                <a:solidFill>
-                  <a:schemeClr val="bg1">
-                    <a:lumMod val="50000"/>
-                  </a:schemeClr>
-                </a:solidFill>
-                <a:latin typeface="Courier" pitchFamily="2" charset="0"/>
-              </a:rPr>
-              <a:t>// Use </a:t>
-            </a:r>
-            <a:r>
-              <a:rPr lang="en-US" sz="2000" dirty="0" err="1">
-                <a:solidFill>
-                  <a:schemeClr val="bg1">
-                    <a:lumMod val="50000"/>
-                  </a:schemeClr>
-                </a:solidFill>
-                <a:latin typeface="Courier" pitchFamily="2" charset="0"/>
-              </a:rPr>
-              <a:t>MockedStatic</a:t>
-            </a:r>
-            <a:r>
-              <a:rPr lang="en-US" sz="2000" dirty="0">
-                <a:solidFill>
-                  <a:schemeClr val="bg1">
-                    <a:lumMod val="50000"/>
-                  </a:schemeClr>
-                </a:solidFill>
-                <a:latin typeface="Courier" pitchFamily="2" charset="0"/>
-              </a:rPr>
-              <a:t> instance to stub static method</a:t>
-            </a:r>
-          </a:p>
-          <a:p>
-            <a:pPr marL="0" indent="0">
-              <a:buNone/>
-            </a:pPr>
-            <a:r>
-              <a:rPr lang="en-US" sz="2000" dirty="0">
-                <a:latin typeface="Courier" pitchFamily="2" charset="0"/>
-              </a:rPr>
-              <a:t>   </a:t>
-            </a:r>
-            <a:r>
-              <a:rPr lang="en-US" sz="2000" dirty="0" err="1">
-                <a:latin typeface="Courier" pitchFamily="2" charset="0"/>
-              </a:rPr>
-              <a:t>mocked.when</a:t>
-            </a:r>
-            <a:r>
-              <a:rPr lang="en-US" sz="2000" dirty="0">
-                <a:latin typeface="Courier" pitchFamily="2" charset="0"/>
-              </a:rPr>
-              <a:t>(Foo::method).</a:t>
-            </a:r>
-            <a:r>
-              <a:rPr lang="en-US" sz="2000" dirty="0" err="1">
-                <a:latin typeface="Courier" pitchFamily="2" charset="0"/>
-              </a:rPr>
-              <a:t>thenReturn</a:t>
-            </a:r>
-            <a:r>
-              <a:rPr lang="en-US" sz="2000" dirty="0">
-                <a:latin typeface="Courier" pitchFamily="2" charset="0"/>
-              </a:rPr>
-              <a:t>("bar");</a:t>
-            </a:r>
-          </a:p>
-          <a:p>
-            <a:pPr marL="0" indent="0">
-              <a:buNone/>
-            </a:pPr>
-            <a:r>
-              <a:rPr lang="en-US" sz="2000" dirty="0">
-                <a:latin typeface="Courier" pitchFamily="2" charset="0"/>
-              </a:rPr>
-              <a:t>   </a:t>
-            </a:r>
-            <a:r>
-              <a:rPr lang="en-US" sz="2000" dirty="0" err="1">
-                <a:latin typeface="Courier" pitchFamily="2" charset="0"/>
-              </a:rPr>
-              <a:t>assertEquals</a:t>
-            </a:r>
-            <a:r>
-              <a:rPr lang="en-US" sz="2000" dirty="0">
-                <a:latin typeface="Courier" pitchFamily="2" charset="0"/>
-              </a:rPr>
-              <a:t>("bar", </a:t>
-            </a:r>
-            <a:r>
-              <a:rPr lang="en-US" sz="2000" dirty="0" err="1">
-                <a:latin typeface="Courier" pitchFamily="2" charset="0"/>
-              </a:rPr>
-              <a:t>Foo.method</a:t>
-            </a:r>
-            <a:r>
-              <a:rPr lang="en-US" sz="2000" dirty="0">
-                <a:latin typeface="Courier" pitchFamily="2" charset="0"/>
-              </a:rPr>
-              <a:t>());</a:t>
-            </a:r>
-          </a:p>
-          <a:p>
-            <a:pPr marL="0" indent="0">
-              <a:buNone/>
-            </a:pPr>
-            <a:r>
-              <a:rPr lang="en-US" sz="2000" dirty="0">
-                <a:latin typeface="Courier" pitchFamily="2" charset="0"/>
-              </a:rPr>
-              <a:t>   </a:t>
-            </a:r>
-            <a:r>
-              <a:rPr lang="en-US" sz="2000" dirty="0" err="1">
-                <a:latin typeface="Courier" pitchFamily="2" charset="0"/>
-              </a:rPr>
-              <a:t>mocked.verify</a:t>
-            </a:r>
-            <a:r>
-              <a:rPr lang="en-US" sz="2000" dirty="0">
-                <a:latin typeface="Courier" pitchFamily="2" charset="0"/>
-              </a:rPr>
-              <a:t>(Foo::method);</a:t>
-            </a:r>
-          </a:p>
-          <a:p>
-            <a:pPr marL="0" indent="0">
-              <a:buNone/>
-            </a:pPr>
-            <a:r>
-              <a:rPr lang="en-US" sz="2000" dirty="0">
-                <a:latin typeface="Courier" pitchFamily="2" charset="0"/>
-              </a:rPr>
-              <a:t>}</a:t>
-            </a:r>
-          </a:p>
-          <a:p>
-            <a:pPr marL="0" indent="0">
-              <a:buNone/>
-            </a:pPr>
-            <a:r>
-              <a:rPr lang="en-US" sz="2000" dirty="0" err="1">
-                <a:latin typeface="Courier" pitchFamily="2" charset="0"/>
-              </a:rPr>
-              <a:t>assertEquals</a:t>
-            </a:r>
-            <a:r>
-              <a:rPr lang="en-US" sz="2000" dirty="0">
-                <a:latin typeface="Courier" pitchFamily="2" charset="0"/>
-              </a:rPr>
-              <a:t>("foo", </a:t>
-            </a:r>
-            <a:r>
-              <a:rPr lang="en-US" sz="2000" dirty="0" err="1">
-                <a:latin typeface="Courier" pitchFamily="2" charset="0"/>
-              </a:rPr>
-              <a:t>Foo.method</a:t>
-            </a:r>
-            <a:r>
-              <a:rPr lang="en-US" sz="2000" dirty="0">
-                <a:latin typeface="Courier" pitchFamily="2" charset="0"/>
-              </a:rPr>
-              <a:t>());</a:t>
-            </a:r>
+              <a:rPr lang="en-US" dirty="0"/>
+              <a:t> instance, which can be used to define mock behavior and to verify static method invocations. </a:t>
+            </a:r>
+          </a:p>
+          <a:p>
+            <a:endParaRPr lang="en-US" dirty="0"/>
+          </a:p>
+          <a:p>
+            <a:endParaRPr lang="en-US" dirty="0"/>
           </a:p>
         </p:txBody>
       </p:sp>
     </p:spTree>
     <p:extLst>
       <p:ext uri="{BB962C8B-B14F-4D97-AF65-F5344CB8AC3E}">
-        <p14:creationId xmlns:p14="http://schemas.microsoft.com/office/powerpoint/2010/main" val="3225130834"/>
+        <p14:creationId xmlns:p14="http://schemas.microsoft.com/office/powerpoint/2010/main" val="1482911797"/>
       </p:ext>
     </p:extLst>
   </p:cSld>
@@ -4497,7 +4349,7 @@
           <a:p>
             <a:r>
               <a:rPr lang="en-US" dirty="0"/>
-              <a:t>Mocking object construction</a:t>
+              <a:t>Mocking static method example</a:t>
             </a:r>
           </a:p>
         </p:txBody>
@@ -4521,92 +4373,279 @@
         <p:spPr/>
         <p:txBody>
           <a:bodyPr>
-            <a:normAutofit lnSpcReduction="10000"/>
+            <a:normAutofit/>
           </a:bodyPr>
           <a:lstStyle/>
           <a:p>
-            <a:r>
-              <a:rPr lang="en-US" dirty="0"/>
-              <a:t>Available since Mockito 3.5.0.</a:t>
-            </a:r>
-          </a:p>
-          <a:p>
-            <a:r>
-              <a:rPr lang="en-US" dirty="0"/>
-              <a:t>When using the </a:t>
-            </a:r>
-            <a:r>
-              <a:rPr lang="en-US" b="1" dirty="0"/>
-              <a:t>inline mock maker</a:t>
-            </a:r>
-            <a:r>
-              <a:rPr lang="en-US" dirty="0"/>
-              <a:t>, it is possible to mock constructor invocations within the current thread and a user-defined scope. </a:t>
-            </a:r>
-          </a:p>
-          <a:p>
-            <a:pPr lvl="1"/>
-            <a:r>
-              <a:rPr lang="en-US" dirty="0"/>
-              <a:t>Ensures that concurrently and sequentially running tests do not interfere. </a:t>
-            </a:r>
-          </a:p>
-          <a:p>
-            <a:r>
-              <a:rPr lang="en-US" dirty="0"/>
-              <a:t>Use a </a:t>
-            </a:r>
-            <a:r>
-              <a:rPr lang="en-US" i="1" dirty="0"/>
-              <a:t>try-with-resources</a:t>
-            </a:r>
-            <a:r>
-              <a:rPr lang="en-US" dirty="0"/>
-              <a:t> construct to ensure a constructor mock remains temporary.</a:t>
-            </a:r>
-          </a:p>
-          <a:p>
-            <a:pPr lvl="1"/>
-            <a:r>
-              <a:rPr lang="en-US" dirty="0"/>
-              <a:t>The original behavior of the constructor is restored once the defined scope of the constructor mock is released. </a:t>
-            </a:r>
-          </a:p>
-          <a:p>
-            <a:r>
-              <a:rPr lang="en-US" dirty="0"/>
-              <a:t>The </a:t>
-            </a:r>
-            <a:r>
-              <a:rPr lang="en-US" dirty="0" err="1">
-                <a:latin typeface="Courier" pitchFamily="2" charset="0"/>
-              </a:rPr>
-              <a:t>MockedConstruction</a:t>
-            </a:r>
-            <a:r>
-              <a:rPr lang="en-US" dirty="0"/>
-              <a:t> type is returned from </a:t>
-            </a:r>
-            <a:r>
-              <a:rPr lang="en-US" dirty="0" err="1">
-                <a:latin typeface="Courier" pitchFamily="2" charset="0"/>
-              </a:rPr>
-              <a:t>mockConstruction</a:t>
-            </a:r>
-            <a:r>
-              <a:rPr lang="en-US" dirty="0"/>
-              <a:t> factory method can be used to define mock behavior and to verify constructor invocations. </a:t>
-            </a:r>
-          </a:p>
-          <a:p>
-            <a:endParaRPr lang="en-US" dirty="0"/>
+            <a:pPr marL="0" indent="0">
+              <a:buNone/>
+            </a:pPr>
+            <a:r>
+              <a:rPr lang="en-US" sz="2000" dirty="0" err="1">
+                <a:latin typeface="Courier" pitchFamily="2" charset="0"/>
+              </a:rPr>
+              <a:t>assertEquals</a:t>
+            </a:r>
+            <a:r>
+              <a:rPr lang="en-US" sz="2000" dirty="0">
+                <a:latin typeface="Courier" pitchFamily="2" charset="0"/>
+              </a:rPr>
+              <a:t>("foo", </a:t>
+            </a:r>
+            <a:r>
+              <a:rPr lang="en-US" sz="2000" dirty="0" err="1">
+                <a:latin typeface="Courier" pitchFamily="2" charset="0"/>
+              </a:rPr>
+              <a:t>Foo.method</a:t>
+            </a:r>
+            <a:r>
+              <a:rPr lang="en-US" sz="2000" dirty="0">
+                <a:latin typeface="Courier" pitchFamily="2" charset="0"/>
+              </a:rPr>
+              <a:t>());</a:t>
+            </a:r>
+          </a:p>
+          <a:p>
+            <a:pPr marL="0" indent="0">
+              <a:buNone/>
+            </a:pPr>
+            <a:r>
+              <a:rPr lang="en-US" sz="2000" dirty="0">
+                <a:latin typeface="Courier" pitchFamily="2" charset="0"/>
+              </a:rPr>
+              <a:t>// Inline mock maker</a:t>
+            </a:r>
+          </a:p>
+          <a:p>
+            <a:pPr marL="0" indent="0">
+              <a:buNone/>
+            </a:pPr>
+            <a:r>
+              <a:rPr lang="en-US" sz="2000" dirty="0">
+                <a:latin typeface="Courier" pitchFamily="2" charset="0"/>
+              </a:rPr>
+              <a:t>try (</a:t>
+            </a:r>
+            <a:r>
+              <a:rPr lang="en-US" sz="2000" b="1" dirty="0" err="1">
+                <a:latin typeface="Courier" pitchFamily="2" charset="0"/>
+              </a:rPr>
+              <a:t>MockedStatic</a:t>
+            </a:r>
+            <a:r>
+              <a:rPr lang="en-US" sz="2000" dirty="0">
+                <a:latin typeface="Courier" pitchFamily="2" charset="0"/>
+              </a:rPr>
+              <a:t> mocked = </a:t>
+            </a:r>
+            <a:r>
+              <a:rPr lang="en-US" sz="2000" b="1" dirty="0" err="1">
+                <a:latin typeface="Courier" pitchFamily="2" charset="0"/>
+              </a:rPr>
+              <a:t>mockStatic</a:t>
+            </a:r>
+            <a:r>
+              <a:rPr lang="en-US" sz="2000" dirty="0">
+                <a:latin typeface="Courier" pitchFamily="2" charset="0"/>
+              </a:rPr>
+              <a:t>(</a:t>
+            </a:r>
+            <a:r>
+              <a:rPr lang="en-US" sz="2000" dirty="0" err="1">
+                <a:latin typeface="Courier" pitchFamily="2" charset="0"/>
+              </a:rPr>
+              <a:t>Foo.class</a:t>
+            </a:r>
+            <a:r>
+              <a:rPr lang="en-US" sz="2000" dirty="0">
+                <a:latin typeface="Courier" pitchFamily="2" charset="0"/>
+              </a:rPr>
+              <a:t>)) {</a:t>
+            </a:r>
+          </a:p>
+          <a:p>
+            <a:pPr marL="0" indent="0">
+              <a:buNone/>
+            </a:pPr>
+            <a:r>
+              <a:rPr lang="en-US" sz="2000" dirty="0">
+                <a:latin typeface="Courier" pitchFamily="2" charset="0"/>
+              </a:rPr>
+              <a:t>   </a:t>
+            </a:r>
+            <a:r>
+              <a:rPr lang="en-US" sz="2000" dirty="0">
+                <a:solidFill>
+                  <a:schemeClr val="bg1">
+                    <a:lumMod val="50000"/>
+                  </a:schemeClr>
+                </a:solidFill>
+                <a:latin typeface="Courier" pitchFamily="2" charset="0"/>
+              </a:rPr>
+              <a:t>// Use </a:t>
+            </a:r>
+            <a:r>
+              <a:rPr lang="en-US" sz="2000" dirty="0" err="1">
+                <a:solidFill>
+                  <a:schemeClr val="bg1">
+                    <a:lumMod val="50000"/>
+                  </a:schemeClr>
+                </a:solidFill>
+                <a:latin typeface="Courier" pitchFamily="2" charset="0"/>
+              </a:rPr>
+              <a:t>MockedStatic</a:t>
+            </a:r>
+            <a:r>
+              <a:rPr lang="en-US" sz="2000" dirty="0">
+                <a:solidFill>
+                  <a:schemeClr val="bg1">
+                    <a:lumMod val="50000"/>
+                  </a:schemeClr>
+                </a:solidFill>
+                <a:latin typeface="Courier" pitchFamily="2" charset="0"/>
+              </a:rPr>
+              <a:t> instance to stub static method</a:t>
+            </a:r>
+          </a:p>
+          <a:p>
+            <a:pPr marL="0" indent="0">
+              <a:buNone/>
+            </a:pPr>
+            <a:r>
+              <a:rPr lang="en-US" sz="2000" dirty="0">
+                <a:latin typeface="Courier" pitchFamily="2" charset="0"/>
+              </a:rPr>
+              <a:t>   </a:t>
+            </a:r>
+            <a:r>
+              <a:rPr lang="en-US" sz="2000" dirty="0" err="1">
+                <a:latin typeface="Courier" pitchFamily="2" charset="0"/>
+              </a:rPr>
+              <a:t>mocked.when</a:t>
+            </a:r>
+            <a:r>
+              <a:rPr lang="en-US" sz="2000" dirty="0">
+                <a:latin typeface="Courier" pitchFamily="2" charset="0"/>
+              </a:rPr>
+              <a:t>(Foo::method).</a:t>
+            </a:r>
+            <a:r>
+              <a:rPr lang="en-US" sz="2000" dirty="0" err="1">
+                <a:latin typeface="Courier" pitchFamily="2" charset="0"/>
+              </a:rPr>
+              <a:t>thenReturn</a:t>
+            </a:r>
+            <a:r>
+              <a:rPr lang="en-US" sz="2000" dirty="0">
+                <a:latin typeface="Courier" pitchFamily="2" charset="0"/>
+              </a:rPr>
+              <a:t>("bar");</a:t>
+            </a:r>
+          </a:p>
+          <a:p>
+            <a:pPr marL="0" indent="0">
+              <a:buNone/>
+            </a:pPr>
+            <a:r>
+              <a:rPr lang="en-US" sz="2000" dirty="0">
+                <a:latin typeface="Courier" pitchFamily="2" charset="0"/>
+              </a:rPr>
+              <a:t>   </a:t>
+            </a:r>
+            <a:r>
+              <a:rPr lang="en-US" sz="2000" dirty="0" err="1">
+                <a:latin typeface="Courier" pitchFamily="2" charset="0"/>
+              </a:rPr>
+              <a:t>assertEquals</a:t>
+            </a:r>
+            <a:r>
+              <a:rPr lang="en-US" sz="2000" dirty="0">
+                <a:latin typeface="Courier" pitchFamily="2" charset="0"/>
+              </a:rPr>
+              <a:t>("bar", </a:t>
+            </a:r>
+            <a:r>
+              <a:rPr lang="en-US" sz="2000" dirty="0" err="1">
+                <a:latin typeface="Courier" pitchFamily="2" charset="0"/>
+              </a:rPr>
+              <a:t>Foo.method</a:t>
+            </a:r>
+            <a:r>
+              <a:rPr lang="en-US" sz="2000" dirty="0">
+                <a:latin typeface="Courier" pitchFamily="2" charset="0"/>
+              </a:rPr>
+              <a:t>());</a:t>
+            </a:r>
+          </a:p>
+          <a:p>
+            <a:pPr marL="0" indent="0">
+              <a:buNone/>
+            </a:pPr>
+            <a:r>
+              <a:rPr lang="en-US" sz="2000" dirty="0">
+                <a:latin typeface="Courier" pitchFamily="2" charset="0"/>
+              </a:rPr>
+              <a:t>   </a:t>
+            </a:r>
+            <a:r>
+              <a:rPr lang="en-US" sz="2000" dirty="0" err="1">
+                <a:latin typeface="Courier" pitchFamily="2" charset="0"/>
+              </a:rPr>
+              <a:t>mocked.verify</a:t>
+            </a:r>
+            <a:r>
+              <a:rPr lang="en-US" sz="2000" dirty="0">
+                <a:latin typeface="Courier" pitchFamily="2" charset="0"/>
+              </a:rPr>
+              <a:t>(Foo::method);</a:t>
+            </a:r>
+          </a:p>
+          <a:p>
+            <a:pPr marL="0" indent="0">
+              <a:buNone/>
+            </a:pPr>
+            <a:r>
+              <a:rPr lang="en-US" sz="2000" dirty="0">
+                <a:latin typeface="Courier" pitchFamily="2" charset="0"/>
+              </a:rPr>
+              <a:t>}</a:t>
+            </a:r>
+          </a:p>
+          <a:p>
+            <a:pPr marL="0" indent="0">
+              <a:buNone/>
+            </a:pPr>
+            <a:r>
+              <a:rPr lang="en-US" sz="2000" dirty="0" err="1">
+                <a:latin typeface="Courier" pitchFamily="2" charset="0"/>
+              </a:rPr>
+              <a:t>assertEquals</a:t>
+            </a:r>
+            <a:r>
+              <a:rPr lang="en-US" sz="2000" dirty="0">
+                <a:latin typeface="Courier" pitchFamily="2" charset="0"/>
+              </a:rPr>
+              <a:t>("foo", </a:t>
+            </a:r>
+            <a:r>
+              <a:rPr lang="en-US" sz="2000" dirty="0" err="1">
+                <a:latin typeface="Courier" pitchFamily="2" charset="0"/>
+              </a:rPr>
+              <a:t>Foo.method</a:t>
+            </a:r>
+            <a:r>
+              <a:rPr lang="en-US" sz="2000" dirty="0">
+                <a:latin typeface="Courier" pitchFamily="2" charset="0"/>
+              </a:rPr>
+              <a:t>());</a:t>
+            </a:r>
           </a:p>
         </p:txBody>
       </p:sp>
     </p:spTree>
     <p:extLst>
       <p:ext uri="{BB962C8B-B14F-4D97-AF65-F5344CB8AC3E}">
-        <p14:creationId xmlns:p14="http://schemas.microsoft.com/office/powerpoint/2010/main" val="2058544174"/>
+        <p14:creationId xmlns:p14="http://schemas.microsoft.com/office/powerpoint/2010/main" val="3225130834"/>
       </p:ext>
     </p:extLst>
   </p:cSld>
@@ -4656,7 +4695,7 @@
           <a:p>
             <a:r>
               <a:rPr lang="en-US" dirty="0"/>
-              <a:t>Mocking object constructors example</a:t>
+              <a:t>Mocking object construction</a:t>
             </a:r>
           </a:p>
         </p:txBody>
@@ -4680,221 +4719,92 @@
         <p:spPr/>
         <p:txBody>
           <a:bodyPr>
-            <a:normAutofit/>
+            <a:normAutofit lnSpcReduction="10000"/>
           </a:bodyPr>
           <a:lstStyle/>
           <a:p>
-            <a:pPr marL="0" indent="0">
-              <a:buNone/>
-            </a:pPr>
-            <a:r>
-              <a:rPr lang="en-US" sz="2000" dirty="0" err="1">
-                <a:latin typeface="Courier" pitchFamily="2" charset="0"/>
-              </a:rPr>
-              <a:t>assertEquals</a:t>
-            </a:r>
-            <a:r>
-              <a:rPr lang="en-US" sz="2000" dirty="0">
-                <a:latin typeface="Courier" pitchFamily="2" charset="0"/>
-              </a:rPr>
-              <a:t>("foo", new Foo().method());</a:t>
-            </a:r>
-          </a:p>
-          <a:p>
-            <a:pPr marL="0" indent="0">
-              <a:buNone/>
-            </a:pPr>
-            <a:r>
-              <a:rPr lang="en-US" sz="2000" dirty="0">
-                <a:latin typeface="Courier" pitchFamily="2" charset="0"/>
-              </a:rPr>
-              <a:t>try (</a:t>
-            </a:r>
-            <a:r>
-              <a:rPr lang="en-US" sz="2000" b="1" dirty="0" err="1">
+            <a:r>
+              <a:rPr lang="en-US" dirty="0"/>
+              <a:t>Available since Mockito 3.5.0.</a:t>
+            </a:r>
+          </a:p>
+          <a:p>
+            <a:r>
+              <a:rPr lang="en-US" dirty="0"/>
+              <a:t>When using the </a:t>
+            </a:r>
+            <a:r>
+              <a:rPr lang="en-US" b="1" dirty="0"/>
+              <a:t>inline mock maker</a:t>
+            </a:r>
+            <a:r>
+              <a:rPr lang="en-US" dirty="0"/>
+              <a:t>, it is possible to mock constructor invocations within the current thread and a user-defined scope. </a:t>
+            </a:r>
+          </a:p>
+          <a:p>
+            <a:pPr lvl="1"/>
+            <a:r>
+              <a:rPr lang="en-US" dirty="0"/>
+              <a:t>Ensures that concurrently and sequentially running tests do not interfere. </a:t>
+            </a:r>
+          </a:p>
+          <a:p>
+            <a:r>
+              <a:rPr lang="en-US" dirty="0"/>
+              <a:t>Use a </a:t>
+            </a:r>
+            <a:r>
+              <a:rPr lang="en-US" i="1" dirty="0"/>
+              <a:t>try-with-resources</a:t>
+            </a:r>
+            <a:r>
+              <a:rPr lang="en-US" dirty="0"/>
+              <a:t> construct to ensure a constructor mock remains temporary.</a:t>
+            </a:r>
+          </a:p>
+          <a:p>
+            <a:pPr lvl="1"/>
+            <a:r>
+              <a:rPr lang="en-US" dirty="0"/>
+              <a:t>The original behavior of the constructor is restored once the defined scope of the constructor mock is released. </a:t>
+            </a:r>
+          </a:p>
+          <a:p>
+            <a:r>
+              <a:rPr lang="en-US" dirty="0"/>
+              <a:t>The </a:t>
+            </a:r>
+            <a:r>
+              <a:rPr lang="en-US" dirty="0" err="1">
                 <a:latin typeface="Courier" pitchFamily="2" charset="0"/>
               </a:rPr>
               <a:t>MockedConstruction</a:t>
             </a:r>
             <a:r>
-              <a:rPr lang="en-US" sz="2000" dirty="0">
-                <a:latin typeface="Courier" pitchFamily="2" charset="0"/>
-              </a:rPr>
-              <a:t> mocked = </a:t>
-            </a:r>
-            <a:r>
-              <a:rPr lang="en-US" sz="2000" b="1" dirty="0" err="1">
+              <a:rPr lang="en-US" dirty="0"/>
+              <a:t> type is returned from </a:t>
+            </a:r>
+            <a:r>
+              <a:rPr lang="en-US" dirty="0" err="1">
                 <a:latin typeface="Courier" pitchFamily="2" charset="0"/>
               </a:rPr>
               <a:t>mockConstruction</a:t>
             </a:r>
             <a:r>
-              <a:rPr lang="en-US" sz="2000" dirty="0">
-                <a:latin typeface="Courier" pitchFamily="2" charset="0"/>
-              </a:rPr>
-              <a:t>(</a:t>
-            </a:r>
-            <a:r>
-              <a:rPr lang="en-US" sz="2000" dirty="0" err="1">
-                <a:latin typeface="Courier" pitchFamily="2" charset="0"/>
-              </a:rPr>
-              <a:t>Foo.class</a:t>
-            </a:r>
-            <a:r>
-              <a:rPr lang="en-US" sz="2000" dirty="0">
-                <a:latin typeface="Courier" pitchFamily="2" charset="0"/>
-              </a:rPr>
-              <a:t>), </a:t>
-            </a:r>
-          </a:p>
-          <a:p>
-            <a:pPr marL="0" indent="0">
-              <a:buNone/>
-            </a:pPr>
-            <a:r>
-              <a:rPr lang="en-US" sz="2000" dirty="0">
-                <a:latin typeface="Courier" pitchFamily="2" charset="0"/>
-              </a:rPr>
-              <a:t>   (mock, context) -&gt; { when(</a:t>
-            </a:r>
-            <a:r>
-              <a:rPr lang="en-US" sz="2000" dirty="0" err="1">
-                <a:latin typeface="Courier" pitchFamily="2" charset="0"/>
-              </a:rPr>
-              <a:t>mock.method</a:t>
-            </a:r>
-            <a:r>
-              <a:rPr lang="en-US" sz="2000" dirty="0">
-                <a:latin typeface="Courier" pitchFamily="2" charset="0"/>
-              </a:rPr>
-              <a:t>()).</a:t>
-            </a:r>
-            <a:r>
-              <a:rPr lang="en-US" sz="2000" dirty="0" err="1">
-                <a:latin typeface="Courier" pitchFamily="2" charset="0"/>
-              </a:rPr>
-              <a:t>thenReturn</a:t>
-            </a:r>
-            <a:r>
-              <a:rPr lang="en-US" sz="2000" dirty="0">
-                <a:latin typeface="Courier" pitchFamily="2" charset="0"/>
-              </a:rPr>
-              <a:t>("bar"); }) {</a:t>
-            </a:r>
-          </a:p>
-          <a:p>
-            <a:pPr marL="0" indent="0">
-              <a:buNone/>
-            </a:pPr>
-            <a:r>
-              <a:rPr lang="en-US" sz="2000" dirty="0">
-                <a:latin typeface="Courier" pitchFamily="2" charset="0"/>
-              </a:rPr>
-              <a:t>   </a:t>
-            </a:r>
-            <a:r>
-              <a:rPr lang="en-US" sz="2000" dirty="0">
-                <a:solidFill>
-                  <a:schemeClr val="bg1">
-                    <a:lumMod val="50000"/>
-                  </a:schemeClr>
-                </a:solidFill>
-                <a:latin typeface="Courier" pitchFamily="2" charset="0"/>
-              </a:rPr>
-              <a:t>// Calling the constructor now creates a mock!</a:t>
-            </a:r>
-          </a:p>
-          <a:p>
-            <a:pPr marL="0" indent="0">
-              <a:buNone/>
-            </a:pPr>
-            <a:r>
-              <a:rPr lang="en-US" sz="2000" dirty="0">
-                <a:latin typeface="Courier" pitchFamily="2" charset="0"/>
-              </a:rPr>
-              <a:t>   Foo foo = new Foo();</a:t>
-            </a:r>
-          </a:p>
-          <a:p>
-            <a:pPr marL="0" indent="0">
-              <a:buNone/>
-            </a:pPr>
-            <a:r>
-              <a:rPr lang="en-US" sz="2000" dirty="0">
-                <a:latin typeface="Courier" pitchFamily="2" charset="0"/>
-              </a:rPr>
-              <a:t>   </a:t>
-            </a:r>
-            <a:r>
-              <a:rPr lang="en-US" sz="2000" dirty="0" err="1">
-                <a:latin typeface="Courier" pitchFamily="2" charset="0"/>
-              </a:rPr>
-              <a:t>assertEquals</a:t>
-            </a:r>
-            <a:r>
-              <a:rPr lang="en-US" sz="2000" dirty="0">
-                <a:latin typeface="Courier" pitchFamily="2" charset="0"/>
-              </a:rPr>
-              <a:t>("bar", </a:t>
-            </a:r>
-            <a:r>
-              <a:rPr lang="en-US" sz="2000" dirty="0" err="1">
-                <a:latin typeface="Courier" pitchFamily="2" charset="0"/>
-              </a:rPr>
-              <a:t>foo.method</a:t>
-            </a:r>
-            <a:r>
-              <a:rPr lang="en-US" sz="2000" dirty="0">
-                <a:latin typeface="Courier" pitchFamily="2" charset="0"/>
-              </a:rPr>
-              <a:t>());</a:t>
-            </a:r>
-          </a:p>
-          <a:p>
-            <a:pPr marL="0" indent="0">
-              <a:buNone/>
-            </a:pPr>
-            <a:r>
-              <a:rPr lang="en-US" sz="2000" dirty="0">
-                <a:latin typeface="Courier" pitchFamily="2" charset="0"/>
-              </a:rPr>
-              <a:t>   verify(foo).method();</a:t>
-            </a:r>
-          </a:p>
-          <a:p>
-            <a:pPr marL="0" indent="0">
-              <a:buNone/>
-            </a:pPr>
-            <a:r>
-              <a:rPr lang="en-US" sz="2000" dirty="0">
-                <a:latin typeface="Courier" pitchFamily="2" charset="0"/>
-              </a:rPr>
-              <a:t>}</a:t>
-            </a:r>
-          </a:p>
-          <a:p>
-            <a:pPr marL="0" indent="0">
-              <a:buNone/>
-            </a:pPr>
-            <a:r>
-              <a:rPr lang="en-US" sz="2000" dirty="0" err="1">
-                <a:latin typeface="Courier" pitchFamily="2" charset="0"/>
-              </a:rPr>
-              <a:t>assertEquals</a:t>
-            </a:r>
-            <a:r>
-              <a:rPr lang="en-US" sz="2000" dirty="0">
-                <a:latin typeface="Courier" pitchFamily="2" charset="0"/>
-              </a:rPr>
-              <a:t>("foo", new Foo().method());</a:t>
-            </a:r>
+              <a:rPr lang="en-US" dirty="0"/>
+              <a:t> factory method can be used to define mock behavior and to verify constructor invocations. </a:t>
+            </a:r>
+          </a:p>
+          <a:p>
+            <a:endParaRPr lang="en-US" dirty="0"/>
           </a:p>
         </p:txBody>
       </p:sp>
     </p:spTree>
     <p:extLst>
       <p:ext uri="{BB962C8B-B14F-4D97-AF65-F5344CB8AC3E}">
-        <p14:creationId xmlns:p14="http://schemas.microsoft.com/office/powerpoint/2010/main" val="3395650808"/>
+        <p14:creationId xmlns:p14="http://schemas.microsoft.com/office/powerpoint/2010/main" val="2058544174"/>
       </p:ext>
     </p:extLst>
   </p:cSld>
@@ -4944,17 +4854,8 @@
           <a:p>
             <a:r>
               <a:rPr lang="en-US" dirty="0"/>
-              <a:t>Using the </a:t>
-            </a:r>
-            <a:r>
-              <a:rPr lang="en-US" dirty="0" err="1">
-                <a:latin typeface="Courier" pitchFamily="2" charset="0"/>
-              </a:rPr>
-              <a:t>InlineMockMaker</a:t>
-            </a:r>
-            <a:endParaRPr lang="en-US" dirty="0">
-              <a:latin typeface="Courier" pitchFamily="2" charset="0"/>
-            </a:endParaRPr>
+              <a:t>Mocking object constructors example</a:t>
+            </a:r>
           </a:p>
         </p:txBody>
       </p:sp>
@@ -4976,115 +4877,214 @@
         </p:nvSpPr>
         <p:spPr/>
         <p:txBody>
-          <a:bodyPr/>
-          <a:lstStyle/>
-          <a:p>
-            <a:r>
-              <a:rPr lang="en-US" dirty="0"/>
-              <a:t>The </a:t>
-            </a:r>
-            <a:r>
-              <a:rPr lang="en-US" dirty="0" err="1">
-                <a:latin typeface="Courier" pitchFamily="2" charset="0"/>
-              </a:rPr>
-              <a:t>InlineMockMaker</a:t>
-            </a:r>
-            <a:r>
-              <a:rPr lang="en-US" dirty="0"/>
-              <a:t> is the </a:t>
-            </a:r>
-            <a:r>
-              <a:rPr lang="en-US" dirty="0" err="1"/>
-              <a:t>MockMaker</a:t>
-            </a:r>
-            <a:r>
-              <a:rPr lang="en-US" dirty="0"/>
-              <a:t> API implementation that provides static method and constructor mocking.</a:t>
-            </a:r>
-          </a:p>
-          <a:p>
-            <a:r>
-              <a:rPr lang="en-US" dirty="0"/>
-              <a:t>Some parts of the </a:t>
-            </a:r>
-            <a:r>
-              <a:rPr lang="en-US" dirty="0" err="1"/>
-              <a:t>MockMaker</a:t>
-            </a:r>
-            <a:r>
-              <a:rPr lang="en-US" dirty="0"/>
-              <a:t> API are experimental.</a:t>
-            </a:r>
-          </a:p>
-          <a:p>
-            <a:pPr lvl="1"/>
-            <a:r>
-              <a:rPr lang="en-US" dirty="0"/>
-              <a:t>Functionality is in the </a:t>
-            </a:r>
-            <a:r>
-              <a:rPr lang="en-US" b="1" dirty="0" err="1"/>
-              <a:t>mockito</a:t>
-            </a:r>
-            <a:r>
-              <a:rPr lang="en-US" b="1" dirty="0"/>
-              <a:t>-core</a:t>
-            </a:r>
-            <a:r>
-              <a:rPr lang="en-US" dirty="0"/>
-              <a:t> dependency artifact, but is turned off by default. Requires configuring the </a:t>
-            </a:r>
-            <a:r>
-              <a:rPr lang="en-US" dirty="0" err="1"/>
-              <a:t>MockMaker</a:t>
-            </a:r>
-            <a:r>
-              <a:rPr lang="en-US" dirty="0"/>
-              <a:t> extension file.</a:t>
-            </a:r>
-          </a:p>
-          <a:p>
-            <a:pPr lvl="1"/>
-            <a:r>
-              <a:rPr lang="en-US" dirty="0"/>
-              <a:t>The </a:t>
-            </a:r>
-            <a:r>
-              <a:rPr lang="en-US" b="1" dirty="0" err="1"/>
-              <a:t>mockito</a:t>
-            </a:r>
-            <a:r>
-              <a:rPr lang="en-US" b="1" dirty="0"/>
-              <a:t>-inline</a:t>
-            </a:r>
-            <a:r>
-              <a:rPr lang="en-US" dirty="0"/>
-              <a:t> dependency artifact preconfigures mock maker for inline mock making. Thus no need for the </a:t>
-            </a:r>
-            <a:r>
-              <a:rPr lang="en-US" dirty="0" err="1"/>
-              <a:t>MockMaker</a:t>
-            </a:r>
-            <a:r>
-              <a:rPr lang="en-US" dirty="0"/>
-              <a:t> extension file.</a:t>
-            </a:r>
-          </a:p>
-          <a:p>
-            <a:pPr lvl="1"/>
-            <a:r>
-              <a:rPr lang="en-US" dirty="0"/>
-              <a:t>See </a:t>
-            </a:r>
-            <a:r>
-              <a:rPr lang="en-US" dirty="0">
-                <a:hlinkClick r:id="rId2"/>
-              </a:rPr>
-              <a:t>https://javadoc.io/doc/org.mockito/mockito-core/latest/org/mockito/Mockito.html#39</a:t>
-            </a:r>
-            <a:r>
-              <a:rPr lang="en-US" dirty="0"/>
-              <a:t> for more information on incubating features.</a:t>
+          <a:bodyPr>
+            <a:normAutofit/>
+          </a:bodyPr>
+          <a:lstStyle/>
+          <a:p>
+            <a:pPr marL="0" indent="0">
+              <a:buNone/>
+            </a:pPr>
+            <a:r>
+              <a:rPr lang="en-US" sz="2000" dirty="0" err="1">
+                <a:latin typeface="Courier" pitchFamily="2" charset="0"/>
+              </a:rPr>
+              <a:t>assertEquals</a:t>
+            </a:r>
+            <a:r>
+              <a:rPr lang="en-US" sz="2000" dirty="0">
+                <a:latin typeface="Courier" pitchFamily="2" charset="0"/>
+              </a:rPr>
+              <a:t>("foo", new Foo().method());</a:t>
+            </a:r>
+          </a:p>
+          <a:p>
+            <a:pPr marL="0" indent="0">
+              <a:buNone/>
+            </a:pPr>
+            <a:r>
+              <a:rPr lang="en-US" sz="2000" dirty="0">
+                <a:latin typeface="Courier" pitchFamily="2" charset="0"/>
+              </a:rPr>
+              <a:t>try (</a:t>
+            </a:r>
+            <a:r>
+              <a:rPr lang="en-US" sz="2000" b="1" dirty="0" err="1">
+                <a:latin typeface="Courier" pitchFamily="2" charset="0"/>
+              </a:rPr>
+              <a:t>MockedConstruction</a:t>
+            </a:r>
+            <a:r>
+              <a:rPr lang="en-US" sz="2000" dirty="0">
+                <a:latin typeface="Courier" pitchFamily="2" charset="0"/>
+              </a:rPr>
+              <a:t> mocked = </a:t>
+            </a:r>
+            <a:r>
+              <a:rPr lang="en-US" sz="2000" b="1" dirty="0" err="1">
+                <a:latin typeface="Courier" pitchFamily="2" charset="0"/>
+              </a:rPr>
+              <a:t>mockConstruction</a:t>
+            </a:r>
+            <a:r>
+              <a:rPr lang="en-US" sz="2000" dirty="0">
+                <a:latin typeface="Courier" pitchFamily="2" charset="0"/>
+              </a:rPr>
+              <a:t>(</a:t>
+            </a:r>
+            <a:r>
+              <a:rPr lang="en-US" sz="2000" dirty="0" err="1">
+                <a:latin typeface="Courier" pitchFamily="2" charset="0"/>
+              </a:rPr>
+              <a:t>Foo.class</a:t>
+            </a:r>
+            <a:r>
+              <a:rPr lang="en-US" sz="2000" dirty="0">
+                <a:latin typeface="Courier" pitchFamily="2" charset="0"/>
+              </a:rPr>
+              <a:t>), </a:t>
+            </a:r>
+          </a:p>
+          <a:p>
+            <a:pPr marL="0" indent="0">
+              <a:buNone/>
+            </a:pPr>
+            <a:r>
+              <a:rPr lang="en-US" sz="2000" dirty="0">
+                <a:latin typeface="Courier" pitchFamily="2" charset="0"/>
+              </a:rPr>
+              <a:t>   (mock, context) -&gt; { when(</a:t>
+            </a:r>
+            <a:r>
+              <a:rPr lang="en-US" sz="2000" dirty="0" err="1">
+                <a:latin typeface="Courier" pitchFamily="2" charset="0"/>
+              </a:rPr>
+              <a:t>mock.method</a:t>
+            </a:r>
+            <a:r>
+              <a:rPr lang="en-US" sz="2000" dirty="0">
+                <a:latin typeface="Courier" pitchFamily="2" charset="0"/>
+              </a:rPr>
+              <a:t>()).</a:t>
+            </a:r>
+            <a:r>
+              <a:rPr lang="en-US" sz="2000" dirty="0" err="1">
+                <a:latin typeface="Courier" pitchFamily="2" charset="0"/>
+              </a:rPr>
+              <a:t>thenReturn</a:t>
+            </a:r>
+            <a:r>
+              <a:rPr lang="en-US" sz="2000" dirty="0">
+                <a:latin typeface="Courier" pitchFamily="2" charset="0"/>
+              </a:rPr>
+              <a:t>("bar"); }) {</a:t>
+            </a:r>
+          </a:p>
+          <a:p>
+            <a:pPr marL="0" indent="0">
+              <a:buNone/>
+            </a:pPr>
+            <a:r>
+              <a:rPr lang="en-US" sz="2000" dirty="0">
+                <a:latin typeface="Courier" pitchFamily="2" charset="0"/>
+              </a:rPr>
+              <a:t>   </a:t>
+            </a:r>
+            <a:r>
+              <a:rPr lang="en-US" sz="2000" dirty="0">
+                <a:solidFill>
+                  <a:schemeClr val="bg1">
+                    <a:lumMod val="50000"/>
+                  </a:schemeClr>
+                </a:solidFill>
+                <a:latin typeface="Courier" pitchFamily="2" charset="0"/>
+              </a:rPr>
+              <a:t>// Calling the constructor now creates a mock!</a:t>
+            </a:r>
+          </a:p>
+          <a:p>
+            <a:pPr marL="0" indent="0">
+              <a:buNone/>
+            </a:pPr>
+            <a:r>
+              <a:rPr lang="en-US" sz="2000" dirty="0">
+                <a:latin typeface="Courier" pitchFamily="2" charset="0"/>
+              </a:rPr>
+              <a:t>   Foo foo = new Foo();</a:t>
+            </a:r>
+          </a:p>
+          <a:p>
+            <a:pPr marL="0" indent="0">
+              <a:buNone/>
+            </a:pPr>
+            <a:r>
+              <a:rPr lang="en-US" sz="2000" dirty="0">
+                <a:latin typeface="Courier" pitchFamily="2" charset="0"/>
+              </a:rPr>
+              <a:t>   </a:t>
+            </a:r>
+            <a:r>
+              <a:rPr lang="en-US" sz="2000" dirty="0" err="1">
+                <a:latin typeface="Courier" pitchFamily="2" charset="0"/>
+              </a:rPr>
+              <a:t>assertEquals</a:t>
+            </a:r>
+            <a:r>
+              <a:rPr lang="en-US" sz="2000" dirty="0">
+                <a:latin typeface="Courier" pitchFamily="2" charset="0"/>
+              </a:rPr>
+              <a:t>("bar", </a:t>
+            </a:r>
+            <a:r>
+              <a:rPr lang="en-US" sz="2000" dirty="0" err="1">
+                <a:latin typeface="Courier" pitchFamily="2" charset="0"/>
+              </a:rPr>
+              <a:t>foo.method</a:t>
+            </a:r>
+            <a:r>
+              <a:rPr lang="en-US" sz="2000" dirty="0">
+                <a:latin typeface="Courier" pitchFamily="2" charset="0"/>
+              </a:rPr>
+              <a:t>());</a:t>
+            </a:r>
+          </a:p>
+          <a:p>
+            <a:pPr marL="0" indent="0">
+              <a:buNone/>
+            </a:pPr>
+            <a:r>
+              <a:rPr lang="en-US" sz="2000" dirty="0">
+                <a:latin typeface="Courier" pitchFamily="2" charset="0"/>
+              </a:rPr>
+              <a:t>   verify(foo).method();</a:t>
+            </a:r>
+          </a:p>
+          <a:p>
+            <a:pPr marL="0" indent="0">
+              <a:buNone/>
+            </a:pPr>
+            <a:r>
+              <a:rPr lang="en-US" sz="2000" dirty="0">
+                <a:latin typeface="Courier" pitchFamily="2" charset="0"/>
+              </a:rPr>
+              <a:t>}</a:t>
+            </a:r>
+          </a:p>
+          <a:p>
+            <a:pPr marL="0" indent="0">
+              <a:buNone/>
+            </a:pPr>
+            <a:r>
+              <a:rPr lang="en-US" sz="2000" dirty="0" err="1">
+                <a:latin typeface="Courier" pitchFamily="2" charset="0"/>
+              </a:rPr>
+              <a:t>assertEquals</a:t>
+            </a:r>
+            <a:r>
+              <a:rPr lang="en-US" sz="2000" dirty="0">
+                <a:latin typeface="Courier" pitchFamily="2" charset="0"/>
+              </a:rPr>
+              <a:t>("foo", new Foo().method());</a:t>
             </a:r>
           </a:p>
         </p:txBody>
@@ -5092,7 +5092,7 @@
     </p:spTree>
     <p:extLst>
       <p:ext uri="{BB962C8B-B14F-4D97-AF65-F5344CB8AC3E}">
-        <p14:creationId xmlns:p14="http://schemas.microsoft.com/office/powerpoint/2010/main" val="878151754"/>
+        <p14:creationId xmlns:p14="http://schemas.microsoft.com/office/powerpoint/2010/main" val="3395650808"/>
       </p:ext>
     </p:extLst>
   </p:cSld>
@@ -5140,7 +5140,10 @@
           <a:bodyPr/>
           <a:lstStyle/>
           <a:p>
-            <a:endParaRPr lang="en-US"/>
+            <a:r>
+              <a:rPr lang="en-US" dirty="0"/>
+              <a:t>Argument captors</a:t>
+            </a:r>
           </a:p>
         </p:txBody>
       </p:sp>
@@ -5165,14 +5168,53 @@
           <a:bodyPr/>
           <a:lstStyle/>
           <a:p>
-            <a:endParaRPr lang="en-US"/>
+            <a:r>
+              <a:rPr lang="en-US" dirty="0"/>
+              <a:t>Special type of argument matcher that allows capturing arguments (</a:t>
+            </a:r>
+            <a:r>
+              <a:rPr lang="en-US" i="1" dirty="0"/>
+              <a:t>aka</a:t>
+            </a:r>
+            <a:r>
+              <a:rPr lang="en-US" dirty="0"/>
+              <a:t> indirect outputs) to stubs, mocks and spies. </a:t>
+            </a:r>
+          </a:p>
+          <a:p>
+            <a:r>
+              <a:rPr lang="en-US" dirty="0"/>
+              <a:t>Allowing the test to gain access to the captured indirect outputs.</a:t>
+            </a:r>
+          </a:p>
+          <a:p>
+            <a:r>
+              <a:rPr lang="en-US" dirty="0">
+                <a:latin typeface="Courier" pitchFamily="2" charset="0"/>
+              </a:rPr>
+              <a:t>@Captor</a:t>
+            </a:r>
+            <a:r>
+              <a:rPr lang="en-US" dirty="0"/>
+              <a:t> annotation simplifies creation of </a:t>
+            </a:r>
+            <a:r>
+              <a:rPr lang="en-US" dirty="0" err="1">
+                <a:latin typeface="Courier" pitchFamily="2" charset="0"/>
+              </a:rPr>
+              <a:t>ArgumentCaptor</a:t>
+            </a:r>
+            <a:r>
+              <a:rPr lang="en-US" dirty="0"/>
+              <a:t>.</a:t>
+            </a:r>
           </a:p>
         </p:txBody>
       </p:sp>
     </p:spTree>
     <p:extLst>
       <p:ext uri="{BB962C8B-B14F-4D97-AF65-F5344CB8AC3E}">
-        <p14:creationId xmlns:p14="http://schemas.microsoft.com/office/powerpoint/2010/main" val="2266184385"/>
+        <p14:creationId xmlns:p14="http://schemas.microsoft.com/office/powerpoint/2010/main" val="453254020"/>
       </p:ext>
     </p:extLst>
   </p:cSld>
@@ -5220,7 +5262,25 @@
           <a:bodyPr/>
           <a:lstStyle/>
           <a:p>
-            <a:endParaRPr lang="en-US"/>
+            <a:r>
+              <a:rPr lang="en-US" dirty="0"/>
+              <a:t>Dependency injection with </a:t>
+            </a:r>
+            <a:r>
+              <a:rPr lang="en-US" dirty="0">
+                <a:latin typeface="Courier" pitchFamily="2" charset="0"/>
+              </a:rPr>
+              <a:t>@</a:t>
+            </a:r>
+            <a:r>
+              <a:rPr lang="en-US" dirty="0" err="1">
+                <a:latin typeface="Courier" pitchFamily="2" charset="0"/>
+              </a:rPr>
+              <a:t>InjectMocks</a:t>
+            </a:r>
+            <a:endParaRPr lang="en-US" dirty="0">
+              <a:latin typeface="Courier" pitchFamily="2" charset="0"/>
+            </a:endParaRPr>
           </a:p>
         </p:txBody>
       </p:sp>
@@ -5245,14 +5305,49 @@
           <a:bodyPr/>
           <a:lstStyle/>
           <a:p>
-            <a:endParaRPr lang="en-US"/>
+            <a:r>
+              <a:rPr lang="en-US" dirty="0">
+                <a:latin typeface="Courier" pitchFamily="2" charset="0"/>
+              </a:rPr>
+              <a:t>@</a:t>
+            </a:r>
+            <a:r>
+              <a:rPr lang="en-US" dirty="0" err="1">
+                <a:latin typeface="Courier" pitchFamily="2" charset="0"/>
+              </a:rPr>
+              <a:t>InjectMocks</a:t>
+            </a:r>
+            <a:r>
+              <a:rPr lang="en-US" dirty="0"/>
+              <a:t> annotation will automatically inject mocks or spies into the SUT.</a:t>
+            </a:r>
+          </a:p>
+          <a:p>
+            <a:pPr lvl="1"/>
+            <a:r>
+              <a:rPr lang="en-US" dirty="0"/>
+              <a:t>Use this annotation on the SUT.</a:t>
+            </a:r>
+          </a:p>
+          <a:p>
+            <a:pPr lvl="1"/>
+            <a:r>
+              <a:rPr lang="en-US" dirty="0"/>
+              <a:t>Uses constructor or setter dependency injection. Favor constructor dependency injection.</a:t>
+            </a:r>
+          </a:p>
+          <a:p>
+            <a:endParaRPr lang="en-US" dirty="0"/>
+          </a:p>
+          <a:p>
+            <a:endParaRPr lang="en-US" dirty="0"/>
           </a:p>
         </p:txBody>
       </p:sp>
     </p:spTree>
     <p:extLst>
       <p:ext uri="{BB962C8B-B14F-4D97-AF65-F5344CB8AC3E}">
-        <p14:creationId xmlns:p14="http://schemas.microsoft.com/office/powerpoint/2010/main" val="661189816"/>
+        <p14:creationId xmlns:p14="http://schemas.microsoft.com/office/powerpoint/2010/main" val="728773568"/>
       </p:ext>
     </p:extLst>
   </p:cSld>
@@ -5332,7 +5427,7 @@
     </p:spTree>
     <p:extLst>
       <p:ext uri="{BB962C8B-B14F-4D97-AF65-F5344CB8AC3E}">
-        <p14:creationId xmlns:p14="http://schemas.microsoft.com/office/powerpoint/2010/main" val="794809592"/>
+        <p14:creationId xmlns:p14="http://schemas.microsoft.com/office/powerpoint/2010/main" val="2266184385"/>
       </p:ext>
     </p:extLst>
   </p:cSld>
@@ -5529,7 +5624,7 @@
     </p:spTree>
     <p:extLst>
       <p:ext uri="{BB962C8B-B14F-4D97-AF65-F5344CB8AC3E}">
-        <p14:creationId xmlns:p14="http://schemas.microsoft.com/office/powerpoint/2010/main" val="208225179"/>
+        <p14:creationId xmlns:p14="http://schemas.microsoft.com/office/powerpoint/2010/main" val="661189816"/>
       </p:ext>
     </p:extLst>
   </p:cSld>
@@ -5609,7 +5704,7 @@
     </p:spTree>
     <p:extLst>
       <p:ext uri="{BB962C8B-B14F-4D97-AF65-F5344CB8AC3E}">
-        <p14:creationId xmlns:p14="http://schemas.microsoft.com/office/powerpoint/2010/main" val="2565634564"/>
+        <p14:creationId xmlns:p14="http://schemas.microsoft.com/office/powerpoint/2010/main" val="794809592"/>
       </p:ext>
     </p:extLst>
   </p:cSld>
@@ -5689,7 +5784,7 @@
     </p:spTree>
     <p:extLst>
       <p:ext uri="{BB962C8B-B14F-4D97-AF65-F5344CB8AC3E}">
-        <p14:creationId xmlns:p14="http://schemas.microsoft.com/office/powerpoint/2010/main" val="3567679444"/>
+        <p14:creationId xmlns:p14="http://schemas.microsoft.com/office/powerpoint/2010/main" val="208225179"/>
       </p:ext>
     </p:extLst>
   </p:cSld>
@@ -5769,7 +5864,7 @@
     </p:spTree>
     <p:extLst>
       <p:ext uri="{BB962C8B-B14F-4D97-AF65-F5344CB8AC3E}">
-        <p14:creationId xmlns:p14="http://schemas.microsoft.com/office/powerpoint/2010/main" val="2412694539"/>
+        <p14:creationId xmlns:p14="http://schemas.microsoft.com/office/powerpoint/2010/main" val="2565634564"/>
       </p:ext>
     </p:extLst>
   </p:cSld>
@@ -5817,10 +5912,7 @@
           <a:bodyPr/>
           <a:lstStyle/>
           <a:p>
-            <a:r>
-              <a:rPr lang="en-US" dirty="0"/>
-              <a:t>Argument captors</a:t>
-            </a:r>
+            <a:endParaRPr lang="en-US"/>
           </a:p>
         </p:txBody>
       </p:sp>
@@ -5845,31 +5937,14 @@
           <a:bodyPr/>
           <a:lstStyle/>
           <a:p>
-            <a:r>
-              <a:rPr lang="en-US" dirty="0"/>
-              <a:t>Special type of argument matcher that allows capturing indirect outputs to mocks and spies and allowing the test to gain access to the captured indirect outputs.</a:t>
-            </a:r>
-          </a:p>
-          <a:p>
-            <a:r>
-              <a:rPr lang="en-US" dirty="0"/>
-              <a:t>@Captor annotation simplifies creation of </a:t>
-            </a:r>
-            <a:r>
-              <a:rPr lang="en-US" dirty="0" err="1"/>
-              <a:t>ArgumentCaptor</a:t>
-            </a:r>
-            <a:r>
-              <a:rPr lang="en-US" dirty="0"/>
-              <a:t>.</a:t>
-            </a:r>
+            <a:endParaRPr lang="en-US"/>
           </a:p>
         </p:txBody>
       </p:sp>
     </p:spTree>
     <p:extLst>
       <p:ext uri="{BB962C8B-B14F-4D97-AF65-F5344CB8AC3E}">
-        <p14:creationId xmlns:p14="http://schemas.microsoft.com/office/powerpoint/2010/main" val="453254020"/>
+        <p14:creationId xmlns:p14="http://schemas.microsoft.com/office/powerpoint/2010/main" val="3567679444"/>
       </p:ext>
     </p:extLst>
   </p:cSld>
@@ -5917,25 +5992,7 @@
           <a:bodyPr/>
           <a:lstStyle/>
           <a:p>
-            <a:r>
-              <a:rPr lang="en-US" dirty="0"/>
-              <a:t>Dependency injection with </a:t>
-            </a:r>
-            <a:r>
-              <a:rPr lang="en-US" dirty="0">
-                <a:latin typeface="Courier" pitchFamily="2" charset="0"/>
-              </a:rPr>
-              <a:t>@</a:t>
-            </a:r>
-            <a:r>
-              <a:rPr lang="en-US" dirty="0" err="1">
-                <a:latin typeface="Courier" pitchFamily="2" charset="0"/>
-              </a:rPr>
-              <a:t>InjectMocks</a:t>
-            </a:r>
-            <a:endParaRPr lang="en-US" dirty="0">
-              <a:latin typeface="Courier" pitchFamily="2" charset="0"/>
-            </a:endParaRPr>
+            <a:endParaRPr lang="en-US"/>
           </a:p>
         </p:txBody>
       </p:sp>
@@ -5960,49 +6017,14 @@
           <a:bodyPr/>
           <a:lstStyle/>
           <a:p>
-            <a:r>
-              <a:rPr lang="en-US" dirty="0">
-                <a:latin typeface="Courier" pitchFamily="2" charset="0"/>
-              </a:rPr>
-              <a:t>@</a:t>
-            </a:r>
-            <a:r>
-              <a:rPr lang="en-US" dirty="0" err="1">
-                <a:latin typeface="Courier" pitchFamily="2" charset="0"/>
-              </a:rPr>
-              <a:t>InjectMocks</a:t>
-            </a:r>
-            <a:r>
-              <a:rPr lang="en-US" dirty="0"/>
-              <a:t> annotation will automatically inject mocks or spies into the SUT.</a:t>
-            </a:r>
-          </a:p>
-          <a:p>
-            <a:pPr lvl="1"/>
-            <a:r>
-              <a:rPr lang="en-US" dirty="0"/>
-              <a:t>Use this annotation on the SUT.</a:t>
-            </a:r>
-          </a:p>
-          <a:p>
-            <a:pPr lvl="1"/>
-            <a:r>
-              <a:rPr lang="en-US" dirty="0"/>
-              <a:t>Uses constructor or setter dependency injection. Favor constructor dependency injection.</a:t>
-            </a:r>
-          </a:p>
-          <a:p>
-            <a:endParaRPr lang="en-US" dirty="0"/>
-          </a:p>
-          <a:p>
-            <a:endParaRPr lang="en-US" dirty="0"/>
+            <a:endParaRPr lang="en-US"/>
           </a:p>
         </p:txBody>
       </p:sp>
     </p:spTree>
     <p:extLst>
       <p:ext uri="{BB962C8B-B14F-4D97-AF65-F5344CB8AC3E}">
-        <p14:creationId xmlns:p14="http://schemas.microsoft.com/office/powerpoint/2010/main" val="728773568"/>
+        <p14:creationId xmlns:p14="http://schemas.microsoft.com/office/powerpoint/2010/main" val="2412694539"/>
       </p:ext>
     </p:extLst>
   </p:cSld>
@@ -6290,7 +6312,14 @@
             <a:pPr lvl="1"/>
             <a:r>
               <a:rPr lang="en-US" dirty="0"/>
-              <a:t>Allows implementing only the methods of interest and leave the rest abstract.</a:t>
+              <a:t>Allows spying methods of interest.</a:t>
+            </a:r>
+          </a:p>
+          <a:p>
+            <a:pPr lvl="1"/>
+            <a:r>
+              <a:rPr lang="en-US" dirty="0"/>
+              <a:t>Real objects or abstract base classes.</a:t>
             </a:r>
           </a:p>
           <a:p>
@@ -7436,16 +7465,10 @@
               <a:rPr lang="en-US" dirty="0">
                 <a:latin typeface="Courier" pitchFamily="2" charset="0"/>
               </a:rPr>
-              <a:t>any(</a:t>
-            </a:r>
-            <a:r>
-              <a:rPr lang="en-US">
-                <a:latin typeface="Courier" pitchFamily="2" charset="0"/>
-              </a:rPr>
-              <a:t>Class)</a:t>
-            </a:r>
-            <a:r>
-              <a:rPr lang="en-US"/>
+              <a:t>any(Class)</a:t>
+            </a:r>
+            <a:r>
+              <a:rPr lang="en-US" dirty="0"/>
               <a:t>, others</a:t>
             </a:r>
             <a:endParaRPr lang="en-US" dirty="0">

--- a/presentations/Introduction to Mockito.pptx
+++ b/presentations/Introduction to Mockito.pptx
@@ -283,7 +283,7 @@
           <a:p>
             <a:fld id="{B38EF465-D677-F140-82CD-891C0463380E}" type="datetimeFigureOut">
               <a:rPr lang="en-US" smtClean="0"/>
-              <a:t>10/18/21</a:t>
+              <a:t>10/24/21</a:t>
             </a:fld>
             <a:endParaRPr lang="en-US"/>
           </a:p>
@@ -481,7 +481,7 @@
           <a:p>
             <a:fld id="{B38EF465-D677-F140-82CD-891C0463380E}" type="datetimeFigureOut">
               <a:rPr lang="en-US" smtClean="0"/>
-              <a:t>10/18/21</a:t>
+              <a:t>10/24/21</a:t>
             </a:fld>
             <a:endParaRPr lang="en-US"/>
           </a:p>
@@ -689,7 +689,7 @@
           <a:p>
             <a:fld id="{B38EF465-D677-F140-82CD-891C0463380E}" type="datetimeFigureOut">
               <a:rPr lang="en-US" smtClean="0"/>
-              <a:t>10/18/21</a:t>
+              <a:t>10/24/21</a:t>
             </a:fld>
             <a:endParaRPr lang="en-US"/>
           </a:p>
@@ -887,7 +887,7 @@
           <a:p>
             <a:fld id="{B38EF465-D677-F140-82CD-891C0463380E}" type="datetimeFigureOut">
               <a:rPr lang="en-US" smtClean="0"/>
-              <a:t>10/18/21</a:t>
+              <a:t>10/24/21</a:t>
             </a:fld>
             <a:endParaRPr lang="en-US"/>
           </a:p>
@@ -1162,7 +1162,7 @@
           <a:p>
             <a:fld id="{B38EF465-D677-F140-82CD-891C0463380E}" type="datetimeFigureOut">
               <a:rPr lang="en-US" smtClean="0"/>
-              <a:t>10/18/21</a:t>
+              <a:t>10/24/21</a:t>
             </a:fld>
             <a:endParaRPr lang="en-US"/>
           </a:p>
@@ -1427,7 +1427,7 @@
           <a:p>
             <a:fld id="{B38EF465-D677-F140-82CD-891C0463380E}" type="datetimeFigureOut">
               <a:rPr lang="en-US" smtClean="0"/>
-              <a:t>10/18/21</a:t>
+              <a:t>10/24/21</a:t>
             </a:fld>
             <a:endParaRPr lang="en-US"/>
           </a:p>
@@ -1839,7 +1839,7 @@
           <a:p>
             <a:fld id="{B38EF465-D677-F140-82CD-891C0463380E}" type="datetimeFigureOut">
               <a:rPr lang="en-US" smtClean="0"/>
-              <a:t>10/18/21</a:t>
+              <a:t>10/24/21</a:t>
             </a:fld>
             <a:endParaRPr lang="en-US"/>
           </a:p>
@@ -1980,7 +1980,7 @@
           <a:p>
             <a:fld id="{B38EF465-D677-F140-82CD-891C0463380E}" type="datetimeFigureOut">
               <a:rPr lang="en-US" smtClean="0"/>
-              <a:t>10/18/21</a:t>
+              <a:t>10/24/21</a:t>
             </a:fld>
             <a:endParaRPr lang="en-US"/>
           </a:p>
@@ -2093,7 +2093,7 @@
           <a:p>
             <a:fld id="{B38EF465-D677-F140-82CD-891C0463380E}" type="datetimeFigureOut">
               <a:rPr lang="en-US" smtClean="0"/>
-              <a:t>10/18/21</a:t>
+              <a:t>10/24/21</a:t>
             </a:fld>
             <a:endParaRPr lang="en-US"/>
           </a:p>
@@ -2404,7 +2404,7 @@
           <a:p>
             <a:fld id="{B38EF465-D677-F140-82CD-891C0463380E}" type="datetimeFigureOut">
               <a:rPr lang="en-US" smtClean="0"/>
-              <a:t>10/18/21</a:t>
+              <a:t>10/24/21</a:t>
             </a:fld>
             <a:endParaRPr lang="en-US"/>
           </a:p>
@@ -2692,7 +2692,7 @@
           <a:p>
             <a:fld id="{B38EF465-D677-F140-82CD-891C0463380E}" type="datetimeFigureOut">
               <a:rPr lang="en-US" smtClean="0"/>
-              <a:t>10/18/21</a:t>
+              <a:t>10/24/21</a:t>
             </a:fld>
             <a:endParaRPr lang="en-US"/>
           </a:p>
@@ -2933,7 +2933,7 @@
           <a:p>
             <a:fld id="{B38EF465-D677-F140-82CD-891C0463380E}" type="datetimeFigureOut">
               <a:rPr lang="en-US" smtClean="0"/>
-              <a:t>10/18/21</a:t>
+              <a:t>10/24/21</a:t>
             </a:fld>
             <a:endParaRPr lang="en-US"/>
           </a:p>
@@ -6098,7 +6098,7 @@
         <p:spPr/>
         <p:txBody>
           <a:bodyPr>
-            <a:normAutofit lnSpcReduction="10000"/>
+            <a:normAutofit fontScale="92500"/>
           </a:bodyPr>
           <a:lstStyle/>
           <a:p>
@@ -6110,7 +6110,17 @@
           <a:p>
             <a:r>
               <a:rPr lang="en-US" dirty="0"/>
-              <a:t>Minimal annotation syntax sugar: @Mock.</a:t>
+              <a:t>Minimal annotation syntax sugar: </a:t>
+            </a:r>
+            <a:r>
+              <a:rPr lang="en-US" dirty="0">
+                <a:latin typeface="Courier" pitchFamily="2" charset="0"/>
+              </a:rPr>
+              <a:t>@Mock</a:t>
+            </a:r>
+            <a:r>
+              <a:rPr lang="en-US" dirty="0"/>
+              <a:t>.</a:t>
             </a:r>
           </a:p>
           <a:p>
@@ -6140,28 +6150,52 @@
           <a:p>
             <a:pPr lvl="1"/>
             <a:r>
-              <a:rPr lang="en-US" dirty="0" err="1"/>
+              <a:rPr lang="en-US" dirty="0" err="1">
+                <a:latin typeface="Courier" pitchFamily="2" charset="0"/>
+              </a:rPr>
               <a:t>anyObject</a:t>
             </a:r>
             <a:r>
-              <a:rPr lang="en-US" dirty="0"/>
-              <a:t>(), </a:t>
-            </a:r>
-            <a:r>
-              <a:rPr lang="en-US" dirty="0" err="1"/>
+              <a:rPr lang="en-US" dirty="0">
+                <a:latin typeface="Courier" pitchFamily="2" charset="0"/>
+              </a:rPr>
+              <a:t>()</a:t>
+            </a:r>
+            <a:r>
+              <a:rPr lang="en-US" dirty="0"/>
+              <a:t>, </a:t>
+            </a:r>
+            <a:r>
+              <a:rPr lang="en-US" dirty="0" err="1">
+                <a:latin typeface="Courier" pitchFamily="2" charset="0"/>
+              </a:rPr>
               <a:t>anyString</a:t>
             </a:r>
             <a:r>
-              <a:rPr lang="en-US" dirty="0"/>
-              <a:t>() or </a:t>
-            </a:r>
-            <a:r>
-              <a:rPr lang="en-US" dirty="0" err="1"/>
+              <a:rPr lang="en-US" dirty="0">
+                <a:latin typeface="Courier" pitchFamily="2" charset="0"/>
+              </a:rPr>
+              <a:t>()</a:t>
+            </a:r>
+            <a:r>
+              <a:rPr lang="en-US" dirty="0"/>
+              <a:t> or </a:t>
+            </a:r>
+            <a:r>
+              <a:rPr lang="en-US" dirty="0" err="1">
+                <a:latin typeface="Courier" pitchFamily="2" charset="0"/>
+              </a:rPr>
               <a:t>refEq</a:t>
             </a:r>
             <a:r>
-              <a:rPr lang="en-US" dirty="0"/>
-              <a:t>() for reflection-based equality matching.</a:t>
+              <a:rPr lang="en-US" dirty="0">
+                <a:latin typeface="Courier" pitchFamily="2" charset="0"/>
+              </a:rPr>
+              <a:t>()</a:t>
+            </a:r>
+            <a:r>
+              <a:rPr lang="en-US" dirty="0"/>
+              <a:t> for reflection-based equality matching.</a:t>
             </a:r>
           </a:p>
           <a:p>

--- a/presentations/Introduction to Mockito.pptx
+++ b/presentations/Introduction to Mockito.pptx
@@ -23,13 +23,6 @@
     <p:sldId id="267" r:id="rId17"/>
     <p:sldId id="276" r:id="rId18"/>
     <p:sldId id="277" r:id="rId19"/>
-    <p:sldId id="269" r:id="rId20"/>
-    <p:sldId id="270" r:id="rId21"/>
-    <p:sldId id="271" r:id="rId22"/>
-    <p:sldId id="272" r:id="rId23"/>
-    <p:sldId id="273" r:id="rId24"/>
-    <p:sldId id="274" r:id="rId25"/>
-    <p:sldId id="275" r:id="rId26"/>
   </p:sldIdLst>
   <p:sldSz cx="12192000" cy="6858000"/>
   <p:notesSz cx="6858000" cy="9144000"/>
@@ -283,7 +276,7 @@
           <a:p>
             <a:fld id="{B38EF465-D677-F140-82CD-891C0463380E}" type="datetimeFigureOut">
               <a:rPr lang="en-US" smtClean="0"/>
-              <a:t>10/24/21</a:t>
+              <a:t>10/27/21</a:t>
             </a:fld>
             <a:endParaRPr lang="en-US"/>
           </a:p>
@@ -481,7 +474,7 @@
           <a:p>
             <a:fld id="{B38EF465-D677-F140-82CD-891C0463380E}" type="datetimeFigureOut">
               <a:rPr lang="en-US" smtClean="0"/>
-              <a:t>10/24/21</a:t>
+              <a:t>10/27/21</a:t>
             </a:fld>
             <a:endParaRPr lang="en-US"/>
           </a:p>
@@ -689,7 +682,7 @@
           <a:p>
             <a:fld id="{B38EF465-D677-F140-82CD-891C0463380E}" type="datetimeFigureOut">
               <a:rPr lang="en-US" smtClean="0"/>
-              <a:t>10/24/21</a:t>
+              <a:t>10/27/21</a:t>
             </a:fld>
             <a:endParaRPr lang="en-US"/>
           </a:p>
@@ -887,7 +880,7 @@
           <a:p>
             <a:fld id="{B38EF465-D677-F140-82CD-891C0463380E}" type="datetimeFigureOut">
               <a:rPr lang="en-US" smtClean="0"/>
-              <a:t>10/24/21</a:t>
+              <a:t>10/27/21</a:t>
             </a:fld>
             <a:endParaRPr lang="en-US"/>
           </a:p>
@@ -1162,7 +1155,7 @@
           <a:p>
             <a:fld id="{B38EF465-D677-F140-82CD-891C0463380E}" type="datetimeFigureOut">
               <a:rPr lang="en-US" smtClean="0"/>
-              <a:t>10/24/21</a:t>
+              <a:t>10/27/21</a:t>
             </a:fld>
             <a:endParaRPr lang="en-US"/>
           </a:p>
@@ -1427,7 +1420,7 @@
           <a:p>
             <a:fld id="{B38EF465-D677-F140-82CD-891C0463380E}" type="datetimeFigureOut">
               <a:rPr lang="en-US" smtClean="0"/>
-              <a:t>10/24/21</a:t>
+              <a:t>10/27/21</a:t>
             </a:fld>
             <a:endParaRPr lang="en-US"/>
           </a:p>
@@ -1839,7 +1832,7 @@
           <a:p>
             <a:fld id="{B38EF465-D677-F140-82CD-891C0463380E}" type="datetimeFigureOut">
               <a:rPr lang="en-US" smtClean="0"/>
-              <a:t>10/24/21</a:t>
+              <a:t>10/27/21</a:t>
             </a:fld>
             <a:endParaRPr lang="en-US"/>
           </a:p>
@@ -1980,7 +1973,7 @@
           <a:p>
             <a:fld id="{B38EF465-D677-F140-82CD-891C0463380E}" type="datetimeFigureOut">
               <a:rPr lang="en-US" smtClean="0"/>
-              <a:t>10/24/21</a:t>
+              <a:t>10/27/21</a:t>
             </a:fld>
             <a:endParaRPr lang="en-US"/>
           </a:p>
@@ -2093,7 +2086,7 @@
           <a:p>
             <a:fld id="{B38EF465-D677-F140-82CD-891C0463380E}" type="datetimeFigureOut">
               <a:rPr lang="en-US" smtClean="0"/>
-              <a:t>10/24/21</a:t>
+              <a:t>10/27/21</a:t>
             </a:fld>
             <a:endParaRPr lang="en-US"/>
           </a:p>
@@ -2404,7 +2397,7 @@
           <a:p>
             <a:fld id="{B38EF465-D677-F140-82CD-891C0463380E}" type="datetimeFigureOut">
               <a:rPr lang="en-US" smtClean="0"/>
-              <a:t>10/24/21</a:t>
+              <a:t>10/27/21</a:t>
             </a:fld>
             <a:endParaRPr lang="en-US"/>
           </a:p>
@@ -2692,7 +2685,7 @@
           <a:p>
             <a:fld id="{B38EF465-D677-F140-82CD-891C0463380E}" type="datetimeFigureOut">
               <a:rPr lang="en-US" smtClean="0"/>
-              <a:t>10/24/21</a:t>
+              <a:t>10/27/21</a:t>
             </a:fld>
             <a:endParaRPr lang="en-US"/>
           </a:p>
@@ -2933,7 +2926,7 @@
           <a:p>
             <a:fld id="{B38EF465-D677-F140-82CD-891C0463380E}" type="datetimeFigureOut">
               <a:rPr lang="en-US" smtClean="0"/>
-              <a:t>10/24/21</a:t>
+              <a:t>10/27/21</a:t>
             </a:fld>
             <a:endParaRPr lang="en-US"/>
           </a:p>
@@ -4396,7 +4389,13 @@
               <a:rPr lang="en-US" sz="2000" dirty="0" err="1">
                 <a:latin typeface="Courier" pitchFamily="2" charset="0"/>
               </a:rPr>
-              <a:t>Foo.method</a:t>
+              <a:t>Foo.</a:t>
+            </a:r>
+            <a:r>
+              <a:rPr lang="en-US" sz="2000" i="1" dirty="0" err="1">
+                <a:latin typeface="Courier" pitchFamily="2" charset="0"/>
+              </a:rPr>
+              <a:t>getName</a:t>
             </a:r>
             <a:r>
               <a:rPr lang="en-US" sz="2000" dirty="0">
@@ -4527,7 +4526,19 @@
               <a:rPr lang="en-US" sz="2000" dirty="0">
                 <a:latin typeface="Courier" pitchFamily="2" charset="0"/>
               </a:rPr>
-              <a:t>(Foo::method).</a:t>
+              <a:t>(Foo::</a:t>
+            </a:r>
+            <a:r>
+              <a:rPr lang="en-US" sz="2000" i="1" dirty="0" err="1">
+                <a:latin typeface="Courier" pitchFamily="2" charset="0"/>
+              </a:rPr>
+              <a:t>getName</a:t>
+            </a:r>
+            <a:r>
+              <a:rPr lang="en-US" sz="2000" dirty="0">
+                <a:latin typeface="Courier" pitchFamily="2" charset="0"/>
+              </a:rPr>
+              <a:t>).</a:t>
             </a:r>
             <a:r>
               <a:rPr lang="en-US" sz="2000" dirty="0" err="1">
@@ -4568,7 +4579,13 @@
               <a:rPr lang="en-US" sz="2000" dirty="0" err="1">
                 <a:latin typeface="Courier" pitchFamily="2" charset="0"/>
               </a:rPr>
-              <a:t>Foo.method</a:t>
+              <a:t>Foo.</a:t>
+            </a:r>
+            <a:r>
+              <a:rPr lang="en-US" sz="2000" i="1" dirty="0" err="1">
+                <a:latin typeface="Courier" pitchFamily="2" charset="0"/>
+              </a:rPr>
+              <a:t>getName</a:t>
             </a:r>
             <a:r>
               <a:rPr lang="en-US" sz="2000" dirty="0">
@@ -4597,7 +4614,19 @@
               <a:rPr lang="en-US" sz="2000" dirty="0">
                 <a:latin typeface="Courier" pitchFamily="2" charset="0"/>
               </a:rPr>
-              <a:t>(Foo::method);</a:t>
+              <a:t>(Foo::</a:t>
+            </a:r>
+            <a:r>
+              <a:rPr lang="en-US" sz="2000" i="1" dirty="0" err="1">
+                <a:latin typeface="Courier" pitchFamily="2" charset="0"/>
+              </a:rPr>
+              <a:t>getName</a:t>
+            </a:r>
+            <a:r>
+              <a:rPr lang="en-US" sz="2000" dirty="0">
+                <a:latin typeface="Courier" pitchFamily="2" charset="0"/>
+              </a:rPr>
+              <a:t>);</a:t>
             </a:r>
           </a:p>
           <a:p>
@@ -4631,7 +4660,13 @@
               <a:rPr lang="en-US" sz="2000" dirty="0" err="1">
                 <a:latin typeface="Courier" pitchFamily="2" charset="0"/>
               </a:rPr>
-              <a:t>Foo.method</a:t>
+              <a:t>Foo.</a:t>
+            </a:r>
+            <a:r>
+              <a:rPr lang="en-US" sz="2000" i="1" dirty="0" err="1">
+                <a:latin typeface="Courier" pitchFamily="2" charset="0"/>
+              </a:rPr>
+              <a:t>getName</a:t>
             </a:r>
             <a:r>
               <a:rPr lang="en-US" sz="2000" dirty="0">
@@ -4895,13 +4930,25 @@
               <a:rPr lang="en-US" sz="2000" dirty="0">
                 <a:latin typeface="Courier" pitchFamily="2" charset="0"/>
               </a:rPr>
-              <a:t>("foo", new Foo().method());</a:t>
-            </a:r>
-          </a:p>
-          <a:p>
-            <a:pPr marL="0" indent="0">
-              <a:buNone/>
-            </a:pPr>
+              <a:t>("foo", new Foo().</a:t>
+            </a:r>
+            <a:r>
+              <a:rPr lang="en-US" sz="2000" dirty="0" err="1">
+                <a:latin typeface="Courier" pitchFamily="2" charset="0"/>
+              </a:rPr>
+              <a:t>getName</a:t>
+            </a:r>
+            <a:r>
+              <a:rPr lang="en-US" sz="2000" dirty="0">
+                <a:latin typeface="Courier" pitchFamily="2" charset="0"/>
+              </a:rPr>
+              <a:t>());</a:t>
+            </a:r>
+            <a:br>
+              <a:rPr lang="en-US" sz="2000" dirty="0">
+                <a:latin typeface="Courier" pitchFamily="2" charset="0"/>
+              </a:rPr>
+            </a:br>
             <a:r>
               <a:rPr lang="en-US" sz="2000" dirty="0">
                 <a:latin typeface="Courier" pitchFamily="2" charset="0"/>
@@ -4942,13 +4989,13 @@
               <a:rPr lang="en-US" sz="2000" dirty="0">
                 <a:latin typeface="Courier" pitchFamily="2" charset="0"/>
               </a:rPr>
-              <a:t>), </a:t>
-            </a:r>
-          </a:p>
-          <a:p>
-            <a:pPr marL="0" indent="0">
-              <a:buNone/>
-            </a:pPr>
+              <a:t>),</a:t>
+            </a:r>
+            <a:br>
+              <a:rPr lang="en-US" sz="2000" dirty="0">
+                <a:latin typeface="Courier" pitchFamily="2" charset="0"/>
+              </a:rPr>
+            </a:br>
             <a:r>
               <a:rPr lang="en-US" sz="2000" dirty="0">
                 <a:latin typeface="Courier" pitchFamily="2" charset="0"/>
@@ -4959,7 +5006,7 @@
               <a:rPr lang="en-US" sz="2000" dirty="0" err="1">
                 <a:latin typeface="Courier" pitchFamily="2" charset="0"/>
               </a:rPr>
-              <a:t>mock.method</a:t>
+              <a:t>mock.getName</a:t>
             </a:r>
             <a:r>
               <a:rPr lang="en-US" sz="2000" dirty="0">
@@ -4979,11 +5026,11 @@
               </a:rPr>
               <a:t>("bar"); }) {</a:t>
             </a:r>
-          </a:p>
-          <a:p>
-            <a:pPr marL="0" indent="0">
-              <a:buNone/>
-            </a:pPr>
+            <a:br>
+              <a:rPr lang="en-US" sz="2000" dirty="0">
+                <a:latin typeface="Courier" pitchFamily="2" charset="0"/>
+              </a:rPr>
+            </a:br>
             <a:r>
               <a:rPr lang="en-US" sz="2000" dirty="0">
                 <a:latin typeface="Courier" pitchFamily="2" charset="0"/>
@@ -5001,90 +5048,214 @@
               </a:rPr>
               <a:t>// Calling the constructor now creates a mock!</a:t>
             </a:r>
-          </a:p>
-          <a:p>
-            <a:pPr marL="0" indent="0">
-              <a:buNone/>
-            </a:pPr>
-            <a:r>
-              <a:rPr lang="en-US" sz="2000" dirty="0">
-                <a:latin typeface="Courier" pitchFamily="2" charset="0"/>
-              </a:rPr>
-              <a:t>   Foo foo = new Foo();</a:t>
-            </a:r>
-          </a:p>
-          <a:p>
-            <a:pPr marL="0" indent="0">
-              <a:buNone/>
-            </a:pPr>
-            <a:r>
-              <a:rPr lang="en-US" sz="2000" dirty="0">
+            <a:br>
+              <a:rPr lang="en-US" sz="2000" dirty="0">
+                <a:solidFill>
+                  <a:schemeClr val="bg1">
+                    <a:lumMod val="50000"/>
+                  </a:schemeClr>
+                </a:solidFill>
+                <a:latin typeface="Courier" pitchFamily="2" charset="0"/>
+              </a:rPr>
+            </a:br>
+            <a:r>
+              <a:rPr lang="en-US" sz="2000" dirty="0">
+                <a:latin typeface="Courier" pitchFamily="2" charset="0"/>
+              </a:rPr>
+              <a:t>   Foo foo = new Foo();  </a:t>
+            </a:r>
+            <a:r>
+              <a:rPr lang="en-US" sz="2000" dirty="0">
+                <a:solidFill>
+                  <a:schemeClr val="bg1">
+                    <a:lumMod val="50000"/>
+                  </a:schemeClr>
+                </a:solidFill>
+                <a:latin typeface="Courier" pitchFamily="2" charset="0"/>
+              </a:rPr>
+              <a:t>// foo is a mock object!</a:t>
+            </a:r>
+            <a:br>
+              <a:rPr lang="en-US" sz="2000" dirty="0">
+                <a:solidFill>
+                  <a:schemeClr val="bg1">
+                    <a:lumMod val="50000"/>
+                  </a:schemeClr>
+                </a:solidFill>
+                <a:latin typeface="Courier" pitchFamily="2" charset="0"/>
+              </a:rPr>
+            </a:br>
+            <a:br>
+              <a:rPr lang="en-US" sz="2000" dirty="0">
+                <a:solidFill>
+                  <a:schemeClr val="bg1">
+                    <a:lumMod val="50000"/>
+                  </a:schemeClr>
+                </a:solidFill>
+                <a:latin typeface="Courier" pitchFamily="2" charset="0"/>
+              </a:rPr>
+            </a:br>
+            <a:r>
+              <a:rPr lang="en-US" sz="2000" dirty="0">
+                <a:solidFill>
+                  <a:schemeClr val="bg1">
+                    <a:lumMod val="50000"/>
+                  </a:schemeClr>
+                </a:solidFill>
                 <a:latin typeface="Courier" pitchFamily="2" charset="0"/>
               </a:rPr>
               <a:t>   </a:t>
             </a:r>
             <a:r>
+              <a:rPr lang="en-US" sz="2000" dirty="0">
+                <a:latin typeface="Courier" pitchFamily="2" charset="0"/>
+              </a:rPr>
+              <a:t>final String actual = </a:t>
+            </a:r>
+            <a:r>
               <a:rPr lang="en-US" sz="2000" dirty="0" err="1">
                 <a:latin typeface="Courier" pitchFamily="2" charset="0"/>
               </a:rPr>
+              <a:t>foo.getName</a:t>
+            </a:r>
+            <a:r>
+              <a:rPr lang="en-US" sz="2000" dirty="0">
+                <a:latin typeface="Courier" pitchFamily="2" charset="0"/>
+              </a:rPr>
+              <a:t>();  </a:t>
+            </a:r>
+            <a:r>
+              <a:rPr lang="en-US" sz="2000" dirty="0">
+                <a:solidFill>
+                  <a:schemeClr val="bg1">
+                    <a:lumMod val="50000"/>
+                  </a:schemeClr>
+                </a:solidFill>
+                <a:latin typeface="Courier" pitchFamily="2" charset="0"/>
+              </a:rPr>
+              <a:t>// Exercise the SUT.</a:t>
+            </a:r>
+            <a:br>
+              <a:rPr lang="en-US" sz="2000" dirty="0">
+                <a:solidFill>
+                  <a:schemeClr val="bg1">
+                    <a:lumMod val="50000"/>
+                  </a:schemeClr>
+                </a:solidFill>
+                <a:latin typeface="Courier" pitchFamily="2" charset="0"/>
+              </a:rPr>
+            </a:br>
+            <a:br>
+              <a:rPr lang="en-US" sz="2000" dirty="0">
+                <a:solidFill>
+                  <a:schemeClr val="bg1">
+                    <a:lumMod val="50000"/>
+                  </a:schemeClr>
+                </a:solidFill>
+                <a:latin typeface="Courier" pitchFamily="2" charset="0"/>
+              </a:rPr>
+            </a:br>
+            <a:r>
+              <a:rPr lang="en-US" sz="2000" dirty="0">
+                <a:latin typeface="Courier" pitchFamily="2" charset="0"/>
+              </a:rPr>
+              <a:t>   </a:t>
+            </a:r>
+            <a:r>
+              <a:rPr lang="en-US" sz="2000" dirty="0" err="1">
+                <a:latin typeface="Courier" pitchFamily="2" charset="0"/>
+              </a:rPr>
               <a:t>assertEquals</a:t>
             </a:r>
             <a:r>
               <a:rPr lang="en-US" sz="2000" dirty="0">
                 <a:latin typeface="Courier" pitchFamily="2" charset="0"/>
               </a:rPr>
-              <a:t>("bar", </a:t>
+              <a:t>("bar", actual);</a:t>
+            </a:r>
+            <a:br>
+              <a:rPr lang="en-US" sz="2000" dirty="0">
+                <a:latin typeface="Courier" pitchFamily="2" charset="0"/>
+              </a:rPr>
+            </a:br>
+            <a:r>
+              <a:rPr lang="en-US" sz="2000" dirty="0">
+                <a:solidFill>
+                  <a:schemeClr val="bg1">
+                    <a:lumMod val="50000"/>
+                  </a:schemeClr>
+                </a:solidFill>
+                <a:latin typeface="Courier" pitchFamily="2" charset="0"/>
+              </a:rPr>
+              <a:t>   // Verify interactions with mock</a:t>
+            </a:r>
+            <a:br>
+              <a:rPr lang="en-US" sz="2000" dirty="0">
+                <a:solidFill>
+                  <a:schemeClr val="bg1">
+                    <a:lumMod val="50000"/>
+                  </a:schemeClr>
+                </a:solidFill>
+                <a:latin typeface="Courier" pitchFamily="2" charset="0"/>
+              </a:rPr>
+            </a:br>
+            <a:r>
+              <a:rPr lang="en-US" sz="2000" dirty="0">
+                <a:latin typeface="Courier" pitchFamily="2" charset="0"/>
+              </a:rPr>
+              <a:t>   verify(foo).</a:t>
             </a:r>
             <a:r>
               <a:rPr lang="en-US" sz="2000" dirty="0" err="1">
                 <a:latin typeface="Courier" pitchFamily="2" charset="0"/>
               </a:rPr>
-              <a:t>foo.method</a:t>
+              <a:t>getName</a:t>
+            </a:r>
+            <a:r>
+              <a:rPr lang="en-US" sz="2000" dirty="0">
+                <a:latin typeface="Courier" pitchFamily="2" charset="0"/>
+              </a:rPr>
+              <a:t>();</a:t>
+            </a:r>
+            <a:br>
+              <a:rPr lang="en-US" sz="2000" dirty="0">
+                <a:latin typeface="Courier" pitchFamily="2" charset="0"/>
+              </a:rPr>
+            </a:br>
+            <a:r>
+              <a:rPr lang="en-US" sz="2000" dirty="0">
+                <a:latin typeface="Courier" pitchFamily="2" charset="0"/>
+              </a:rPr>
+              <a:t>}</a:t>
+            </a:r>
+            <a:br>
+              <a:rPr lang="en-US" sz="2000" dirty="0">
+                <a:latin typeface="Courier" pitchFamily="2" charset="0"/>
+              </a:rPr>
+            </a:br>
+            <a:r>
+              <a:rPr lang="en-US" sz="2000" dirty="0" err="1">
+                <a:latin typeface="Courier" pitchFamily="2" charset="0"/>
+              </a:rPr>
+              <a:t>assertEquals</a:t>
+            </a:r>
+            <a:r>
+              <a:rPr lang="en-US" sz="2000" dirty="0">
+                <a:latin typeface="Courier" pitchFamily="2" charset="0"/>
+              </a:rPr>
+              <a:t>("foo", new Foo().</a:t>
+            </a:r>
+            <a:r>
+              <a:rPr lang="en-US" sz="2000" dirty="0" err="1">
+                <a:latin typeface="Courier" pitchFamily="2" charset="0"/>
+              </a:rPr>
+              <a:t>getName</a:t>
             </a:r>
             <a:r>
               <a:rPr lang="en-US" sz="2000" dirty="0">
                 <a:latin typeface="Courier" pitchFamily="2" charset="0"/>
               </a:rPr>
               <a:t>());</a:t>
-            </a:r>
-          </a:p>
-          <a:p>
-            <a:pPr marL="0" indent="0">
-              <a:buNone/>
-            </a:pPr>
-            <a:r>
-              <a:rPr lang="en-US" sz="2000" dirty="0">
-                <a:latin typeface="Courier" pitchFamily="2" charset="0"/>
-              </a:rPr>
-              <a:t>   verify(foo).method();</a:t>
-            </a:r>
-          </a:p>
-          <a:p>
-            <a:pPr marL="0" indent="0">
-              <a:buNone/>
-            </a:pPr>
-            <a:r>
-              <a:rPr lang="en-US" sz="2000" dirty="0">
-                <a:latin typeface="Courier" pitchFamily="2" charset="0"/>
-              </a:rPr>
-              <a:t>}</a:t>
-            </a:r>
-          </a:p>
-          <a:p>
-            <a:pPr marL="0" indent="0">
-              <a:buNone/>
-            </a:pPr>
-            <a:r>
-              <a:rPr lang="en-US" sz="2000" dirty="0" err="1">
-                <a:latin typeface="Courier" pitchFamily="2" charset="0"/>
-              </a:rPr>
-              <a:t>assertEquals</a:t>
-            </a:r>
-            <a:r>
-              <a:rPr lang="en-US" sz="2000" dirty="0">
-                <a:latin typeface="Courier" pitchFamily="2" charset="0"/>
-              </a:rPr>
-              <a:t>("foo", new Foo().method());</a:t>
             </a:r>
           </a:p>
         </p:txBody>
@@ -5357,86 +5528,6 @@
 </p:sld>
 </file>
 
-<file path=ppt/slides/slide19.xml><?xml version="1.0" encoding="utf-8"?>
-<p:sld xmlns:a="http://schemas.openxmlformats.org/drawingml/2006/main" xmlns:r="http://schemas.openxmlformats.org/officeDocument/2006/relationships" xmlns:p="http://schemas.openxmlformats.org/presentationml/2006/main">
-  <p:cSld>
-    <p:spTree>
-      <p:nvGrpSpPr>
-        <p:cNvPr id="1" name=""/>
-        <p:cNvGrpSpPr/>
-        <p:nvPr/>
-      </p:nvGrpSpPr>
-      <p:grpSpPr>
-        <a:xfrm>
-          <a:off x="0" y="0"/>
-          <a:ext cx="0" cy="0"/>
-          <a:chOff x="0" y="0"/>
-          <a:chExt cx="0" cy="0"/>
-        </a:xfrm>
-      </p:grpSpPr>
-      <p:sp>
-        <p:nvSpPr>
-          <p:cNvPr id="2" name="Title 1">
-            <a:extLst>
-              <a:ext uri="{FF2B5EF4-FFF2-40B4-BE49-F238E27FC236}">
-                <a16:creationId xmlns:a16="http://schemas.microsoft.com/office/drawing/2014/main" id="{EF948449-51E6-9148-82F6-455F26533FA8}"/>
-              </a:ext>
-            </a:extLst>
-          </p:cNvPr>
-          <p:cNvSpPr>
-            <a:spLocks noGrp="1"/>
-          </p:cNvSpPr>
-          <p:nvPr>
-            <p:ph type="title"/>
-          </p:nvPr>
-        </p:nvSpPr>
-        <p:spPr/>
-        <p:txBody>
-          <a:bodyPr/>
-          <a:lstStyle/>
-          <a:p>
-            <a:endParaRPr lang="en-US"/>
-          </a:p>
-        </p:txBody>
-      </p:sp>
-      <p:sp>
-        <p:nvSpPr>
-          <p:cNvPr id="3" name="Content Placeholder 2">
-            <a:extLst>
-              <a:ext uri="{FF2B5EF4-FFF2-40B4-BE49-F238E27FC236}">
-                <a16:creationId xmlns:a16="http://schemas.microsoft.com/office/drawing/2014/main" id="{813F127E-461D-714F-B0A3-A39A056EAE55}"/>
-              </a:ext>
-            </a:extLst>
-          </p:cNvPr>
-          <p:cNvSpPr>
-            <a:spLocks noGrp="1"/>
-          </p:cNvSpPr>
-          <p:nvPr>
-            <p:ph idx="1"/>
-          </p:nvPr>
-        </p:nvSpPr>
-        <p:spPr/>
-        <p:txBody>
-          <a:bodyPr/>
-          <a:lstStyle/>
-          <a:p>
-            <a:endParaRPr lang="en-US"/>
-          </a:p>
-        </p:txBody>
-      </p:sp>
-    </p:spTree>
-    <p:extLst>
-      <p:ext uri="{BB962C8B-B14F-4D97-AF65-F5344CB8AC3E}">
-        <p14:creationId xmlns:p14="http://schemas.microsoft.com/office/powerpoint/2010/main" val="2266184385"/>
-      </p:ext>
-    </p:extLst>
-  </p:cSld>
-  <p:clrMapOvr>
-    <a:masterClrMapping/>
-  </p:clrMapOvr>
-</p:sld>
-</file>
-
 <file path=ppt/slides/slide2.xml><?xml version="1.0" encoding="utf-8"?>
 <p:sld xmlns:a="http://schemas.openxmlformats.org/drawingml/2006/main" xmlns:r="http://schemas.openxmlformats.org/officeDocument/2006/relationships" xmlns:p="http://schemas.openxmlformats.org/presentationml/2006/main">
   <p:cSld>
@@ -5504,8 +5595,25 @@
           <a:lstStyle/>
           <a:p>
             <a:r>
-              <a:rPr lang="en-US" dirty="0"/>
-              <a:t>Unit tests need to be isolated from slow dependencies: web services, databases, message queues, etc.</a:t>
+              <a:rPr lang="en-US"/>
+              <a:t>Indirect </a:t>
+            </a:r>
+            <a:r>
+              <a:rPr lang="en-US" dirty="0"/>
+              <a:t>outputs are impossible to verify without using test doubles.</a:t>
+            </a:r>
+          </a:p>
+          <a:p>
+            <a:r>
+              <a:rPr lang="en-US" dirty="0"/>
+              <a:t>Unit tests need to be isolated from slow dependencies.</a:t>
+            </a:r>
+          </a:p>
+          <a:p>
+            <a:pPr lvl="1"/>
+            <a:r>
+              <a:rPr lang="en-US" dirty="0"/>
+              <a:t>Web services, databases, message queues, etc.</a:t>
             </a:r>
           </a:p>
           <a:p>
@@ -5545,486 +5653,6 @@
     <p:extLst>
       <p:ext uri="{BB962C8B-B14F-4D97-AF65-F5344CB8AC3E}">
         <p14:creationId xmlns:p14="http://schemas.microsoft.com/office/powerpoint/2010/main" val="325043793"/>
-      </p:ext>
-    </p:extLst>
-  </p:cSld>
-  <p:clrMapOvr>
-    <a:masterClrMapping/>
-  </p:clrMapOvr>
-</p:sld>
-</file>
-
-<file path=ppt/slides/slide20.xml><?xml version="1.0" encoding="utf-8"?>
-<p:sld xmlns:a="http://schemas.openxmlformats.org/drawingml/2006/main" xmlns:r="http://schemas.openxmlformats.org/officeDocument/2006/relationships" xmlns:p="http://schemas.openxmlformats.org/presentationml/2006/main">
-  <p:cSld>
-    <p:spTree>
-      <p:nvGrpSpPr>
-        <p:cNvPr id="1" name=""/>
-        <p:cNvGrpSpPr/>
-        <p:nvPr/>
-      </p:nvGrpSpPr>
-      <p:grpSpPr>
-        <a:xfrm>
-          <a:off x="0" y="0"/>
-          <a:ext cx="0" cy="0"/>
-          <a:chOff x="0" y="0"/>
-          <a:chExt cx="0" cy="0"/>
-        </a:xfrm>
-      </p:grpSpPr>
-      <p:sp>
-        <p:nvSpPr>
-          <p:cNvPr id="2" name="Title 1">
-            <a:extLst>
-              <a:ext uri="{FF2B5EF4-FFF2-40B4-BE49-F238E27FC236}">
-                <a16:creationId xmlns:a16="http://schemas.microsoft.com/office/drawing/2014/main" id="{EF948449-51E6-9148-82F6-455F26533FA8}"/>
-              </a:ext>
-            </a:extLst>
-          </p:cNvPr>
-          <p:cNvSpPr>
-            <a:spLocks noGrp="1"/>
-          </p:cNvSpPr>
-          <p:nvPr>
-            <p:ph type="title"/>
-          </p:nvPr>
-        </p:nvSpPr>
-        <p:spPr/>
-        <p:txBody>
-          <a:bodyPr/>
-          <a:lstStyle/>
-          <a:p>
-            <a:endParaRPr lang="en-US"/>
-          </a:p>
-        </p:txBody>
-      </p:sp>
-      <p:sp>
-        <p:nvSpPr>
-          <p:cNvPr id="3" name="Content Placeholder 2">
-            <a:extLst>
-              <a:ext uri="{FF2B5EF4-FFF2-40B4-BE49-F238E27FC236}">
-                <a16:creationId xmlns:a16="http://schemas.microsoft.com/office/drawing/2014/main" id="{813F127E-461D-714F-B0A3-A39A056EAE55}"/>
-              </a:ext>
-            </a:extLst>
-          </p:cNvPr>
-          <p:cNvSpPr>
-            <a:spLocks noGrp="1"/>
-          </p:cNvSpPr>
-          <p:nvPr>
-            <p:ph idx="1"/>
-          </p:nvPr>
-        </p:nvSpPr>
-        <p:spPr/>
-        <p:txBody>
-          <a:bodyPr/>
-          <a:lstStyle/>
-          <a:p>
-            <a:endParaRPr lang="en-US"/>
-          </a:p>
-        </p:txBody>
-      </p:sp>
-    </p:spTree>
-    <p:extLst>
-      <p:ext uri="{BB962C8B-B14F-4D97-AF65-F5344CB8AC3E}">
-        <p14:creationId xmlns:p14="http://schemas.microsoft.com/office/powerpoint/2010/main" val="661189816"/>
-      </p:ext>
-    </p:extLst>
-  </p:cSld>
-  <p:clrMapOvr>
-    <a:masterClrMapping/>
-  </p:clrMapOvr>
-</p:sld>
-</file>
-
-<file path=ppt/slides/slide21.xml><?xml version="1.0" encoding="utf-8"?>
-<p:sld xmlns:a="http://schemas.openxmlformats.org/drawingml/2006/main" xmlns:r="http://schemas.openxmlformats.org/officeDocument/2006/relationships" xmlns:p="http://schemas.openxmlformats.org/presentationml/2006/main">
-  <p:cSld>
-    <p:spTree>
-      <p:nvGrpSpPr>
-        <p:cNvPr id="1" name=""/>
-        <p:cNvGrpSpPr/>
-        <p:nvPr/>
-      </p:nvGrpSpPr>
-      <p:grpSpPr>
-        <a:xfrm>
-          <a:off x="0" y="0"/>
-          <a:ext cx="0" cy="0"/>
-          <a:chOff x="0" y="0"/>
-          <a:chExt cx="0" cy="0"/>
-        </a:xfrm>
-      </p:grpSpPr>
-      <p:sp>
-        <p:nvSpPr>
-          <p:cNvPr id="2" name="Title 1">
-            <a:extLst>
-              <a:ext uri="{FF2B5EF4-FFF2-40B4-BE49-F238E27FC236}">
-                <a16:creationId xmlns:a16="http://schemas.microsoft.com/office/drawing/2014/main" id="{EF948449-51E6-9148-82F6-455F26533FA8}"/>
-              </a:ext>
-            </a:extLst>
-          </p:cNvPr>
-          <p:cNvSpPr>
-            <a:spLocks noGrp="1"/>
-          </p:cNvSpPr>
-          <p:nvPr>
-            <p:ph type="title"/>
-          </p:nvPr>
-        </p:nvSpPr>
-        <p:spPr/>
-        <p:txBody>
-          <a:bodyPr/>
-          <a:lstStyle/>
-          <a:p>
-            <a:endParaRPr lang="en-US"/>
-          </a:p>
-        </p:txBody>
-      </p:sp>
-      <p:sp>
-        <p:nvSpPr>
-          <p:cNvPr id="3" name="Content Placeholder 2">
-            <a:extLst>
-              <a:ext uri="{FF2B5EF4-FFF2-40B4-BE49-F238E27FC236}">
-                <a16:creationId xmlns:a16="http://schemas.microsoft.com/office/drawing/2014/main" id="{813F127E-461D-714F-B0A3-A39A056EAE55}"/>
-              </a:ext>
-            </a:extLst>
-          </p:cNvPr>
-          <p:cNvSpPr>
-            <a:spLocks noGrp="1"/>
-          </p:cNvSpPr>
-          <p:nvPr>
-            <p:ph idx="1"/>
-          </p:nvPr>
-        </p:nvSpPr>
-        <p:spPr/>
-        <p:txBody>
-          <a:bodyPr/>
-          <a:lstStyle/>
-          <a:p>
-            <a:endParaRPr lang="en-US"/>
-          </a:p>
-        </p:txBody>
-      </p:sp>
-    </p:spTree>
-    <p:extLst>
-      <p:ext uri="{BB962C8B-B14F-4D97-AF65-F5344CB8AC3E}">
-        <p14:creationId xmlns:p14="http://schemas.microsoft.com/office/powerpoint/2010/main" val="794809592"/>
-      </p:ext>
-    </p:extLst>
-  </p:cSld>
-  <p:clrMapOvr>
-    <a:masterClrMapping/>
-  </p:clrMapOvr>
-</p:sld>
-</file>
-
-<file path=ppt/slides/slide22.xml><?xml version="1.0" encoding="utf-8"?>
-<p:sld xmlns:a="http://schemas.openxmlformats.org/drawingml/2006/main" xmlns:r="http://schemas.openxmlformats.org/officeDocument/2006/relationships" xmlns:p="http://schemas.openxmlformats.org/presentationml/2006/main">
-  <p:cSld>
-    <p:spTree>
-      <p:nvGrpSpPr>
-        <p:cNvPr id="1" name=""/>
-        <p:cNvGrpSpPr/>
-        <p:nvPr/>
-      </p:nvGrpSpPr>
-      <p:grpSpPr>
-        <a:xfrm>
-          <a:off x="0" y="0"/>
-          <a:ext cx="0" cy="0"/>
-          <a:chOff x="0" y="0"/>
-          <a:chExt cx="0" cy="0"/>
-        </a:xfrm>
-      </p:grpSpPr>
-      <p:sp>
-        <p:nvSpPr>
-          <p:cNvPr id="2" name="Title 1">
-            <a:extLst>
-              <a:ext uri="{FF2B5EF4-FFF2-40B4-BE49-F238E27FC236}">
-                <a16:creationId xmlns:a16="http://schemas.microsoft.com/office/drawing/2014/main" id="{EF948449-51E6-9148-82F6-455F26533FA8}"/>
-              </a:ext>
-            </a:extLst>
-          </p:cNvPr>
-          <p:cNvSpPr>
-            <a:spLocks noGrp="1"/>
-          </p:cNvSpPr>
-          <p:nvPr>
-            <p:ph type="title"/>
-          </p:nvPr>
-        </p:nvSpPr>
-        <p:spPr/>
-        <p:txBody>
-          <a:bodyPr/>
-          <a:lstStyle/>
-          <a:p>
-            <a:endParaRPr lang="en-US"/>
-          </a:p>
-        </p:txBody>
-      </p:sp>
-      <p:sp>
-        <p:nvSpPr>
-          <p:cNvPr id="3" name="Content Placeholder 2">
-            <a:extLst>
-              <a:ext uri="{FF2B5EF4-FFF2-40B4-BE49-F238E27FC236}">
-                <a16:creationId xmlns:a16="http://schemas.microsoft.com/office/drawing/2014/main" id="{813F127E-461D-714F-B0A3-A39A056EAE55}"/>
-              </a:ext>
-            </a:extLst>
-          </p:cNvPr>
-          <p:cNvSpPr>
-            <a:spLocks noGrp="1"/>
-          </p:cNvSpPr>
-          <p:nvPr>
-            <p:ph idx="1"/>
-          </p:nvPr>
-        </p:nvSpPr>
-        <p:spPr/>
-        <p:txBody>
-          <a:bodyPr/>
-          <a:lstStyle/>
-          <a:p>
-            <a:endParaRPr lang="en-US"/>
-          </a:p>
-        </p:txBody>
-      </p:sp>
-    </p:spTree>
-    <p:extLst>
-      <p:ext uri="{BB962C8B-B14F-4D97-AF65-F5344CB8AC3E}">
-        <p14:creationId xmlns:p14="http://schemas.microsoft.com/office/powerpoint/2010/main" val="208225179"/>
-      </p:ext>
-    </p:extLst>
-  </p:cSld>
-  <p:clrMapOvr>
-    <a:masterClrMapping/>
-  </p:clrMapOvr>
-</p:sld>
-</file>
-
-<file path=ppt/slides/slide23.xml><?xml version="1.0" encoding="utf-8"?>
-<p:sld xmlns:a="http://schemas.openxmlformats.org/drawingml/2006/main" xmlns:r="http://schemas.openxmlformats.org/officeDocument/2006/relationships" xmlns:p="http://schemas.openxmlformats.org/presentationml/2006/main">
-  <p:cSld>
-    <p:spTree>
-      <p:nvGrpSpPr>
-        <p:cNvPr id="1" name=""/>
-        <p:cNvGrpSpPr/>
-        <p:nvPr/>
-      </p:nvGrpSpPr>
-      <p:grpSpPr>
-        <a:xfrm>
-          <a:off x="0" y="0"/>
-          <a:ext cx="0" cy="0"/>
-          <a:chOff x="0" y="0"/>
-          <a:chExt cx="0" cy="0"/>
-        </a:xfrm>
-      </p:grpSpPr>
-      <p:sp>
-        <p:nvSpPr>
-          <p:cNvPr id="2" name="Title 1">
-            <a:extLst>
-              <a:ext uri="{FF2B5EF4-FFF2-40B4-BE49-F238E27FC236}">
-                <a16:creationId xmlns:a16="http://schemas.microsoft.com/office/drawing/2014/main" id="{EF948449-51E6-9148-82F6-455F26533FA8}"/>
-              </a:ext>
-            </a:extLst>
-          </p:cNvPr>
-          <p:cNvSpPr>
-            <a:spLocks noGrp="1"/>
-          </p:cNvSpPr>
-          <p:nvPr>
-            <p:ph type="title"/>
-          </p:nvPr>
-        </p:nvSpPr>
-        <p:spPr/>
-        <p:txBody>
-          <a:bodyPr/>
-          <a:lstStyle/>
-          <a:p>
-            <a:endParaRPr lang="en-US"/>
-          </a:p>
-        </p:txBody>
-      </p:sp>
-      <p:sp>
-        <p:nvSpPr>
-          <p:cNvPr id="3" name="Content Placeholder 2">
-            <a:extLst>
-              <a:ext uri="{FF2B5EF4-FFF2-40B4-BE49-F238E27FC236}">
-                <a16:creationId xmlns:a16="http://schemas.microsoft.com/office/drawing/2014/main" id="{813F127E-461D-714F-B0A3-A39A056EAE55}"/>
-              </a:ext>
-            </a:extLst>
-          </p:cNvPr>
-          <p:cNvSpPr>
-            <a:spLocks noGrp="1"/>
-          </p:cNvSpPr>
-          <p:nvPr>
-            <p:ph idx="1"/>
-          </p:nvPr>
-        </p:nvSpPr>
-        <p:spPr/>
-        <p:txBody>
-          <a:bodyPr/>
-          <a:lstStyle/>
-          <a:p>
-            <a:endParaRPr lang="en-US"/>
-          </a:p>
-        </p:txBody>
-      </p:sp>
-    </p:spTree>
-    <p:extLst>
-      <p:ext uri="{BB962C8B-B14F-4D97-AF65-F5344CB8AC3E}">
-        <p14:creationId xmlns:p14="http://schemas.microsoft.com/office/powerpoint/2010/main" val="2565634564"/>
-      </p:ext>
-    </p:extLst>
-  </p:cSld>
-  <p:clrMapOvr>
-    <a:masterClrMapping/>
-  </p:clrMapOvr>
-</p:sld>
-</file>
-
-<file path=ppt/slides/slide24.xml><?xml version="1.0" encoding="utf-8"?>
-<p:sld xmlns:a="http://schemas.openxmlformats.org/drawingml/2006/main" xmlns:r="http://schemas.openxmlformats.org/officeDocument/2006/relationships" xmlns:p="http://schemas.openxmlformats.org/presentationml/2006/main">
-  <p:cSld>
-    <p:spTree>
-      <p:nvGrpSpPr>
-        <p:cNvPr id="1" name=""/>
-        <p:cNvGrpSpPr/>
-        <p:nvPr/>
-      </p:nvGrpSpPr>
-      <p:grpSpPr>
-        <a:xfrm>
-          <a:off x="0" y="0"/>
-          <a:ext cx="0" cy="0"/>
-          <a:chOff x="0" y="0"/>
-          <a:chExt cx="0" cy="0"/>
-        </a:xfrm>
-      </p:grpSpPr>
-      <p:sp>
-        <p:nvSpPr>
-          <p:cNvPr id="2" name="Title 1">
-            <a:extLst>
-              <a:ext uri="{FF2B5EF4-FFF2-40B4-BE49-F238E27FC236}">
-                <a16:creationId xmlns:a16="http://schemas.microsoft.com/office/drawing/2014/main" id="{EF948449-51E6-9148-82F6-455F26533FA8}"/>
-              </a:ext>
-            </a:extLst>
-          </p:cNvPr>
-          <p:cNvSpPr>
-            <a:spLocks noGrp="1"/>
-          </p:cNvSpPr>
-          <p:nvPr>
-            <p:ph type="title"/>
-          </p:nvPr>
-        </p:nvSpPr>
-        <p:spPr/>
-        <p:txBody>
-          <a:bodyPr/>
-          <a:lstStyle/>
-          <a:p>
-            <a:endParaRPr lang="en-US"/>
-          </a:p>
-        </p:txBody>
-      </p:sp>
-      <p:sp>
-        <p:nvSpPr>
-          <p:cNvPr id="3" name="Content Placeholder 2">
-            <a:extLst>
-              <a:ext uri="{FF2B5EF4-FFF2-40B4-BE49-F238E27FC236}">
-                <a16:creationId xmlns:a16="http://schemas.microsoft.com/office/drawing/2014/main" id="{813F127E-461D-714F-B0A3-A39A056EAE55}"/>
-              </a:ext>
-            </a:extLst>
-          </p:cNvPr>
-          <p:cNvSpPr>
-            <a:spLocks noGrp="1"/>
-          </p:cNvSpPr>
-          <p:nvPr>
-            <p:ph idx="1"/>
-          </p:nvPr>
-        </p:nvSpPr>
-        <p:spPr/>
-        <p:txBody>
-          <a:bodyPr/>
-          <a:lstStyle/>
-          <a:p>
-            <a:endParaRPr lang="en-US"/>
-          </a:p>
-        </p:txBody>
-      </p:sp>
-    </p:spTree>
-    <p:extLst>
-      <p:ext uri="{BB962C8B-B14F-4D97-AF65-F5344CB8AC3E}">
-        <p14:creationId xmlns:p14="http://schemas.microsoft.com/office/powerpoint/2010/main" val="3567679444"/>
-      </p:ext>
-    </p:extLst>
-  </p:cSld>
-  <p:clrMapOvr>
-    <a:masterClrMapping/>
-  </p:clrMapOvr>
-</p:sld>
-</file>
-
-<file path=ppt/slides/slide25.xml><?xml version="1.0" encoding="utf-8"?>
-<p:sld xmlns:a="http://schemas.openxmlformats.org/drawingml/2006/main" xmlns:r="http://schemas.openxmlformats.org/officeDocument/2006/relationships" xmlns:p="http://schemas.openxmlformats.org/presentationml/2006/main">
-  <p:cSld>
-    <p:spTree>
-      <p:nvGrpSpPr>
-        <p:cNvPr id="1" name=""/>
-        <p:cNvGrpSpPr/>
-        <p:nvPr/>
-      </p:nvGrpSpPr>
-      <p:grpSpPr>
-        <a:xfrm>
-          <a:off x="0" y="0"/>
-          <a:ext cx="0" cy="0"/>
-          <a:chOff x="0" y="0"/>
-          <a:chExt cx="0" cy="0"/>
-        </a:xfrm>
-      </p:grpSpPr>
-      <p:sp>
-        <p:nvSpPr>
-          <p:cNvPr id="2" name="Title 1">
-            <a:extLst>
-              <a:ext uri="{FF2B5EF4-FFF2-40B4-BE49-F238E27FC236}">
-                <a16:creationId xmlns:a16="http://schemas.microsoft.com/office/drawing/2014/main" id="{EF948449-51E6-9148-82F6-455F26533FA8}"/>
-              </a:ext>
-            </a:extLst>
-          </p:cNvPr>
-          <p:cNvSpPr>
-            <a:spLocks noGrp="1"/>
-          </p:cNvSpPr>
-          <p:nvPr>
-            <p:ph type="title"/>
-          </p:nvPr>
-        </p:nvSpPr>
-        <p:spPr/>
-        <p:txBody>
-          <a:bodyPr/>
-          <a:lstStyle/>
-          <a:p>
-            <a:endParaRPr lang="en-US"/>
-          </a:p>
-        </p:txBody>
-      </p:sp>
-      <p:sp>
-        <p:nvSpPr>
-          <p:cNvPr id="3" name="Content Placeholder 2">
-            <a:extLst>
-              <a:ext uri="{FF2B5EF4-FFF2-40B4-BE49-F238E27FC236}">
-                <a16:creationId xmlns:a16="http://schemas.microsoft.com/office/drawing/2014/main" id="{813F127E-461D-714F-B0A3-A39A056EAE55}"/>
-              </a:ext>
-            </a:extLst>
-          </p:cNvPr>
-          <p:cNvSpPr>
-            <a:spLocks noGrp="1"/>
-          </p:cNvSpPr>
-          <p:nvPr>
-            <p:ph idx="1"/>
-          </p:nvPr>
-        </p:nvSpPr>
-        <p:spPr/>
-        <p:txBody>
-          <a:bodyPr/>
-          <a:lstStyle/>
-          <a:p>
-            <a:endParaRPr lang="en-US"/>
-          </a:p>
-        </p:txBody>
-      </p:sp>
-    </p:spTree>
-    <p:extLst>
-      <p:ext uri="{BB962C8B-B14F-4D97-AF65-F5344CB8AC3E}">
-        <p14:creationId xmlns:p14="http://schemas.microsoft.com/office/powerpoint/2010/main" val="2412694539"/>
       </p:ext>
     </p:extLst>
   </p:cSld>
